--- a/docs/Reuniones/Sprint 3/Reunion Formal 20131021/Reunion Formal.pptx
+++ b/docs/Reuniones/Sprint 3/Reunion Formal 20131021/Reunion Formal.pptx
@@ -121,6 +121,11 @@
       </a:defRPr>
     </a:lvl9pPr>
   </p:defaultTextStyle>
+  <p:extLst>
+    <p:ext uri="{EFAFB233-063F-42B5-8137-9DF3F51BA10A}">
+      <p15:sldGuideLst xmlns:p15="http://schemas.microsoft.com/office/powerpoint/2012/main"/>
+    </p:ext>
+  </p:extLst>
 </p:presentation>
 </file>
 
@@ -3440,11 +3445,7 @@
             </a:r>
             <a:r>
               <a:rPr lang="es-AR" sz="4000" dirty="0" smtClean="0"/>
-              <a:t>#</a:t>
-            </a:r>
-            <a:r>
-              <a:rPr lang="es-AR" sz="4000" dirty="0" smtClean="0"/>
-              <a:t>3</a:t>
+              <a:t>#3</a:t>
             </a:r>
             <a:endParaRPr lang="es-AR" sz="4000" dirty="0"/>
           </a:p>
@@ -5363,11 +5364,7 @@
             </a:pPr>
             <a:r>
               <a:rPr lang="es-AR" sz="3200" dirty="0" smtClean="0"/>
-              <a:t>Carga de información de complejos</a:t>
-            </a:r>
-            <a:r>
-              <a:rPr lang="es-AR" sz="3200" dirty="0" smtClean="0"/>
-              <a:t>.</a:t>
+              <a:t>Carga de información de complejos.</a:t>
             </a:r>
           </a:p>
           <a:p>
@@ -5490,6 +5487,36 @@
           </a:p>
         </p:txBody>
       </p:sp>
+      <p:pic>
+        <p:nvPicPr>
+          <p:cNvPr id="4" name="Picture 3"/>
+          <p:cNvPicPr>
+            <a:picLocks noChangeAspect="1"/>
+          </p:cNvPicPr>
+          <p:nvPr/>
+        </p:nvPicPr>
+        <p:blipFill>
+          <a:blip r:embed="rId2">
+            <a:extLst>
+              <a:ext uri="{28A0092B-C50C-407E-A947-70E740481C1C}">
+                <a14:useLocalDpi xmlns:a14="http://schemas.microsoft.com/office/drawing/2010/main" val="0"/>
+              </a:ext>
+            </a:extLst>
+          </a:blip>
+          <a:stretch>
+            <a:fillRect/>
+          </a:stretch>
+        </p:blipFill>
+        <p:spPr>
+          <a:xfrm>
+            <a:off x="187609" y="1736436"/>
+            <a:ext cx="11763456" cy="4414982"/>
+          </a:xfrm>
+          <a:prstGeom prst="rect">
+            <a:avLst/>
+          </a:prstGeom>
+        </p:spPr>
+      </p:pic>
     </p:spTree>
     <p:extLst>
       <p:ext uri="{BB962C8B-B14F-4D97-AF65-F5344CB8AC3E}">

--- a/docs/Reuniones/Sprint 3/Reunion Formal 20131021/Reunion Formal.pptx
+++ b/docs/Reuniones/Sprint 3/Reunion Formal 20131021/Reunion Formal.pptx
@@ -9,20 +9,22 @@
     <p:sldId id="258" r:id="rId3"/>
     <p:sldId id="259" r:id="rId4"/>
     <p:sldId id="260" r:id="rId5"/>
-    <p:sldId id="270" r:id="rId6"/>
+    <p:sldId id="275" r:id="rId6"/>
     <p:sldId id="274" r:id="rId7"/>
-    <p:sldId id="261" r:id="rId8"/>
-    <p:sldId id="262" r:id="rId9"/>
-    <p:sldId id="263" r:id="rId10"/>
-    <p:sldId id="264" r:id="rId11"/>
-    <p:sldId id="265" r:id="rId12"/>
-    <p:sldId id="267" r:id="rId13"/>
-    <p:sldId id="266" r:id="rId14"/>
-    <p:sldId id="268" r:id="rId15"/>
-    <p:sldId id="269" r:id="rId16"/>
-    <p:sldId id="271" r:id="rId17"/>
-    <p:sldId id="272" r:id="rId18"/>
-    <p:sldId id="273" r:id="rId19"/>
+    <p:sldId id="276" r:id="rId8"/>
+    <p:sldId id="277" r:id="rId9"/>
+    <p:sldId id="278" r:id="rId10"/>
+    <p:sldId id="263" r:id="rId11"/>
+    <p:sldId id="279" r:id="rId12"/>
+    <p:sldId id="264" r:id="rId13"/>
+    <p:sldId id="265" r:id="rId14"/>
+    <p:sldId id="267" r:id="rId15"/>
+    <p:sldId id="266" r:id="rId16"/>
+    <p:sldId id="268" r:id="rId17"/>
+    <p:sldId id="269" r:id="rId18"/>
+    <p:sldId id="271" r:id="rId19"/>
+    <p:sldId id="272" r:id="rId20"/>
+    <p:sldId id="273" r:id="rId21"/>
   </p:sldIdLst>
   <p:sldSz cx="12192000" cy="6858000"/>
   <p:notesSz cx="6858000" cy="9144000"/>
@@ -123,7 +125,7 @@
   </p:defaultTextStyle>
   <p:extLst>
     <p:ext uri="{EFAFB233-063F-42B5-8137-9DF3F51BA10A}">
-      <p15:sldGuideLst xmlns:p15="http://schemas.microsoft.com/office/powerpoint/2012/main"/>
+      <p15:sldGuideLst xmlns:p15="http://schemas.microsoft.com/office/powerpoint/2012/main" xmlns=""/>
     </p:ext>
   </p:extLst>
 </p:presentation>
@@ -329,7 +331,8 @@
           <a:p>
             <a:fld id="{A3B91EB6-4160-46A1-BFEE-CCE548EA35CA}" type="datetimeFigureOut">
               <a:rPr lang="es-AR" smtClean="0"/>
-              <a:t>19/10/2013</a:t>
+              <a:pPr/>
+              <a:t>20/10/2013</a:t>
             </a:fld>
             <a:endParaRPr lang="es-AR"/>
           </a:p>
@@ -391,7 +394,8 @@
           <a:p>
             <a:fld id="{146C01B7-3F94-48E0-9801-4B4D2FF8F9CB}" type="slidenum">
               <a:rPr lang="es-AR" smtClean="0"/>
-              <a:t>‹#›</a:t>
+              <a:pPr/>
+              <a:t>‹Nº›</a:t>
             </a:fld>
             <a:endParaRPr lang="es-AR"/>
           </a:p>
@@ -400,7 +404,7 @@
     </p:spTree>
     <p:extLst>
       <p:ext uri="{BB962C8B-B14F-4D97-AF65-F5344CB8AC3E}">
-        <p14:creationId xmlns:p14="http://schemas.microsoft.com/office/powerpoint/2010/main" val="783670883"/>
+        <p14:creationId xmlns:p14="http://schemas.microsoft.com/office/powerpoint/2010/main" xmlns="" val="783670883"/>
       </p:ext>
     </p:extLst>
   </p:cSld>
@@ -519,7 +523,8 @@
           <a:p>
             <a:fld id="{A3B91EB6-4160-46A1-BFEE-CCE548EA35CA}" type="datetimeFigureOut">
               <a:rPr lang="es-AR" smtClean="0"/>
-              <a:t>19/10/2013</a:t>
+              <a:pPr/>
+              <a:t>20/10/2013</a:t>
             </a:fld>
             <a:endParaRPr lang="es-AR"/>
           </a:p>
@@ -561,7 +566,8 @@
           <a:p>
             <a:fld id="{146C01B7-3F94-48E0-9801-4B4D2FF8F9CB}" type="slidenum">
               <a:rPr lang="es-AR" smtClean="0"/>
-              <a:t>‹#›</a:t>
+              <a:pPr/>
+              <a:t>‹Nº›</a:t>
             </a:fld>
             <a:endParaRPr lang="es-AR"/>
           </a:p>
@@ -570,7 +576,7 @@
     </p:spTree>
     <p:extLst>
       <p:ext uri="{BB962C8B-B14F-4D97-AF65-F5344CB8AC3E}">
-        <p14:creationId xmlns:p14="http://schemas.microsoft.com/office/powerpoint/2010/main" val="3362801827"/>
+        <p14:creationId xmlns:p14="http://schemas.microsoft.com/office/powerpoint/2010/main" xmlns="" val="3362801827"/>
       </p:ext>
     </p:extLst>
   </p:cSld>
@@ -699,7 +705,8 @@
           <a:p>
             <a:fld id="{A3B91EB6-4160-46A1-BFEE-CCE548EA35CA}" type="datetimeFigureOut">
               <a:rPr lang="es-AR" smtClean="0"/>
-              <a:t>19/10/2013</a:t>
+              <a:pPr/>
+              <a:t>20/10/2013</a:t>
             </a:fld>
             <a:endParaRPr lang="es-AR"/>
           </a:p>
@@ -741,7 +748,8 @@
           <a:p>
             <a:fld id="{146C01B7-3F94-48E0-9801-4B4D2FF8F9CB}" type="slidenum">
               <a:rPr lang="es-AR" smtClean="0"/>
-              <a:t>‹#›</a:t>
+              <a:pPr/>
+              <a:t>‹Nº›</a:t>
             </a:fld>
             <a:endParaRPr lang="es-AR"/>
           </a:p>
@@ -750,7 +758,7 @@
     </p:spTree>
     <p:extLst>
       <p:ext uri="{BB962C8B-B14F-4D97-AF65-F5344CB8AC3E}">
-        <p14:creationId xmlns:p14="http://schemas.microsoft.com/office/powerpoint/2010/main" val="1559089465"/>
+        <p14:creationId xmlns:p14="http://schemas.microsoft.com/office/powerpoint/2010/main" xmlns="" val="1559089465"/>
       </p:ext>
     </p:extLst>
   </p:cSld>
@@ -869,7 +877,8 @@
           <a:p>
             <a:fld id="{A3B91EB6-4160-46A1-BFEE-CCE548EA35CA}" type="datetimeFigureOut">
               <a:rPr lang="es-AR" smtClean="0"/>
-              <a:t>19/10/2013</a:t>
+              <a:pPr/>
+              <a:t>20/10/2013</a:t>
             </a:fld>
             <a:endParaRPr lang="es-AR"/>
           </a:p>
@@ -911,7 +920,8 @@
           <a:p>
             <a:fld id="{146C01B7-3F94-48E0-9801-4B4D2FF8F9CB}" type="slidenum">
               <a:rPr lang="es-AR" smtClean="0"/>
-              <a:t>‹#›</a:t>
+              <a:pPr/>
+              <a:t>‹Nº›</a:t>
             </a:fld>
             <a:endParaRPr lang="es-AR"/>
           </a:p>
@@ -920,7 +930,7 @@
     </p:spTree>
     <p:extLst>
       <p:ext uri="{BB962C8B-B14F-4D97-AF65-F5344CB8AC3E}">
-        <p14:creationId xmlns:p14="http://schemas.microsoft.com/office/powerpoint/2010/main" val="4250054912"/>
+        <p14:creationId xmlns:p14="http://schemas.microsoft.com/office/powerpoint/2010/main" xmlns="" val="4250054912"/>
       </p:ext>
     </p:extLst>
   </p:cSld>
@@ -1125,7 +1135,8 @@
           <a:p>
             <a:fld id="{A3B91EB6-4160-46A1-BFEE-CCE548EA35CA}" type="datetimeFigureOut">
               <a:rPr lang="es-AR" smtClean="0"/>
-              <a:t>19/10/2013</a:t>
+              <a:pPr/>
+              <a:t>20/10/2013</a:t>
             </a:fld>
             <a:endParaRPr lang="es-AR"/>
           </a:p>
@@ -1167,7 +1178,8 @@
           <a:p>
             <a:fld id="{146C01B7-3F94-48E0-9801-4B4D2FF8F9CB}" type="slidenum">
               <a:rPr lang="es-AR" smtClean="0"/>
-              <a:t>‹#›</a:t>
+              <a:pPr/>
+              <a:t>‹Nº›</a:t>
             </a:fld>
             <a:endParaRPr lang="es-AR"/>
           </a:p>
@@ -1176,7 +1188,7 @@
     </p:spTree>
     <p:extLst>
       <p:ext uri="{BB962C8B-B14F-4D97-AF65-F5344CB8AC3E}">
-        <p14:creationId xmlns:p14="http://schemas.microsoft.com/office/powerpoint/2010/main" val="2105287886"/>
+        <p14:creationId xmlns:p14="http://schemas.microsoft.com/office/powerpoint/2010/main" xmlns="" val="2105287886"/>
       </p:ext>
     </p:extLst>
   </p:cSld>
@@ -1413,7 +1425,8 @@
           <a:p>
             <a:fld id="{A3B91EB6-4160-46A1-BFEE-CCE548EA35CA}" type="datetimeFigureOut">
               <a:rPr lang="es-AR" smtClean="0"/>
-              <a:t>19/10/2013</a:t>
+              <a:pPr/>
+              <a:t>20/10/2013</a:t>
             </a:fld>
             <a:endParaRPr lang="es-AR"/>
           </a:p>
@@ -1455,7 +1468,8 @@
           <a:p>
             <a:fld id="{146C01B7-3F94-48E0-9801-4B4D2FF8F9CB}" type="slidenum">
               <a:rPr lang="es-AR" smtClean="0"/>
-              <a:t>‹#›</a:t>
+              <a:pPr/>
+              <a:t>‹Nº›</a:t>
             </a:fld>
             <a:endParaRPr lang="es-AR"/>
           </a:p>
@@ -1464,7 +1478,7 @@
     </p:spTree>
     <p:extLst>
       <p:ext uri="{BB962C8B-B14F-4D97-AF65-F5344CB8AC3E}">
-        <p14:creationId xmlns:p14="http://schemas.microsoft.com/office/powerpoint/2010/main" val="2999552341"/>
+        <p14:creationId xmlns:p14="http://schemas.microsoft.com/office/powerpoint/2010/main" xmlns="" val="2999552341"/>
       </p:ext>
     </p:extLst>
   </p:cSld>
@@ -1851,7 +1865,8 @@
           <a:p>
             <a:fld id="{A3B91EB6-4160-46A1-BFEE-CCE548EA35CA}" type="datetimeFigureOut">
               <a:rPr lang="es-AR" smtClean="0"/>
-              <a:t>19/10/2013</a:t>
+              <a:pPr/>
+              <a:t>20/10/2013</a:t>
             </a:fld>
             <a:endParaRPr lang="es-AR"/>
           </a:p>
@@ -1893,7 +1908,8 @@
           <a:p>
             <a:fld id="{146C01B7-3F94-48E0-9801-4B4D2FF8F9CB}" type="slidenum">
               <a:rPr lang="es-AR" smtClean="0"/>
-              <a:t>‹#›</a:t>
+              <a:pPr/>
+              <a:t>‹Nº›</a:t>
             </a:fld>
             <a:endParaRPr lang="es-AR"/>
           </a:p>
@@ -1902,7 +1918,7 @@
     </p:spTree>
     <p:extLst>
       <p:ext uri="{BB962C8B-B14F-4D97-AF65-F5344CB8AC3E}">
-        <p14:creationId xmlns:p14="http://schemas.microsoft.com/office/powerpoint/2010/main" val="375881571"/>
+        <p14:creationId xmlns:p14="http://schemas.microsoft.com/office/powerpoint/2010/main" xmlns="" val="375881571"/>
       </p:ext>
     </p:extLst>
   </p:cSld>
@@ -1969,7 +1985,8 @@
           <a:p>
             <a:fld id="{A3B91EB6-4160-46A1-BFEE-CCE548EA35CA}" type="datetimeFigureOut">
               <a:rPr lang="es-AR" smtClean="0"/>
-              <a:t>19/10/2013</a:t>
+              <a:pPr/>
+              <a:t>20/10/2013</a:t>
             </a:fld>
             <a:endParaRPr lang="es-AR"/>
           </a:p>
@@ -2011,7 +2028,8 @@
           <a:p>
             <a:fld id="{146C01B7-3F94-48E0-9801-4B4D2FF8F9CB}" type="slidenum">
               <a:rPr lang="es-AR" smtClean="0"/>
-              <a:t>‹#›</a:t>
+              <a:pPr/>
+              <a:t>‹Nº›</a:t>
             </a:fld>
             <a:endParaRPr lang="es-AR"/>
           </a:p>
@@ -2020,7 +2038,7 @@
     </p:spTree>
     <p:extLst>
       <p:ext uri="{BB962C8B-B14F-4D97-AF65-F5344CB8AC3E}">
-        <p14:creationId xmlns:p14="http://schemas.microsoft.com/office/powerpoint/2010/main" val="1095840064"/>
+        <p14:creationId xmlns:p14="http://schemas.microsoft.com/office/powerpoint/2010/main" xmlns="" val="1095840064"/>
       </p:ext>
     </p:extLst>
   </p:cSld>
@@ -2064,7 +2082,8 @@
           <a:p>
             <a:fld id="{A3B91EB6-4160-46A1-BFEE-CCE548EA35CA}" type="datetimeFigureOut">
               <a:rPr lang="es-AR" smtClean="0"/>
-              <a:t>19/10/2013</a:t>
+              <a:pPr/>
+              <a:t>20/10/2013</a:t>
             </a:fld>
             <a:endParaRPr lang="es-AR"/>
           </a:p>
@@ -2106,7 +2125,8 @@
           <a:p>
             <a:fld id="{146C01B7-3F94-48E0-9801-4B4D2FF8F9CB}" type="slidenum">
               <a:rPr lang="es-AR" smtClean="0"/>
-              <a:t>‹#›</a:t>
+              <a:pPr/>
+              <a:t>‹Nº›</a:t>
             </a:fld>
             <a:endParaRPr lang="es-AR"/>
           </a:p>
@@ -2115,7 +2135,7 @@
     </p:spTree>
     <p:extLst>
       <p:ext uri="{BB962C8B-B14F-4D97-AF65-F5344CB8AC3E}">
-        <p14:creationId xmlns:p14="http://schemas.microsoft.com/office/powerpoint/2010/main" val="1121564704"/>
+        <p14:creationId xmlns:p14="http://schemas.microsoft.com/office/powerpoint/2010/main" xmlns="" val="1121564704"/>
       </p:ext>
     </p:extLst>
   </p:cSld>
@@ -2420,7 +2440,8 @@
           <a:p>
             <a:fld id="{A3B91EB6-4160-46A1-BFEE-CCE548EA35CA}" type="datetimeFigureOut">
               <a:rPr lang="es-AR" smtClean="0"/>
-              <a:t>19/10/2013</a:t>
+              <a:pPr/>
+              <a:t>20/10/2013</a:t>
             </a:fld>
             <a:endParaRPr lang="es-AR"/>
           </a:p>
@@ -2472,7 +2493,8 @@
           <a:p>
             <a:fld id="{146C01B7-3F94-48E0-9801-4B4D2FF8F9CB}" type="slidenum">
               <a:rPr lang="es-AR" smtClean="0"/>
-              <a:t>‹#›</a:t>
+              <a:pPr/>
+              <a:t>‹Nº›</a:t>
             </a:fld>
             <a:endParaRPr lang="es-AR"/>
           </a:p>
@@ -2481,7 +2503,7 @@
     </p:spTree>
     <p:extLst>
       <p:ext uri="{BB962C8B-B14F-4D97-AF65-F5344CB8AC3E}">
-        <p14:creationId xmlns:p14="http://schemas.microsoft.com/office/powerpoint/2010/main" val="3858346437"/>
+        <p14:creationId xmlns:p14="http://schemas.microsoft.com/office/powerpoint/2010/main" xmlns="" val="3858346437"/>
       </p:ext>
     </p:extLst>
   </p:cSld>
@@ -2736,7 +2758,8 @@
           <a:p>
             <a:fld id="{A3B91EB6-4160-46A1-BFEE-CCE548EA35CA}" type="datetimeFigureOut">
               <a:rPr lang="es-AR" smtClean="0"/>
-              <a:t>19/10/2013</a:t>
+              <a:pPr/>
+              <a:t>20/10/2013</a:t>
             </a:fld>
             <a:endParaRPr lang="es-AR"/>
           </a:p>
@@ -2798,7 +2821,8 @@
           <a:p>
             <a:fld id="{146C01B7-3F94-48E0-9801-4B4D2FF8F9CB}" type="slidenum">
               <a:rPr lang="es-AR" smtClean="0"/>
-              <a:t>‹#›</a:t>
+              <a:pPr/>
+              <a:t>‹Nº›</a:t>
             </a:fld>
             <a:endParaRPr lang="es-AR"/>
           </a:p>
@@ -2807,7 +2831,7 @@
     </p:spTree>
     <p:extLst>
       <p:ext uri="{BB962C8B-B14F-4D97-AF65-F5344CB8AC3E}">
-        <p14:creationId xmlns:p14="http://schemas.microsoft.com/office/powerpoint/2010/main" val="1103777031"/>
+        <p14:creationId xmlns:p14="http://schemas.microsoft.com/office/powerpoint/2010/main" xmlns="" val="1103777031"/>
       </p:ext>
     </p:extLst>
   </p:cSld>
@@ -2969,7 +2993,8 @@
           <a:p>
             <a:fld id="{A3B91EB6-4160-46A1-BFEE-CCE548EA35CA}" type="datetimeFigureOut">
               <a:rPr lang="es-AR" smtClean="0"/>
-              <a:t>19/10/2013</a:t>
+              <a:pPr/>
+              <a:t>20/10/2013</a:t>
             </a:fld>
             <a:endParaRPr lang="es-AR"/>
           </a:p>
@@ -3051,7 +3076,8 @@
           <a:p>
             <a:fld id="{146C01B7-3F94-48E0-9801-4B4D2FF8F9CB}" type="slidenum">
               <a:rPr lang="es-AR" smtClean="0"/>
-              <a:t>‹#›</a:t>
+              <a:pPr/>
+              <a:t>‹Nº›</a:t>
             </a:fld>
             <a:endParaRPr lang="es-AR"/>
           </a:p>
@@ -3060,7 +3086,7 @@
     </p:spTree>
     <p:extLst>
       <p:ext uri="{BB962C8B-B14F-4D97-AF65-F5344CB8AC3E}">
-        <p14:creationId xmlns:p14="http://schemas.microsoft.com/office/powerpoint/2010/main" val="1785626056"/>
+        <p14:creationId xmlns:p14="http://schemas.microsoft.com/office/powerpoint/2010/main" xmlns="" val="1785626056"/>
       </p:ext>
     </p:extLst>
   </p:cSld>
@@ -3575,7 +3601,7 @@
     </p:spTree>
     <p:extLst>
       <p:ext uri="{BB962C8B-B14F-4D97-AF65-F5344CB8AC3E}">
-        <p14:creationId xmlns:p14="http://schemas.microsoft.com/office/powerpoint/2010/main" val="4103899004"/>
+        <p14:creationId xmlns:p14="http://schemas.microsoft.com/office/powerpoint/2010/main" xmlns="" val="4103899004"/>
       </p:ext>
     </p:extLst>
   </p:cSld>
@@ -3634,48 +3660,127 @@
             <a:pPr algn="ctr"/>
             <a:r>
               <a:rPr lang="en-US" dirty="0" err="1" smtClean="0"/>
-              <a:t>Crear</a:t>
+              <a:t>Compartir</a:t>
             </a:r>
             <a:r>
               <a:rPr lang="en-US" dirty="0" smtClean="0"/>
-              <a:t> </a:t>
-            </a:r>
-            <a:r>
-              <a:rPr lang="en-US" dirty="0" err="1" smtClean="0"/>
-              <a:t>Funciones</a:t>
+              <a:t> en Twitter</a:t>
             </a:r>
             <a:endParaRPr lang="es-AR" sz="3600" i="1" dirty="0"/>
+          </a:p>
+        </p:txBody>
+      </p:sp>
+      <p:sp>
+        <p:nvSpPr>
+          <p:cNvPr id="6" name="5 CuadroTexto"/>
+          <p:cNvSpPr txBox="1"/>
+          <p:nvPr/>
+        </p:nvSpPr>
+        <p:spPr>
+          <a:xfrm>
+            <a:off x="7014754" y="1245324"/>
+            <a:ext cx="4754880" cy="5262979"/>
+          </a:xfrm>
+          <a:prstGeom prst="rect">
+            <a:avLst/>
+          </a:prstGeom>
+          <a:noFill/>
+        </p:spPr>
+        <p:txBody>
+          <a:bodyPr wrap="square" rtlCol="0">
+            <a:spAutoFit/>
+          </a:bodyPr>
+          <a:lstStyle/>
+          <a:p>
+            <a:r>
+              <a:rPr lang="es-AR" sz="2800" dirty="0" smtClean="0"/>
+              <a:t>Como podemos ver, estas son las pantallas que se lanzan al compartir por </a:t>
+            </a:r>
+            <a:r>
+              <a:rPr lang="es-AR" sz="2800" dirty="0" err="1" smtClean="0"/>
+              <a:t>Twitter</a:t>
+            </a:r>
+            <a:r>
+              <a:rPr lang="es-AR" sz="2800" dirty="0" smtClean="0"/>
+              <a:t> si el usuario tiene la aplicación de </a:t>
+            </a:r>
+            <a:r>
+              <a:rPr lang="es-AR" sz="2800" dirty="0" err="1" smtClean="0"/>
+              <a:t>Twitter</a:t>
+            </a:r>
+            <a:r>
+              <a:rPr lang="es-AR" sz="2800" dirty="0" smtClean="0"/>
+              <a:t> instalada en su dispositivo. En caso contrario se compartirá a través del explorador.</a:t>
+            </a:r>
+          </a:p>
+          <a:p>
+            <a:endParaRPr lang="es-AR" sz="2800" dirty="0" smtClean="0"/>
+          </a:p>
+          <a:p>
+            <a:r>
+              <a:rPr lang="es-AR" sz="2800" dirty="0" smtClean="0"/>
+              <a:t>Los mensajes son de prueba ya que no fueron establecidos por el cliente.</a:t>
+            </a:r>
+            <a:endParaRPr lang="es-AR" sz="2800" dirty="0"/>
           </a:p>
         </p:txBody>
       </p:sp>
       <p:pic>
         <p:nvPicPr>
-          <p:cNvPr id="4" name="Picture 3"/>
+          <p:cNvPr id="3075" name="Picture 3" descr="C:\Users\MATIAS\Desktop\Nueva carpeta (2)\Screenshot_2013-10-14-18-41-47.png"/>
           <p:cNvPicPr>
-            <a:picLocks noChangeAspect="1"/>
+            <a:picLocks noChangeAspect="1" noChangeArrowheads="1"/>
           </p:cNvPicPr>
           <p:nvPr/>
         </p:nvPicPr>
         <p:blipFill>
-          <a:blip r:embed="rId2"/>
+          <a:blip r:embed="rId2" cstate="print"/>
+          <a:srcRect/>
           <a:stretch>
             <a:fillRect/>
           </a:stretch>
         </p:blipFill>
-        <p:spPr>
+        <p:spPr bwMode="auto">
           <a:xfrm>
-            <a:off x="1260690" y="1320372"/>
-            <a:ext cx="9428571" cy="5104762"/>
+            <a:off x="455158" y="1175658"/>
+            <a:ext cx="3104469" cy="5519055"/>
           </a:xfrm>
           <a:prstGeom prst="rect">
             <a:avLst/>
           </a:prstGeom>
+          <a:noFill/>
+        </p:spPr>
+      </p:pic>
+      <p:pic>
+        <p:nvPicPr>
+          <p:cNvPr id="3076" name="Picture 4" descr="C:\Users\MATIAS\Desktop\Nueva carpeta (2)\Screenshot_2013-10-14-18-40-56.png"/>
+          <p:cNvPicPr>
+            <a:picLocks noChangeAspect="1" noChangeArrowheads="1"/>
+          </p:cNvPicPr>
+          <p:nvPr/>
+        </p:nvPicPr>
+        <p:blipFill>
+          <a:blip r:embed="rId3" cstate="print"/>
+          <a:srcRect/>
+          <a:stretch>
+            <a:fillRect/>
+          </a:stretch>
+        </p:blipFill>
+        <p:spPr bwMode="auto">
+          <a:xfrm>
+            <a:off x="3745139" y="1175657"/>
+            <a:ext cx="3098346" cy="5508172"/>
+          </a:xfrm>
+          <a:prstGeom prst="rect">
+            <a:avLst/>
+          </a:prstGeom>
+          <a:noFill/>
         </p:spPr>
       </p:pic>
     </p:spTree>
     <p:extLst>
       <p:ext uri="{BB962C8B-B14F-4D97-AF65-F5344CB8AC3E}">
-        <p14:creationId xmlns:p14="http://schemas.microsoft.com/office/powerpoint/2010/main" val="3351953625"/>
+        <p14:creationId xmlns:p14="http://schemas.microsoft.com/office/powerpoint/2010/main" xmlns="" val="667557497"/>
       </p:ext>
     </p:extLst>
   </p:cSld>
@@ -3734,6 +3839,270 @@
             <a:pPr algn="ctr"/>
             <a:r>
               <a:rPr lang="en-US" dirty="0" err="1" smtClean="0"/>
+              <a:t>Compartir</a:t>
+            </a:r>
+            <a:r>
+              <a:rPr lang="en-US" dirty="0" smtClean="0"/>
+              <a:t> en </a:t>
+            </a:r>
+            <a:r>
+              <a:rPr lang="en-US" dirty="0" err="1" smtClean="0"/>
+              <a:t>Facebook</a:t>
+            </a:r>
+            <a:endParaRPr lang="es-AR" sz="3600" i="1" dirty="0"/>
+          </a:p>
+        </p:txBody>
+      </p:sp>
+      <p:sp>
+        <p:nvSpPr>
+          <p:cNvPr id="6" name="5 CuadroTexto"/>
+          <p:cNvSpPr txBox="1"/>
+          <p:nvPr/>
+        </p:nvSpPr>
+        <p:spPr>
+          <a:xfrm>
+            <a:off x="4691743" y="1245324"/>
+            <a:ext cx="7077891" cy="4401205"/>
+          </a:xfrm>
+          <a:prstGeom prst="rect">
+            <a:avLst/>
+          </a:prstGeom>
+          <a:noFill/>
+        </p:spPr>
+        <p:txBody>
+          <a:bodyPr wrap="square" rtlCol="0">
+            <a:spAutoFit/>
+          </a:bodyPr>
+          <a:lstStyle/>
+          <a:p>
+            <a:r>
+              <a:rPr lang="es-AR" sz="2800" dirty="0" smtClean="0"/>
+              <a:t>Al momento el compartir en </a:t>
+            </a:r>
+            <a:r>
+              <a:rPr lang="es-AR" sz="2800" dirty="0" err="1" smtClean="0"/>
+              <a:t>facebook</a:t>
+            </a:r>
+            <a:r>
+              <a:rPr lang="es-AR" sz="2800" dirty="0" smtClean="0"/>
+              <a:t> muestra la ventana que podemos ver a la izquierda.</a:t>
+            </a:r>
+          </a:p>
+          <a:p>
+            <a:endParaRPr lang="es-AR" sz="2800" dirty="0" smtClean="0"/>
+          </a:p>
+          <a:p>
+            <a:r>
+              <a:rPr lang="es-AR" sz="2800" dirty="0" smtClean="0"/>
+              <a:t>No se definió al momento que agregados (links, imágenes, otros) se le agregaran a la publicación.</a:t>
+            </a:r>
+          </a:p>
+          <a:p>
+            <a:endParaRPr lang="es-AR" sz="2800" dirty="0" smtClean="0"/>
+          </a:p>
+          <a:p>
+            <a:r>
+              <a:rPr lang="es-AR" sz="2800" dirty="0" smtClean="0"/>
+              <a:t>Al momento podemos ver un ejemplo de una publicación con un enlace a developers.facebook.com.</a:t>
+            </a:r>
+            <a:endParaRPr lang="es-AR" sz="2800" dirty="0"/>
+          </a:p>
+        </p:txBody>
+      </p:sp>
+      <p:pic>
+        <p:nvPicPr>
+          <p:cNvPr id="34818" name="Picture 2"/>
+          <p:cNvPicPr>
+            <a:picLocks noChangeAspect="1" noChangeArrowheads="1"/>
+          </p:cNvPicPr>
+          <p:nvPr/>
+        </p:nvPicPr>
+        <p:blipFill>
+          <a:blip r:embed="rId2" cstate="print"/>
+          <a:srcRect/>
+          <a:stretch>
+            <a:fillRect/>
+          </a:stretch>
+        </p:blipFill>
+        <p:spPr bwMode="auto">
+          <a:xfrm>
+            <a:off x="1066799" y="1246415"/>
+            <a:ext cx="3048000" cy="5410200"/>
+          </a:xfrm>
+          <a:prstGeom prst="rect">
+            <a:avLst/>
+          </a:prstGeom>
+          <a:noFill/>
+          <a:ln w="9525">
+            <a:noFill/>
+            <a:miter lim="800000"/>
+            <a:headEnd/>
+            <a:tailEnd/>
+          </a:ln>
+        </p:spPr>
+      </p:pic>
+    </p:spTree>
+    <p:extLst>
+      <p:ext uri="{BB962C8B-B14F-4D97-AF65-F5344CB8AC3E}">
+        <p14:creationId xmlns:p14="http://schemas.microsoft.com/office/powerpoint/2010/main" xmlns="" val="667557497"/>
+      </p:ext>
+    </p:extLst>
+  </p:cSld>
+  <p:clrMapOvr>
+    <a:masterClrMapping/>
+  </p:clrMapOvr>
+  <p:timing>
+    <p:tnLst>
+      <p:par>
+        <p:cTn id="1" dur="indefinite" restart="never" nodeType="tmRoot"/>
+      </p:par>
+    </p:tnLst>
+  </p:timing>
+</p:sld>
+</file>
+
+<file path=ppt/slides/slide12.xml><?xml version="1.0" encoding="utf-8"?>
+<p:sld xmlns:a="http://schemas.openxmlformats.org/drawingml/2006/main" xmlns:r="http://schemas.openxmlformats.org/officeDocument/2006/relationships" xmlns:p="http://schemas.openxmlformats.org/presentationml/2006/main">
+  <p:cSld>
+    <p:spTree>
+      <p:nvGrpSpPr>
+        <p:cNvPr id="1" name=""/>
+        <p:cNvGrpSpPr/>
+        <p:nvPr/>
+      </p:nvGrpSpPr>
+      <p:grpSpPr>
+        <a:xfrm>
+          <a:off x="0" y="0"/>
+          <a:ext cx="0" cy="0"/>
+          <a:chOff x="0" y="0"/>
+          <a:chExt cx="0" cy="0"/>
+        </a:xfrm>
+      </p:grpSpPr>
+      <p:sp>
+        <p:nvSpPr>
+          <p:cNvPr id="2" name="1 Título"/>
+          <p:cNvSpPr>
+            <a:spLocks noGrp="1"/>
+          </p:cNvSpPr>
+          <p:nvPr>
+            <p:ph type="title"/>
+          </p:nvPr>
+        </p:nvSpPr>
+        <p:spPr>
+          <a:xfrm>
+            <a:off x="2024034" y="142852"/>
+            <a:ext cx="8229600" cy="1344203"/>
+          </a:xfrm>
+        </p:spPr>
+        <p:txBody>
+          <a:bodyPr>
+            <a:normAutofit/>
+          </a:bodyPr>
+          <a:lstStyle/>
+          <a:p>
+            <a:pPr algn="ctr"/>
+            <a:r>
+              <a:rPr lang="en-US" dirty="0" err="1" smtClean="0"/>
+              <a:t>Crear</a:t>
+            </a:r>
+            <a:r>
+              <a:rPr lang="en-US" dirty="0" smtClean="0"/>
+              <a:t> </a:t>
+            </a:r>
+            <a:r>
+              <a:rPr lang="en-US" dirty="0" err="1" smtClean="0"/>
+              <a:t>Funciones</a:t>
+            </a:r>
+            <a:endParaRPr lang="es-AR" sz="3600" i="1" dirty="0"/>
+          </a:p>
+        </p:txBody>
+      </p:sp>
+      <p:pic>
+        <p:nvPicPr>
+          <p:cNvPr id="4" name="Picture 3"/>
+          <p:cNvPicPr>
+            <a:picLocks noChangeAspect="1"/>
+          </p:cNvPicPr>
+          <p:nvPr/>
+        </p:nvPicPr>
+        <p:blipFill>
+          <a:blip r:embed="rId2" cstate="print"/>
+          <a:stretch>
+            <a:fillRect/>
+          </a:stretch>
+        </p:blipFill>
+        <p:spPr>
+          <a:xfrm>
+            <a:off x="1260690" y="1320372"/>
+            <a:ext cx="9428571" cy="5104762"/>
+          </a:xfrm>
+          <a:prstGeom prst="rect">
+            <a:avLst/>
+          </a:prstGeom>
+        </p:spPr>
+      </p:pic>
+    </p:spTree>
+    <p:extLst>
+      <p:ext uri="{BB962C8B-B14F-4D97-AF65-F5344CB8AC3E}">
+        <p14:creationId xmlns:p14="http://schemas.microsoft.com/office/powerpoint/2010/main" xmlns="" val="3351953625"/>
+      </p:ext>
+    </p:extLst>
+  </p:cSld>
+  <p:clrMapOvr>
+    <a:masterClrMapping/>
+  </p:clrMapOvr>
+  <p:timing>
+    <p:tnLst>
+      <p:par>
+        <p:cTn id="1" dur="indefinite" restart="never" nodeType="tmRoot"/>
+      </p:par>
+    </p:tnLst>
+  </p:timing>
+</p:sld>
+</file>
+
+<file path=ppt/slides/slide13.xml><?xml version="1.0" encoding="utf-8"?>
+<p:sld xmlns:a="http://schemas.openxmlformats.org/drawingml/2006/main" xmlns:r="http://schemas.openxmlformats.org/officeDocument/2006/relationships" xmlns:p="http://schemas.openxmlformats.org/presentationml/2006/main">
+  <p:cSld>
+    <p:spTree>
+      <p:nvGrpSpPr>
+        <p:cNvPr id="1" name=""/>
+        <p:cNvGrpSpPr/>
+        <p:nvPr/>
+      </p:nvGrpSpPr>
+      <p:grpSpPr>
+        <a:xfrm>
+          <a:off x="0" y="0"/>
+          <a:ext cx="0" cy="0"/>
+          <a:chOff x="0" y="0"/>
+          <a:chExt cx="0" cy="0"/>
+        </a:xfrm>
+      </p:grpSpPr>
+      <p:sp>
+        <p:nvSpPr>
+          <p:cNvPr id="2" name="1 Título"/>
+          <p:cNvSpPr>
+            <a:spLocks noGrp="1"/>
+          </p:cNvSpPr>
+          <p:nvPr>
+            <p:ph type="title"/>
+          </p:nvPr>
+        </p:nvSpPr>
+        <p:spPr>
+          <a:xfrm>
+            <a:off x="2024034" y="142852"/>
+            <a:ext cx="8229600" cy="1344203"/>
+          </a:xfrm>
+        </p:spPr>
+        <p:txBody>
+          <a:bodyPr>
+            <a:normAutofit/>
+          </a:bodyPr>
+          <a:lstStyle/>
+          <a:p>
+            <a:pPr algn="ctr"/>
+            <a:r>
+              <a:rPr lang="en-US" dirty="0" err="1" smtClean="0"/>
               <a:t>Listar</a:t>
             </a:r>
             <a:r>
@@ -3757,7 +4126,7 @@
           <p:nvPr/>
         </p:nvPicPr>
         <p:blipFill rotWithShape="1">
-          <a:blip r:embed="rId2"/>
+          <a:blip r:embed="rId2" cstate="print"/>
           <a:srcRect t="13963"/>
           <a:stretch/>
         </p:blipFill>
@@ -3989,221 +4358,7 @@
     </p:spTree>
     <p:extLst>
       <p:ext uri="{BB962C8B-B14F-4D97-AF65-F5344CB8AC3E}">
-        <p14:creationId xmlns:p14="http://schemas.microsoft.com/office/powerpoint/2010/main" val="3033424343"/>
-      </p:ext>
-    </p:extLst>
-  </p:cSld>
-  <p:clrMapOvr>
-    <a:masterClrMapping/>
-  </p:clrMapOvr>
-  <p:timing>
-    <p:tnLst>
-      <p:par>
-        <p:cTn id="1" dur="indefinite" restart="never" nodeType="tmRoot"/>
-      </p:par>
-    </p:tnLst>
-  </p:timing>
-</p:sld>
-</file>
-
-<file path=ppt/slides/slide12.xml><?xml version="1.0" encoding="utf-8"?>
-<p:sld xmlns:a="http://schemas.openxmlformats.org/drawingml/2006/main" xmlns:r="http://schemas.openxmlformats.org/officeDocument/2006/relationships" xmlns:p="http://schemas.openxmlformats.org/presentationml/2006/main">
-  <p:cSld>
-    <p:spTree>
-      <p:nvGrpSpPr>
-        <p:cNvPr id="1" name=""/>
-        <p:cNvGrpSpPr/>
-        <p:nvPr/>
-      </p:nvGrpSpPr>
-      <p:grpSpPr>
-        <a:xfrm>
-          <a:off x="0" y="0"/>
-          <a:ext cx="0" cy="0"/>
-          <a:chOff x="0" y="0"/>
-          <a:chExt cx="0" cy="0"/>
-        </a:xfrm>
-      </p:grpSpPr>
-      <p:sp>
-        <p:nvSpPr>
-          <p:cNvPr id="2" name="1 Título"/>
-          <p:cNvSpPr>
-            <a:spLocks noGrp="1"/>
-          </p:cNvSpPr>
-          <p:nvPr>
-            <p:ph type="title"/>
-          </p:nvPr>
-        </p:nvSpPr>
-        <p:spPr>
-          <a:xfrm>
-            <a:off x="2024034" y="142852"/>
-            <a:ext cx="8229600" cy="1344203"/>
-          </a:xfrm>
-        </p:spPr>
-        <p:txBody>
-          <a:bodyPr>
-            <a:normAutofit/>
-          </a:bodyPr>
-          <a:lstStyle/>
-          <a:p>
-            <a:pPr algn="ctr"/>
-            <a:r>
-              <a:rPr lang="en-US" dirty="0" err="1" smtClean="0"/>
-              <a:t>Editar</a:t>
-            </a:r>
-            <a:r>
-              <a:rPr lang="en-US" dirty="0" smtClean="0"/>
-              <a:t> </a:t>
-            </a:r>
-            <a:r>
-              <a:rPr lang="en-US" dirty="0" err="1" smtClean="0"/>
-              <a:t>función</a:t>
-            </a:r>
-            <a:endParaRPr lang="es-AR" sz="3600" i="1" dirty="0"/>
-          </a:p>
-        </p:txBody>
-      </p:sp>
-      <p:pic>
-        <p:nvPicPr>
-          <p:cNvPr id="4" name="Picture 3"/>
-          <p:cNvPicPr>
-            <a:picLocks noChangeAspect="1"/>
-          </p:cNvPicPr>
-          <p:nvPr/>
-        </p:nvPicPr>
-        <p:blipFill>
-          <a:blip r:embed="rId2">
-            <a:extLst>
-              <a:ext uri="{28A0092B-C50C-407E-A947-70E740481C1C}">
-                <a14:useLocalDpi xmlns:a14="http://schemas.microsoft.com/office/drawing/2010/main" val="0"/>
-              </a:ext>
-            </a:extLst>
-          </a:blip>
-          <a:stretch>
-            <a:fillRect/>
-          </a:stretch>
-        </p:blipFill>
-        <p:spPr>
-          <a:xfrm>
-            <a:off x="1871684" y="1202983"/>
-            <a:ext cx="8534300" cy="5340483"/>
-          </a:xfrm>
-          <a:prstGeom prst="rect">
-            <a:avLst/>
-          </a:prstGeom>
-        </p:spPr>
-      </p:pic>
-    </p:spTree>
-    <p:extLst>
-      <p:ext uri="{BB962C8B-B14F-4D97-AF65-F5344CB8AC3E}">
-        <p14:creationId xmlns:p14="http://schemas.microsoft.com/office/powerpoint/2010/main" val="706905558"/>
-      </p:ext>
-    </p:extLst>
-  </p:cSld>
-  <p:clrMapOvr>
-    <a:masterClrMapping/>
-  </p:clrMapOvr>
-  <p:timing>
-    <p:tnLst>
-      <p:par>
-        <p:cTn id="1" dur="indefinite" restart="never" nodeType="tmRoot"/>
-      </p:par>
-    </p:tnLst>
-  </p:timing>
-</p:sld>
-</file>
-
-<file path=ppt/slides/slide13.xml><?xml version="1.0" encoding="utf-8"?>
-<p:sld xmlns:a="http://schemas.openxmlformats.org/drawingml/2006/main" xmlns:r="http://schemas.openxmlformats.org/officeDocument/2006/relationships" xmlns:p="http://schemas.openxmlformats.org/presentationml/2006/main">
-  <p:cSld>
-    <p:spTree>
-      <p:nvGrpSpPr>
-        <p:cNvPr id="1" name=""/>
-        <p:cNvGrpSpPr/>
-        <p:nvPr/>
-      </p:nvGrpSpPr>
-      <p:grpSpPr>
-        <a:xfrm>
-          <a:off x="0" y="0"/>
-          <a:ext cx="0" cy="0"/>
-          <a:chOff x="0" y="0"/>
-          <a:chExt cx="0" cy="0"/>
-        </a:xfrm>
-      </p:grpSpPr>
-      <p:sp>
-        <p:nvSpPr>
-          <p:cNvPr id="2" name="1 Título"/>
-          <p:cNvSpPr>
-            <a:spLocks noGrp="1"/>
-          </p:cNvSpPr>
-          <p:nvPr>
-            <p:ph type="title"/>
-          </p:nvPr>
-        </p:nvSpPr>
-        <p:spPr>
-          <a:xfrm>
-            <a:off x="2024034" y="142852"/>
-            <a:ext cx="8229600" cy="1344203"/>
-          </a:xfrm>
-        </p:spPr>
-        <p:txBody>
-          <a:bodyPr>
-            <a:normAutofit/>
-          </a:bodyPr>
-          <a:lstStyle/>
-          <a:p>
-            <a:pPr algn="ctr"/>
-            <a:r>
-              <a:rPr lang="en-US" dirty="0" err="1" smtClean="0"/>
-              <a:t>Ver</a:t>
-            </a:r>
-            <a:r>
-              <a:rPr lang="en-US" dirty="0" smtClean="0"/>
-              <a:t> </a:t>
-            </a:r>
-            <a:r>
-              <a:rPr lang="en-US" dirty="0" err="1" smtClean="0"/>
-              <a:t>detalle</a:t>
-            </a:r>
-            <a:r>
-              <a:rPr lang="en-US" dirty="0" smtClean="0"/>
-              <a:t> de </a:t>
-            </a:r>
-            <a:r>
-              <a:rPr lang="en-US" dirty="0" err="1" smtClean="0"/>
-              <a:t>función</a:t>
-            </a:r>
-            <a:endParaRPr lang="es-AR" sz="3600" i="1" dirty="0"/>
-          </a:p>
-        </p:txBody>
-      </p:sp>
-      <p:pic>
-        <p:nvPicPr>
-          <p:cNvPr id="3" name="Picture 2"/>
-          <p:cNvPicPr>
-            <a:picLocks noChangeAspect="1"/>
-          </p:cNvPicPr>
-          <p:nvPr/>
-        </p:nvPicPr>
-        <p:blipFill>
-          <a:blip r:embed="rId2"/>
-          <a:stretch>
-            <a:fillRect/>
-          </a:stretch>
-        </p:blipFill>
-        <p:spPr>
-          <a:xfrm>
-            <a:off x="1491215" y="2081140"/>
-            <a:ext cx="9295238" cy="3314286"/>
-          </a:xfrm>
-          <a:prstGeom prst="rect">
-            <a:avLst/>
-          </a:prstGeom>
-        </p:spPr>
-      </p:pic>
-    </p:spTree>
-    <p:extLst>
-      <p:ext uri="{BB962C8B-B14F-4D97-AF65-F5344CB8AC3E}">
-        <p14:creationId xmlns:p14="http://schemas.microsoft.com/office/powerpoint/2010/main" val="1294714415"/>
+        <p14:creationId xmlns:p14="http://schemas.microsoft.com/office/powerpoint/2010/main" xmlns="" val="3033424343"/>
       </p:ext>
     </p:extLst>
   </p:cSld>
@@ -4262,7 +4417,7 @@
             <a:pPr algn="ctr"/>
             <a:r>
               <a:rPr lang="en-US" dirty="0" err="1" smtClean="0"/>
-              <a:t>Agregar</a:t>
+              <a:t>Editar</a:t>
             </a:r>
             <a:r>
               <a:rPr lang="en-US" dirty="0" smtClean="0"/>
@@ -4270,7 +4425,7 @@
             </a:r>
             <a:r>
               <a:rPr lang="en-US" dirty="0" err="1" smtClean="0"/>
-              <a:t>sala</a:t>
+              <a:t>función</a:t>
             </a:r>
             <a:endParaRPr lang="es-AR" sz="3600" i="1" dirty="0"/>
           </a:p>
@@ -4278,19 +4433,17 @@
       </p:sp>
       <p:pic>
         <p:nvPicPr>
-          <p:cNvPr id="4" name="Content Placeholder 4"/>
+          <p:cNvPr id="4" name="Picture 3"/>
           <p:cNvPicPr>
-            <a:picLocks noGrp="1" noChangeAspect="1"/>
+            <a:picLocks noChangeAspect="1"/>
           </p:cNvPicPr>
-          <p:nvPr>
-            <p:ph idx="1"/>
-          </p:nvPr>
+          <p:nvPr/>
         </p:nvPicPr>
         <p:blipFill>
-          <a:blip r:embed="rId2">
+          <a:blip r:embed="rId2" cstate="print">
             <a:extLst>
               <a:ext uri="{28A0092B-C50C-407E-A947-70E740481C1C}">
-                <a14:useLocalDpi xmlns:a14="http://schemas.microsoft.com/office/drawing/2010/main" val="0"/>
+                <a14:useLocalDpi xmlns:a14="http://schemas.microsoft.com/office/drawing/2010/main" xmlns="" val="0"/>
               </a:ext>
             </a:extLst>
           </a:blip>
@@ -4300,15 +4453,18 @@
         </p:blipFill>
         <p:spPr>
           <a:xfrm>
-            <a:off x="2390264" y="2189718"/>
-            <a:ext cx="7325747" cy="3410426"/>
+            <a:off x="1871684" y="1202983"/>
+            <a:ext cx="8534300" cy="5340483"/>
           </a:xfrm>
+          <a:prstGeom prst="rect">
+            <a:avLst/>
+          </a:prstGeom>
         </p:spPr>
       </p:pic>
     </p:spTree>
     <p:extLst>
       <p:ext uri="{BB962C8B-B14F-4D97-AF65-F5344CB8AC3E}">
-        <p14:creationId xmlns:p14="http://schemas.microsoft.com/office/powerpoint/2010/main" val="3003939649"/>
+        <p14:creationId xmlns:p14="http://schemas.microsoft.com/office/powerpoint/2010/main" xmlns="" val="706905558"/>
       </p:ext>
     </p:extLst>
   </p:cSld>
@@ -4367,7 +4523,15 @@
             <a:pPr algn="ctr"/>
             <a:r>
               <a:rPr lang="en-US" dirty="0" err="1" smtClean="0"/>
-              <a:t>Listado</a:t>
+              <a:t>Ver</a:t>
+            </a:r>
+            <a:r>
+              <a:rPr lang="en-US" dirty="0" smtClean="0"/>
+              <a:t> </a:t>
+            </a:r>
+            <a:r>
+              <a:rPr lang="en-US" dirty="0" err="1" smtClean="0"/>
+              <a:t>detalle</a:t>
             </a:r>
             <a:r>
               <a:rPr lang="en-US" dirty="0" smtClean="0"/>
@@ -4375,7 +4539,7 @@
             </a:r>
             <a:r>
               <a:rPr lang="en-US" dirty="0" err="1" smtClean="0"/>
-              <a:t>salas</a:t>
+              <a:t>función</a:t>
             </a:r>
             <a:endParaRPr lang="es-AR" sz="3600" i="1" dirty="0"/>
           </a:p>
@@ -4383,22 +4547,22 @@
       </p:sp>
       <p:pic>
         <p:nvPicPr>
-          <p:cNvPr id="5" name="Picture 4"/>
+          <p:cNvPr id="3" name="Picture 2"/>
           <p:cNvPicPr>
             <a:picLocks noChangeAspect="1"/>
           </p:cNvPicPr>
           <p:nvPr/>
         </p:nvPicPr>
         <p:blipFill>
-          <a:blip r:embed="rId2"/>
+          <a:blip r:embed="rId2" cstate="print"/>
           <a:stretch>
             <a:fillRect/>
           </a:stretch>
         </p:blipFill>
         <p:spPr>
           <a:xfrm>
-            <a:off x="1289262" y="1294586"/>
-            <a:ext cx="9371428" cy="4914286"/>
+            <a:off x="1491215" y="2081140"/>
+            <a:ext cx="9295238" cy="3314286"/>
           </a:xfrm>
           <a:prstGeom prst="rect">
             <a:avLst/>
@@ -4408,7 +4572,7 @@
     </p:spTree>
     <p:extLst>
       <p:ext uri="{BB962C8B-B14F-4D97-AF65-F5344CB8AC3E}">
-        <p14:creationId xmlns:p14="http://schemas.microsoft.com/office/powerpoint/2010/main" val="265357153"/>
+        <p14:creationId xmlns:p14="http://schemas.microsoft.com/office/powerpoint/2010/main" xmlns="" val="1294714415"/>
       </p:ext>
     </p:extLst>
   </p:cSld>
@@ -4454,82 +4618,48 @@
         </p:nvSpPr>
         <p:spPr>
           <a:xfrm>
-            <a:off x="1952596" y="285728"/>
-            <a:ext cx="8229600" cy="1143000"/>
+            <a:off x="2024034" y="142852"/>
+            <a:ext cx="8229600" cy="1344203"/>
           </a:xfrm>
         </p:spPr>
         <p:txBody>
-          <a:bodyPr/>
-          <a:lstStyle/>
-          <a:p>
-            <a:pPr algn="ctr"/>
-            <a:r>
-              <a:rPr lang="es-AR" dirty="0" smtClean="0"/>
-              <a:t>Usuarios </a:t>
-            </a:r>
-            <a:r>
-              <a:rPr lang="es-AR" dirty="0" err="1" smtClean="0"/>
-              <a:t>Admin</a:t>
-            </a:r>
-            <a:r>
-              <a:rPr lang="es-AR" dirty="0"/>
-              <a:t> </a:t>
-            </a:r>
-            <a:r>
-              <a:rPr lang="es-AR" dirty="0" smtClean="0"/>
-              <a:t>&amp; </a:t>
-            </a:r>
-            <a:r>
-              <a:rPr lang="es-AR" dirty="0" err="1" smtClean="0"/>
-              <a:t>Read-Only</a:t>
-            </a:r>
-            <a:endParaRPr lang="es-AR" dirty="0"/>
-          </a:p>
-        </p:txBody>
-      </p:sp>
-      <p:sp>
-        <p:nvSpPr>
-          <p:cNvPr id="1026" name="AutoShape 2" descr="Inline image 2"/>
-          <p:cNvSpPr>
-            <a:spLocks noChangeAspect="1" noChangeArrowheads="1"/>
-          </p:cNvSpPr>
-          <p:nvPr/>
-        </p:nvSpPr>
-        <p:spPr bwMode="auto">
-          <a:xfrm>
-            <a:off x="1679575" y="-144463"/>
-            <a:ext cx="304800" cy="304801"/>
-          </a:xfrm>
-          <a:prstGeom prst="rect">
-            <a:avLst/>
-          </a:prstGeom>
-          <a:noFill/>
-        </p:spPr>
-        <p:txBody>
-          <a:bodyPr vert="horz" wrap="square" lIns="91440" tIns="45720" rIns="91440" bIns="45720" numCol="1" anchor="t" anchorCtr="0" compatLnSpc="1">
-            <a:prstTxWarp prst="textNoShape">
-              <a:avLst/>
-            </a:prstTxWarp>
+          <a:bodyPr>
+            <a:normAutofit/>
           </a:bodyPr>
           <a:lstStyle/>
           <a:p>
-            <a:endParaRPr lang="es-AR"/>
+            <a:pPr algn="ctr"/>
+            <a:r>
+              <a:rPr lang="en-US" dirty="0" err="1" smtClean="0"/>
+              <a:t>Agregar</a:t>
+            </a:r>
+            <a:r>
+              <a:rPr lang="en-US" dirty="0" smtClean="0"/>
+              <a:t> </a:t>
+            </a:r>
+            <a:r>
+              <a:rPr lang="en-US" dirty="0" err="1" smtClean="0"/>
+              <a:t>sala</a:t>
+            </a:r>
+            <a:endParaRPr lang="es-AR" sz="3600" i="1" dirty="0"/>
           </a:p>
         </p:txBody>
       </p:sp>
       <p:pic>
         <p:nvPicPr>
-          <p:cNvPr id="3" name="Picture 2"/>
+          <p:cNvPr id="4" name="Content Placeholder 4"/>
           <p:cNvPicPr>
-            <a:picLocks noChangeAspect="1"/>
+            <a:picLocks noGrp="1" noChangeAspect="1"/>
           </p:cNvPicPr>
-          <p:nvPr/>
+          <p:nvPr>
+            <p:ph idx="1"/>
+          </p:nvPr>
         </p:nvPicPr>
         <p:blipFill>
-          <a:blip r:embed="rId2">
+          <a:blip r:embed="rId2" cstate="print">
             <a:extLst>
               <a:ext uri="{28A0092B-C50C-407E-A947-70E740481C1C}">
-                <a14:useLocalDpi xmlns:a14="http://schemas.microsoft.com/office/drawing/2010/main" val="0"/>
+                <a14:useLocalDpi xmlns:a14="http://schemas.microsoft.com/office/drawing/2010/main" xmlns="" val="0"/>
               </a:ext>
             </a:extLst>
           </a:blip>
@@ -4539,108 +4669,15 @@
         </p:blipFill>
         <p:spPr>
           <a:xfrm>
-            <a:off x="287342" y="1428728"/>
-            <a:ext cx="3739384" cy="2432072"/>
+            <a:off x="2390264" y="2189718"/>
+            <a:ext cx="7325747" cy="3410426"/>
           </a:xfrm>
-          <a:prstGeom prst="rect">
-            <a:avLst/>
-          </a:prstGeom>
-        </p:spPr>
-      </p:pic>
-      <p:pic>
-        <p:nvPicPr>
-          <p:cNvPr id="4" name="Picture 3"/>
-          <p:cNvPicPr>
-            <a:picLocks noChangeAspect="1"/>
-          </p:cNvPicPr>
-          <p:nvPr/>
-        </p:nvPicPr>
-        <p:blipFill>
-          <a:blip r:embed="rId3">
-            <a:extLst>
-              <a:ext uri="{28A0092B-C50C-407E-A947-70E740481C1C}">
-                <a14:useLocalDpi xmlns:a14="http://schemas.microsoft.com/office/drawing/2010/main" val="0"/>
-              </a:ext>
-            </a:extLst>
-          </a:blip>
-          <a:stretch>
-            <a:fillRect/>
-          </a:stretch>
-        </p:blipFill>
-        <p:spPr>
-          <a:xfrm>
-            <a:off x="287342" y="4244603"/>
-            <a:ext cx="3773066" cy="2432073"/>
-          </a:xfrm>
-          <a:prstGeom prst="rect">
-            <a:avLst/>
-          </a:prstGeom>
-        </p:spPr>
-      </p:pic>
-      <p:pic>
-        <p:nvPicPr>
-          <p:cNvPr id="5" name="Picture 4"/>
-          <p:cNvPicPr>
-            <a:picLocks noChangeAspect="1"/>
-          </p:cNvPicPr>
-          <p:nvPr/>
-        </p:nvPicPr>
-        <p:blipFill>
-          <a:blip r:embed="rId4">
-            <a:extLst>
-              <a:ext uri="{28A0092B-C50C-407E-A947-70E740481C1C}">
-                <a14:useLocalDpi xmlns:a14="http://schemas.microsoft.com/office/drawing/2010/main" val="0"/>
-              </a:ext>
-            </a:extLst>
-          </a:blip>
-          <a:stretch>
-            <a:fillRect/>
-          </a:stretch>
-        </p:blipFill>
-        <p:spPr>
-          <a:xfrm>
-            <a:off x="6400799" y="1428728"/>
-            <a:ext cx="5064775" cy="2610068"/>
-          </a:xfrm>
-          <a:prstGeom prst="rect">
-            <a:avLst/>
-          </a:prstGeom>
-        </p:spPr>
-      </p:pic>
-      <p:pic>
-        <p:nvPicPr>
-          <p:cNvPr id="6" name="Picture 5"/>
-          <p:cNvPicPr>
-            <a:picLocks noChangeAspect="1"/>
-          </p:cNvPicPr>
-          <p:nvPr/>
-        </p:nvPicPr>
-        <p:blipFill>
-          <a:blip r:embed="rId5">
-            <a:extLst>
-              <a:ext uri="{28A0092B-C50C-407E-A947-70E740481C1C}">
-                <a14:useLocalDpi xmlns:a14="http://schemas.microsoft.com/office/drawing/2010/main" val="0"/>
-              </a:ext>
-            </a:extLst>
-          </a:blip>
-          <a:stretch>
-            <a:fillRect/>
-          </a:stretch>
-        </p:blipFill>
-        <p:spPr>
-          <a:xfrm>
-            <a:off x="6788141" y="4209433"/>
-            <a:ext cx="4290090" cy="2467243"/>
-          </a:xfrm>
-          <a:prstGeom prst="rect">
-            <a:avLst/>
-          </a:prstGeom>
         </p:spPr>
       </p:pic>
     </p:spTree>
     <p:extLst>
       <p:ext uri="{BB962C8B-B14F-4D97-AF65-F5344CB8AC3E}">
-        <p14:creationId xmlns:p14="http://schemas.microsoft.com/office/powerpoint/2010/main" val="1053114781"/>
+        <p14:creationId xmlns:p14="http://schemas.microsoft.com/office/powerpoint/2010/main" xmlns="" val="3003939649"/>
       </p:ext>
     </p:extLst>
   </p:cSld>
@@ -4686,6 +4723,106 @@
         </p:nvSpPr>
         <p:spPr>
           <a:xfrm>
+            <a:off x="2024034" y="142852"/>
+            <a:ext cx="8229600" cy="1344203"/>
+          </a:xfrm>
+        </p:spPr>
+        <p:txBody>
+          <a:bodyPr>
+            <a:normAutofit/>
+          </a:bodyPr>
+          <a:lstStyle/>
+          <a:p>
+            <a:pPr algn="ctr"/>
+            <a:r>
+              <a:rPr lang="en-US" dirty="0" err="1" smtClean="0"/>
+              <a:t>Listado</a:t>
+            </a:r>
+            <a:r>
+              <a:rPr lang="en-US" dirty="0" smtClean="0"/>
+              <a:t> de </a:t>
+            </a:r>
+            <a:r>
+              <a:rPr lang="en-US" dirty="0" err="1" smtClean="0"/>
+              <a:t>salas</a:t>
+            </a:r>
+            <a:endParaRPr lang="es-AR" sz="3600" i="1" dirty="0"/>
+          </a:p>
+        </p:txBody>
+      </p:sp>
+      <p:pic>
+        <p:nvPicPr>
+          <p:cNvPr id="5" name="Picture 4"/>
+          <p:cNvPicPr>
+            <a:picLocks noChangeAspect="1"/>
+          </p:cNvPicPr>
+          <p:nvPr/>
+        </p:nvPicPr>
+        <p:blipFill>
+          <a:blip r:embed="rId2" cstate="print"/>
+          <a:stretch>
+            <a:fillRect/>
+          </a:stretch>
+        </p:blipFill>
+        <p:spPr>
+          <a:xfrm>
+            <a:off x="1289262" y="1294586"/>
+            <a:ext cx="9371428" cy="4914286"/>
+          </a:xfrm>
+          <a:prstGeom prst="rect">
+            <a:avLst/>
+          </a:prstGeom>
+        </p:spPr>
+      </p:pic>
+    </p:spTree>
+    <p:extLst>
+      <p:ext uri="{BB962C8B-B14F-4D97-AF65-F5344CB8AC3E}">
+        <p14:creationId xmlns:p14="http://schemas.microsoft.com/office/powerpoint/2010/main" xmlns="" val="265357153"/>
+      </p:ext>
+    </p:extLst>
+  </p:cSld>
+  <p:clrMapOvr>
+    <a:masterClrMapping/>
+  </p:clrMapOvr>
+  <p:timing>
+    <p:tnLst>
+      <p:par>
+        <p:cTn id="1" dur="indefinite" restart="never" nodeType="tmRoot"/>
+      </p:par>
+    </p:tnLst>
+  </p:timing>
+</p:sld>
+</file>
+
+<file path=ppt/slides/slide18.xml><?xml version="1.0" encoding="utf-8"?>
+<p:sld xmlns:a="http://schemas.openxmlformats.org/drawingml/2006/main" xmlns:r="http://schemas.openxmlformats.org/officeDocument/2006/relationships" xmlns:p="http://schemas.openxmlformats.org/presentationml/2006/main">
+  <p:cSld>
+    <p:spTree>
+      <p:nvGrpSpPr>
+        <p:cNvPr id="1" name=""/>
+        <p:cNvGrpSpPr/>
+        <p:nvPr/>
+      </p:nvGrpSpPr>
+      <p:grpSpPr>
+        <a:xfrm>
+          <a:off x="0" y="0"/>
+          <a:ext cx="0" cy="0"/>
+          <a:chOff x="0" y="0"/>
+          <a:chExt cx="0" cy="0"/>
+        </a:xfrm>
+      </p:grpSpPr>
+      <p:sp>
+        <p:nvSpPr>
+          <p:cNvPr id="2" name="1 Título"/>
+          <p:cNvSpPr>
+            <a:spLocks noGrp="1"/>
+          </p:cNvSpPr>
+          <p:nvPr>
+            <p:ph type="title"/>
+          </p:nvPr>
+        </p:nvSpPr>
+        <p:spPr>
+          <a:xfrm>
             <a:off x="1952596" y="285728"/>
             <a:ext cx="8229600" cy="1143000"/>
           </a:xfrm>
@@ -4751,6 +4888,238 @@
       </p:sp>
       <p:pic>
         <p:nvPicPr>
+          <p:cNvPr id="3" name="Picture 2"/>
+          <p:cNvPicPr>
+            <a:picLocks noChangeAspect="1"/>
+          </p:cNvPicPr>
+          <p:nvPr/>
+        </p:nvPicPr>
+        <p:blipFill>
+          <a:blip r:embed="rId2" cstate="print">
+            <a:extLst>
+              <a:ext uri="{28A0092B-C50C-407E-A947-70E740481C1C}">
+                <a14:useLocalDpi xmlns:a14="http://schemas.microsoft.com/office/drawing/2010/main" xmlns="" val="0"/>
+              </a:ext>
+            </a:extLst>
+          </a:blip>
+          <a:stretch>
+            <a:fillRect/>
+          </a:stretch>
+        </p:blipFill>
+        <p:spPr>
+          <a:xfrm>
+            <a:off x="287342" y="1428728"/>
+            <a:ext cx="3739384" cy="2432072"/>
+          </a:xfrm>
+          <a:prstGeom prst="rect">
+            <a:avLst/>
+          </a:prstGeom>
+        </p:spPr>
+      </p:pic>
+      <p:pic>
+        <p:nvPicPr>
+          <p:cNvPr id="4" name="Picture 3"/>
+          <p:cNvPicPr>
+            <a:picLocks noChangeAspect="1"/>
+          </p:cNvPicPr>
+          <p:nvPr/>
+        </p:nvPicPr>
+        <p:blipFill>
+          <a:blip r:embed="rId3" cstate="print">
+            <a:extLst>
+              <a:ext uri="{28A0092B-C50C-407E-A947-70E740481C1C}">
+                <a14:useLocalDpi xmlns:a14="http://schemas.microsoft.com/office/drawing/2010/main" xmlns="" val="0"/>
+              </a:ext>
+            </a:extLst>
+          </a:blip>
+          <a:stretch>
+            <a:fillRect/>
+          </a:stretch>
+        </p:blipFill>
+        <p:spPr>
+          <a:xfrm>
+            <a:off x="287342" y="4244603"/>
+            <a:ext cx="3773066" cy="2432073"/>
+          </a:xfrm>
+          <a:prstGeom prst="rect">
+            <a:avLst/>
+          </a:prstGeom>
+        </p:spPr>
+      </p:pic>
+      <p:pic>
+        <p:nvPicPr>
+          <p:cNvPr id="5" name="Picture 4"/>
+          <p:cNvPicPr>
+            <a:picLocks noChangeAspect="1"/>
+          </p:cNvPicPr>
+          <p:nvPr/>
+        </p:nvPicPr>
+        <p:blipFill>
+          <a:blip r:embed="rId4" cstate="print">
+            <a:extLst>
+              <a:ext uri="{28A0092B-C50C-407E-A947-70E740481C1C}">
+                <a14:useLocalDpi xmlns:a14="http://schemas.microsoft.com/office/drawing/2010/main" xmlns="" val="0"/>
+              </a:ext>
+            </a:extLst>
+          </a:blip>
+          <a:stretch>
+            <a:fillRect/>
+          </a:stretch>
+        </p:blipFill>
+        <p:spPr>
+          <a:xfrm>
+            <a:off x="6400799" y="1428728"/>
+            <a:ext cx="5064775" cy="2610068"/>
+          </a:xfrm>
+          <a:prstGeom prst="rect">
+            <a:avLst/>
+          </a:prstGeom>
+        </p:spPr>
+      </p:pic>
+      <p:pic>
+        <p:nvPicPr>
+          <p:cNvPr id="6" name="Picture 5"/>
+          <p:cNvPicPr>
+            <a:picLocks noChangeAspect="1"/>
+          </p:cNvPicPr>
+          <p:nvPr/>
+        </p:nvPicPr>
+        <p:blipFill>
+          <a:blip r:embed="rId5" cstate="print">
+            <a:extLst>
+              <a:ext uri="{28A0092B-C50C-407E-A947-70E740481C1C}">
+                <a14:useLocalDpi xmlns:a14="http://schemas.microsoft.com/office/drawing/2010/main" xmlns="" val="0"/>
+              </a:ext>
+            </a:extLst>
+          </a:blip>
+          <a:stretch>
+            <a:fillRect/>
+          </a:stretch>
+        </p:blipFill>
+        <p:spPr>
+          <a:xfrm>
+            <a:off x="6788141" y="4209433"/>
+            <a:ext cx="4290090" cy="2467243"/>
+          </a:xfrm>
+          <a:prstGeom prst="rect">
+            <a:avLst/>
+          </a:prstGeom>
+        </p:spPr>
+      </p:pic>
+    </p:spTree>
+    <p:extLst>
+      <p:ext uri="{BB962C8B-B14F-4D97-AF65-F5344CB8AC3E}">
+        <p14:creationId xmlns:p14="http://schemas.microsoft.com/office/powerpoint/2010/main" xmlns="" val="1053114781"/>
+      </p:ext>
+    </p:extLst>
+  </p:cSld>
+  <p:clrMapOvr>
+    <a:masterClrMapping/>
+  </p:clrMapOvr>
+  <p:timing>
+    <p:tnLst>
+      <p:par>
+        <p:cTn id="1" dur="indefinite" restart="never" nodeType="tmRoot"/>
+      </p:par>
+    </p:tnLst>
+  </p:timing>
+</p:sld>
+</file>
+
+<file path=ppt/slides/slide19.xml><?xml version="1.0" encoding="utf-8"?>
+<p:sld xmlns:a="http://schemas.openxmlformats.org/drawingml/2006/main" xmlns:r="http://schemas.openxmlformats.org/officeDocument/2006/relationships" xmlns:p="http://schemas.openxmlformats.org/presentationml/2006/main">
+  <p:cSld>
+    <p:spTree>
+      <p:nvGrpSpPr>
+        <p:cNvPr id="1" name=""/>
+        <p:cNvGrpSpPr/>
+        <p:nvPr/>
+      </p:nvGrpSpPr>
+      <p:grpSpPr>
+        <a:xfrm>
+          <a:off x="0" y="0"/>
+          <a:ext cx="0" cy="0"/>
+          <a:chOff x="0" y="0"/>
+          <a:chExt cx="0" cy="0"/>
+        </a:xfrm>
+      </p:grpSpPr>
+      <p:sp>
+        <p:nvSpPr>
+          <p:cNvPr id="2" name="1 Título"/>
+          <p:cNvSpPr>
+            <a:spLocks noGrp="1"/>
+          </p:cNvSpPr>
+          <p:nvPr>
+            <p:ph type="title"/>
+          </p:nvPr>
+        </p:nvSpPr>
+        <p:spPr>
+          <a:xfrm>
+            <a:off x="1952596" y="285728"/>
+            <a:ext cx="8229600" cy="1143000"/>
+          </a:xfrm>
+        </p:spPr>
+        <p:txBody>
+          <a:bodyPr/>
+          <a:lstStyle/>
+          <a:p>
+            <a:pPr algn="ctr"/>
+            <a:r>
+              <a:rPr lang="es-AR" dirty="0" smtClean="0"/>
+              <a:t>Usuarios </a:t>
+            </a:r>
+            <a:r>
+              <a:rPr lang="es-AR" dirty="0" err="1" smtClean="0"/>
+              <a:t>Admin</a:t>
+            </a:r>
+            <a:r>
+              <a:rPr lang="es-AR" dirty="0"/>
+              <a:t> </a:t>
+            </a:r>
+            <a:r>
+              <a:rPr lang="es-AR" dirty="0" smtClean="0"/>
+              <a:t>&amp; </a:t>
+            </a:r>
+            <a:r>
+              <a:rPr lang="es-AR" dirty="0" err="1" smtClean="0"/>
+              <a:t>Read-Only</a:t>
+            </a:r>
+            <a:endParaRPr lang="es-AR" dirty="0"/>
+          </a:p>
+        </p:txBody>
+      </p:sp>
+      <p:sp>
+        <p:nvSpPr>
+          <p:cNvPr id="1026" name="AutoShape 2" descr="Inline image 2"/>
+          <p:cNvSpPr>
+            <a:spLocks noChangeAspect="1" noChangeArrowheads="1"/>
+          </p:cNvSpPr>
+          <p:nvPr/>
+        </p:nvSpPr>
+        <p:spPr bwMode="auto">
+          <a:xfrm>
+            <a:off x="1679575" y="-144463"/>
+            <a:ext cx="304800" cy="304801"/>
+          </a:xfrm>
+          <a:prstGeom prst="rect">
+            <a:avLst/>
+          </a:prstGeom>
+          <a:noFill/>
+        </p:spPr>
+        <p:txBody>
+          <a:bodyPr vert="horz" wrap="square" lIns="91440" tIns="45720" rIns="91440" bIns="45720" numCol="1" anchor="t" anchorCtr="0" compatLnSpc="1">
+            <a:prstTxWarp prst="textNoShape">
+              <a:avLst/>
+            </a:prstTxWarp>
+          </a:bodyPr>
+          <a:lstStyle/>
+          <a:p>
+            <a:endParaRPr lang="es-AR"/>
+          </a:p>
+        </p:txBody>
+      </p:sp>
+      <p:pic>
+        <p:nvPicPr>
           <p:cNvPr id="7" name="Picture 6"/>
           <p:cNvPicPr>
             <a:picLocks noChangeAspect="1"/>
@@ -4758,10 +5127,10 @@
           <p:nvPr/>
         </p:nvPicPr>
         <p:blipFill>
-          <a:blip r:embed="rId2">
+          <a:blip r:embed="rId2" cstate="print">
             <a:extLst>
               <a:ext uri="{28A0092B-C50C-407E-A947-70E740481C1C}">
-                <a14:useLocalDpi xmlns:a14="http://schemas.microsoft.com/office/drawing/2010/main" val="0"/>
+                <a14:useLocalDpi xmlns:a14="http://schemas.microsoft.com/office/drawing/2010/main" xmlns="" val="0"/>
               </a:ext>
             </a:extLst>
           </a:blip>
@@ -4788,10 +5157,10 @@
           <p:nvPr/>
         </p:nvPicPr>
         <p:blipFill>
-          <a:blip r:embed="rId3">
+          <a:blip r:embed="rId3" cstate="print">
             <a:extLst>
               <a:ext uri="{28A0092B-C50C-407E-A947-70E740481C1C}">
-                <a14:useLocalDpi xmlns:a14="http://schemas.microsoft.com/office/drawing/2010/main" val="0"/>
+                <a14:useLocalDpi xmlns:a14="http://schemas.microsoft.com/office/drawing/2010/main" xmlns="" val="0"/>
               </a:ext>
             </a:extLst>
           </a:blip>
@@ -4818,10 +5187,10 @@
           <p:nvPr/>
         </p:nvPicPr>
         <p:blipFill>
-          <a:blip r:embed="rId4">
+          <a:blip r:embed="rId4" cstate="print">
             <a:extLst>
               <a:ext uri="{28A0092B-C50C-407E-A947-70E740481C1C}">
-                <a14:useLocalDpi xmlns:a14="http://schemas.microsoft.com/office/drawing/2010/main" val="0"/>
+                <a14:useLocalDpi xmlns:a14="http://schemas.microsoft.com/office/drawing/2010/main" xmlns="" val="0"/>
               </a:ext>
             </a:extLst>
           </a:blip>
@@ -4926,115 +5295,7 @@
     </p:spTree>
     <p:extLst>
       <p:ext uri="{BB962C8B-B14F-4D97-AF65-F5344CB8AC3E}">
-        <p14:creationId xmlns:p14="http://schemas.microsoft.com/office/powerpoint/2010/main" val="2579423854"/>
-      </p:ext>
-    </p:extLst>
-  </p:cSld>
-  <p:clrMapOvr>
-    <a:masterClrMapping/>
-  </p:clrMapOvr>
-  <p:timing>
-    <p:tnLst>
-      <p:par>
-        <p:cTn id="1" dur="indefinite" restart="never" nodeType="tmRoot"/>
-      </p:par>
-    </p:tnLst>
-  </p:timing>
-</p:sld>
-</file>
-
-<file path=ppt/slides/slide18.xml><?xml version="1.0" encoding="utf-8"?>
-<p:sld xmlns:a="http://schemas.openxmlformats.org/drawingml/2006/main" xmlns:r="http://schemas.openxmlformats.org/officeDocument/2006/relationships" xmlns:p="http://schemas.openxmlformats.org/presentationml/2006/main">
-  <p:cSld>
-    <p:spTree>
-      <p:nvGrpSpPr>
-        <p:cNvPr id="1" name=""/>
-        <p:cNvGrpSpPr/>
-        <p:nvPr/>
-      </p:nvGrpSpPr>
-      <p:grpSpPr>
-        <a:xfrm>
-          <a:off x="0" y="0"/>
-          <a:ext cx="0" cy="0"/>
-          <a:chOff x="0" y="0"/>
-          <a:chExt cx="0" cy="0"/>
-        </a:xfrm>
-      </p:grpSpPr>
-      <p:sp>
-        <p:nvSpPr>
-          <p:cNvPr id="2" name="1 Título"/>
-          <p:cNvSpPr>
-            <a:spLocks noGrp="1"/>
-          </p:cNvSpPr>
-          <p:nvPr>
-            <p:ph type="title"/>
-          </p:nvPr>
-        </p:nvSpPr>
-        <p:spPr>
-          <a:xfrm>
-            <a:off x="2024034" y="142852"/>
-            <a:ext cx="8229600" cy="1344203"/>
-          </a:xfrm>
-        </p:spPr>
-        <p:txBody>
-          <a:bodyPr>
-            <a:normAutofit/>
-          </a:bodyPr>
-          <a:lstStyle/>
-          <a:p>
-            <a:pPr algn="ctr"/>
-            <a:r>
-              <a:rPr lang="en-US" dirty="0" err="1" smtClean="0"/>
-              <a:t>Oportunidades</a:t>
-            </a:r>
-            <a:r>
-              <a:rPr lang="en-US" dirty="0" smtClean="0"/>
-              <a:t> de </a:t>
-            </a:r>
-            <a:r>
-              <a:rPr lang="en-US" dirty="0" err="1" smtClean="0"/>
-              <a:t>Mejora</a:t>
-            </a:r>
-            <a:endParaRPr lang="es-AR" sz="3600" i="1" dirty="0"/>
-          </a:p>
-        </p:txBody>
-      </p:sp>
-      <p:sp>
-        <p:nvSpPr>
-          <p:cNvPr id="3" name="2 Marcador de contenido"/>
-          <p:cNvSpPr>
-            <a:spLocks noGrp="1"/>
-          </p:cNvSpPr>
-          <p:nvPr>
-            <p:ph idx="1"/>
-          </p:nvPr>
-        </p:nvSpPr>
-        <p:spPr>
-          <a:xfrm>
-            <a:off x="2106187" y="1745674"/>
-            <a:ext cx="8065294" cy="4174836"/>
-          </a:xfrm>
-        </p:spPr>
-        <p:txBody>
-          <a:bodyPr>
-            <a:noAutofit/>
-          </a:bodyPr>
-          <a:lstStyle/>
-          <a:p>
-            <a:pPr marL="0" indent="0">
-              <a:buClr>
-                <a:srgbClr val="00B050"/>
-              </a:buClr>
-              <a:buNone/>
-            </a:pPr>
-            <a:endParaRPr lang="es-AR" sz="3200" dirty="0" smtClean="0"/>
-          </a:p>
-        </p:txBody>
-      </p:sp>
-    </p:spTree>
-    <p:extLst>
-      <p:ext uri="{BB962C8B-B14F-4D97-AF65-F5344CB8AC3E}">
-        <p14:creationId xmlns:p14="http://schemas.microsoft.com/office/powerpoint/2010/main" val="1461487824"/>
+        <p14:creationId xmlns:p14="http://schemas.microsoft.com/office/powerpoint/2010/main" xmlns="" val="2579423854"/>
       </p:ext>
     </p:extLst>
   </p:cSld>
@@ -5202,7 +5463,164 @@
     </p:spTree>
     <p:extLst>
       <p:ext uri="{BB962C8B-B14F-4D97-AF65-F5344CB8AC3E}">
-        <p14:creationId xmlns:p14="http://schemas.microsoft.com/office/powerpoint/2010/main" val="3019863904"/>
+        <p14:creationId xmlns:p14="http://schemas.microsoft.com/office/powerpoint/2010/main" xmlns="" val="3019863904"/>
+      </p:ext>
+    </p:extLst>
+  </p:cSld>
+  <p:clrMapOvr>
+    <a:masterClrMapping/>
+  </p:clrMapOvr>
+  <p:timing>
+    <p:tnLst>
+      <p:par>
+        <p:cTn id="1" dur="indefinite" restart="never" nodeType="tmRoot"/>
+      </p:par>
+    </p:tnLst>
+  </p:timing>
+</p:sld>
+</file>
+
+<file path=ppt/slides/slide20.xml><?xml version="1.0" encoding="utf-8"?>
+<p:sld xmlns:a="http://schemas.openxmlformats.org/drawingml/2006/main" xmlns:r="http://schemas.openxmlformats.org/officeDocument/2006/relationships" xmlns:p="http://schemas.openxmlformats.org/presentationml/2006/main">
+  <p:cSld>
+    <p:spTree>
+      <p:nvGrpSpPr>
+        <p:cNvPr id="1" name=""/>
+        <p:cNvGrpSpPr/>
+        <p:nvPr/>
+      </p:nvGrpSpPr>
+      <p:grpSpPr>
+        <a:xfrm>
+          <a:off x="0" y="0"/>
+          <a:ext cx="0" cy="0"/>
+          <a:chOff x="0" y="0"/>
+          <a:chExt cx="0" cy="0"/>
+        </a:xfrm>
+      </p:grpSpPr>
+      <p:sp>
+        <p:nvSpPr>
+          <p:cNvPr id="2" name="1 Título"/>
+          <p:cNvSpPr>
+            <a:spLocks noGrp="1"/>
+          </p:cNvSpPr>
+          <p:nvPr>
+            <p:ph type="title"/>
+          </p:nvPr>
+        </p:nvSpPr>
+        <p:spPr>
+          <a:xfrm>
+            <a:off x="2024034" y="142852"/>
+            <a:ext cx="8229600" cy="1344203"/>
+          </a:xfrm>
+        </p:spPr>
+        <p:txBody>
+          <a:bodyPr>
+            <a:normAutofit/>
+          </a:bodyPr>
+          <a:lstStyle/>
+          <a:p>
+            <a:pPr algn="ctr"/>
+            <a:r>
+              <a:rPr lang="en-US" dirty="0" err="1" smtClean="0"/>
+              <a:t>Oportunidades</a:t>
+            </a:r>
+            <a:r>
+              <a:rPr lang="en-US" dirty="0" smtClean="0"/>
+              <a:t> de </a:t>
+            </a:r>
+            <a:r>
+              <a:rPr lang="en-US" dirty="0" err="1" smtClean="0"/>
+              <a:t>Mejora</a:t>
+            </a:r>
+            <a:endParaRPr lang="es-AR" sz="3600" i="1" dirty="0"/>
+          </a:p>
+        </p:txBody>
+      </p:sp>
+      <p:sp>
+        <p:nvSpPr>
+          <p:cNvPr id="3" name="2 Marcador de contenido"/>
+          <p:cNvSpPr>
+            <a:spLocks noGrp="1"/>
+          </p:cNvSpPr>
+          <p:nvPr>
+            <p:ph idx="1"/>
+          </p:nvPr>
+        </p:nvSpPr>
+        <p:spPr>
+          <a:xfrm>
+            <a:off x="576943" y="1469571"/>
+            <a:ext cx="10907486" cy="4450939"/>
+          </a:xfrm>
+        </p:spPr>
+        <p:txBody>
+          <a:bodyPr>
+            <a:noAutofit/>
+          </a:bodyPr>
+          <a:lstStyle/>
+          <a:p>
+            <a:pPr marL="0" indent="0">
+              <a:buClr>
+                <a:srgbClr val="00B050"/>
+              </a:buClr>
+              <a:buFont typeface="Wingdings" pitchFamily="2" charset="2"/>
+              <a:buChar char="Ø"/>
+            </a:pPr>
+            <a:r>
+              <a:rPr lang="es-AR" sz="3200" dirty="0" smtClean="0"/>
+              <a:t>Realizar estimaciones con SP == 1 Hora.</a:t>
+            </a:r>
+          </a:p>
+          <a:p>
+            <a:pPr marL="0" indent="0">
+              <a:buClr>
+                <a:srgbClr val="00B050"/>
+              </a:buClr>
+              <a:buFont typeface="Wingdings" pitchFamily="2" charset="2"/>
+              <a:buChar char="Ø"/>
+            </a:pPr>
+            <a:endParaRPr lang="es-AR" sz="3200" dirty="0" smtClean="0"/>
+          </a:p>
+          <a:p>
+            <a:pPr marL="0" indent="0">
+              <a:buClr>
+                <a:srgbClr val="00B050"/>
+              </a:buClr>
+              <a:buFont typeface="Wingdings" pitchFamily="2" charset="2"/>
+              <a:buChar char="Ø"/>
+            </a:pPr>
+            <a:r>
+              <a:rPr lang="es-AR" sz="3200" dirty="0" smtClean="0"/>
+              <a:t>Reestimar las tareas si vemos que hay una gran diferencia en el esfuerzo consumido y la estimación e informarlo al cliente, tanto para quitar alguna tarea con menos prioridad como para agregar mas tareas dependiendo del caso.</a:t>
+            </a:r>
+          </a:p>
+          <a:p>
+            <a:pPr marL="0" indent="0">
+              <a:buClr>
+                <a:srgbClr val="00B050"/>
+              </a:buClr>
+              <a:buNone/>
+            </a:pPr>
+            <a:endParaRPr lang="es-AR" sz="3200" dirty="0" smtClean="0"/>
+          </a:p>
+          <a:p>
+            <a:pPr marL="0" indent="0">
+              <a:buClr>
+                <a:srgbClr val="00B050"/>
+              </a:buClr>
+              <a:buFont typeface="Wingdings" pitchFamily="2" charset="2"/>
+              <a:buChar char="Ø"/>
+            </a:pPr>
+            <a:r>
+              <a:rPr lang="es-AR" sz="3200" dirty="0" smtClean="0"/>
+              <a:t>Establecer criterios globales para cada tipo de documento y asignar la responsabilidad de revisar los mismos antes de enviarlos al cliente.</a:t>
+            </a:r>
+          </a:p>
+        </p:txBody>
+      </p:sp>
+    </p:spTree>
+    <p:extLst>
+      <p:ext uri="{BB962C8B-B14F-4D97-AF65-F5344CB8AC3E}">
+        <p14:creationId xmlns:p14="http://schemas.microsoft.com/office/powerpoint/2010/main" xmlns="" val="1461487824"/>
       </p:ext>
     </p:extLst>
   </p:cSld>
@@ -5390,7 +5808,7 @@
     </p:spTree>
     <p:extLst>
       <p:ext uri="{BB962C8B-B14F-4D97-AF65-F5344CB8AC3E}">
-        <p14:creationId xmlns:p14="http://schemas.microsoft.com/office/powerpoint/2010/main" val="4068815418"/>
+        <p14:creationId xmlns:p14="http://schemas.microsoft.com/office/powerpoint/2010/main" xmlns="" val="4068815418"/>
       </p:ext>
     </p:extLst>
   </p:cSld>
@@ -5496,10 +5914,10 @@
           <p:nvPr/>
         </p:nvPicPr>
         <p:blipFill>
-          <a:blip r:embed="rId2">
+          <a:blip r:embed="rId2" cstate="print">
             <a:extLst>
               <a:ext uri="{28A0092B-C50C-407E-A947-70E740481C1C}">
-                <a14:useLocalDpi xmlns:a14="http://schemas.microsoft.com/office/drawing/2010/main" val="0"/>
+                <a14:useLocalDpi xmlns:a14="http://schemas.microsoft.com/office/drawing/2010/main" xmlns="" val="0"/>
               </a:ext>
             </a:extLst>
           </a:blip>
@@ -5520,7 +5938,7 @@
     </p:spTree>
     <p:extLst>
       <p:ext uri="{BB962C8B-B14F-4D97-AF65-F5344CB8AC3E}">
-        <p14:creationId xmlns:p14="http://schemas.microsoft.com/office/powerpoint/2010/main" val="3167588023"/>
+        <p14:creationId xmlns:p14="http://schemas.microsoft.com/office/powerpoint/2010/main" xmlns="" val="3167588023"/>
       </p:ext>
     </p:extLst>
   </p:cSld>
@@ -5585,42 +6003,5818 @@
           </a:p>
         </p:txBody>
       </p:sp>
-      <p:sp>
-        <p:nvSpPr>
-          <p:cNvPr id="3" name="2 Marcador de contenido"/>
-          <p:cNvSpPr>
-            <a:spLocks noGrp="1"/>
-          </p:cNvSpPr>
+      <p:graphicFrame>
+        <p:nvGraphicFramePr>
+          <p:cNvPr id="4" name="3 Marcador de contenido"/>
+          <p:cNvGraphicFramePr>
+            <a:graphicFrameLocks noGrp="1"/>
+          </p:cNvGraphicFramePr>
           <p:nvPr>
             <p:ph idx="1"/>
           </p:nvPr>
-        </p:nvSpPr>
-        <p:spPr>
-          <a:xfrm>
-            <a:off x="2106187" y="1745674"/>
-            <a:ext cx="8065294" cy="4174836"/>
-          </a:xfrm>
-        </p:spPr>
-        <p:txBody>
-          <a:bodyPr>
-            <a:noAutofit/>
-          </a:bodyPr>
-          <a:lstStyle/>
-          <a:p>
-            <a:pPr marL="0" indent="0">
-              <a:buClr>
-                <a:srgbClr val="00B050"/>
-              </a:buClr>
-              <a:buNone/>
-            </a:pPr>
-            <a:endParaRPr lang="es-AR" sz="3200" dirty="0" smtClean="0"/>
-          </a:p>
-        </p:txBody>
-      </p:sp>
+        </p:nvGraphicFramePr>
+        <p:xfrm>
+          <a:off x="1164771" y="1328055"/>
+          <a:ext cx="10112828" cy="4659088"/>
+        </p:xfrm>
+        <a:graphic>
+          <a:graphicData uri="http://schemas.openxmlformats.org/drawingml/2006/table">
+            <a:tbl>
+              <a:tblPr/>
+              <a:tblGrid>
+                <a:gridCol w="1330981"/>
+                <a:gridCol w="2262105"/>
+                <a:gridCol w="1355385"/>
+                <a:gridCol w="1971129"/>
+                <a:gridCol w="1995533"/>
+                <a:gridCol w="1197695"/>
+              </a:tblGrid>
+              <a:tr h="332792">
+                <a:tc>
+                  <a:txBody>
+                    <a:bodyPr/>
+                    <a:lstStyle/>
+                    <a:p>
+                      <a:pPr algn="ctr">
+                        <a:spcAft>
+                          <a:spcPts val="0"/>
+                        </a:spcAft>
+                      </a:pPr>
+                      <a:r>
+                        <a:rPr lang="es-AR" sz="1600" b="1" dirty="0">
+                          <a:solidFill>
+                            <a:srgbClr val="000000"/>
+                          </a:solidFill>
+                          <a:latin typeface="Arial"/>
+                          <a:ea typeface="Times New Roman"/>
+                          <a:cs typeface="Times New Roman"/>
+                        </a:rPr>
+                        <a:t>Tipo</a:t>
+                      </a:r>
+                      <a:endParaRPr lang="es-AR" sz="1600" dirty="0">
+                        <a:latin typeface="Calibri"/>
+                        <a:ea typeface="Calibri"/>
+                        <a:cs typeface="Times New Roman"/>
+                      </a:endParaRPr>
+                    </a:p>
+                  </a:txBody>
+                  <a:tcPr marL="44450" marR="44450" marT="0" marB="0" anchor="ctr">
+                    <a:lnL w="12700" cap="flat" cmpd="sng" algn="ctr">
+                      <a:solidFill>
+                        <a:srgbClr val="000000"/>
+                      </a:solidFill>
+                      <a:prstDash val="solid"/>
+                      <a:round/>
+                      <a:headEnd type="none" w="med" len="med"/>
+                      <a:tailEnd type="none" w="med" len="med"/>
+                    </a:lnL>
+                    <a:lnR w="12700" cap="flat" cmpd="sng" algn="ctr">
+                      <a:solidFill>
+                        <a:srgbClr val="000000"/>
+                      </a:solidFill>
+                      <a:prstDash val="solid"/>
+                      <a:round/>
+                      <a:headEnd type="none" w="med" len="med"/>
+                      <a:tailEnd type="none" w="med" len="med"/>
+                    </a:lnR>
+                    <a:lnT w="12700" cap="flat" cmpd="sng" algn="ctr">
+                      <a:solidFill>
+                        <a:srgbClr val="000000"/>
+                      </a:solidFill>
+                      <a:prstDash val="solid"/>
+                      <a:round/>
+                      <a:headEnd type="none" w="med" len="med"/>
+                      <a:tailEnd type="none" w="med" len="med"/>
+                    </a:lnT>
+                    <a:lnB w="12700" cap="flat" cmpd="sng" algn="ctr">
+                      <a:solidFill>
+                        <a:srgbClr val="000000"/>
+                      </a:solidFill>
+                      <a:prstDash val="solid"/>
+                      <a:round/>
+                      <a:headEnd type="none" w="med" len="med"/>
+                      <a:tailEnd type="none" w="med" len="med"/>
+                    </a:lnB>
+                    <a:solidFill>
+                      <a:srgbClr val="B2A1C7"/>
+                    </a:solidFill>
+                  </a:tcPr>
+                </a:tc>
+                <a:tc>
+                  <a:txBody>
+                    <a:bodyPr/>
+                    <a:lstStyle/>
+                    <a:p>
+                      <a:pPr algn="ctr">
+                        <a:spcAft>
+                          <a:spcPts val="0"/>
+                        </a:spcAft>
+                      </a:pPr>
+                      <a:r>
+                        <a:rPr lang="es-AR" sz="1600" b="1" dirty="0" err="1">
+                          <a:solidFill>
+                            <a:srgbClr val="000000"/>
+                          </a:solidFill>
+                          <a:latin typeface="Arial"/>
+                          <a:ea typeface="Times New Roman"/>
+                          <a:cs typeface="Times New Roman"/>
+                        </a:rPr>
+                        <a:t>User</a:t>
+                      </a:r>
+                      <a:r>
+                        <a:rPr lang="es-AR" sz="1600" b="1" dirty="0">
+                          <a:solidFill>
+                            <a:srgbClr val="000000"/>
+                          </a:solidFill>
+                          <a:latin typeface="Arial"/>
+                          <a:ea typeface="Times New Roman"/>
+                          <a:cs typeface="Times New Roman"/>
+                        </a:rPr>
+                        <a:t> </a:t>
+                      </a:r>
+                      <a:r>
+                        <a:rPr lang="es-AR" sz="1600" b="1" dirty="0" err="1">
+                          <a:solidFill>
+                            <a:srgbClr val="000000"/>
+                          </a:solidFill>
+                          <a:latin typeface="Arial"/>
+                          <a:ea typeface="Times New Roman"/>
+                          <a:cs typeface="Times New Roman"/>
+                        </a:rPr>
+                        <a:t>Story</a:t>
+                      </a:r>
+                      <a:endParaRPr lang="es-AR" sz="1600" dirty="0">
+                        <a:latin typeface="Calibri"/>
+                        <a:ea typeface="Calibri"/>
+                        <a:cs typeface="Times New Roman"/>
+                      </a:endParaRPr>
+                    </a:p>
+                  </a:txBody>
+                  <a:tcPr marL="44450" marR="44450" marT="0" marB="0" anchor="ctr">
+                    <a:lnL w="12700" cap="flat" cmpd="sng" algn="ctr">
+                      <a:solidFill>
+                        <a:srgbClr val="000000"/>
+                      </a:solidFill>
+                      <a:prstDash val="solid"/>
+                      <a:round/>
+                      <a:headEnd type="none" w="med" len="med"/>
+                      <a:tailEnd type="none" w="med" len="med"/>
+                    </a:lnL>
+                    <a:lnR w="12700" cap="flat" cmpd="sng" algn="ctr">
+                      <a:solidFill>
+                        <a:srgbClr val="000000"/>
+                      </a:solidFill>
+                      <a:prstDash val="solid"/>
+                      <a:round/>
+                      <a:headEnd type="none" w="med" len="med"/>
+                      <a:tailEnd type="none" w="med" len="med"/>
+                    </a:lnR>
+                    <a:lnT w="12700" cap="flat" cmpd="sng" algn="ctr">
+                      <a:solidFill>
+                        <a:srgbClr val="000000"/>
+                      </a:solidFill>
+                      <a:prstDash val="solid"/>
+                      <a:round/>
+                      <a:headEnd type="none" w="med" len="med"/>
+                      <a:tailEnd type="none" w="med" len="med"/>
+                    </a:lnT>
+                    <a:lnB w="12700" cap="flat" cmpd="sng" algn="ctr">
+                      <a:solidFill>
+                        <a:srgbClr val="000000"/>
+                      </a:solidFill>
+                      <a:prstDash val="solid"/>
+                      <a:round/>
+                      <a:headEnd type="none" w="med" len="med"/>
+                      <a:tailEnd type="none" w="med" len="med"/>
+                    </a:lnB>
+                    <a:solidFill>
+                      <a:srgbClr val="B2A1C7"/>
+                    </a:solidFill>
+                  </a:tcPr>
+                </a:tc>
+                <a:tc>
+                  <a:txBody>
+                    <a:bodyPr/>
+                    <a:lstStyle/>
+                    <a:p>
+                      <a:pPr algn="ctr">
+                        <a:spcAft>
+                          <a:spcPts val="0"/>
+                        </a:spcAft>
+                      </a:pPr>
+                      <a:r>
+                        <a:rPr lang="es-AR" sz="1600" b="1">
+                          <a:solidFill>
+                            <a:srgbClr val="000000"/>
+                          </a:solidFill>
+                          <a:latin typeface="Arial"/>
+                          <a:ea typeface="Times New Roman"/>
+                          <a:cs typeface="Times New Roman"/>
+                        </a:rPr>
+                        <a:t>StoryPoints</a:t>
+                      </a:r>
+                      <a:endParaRPr lang="es-AR" sz="1600">
+                        <a:latin typeface="Calibri"/>
+                        <a:ea typeface="Calibri"/>
+                        <a:cs typeface="Times New Roman"/>
+                      </a:endParaRPr>
+                    </a:p>
+                  </a:txBody>
+                  <a:tcPr marL="44450" marR="44450" marT="0" marB="0" anchor="ctr">
+                    <a:lnL w="12700" cap="flat" cmpd="sng" algn="ctr">
+                      <a:solidFill>
+                        <a:srgbClr val="000000"/>
+                      </a:solidFill>
+                      <a:prstDash val="solid"/>
+                      <a:round/>
+                      <a:headEnd type="none" w="med" len="med"/>
+                      <a:tailEnd type="none" w="med" len="med"/>
+                    </a:lnL>
+                    <a:lnR w="12700" cap="flat" cmpd="sng" algn="ctr">
+                      <a:solidFill>
+                        <a:srgbClr val="000000"/>
+                      </a:solidFill>
+                      <a:prstDash val="solid"/>
+                      <a:round/>
+                      <a:headEnd type="none" w="med" len="med"/>
+                      <a:tailEnd type="none" w="med" len="med"/>
+                    </a:lnR>
+                    <a:lnT w="12700" cap="flat" cmpd="sng" algn="ctr">
+                      <a:solidFill>
+                        <a:srgbClr val="000000"/>
+                      </a:solidFill>
+                      <a:prstDash val="solid"/>
+                      <a:round/>
+                      <a:headEnd type="none" w="med" len="med"/>
+                      <a:tailEnd type="none" w="med" len="med"/>
+                    </a:lnT>
+                    <a:lnB w="12700" cap="flat" cmpd="sng" algn="ctr">
+                      <a:solidFill>
+                        <a:srgbClr val="000000"/>
+                      </a:solidFill>
+                      <a:prstDash val="solid"/>
+                      <a:round/>
+                      <a:headEnd type="none" w="med" len="med"/>
+                      <a:tailEnd type="none" w="med" len="med"/>
+                    </a:lnB>
+                    <a:solidFill>
+                      <a:srgbClr val="B2A1C7"/>
+                    </a:solidFill>
+                  </a:tcPr>
+                </a:tc>
+                <a:tc>
+                  <a:txBody>
+                    <a:bodyPr/>
+                    <a:lstStyle/>
+                    <a:p>
+                      <a:pPr algn="ctr">
+                        <a:spcAft>
+                          <a:spcPts val="0"/>
+                        </a:spcAft>
+                      </a:pPr>
+                      <a:r>
+                        <a:rPr lang="es-AR" sz="1600" b="1">
+                          <a:solidFill>
+                            <a:srgbClr val="000000"/>
+                          </a:solidFill>
+                          <a:latin typeface="Arial"/>
+                          <a:ea typeface="Times New Roman"/>
+                          <a:cs typeface="Times New Roman"/>
+                        </a:rPr>
+                        <a:t>Horas Estimadas</a:t>
+                      </a:r>
+                      <a:endParaRPr lang="es-AR" sz="1600">
+                        <a:latin typeface="Calibri"/>
+                        <a:ea typeface="Calibri"/>
+                        <a:cs typeface="Times New Roman"/>
+                      </a:endParaRPr>
+                    </a:p>
+                  </a:txBody>
+                  <a:tcPr marL="44450" marR="44450" marT="0" marB="0" anchor="ctr">
+                    <a:lnL w="12700" cap="flat" cmpd="sng" algn="ctr">
+                      <a:solidFill>
+                        <a:srgbClr val="000000"/>
+                      </a:solidFill>
+                      <a:prstDash val="solid"/>
+                      <a:round/>
+                      <a:headEnd type="none" w="med" len="med"/>
+                      <a:tailEnd type="none" w="med" len="med"/>
+                    </a:lnL>
+                    <a:lnR w="12700" cap="flat" cmpd="sng" algn="ctr">
+                      <a:solidFill>
+                        <a:srgbClr val="000000"/>
+                      </a:solidFill>
+                      <a:prstDash val="solid"/>
+                      <a:round/>
+                      <a:headEnd type="none" w="med" len="med"/>
+                      <a:tailEnd type="none" w="med" len="med"/>
+                    </a:lnR>
+                    <a:lnT w="12700" cap="flat" cmpd="sng" algn="ctr">
+                      <a:solidFill>
+                        <a:srgbClr val="000000"/>
+                      </a:solidFill>
+                      <a:prstDash val="solid"/>
+                      <a:round/>
+                      <a:headEnd type="none" w="med" len="med"/>
+                      <a:tailEnd type="none" w="med" len="med"/>
+                    </a:lnT>
+                    <a:lnB w="12700" cap="flat" cmpd="sng" algn="ctr">
+                      <a:solidFill>
+                        <a:srgbClr val="000000"/>
+                      </a:solidFill>
+                      <a:prstDash val="solid"/>
+                      <a:round/>
+                      <a:headEnd type="none" w="med" len="med"/>
+                      <a:tailEnd type="none" w="med" len="med"/>
+                    </a:lnB>
+                    <a:solidFill>
+                      <a:srgbClr val="B2A1C7"/>
+                    </a:solidFill>
+                  </a:tcPr>
+                </a:tc>
+                <a:tc>
+                  <a:txBody>
+                    <a:bodyPr/>
+                    <a:lstStyle/>
+                    <a:p>
+                      <a:pPr algn="ctr">
+                        <a:spcAft>
+                          <a:spcPts val="0"/>
+                        </a:spcAft>
+                      </a:pPr>
+                      <a:r>
+                        <a:rPr lang="es-AR" sz="1600" b="1">
+                          <a:solidFill>
+                            <a:srgbClr val="000000"/>
+                          </a:solidFill>
+                          <a:latin typeface="Arial"/>
+                          <a:ea typeface="Times New Roman"/>
+                          <a:cs typeface="Times New Roman"/>
+                        </a:rPr>
+                        <a:t>Horas consumidas</a:t>
+                      </a:r>
+                      <a:endParaRPr lang="es-AR" sz="1600">
+                        <a:latin typeface="Calibri"/>
+                        <a:ea typeface="Calibri"/>
+                        <a:cs typeface="Times New Roman"/>
+                      </a:endParaRPr>
+                    </a:p>
+                  </a:txBody>
+                  <a:tcPr marL="44450" marR="44450" marT="0" marB="0" anchor="ctr">
+                    <a:lnL w="12700" cap="flat" cmpd="sng" algn="ctr">
+                      <a:solidFill>
+                        <a:srgbClr val="000000"/>
+                      </a:solidFill>
+                      <a:prstDash val="solid"/>
+                      <a:round/>
+                      <a:headEnd type="none" w="med" len="med"/>
+                      <a:tailEnd type="none" w="med" len="med"/>
+                    </a:lnL>
+                    <a:lnR w="12700" cap="flat" cmpd="sng" algn="ctr">
+                      <a:solidFill>
+                        <a:srgbClr val="000000"/>
+                      </a:solidFill>
+                      <a:prstDash val="solid"/>
+                      <a:round/>
+                      <a:headEnd type="none" w="med" len="med"/>
+                      <a:tailEnd type="none" w="med" len="med"/>
+                    </a:lnR>
+                    <a:lnT w="12700" cap="flat" cmpd="sng" algn="ctr">
+                      <a:solidFill>
+                        <a:srgbClr val="000000"/>
+                      </a:solidFill>
+                      <a:prstDash val="solid"/>
+                      <a:round/>
+                      <a:headEnd type="none" w="med" len="med"/>
+                      <a:tailEnd type="none" w="med" len="med"/>
+                    </a:lnT>
+                    <a:lnB w="12700" cap="flat" cmpd="sng" algn="ctr">
+                      <a:solidFill>
+                        <a:srgbClr val="000000"/>
+                      </a:solidFill>
+                      <a:prstDash val="solid"/>
+                      <a:round/>
+                      <a:headEnd type="none" w="med" len="med"/>
+                      <a:tailEnd type="none" w="med" len="med"/>
+                    </a:lnB>
+                    <a:solidFill>
+                      <a:srgbClr val="B2A1C7"/>
+                    </a:solidFill>
+                  </a:tcPr>
+                </a:tc>
+                <a:tc>
+                  <a:txBody>
+                    <a:bodyPr/>
+                    <a:lstStyle/>
+                    <a:p>
+                      <a:pPr>
+                        <a:spcAft>
+                          <a:spcPts val="0"/>
+                        </a:spcAft>
+                      </a:pPr>
+                      <a:r>
+                        <a:rPr lang="es-AR" sz="1600" b="1" dirty="0">
+                          <a:solidFill>
+                            <a:srgbClr val="000000"/>
+                          </a:solidFill>
+                          <a:latin typeface="Calibri"/>
+                          <a:ea typeface="Times New Roman"/>
+                          <a:cs typeface="Times New Roman"/>
+                        </a:rPr>
+                        <a:t>% Esfuerzo</a:t>
+                      </a:r>
+                      <a:endParaRPr lang="es-AR" sz="1600" dirty="0">
+                        <a:latin typeface="Calibri"/>
+                        <a:ea typeface="Calibri"/>
+                        <a:cs typeface="Times New Roman"/>
+                      </a:endParaRPr>
+                    </a:p>
+                  </a:txBody>
+                  <a:tcPr marL="44450" marR="44450" marT="0" marB="0" anchor="b">
+                    <a:lnL w="12700" cap="flat" cmpd="sng" algn="ctr">
+                      <a:solidFill>
+                        <a:srgbClr val="000000"/>
+                      </a:solidFill>
+                      <a:prstDash val="solid"/>
+                      <a:round/>
+                      <a:headEnd type="none" w="med" len="med"/>
+                      <a:tailEnd type="none" w="med" len="med"/>
+                    </a:lnL>
+                    <a:lnR w="12700" cap="flat" cmpd="sng" algn="ctr">
+                      <a:solidFill>
+                        <a:srgbClr val="000000"/>
+                      </a:solidFill>
+                      <a:prstDash val="solid"/>
+                      <a:round/>
+                      <a:headEnd type="none" w="med" len="med"/>
+                      <a:tailEnd type="none" w="med" len="med"/>
+                    </a:lnR>
+                    <a:lnT w="12700" cap="flat" cmpd="sng" algn="ctr">
+                      <a:solidFill>
+                        <a:srgbClr val="000000"/>
+                      </a:solidFill>
+                      <a:prstDash val="solid"/>
+                      <a:round/>
+                      <a:headEnd type="none" w="med" len="med"/>
+                      <a:tailEnd type="none" w="med" len="med"/>
+                    </a:lnT>
+                    <a:lnB w="12700" cap="flat" cmpd="sng" algn="ctr">
+                      <a:solidFill>
+                        <a:srgbClr val="000000"/>
+                      </a:solidFill>
+                      <a:prstDash val="solid"/>
+                      <a:round/>
+                      <a:headEnd type="none" w="med" len="med"/>
+                      <a:tailEnd type="none" w="med" len="med"/>
+                    </a:lnB>
+                    <a:solidFill>
+                      <a:srgbClr val="B2A1C7"/>
+                    </a:solidFill>
+                  </a:tcPr>
+                </a:tc>
+              </a:tr>
+              <a:tr h="332792">
+                <a:tc>
+                  <a:txBody>
+                    <a:bodyPr/>
+                    <a:lstStyle/>
+                    <a:p>
+                      <a:pPr algn="ctr">
+                        <a:spcAft>
+                          <a:spcPts val="0"/>
+                        </a:spcAft>
+                      </a:pPr>
+                      <a:r>
+                        <a:rPr lang="es-AR" sz="1600" dirty="0" err="1">
+                          <a:solidFill>
+                            <a:srgbClr val="000000"/>
+                          </a:solidFill>
+                          <a:latin typeface="Arial"/>
+                          <a:ea typeface="Times New Roman"/>
+                          <a:cs typeface="Times New Roman"/>
+                        </a:rPr>
+                        <a:t>Backend</a:t>
+                      </a:r>
+                      <a:endParaRPr lang="es-AR" sz="1600" dirty="0">
+                        <a:latin typeface="Calibri"/>
+                        <a:ea typeface="Calibri"/>
+                        <a:cs typeface="Times New Roman"/>
+                      </a:endParaRPr>
+                    </a:p>
+                  </a:txBody>
+                  <a:tcPr marL="44450" marR="44450" marT="0" marB="0" anchor="b">
+                    <a:lnL w="12700" cap="flat" cmpd="sng" algn="ctr">
+                      <a:solidFill>
+                        <a:srgbClr val="000000"/>
+                      </a:solidFill>
+                      <a:prstDash val="solid"/>
+                      <a:round/>
+                      <a:headEnd type="none" w="med" len="med"/>
+                      <a:tailEnd type="none" w="med" len="med"/>
+                    </a:lnL>
+                    <a:lnR w="12700" cap="flat" cmpd="sng" algn="ctr">
+                      <a:solidFill>
+                        <a:srgbClr val="000000"/>
+                      </a:solidFill>
+                      <a:prstDash val="solid"/>
+                      <a:round/>
+                      <a:headEnd type="none" w="med" len="med"/>
+                      <a:tailEnd type="none" w="med" len="med"/>
+                    </a:lnR>
+                    <a:lnT w="12700" cap="flat" cmpd="sng" algn="ctr">
+                      <a:solidFill>
+                        <a:srgbClr val="000000"/>
+                      </a:solidFill>
+                      <a:prstDash val="solid"/>
+                      <a:round/>
+                      <a:headEnd type="none" w="med" len="med"/>
+                      <a:tailEnd type="none" w="med" len="med"/>
+                    </a:lnT>
+                    <a:lnB w="12700" cap="flat" cmpd="sng" algn="ctr">
+                      <a:solidFill>
+                        <a:srgbClr val="000000"/>
+                      </a:solidFill>
+                      <a:prstDash val="solid"/>
+                      <a:round/>
+                      <a:headEnd type="none" w="med" len="med"/>
+                      <a:tailEnd type="none" w="med" len="med"/>
+                    </a:lnB>
+                    <a:solidFill>
+                      <a:srgbClr val="CFE2F3"/>
+                    </a:solidFill>
+                  </a:tcPr>
+                </a:tc>
+                <a:tc>
+                  <a:txBody>
+                    <a:bodyPr/>
+                    <a:lstStyle/>
+                    <a:p>
+                      <a:pPr>
+                        <a:spcAft>
+                          <a:spcPts val="0"/>
+                        </a:spcAft>
+                      </a:pPr>
+                      <a:r>
+                        <a:rPr lang="es-AR" sz="1600" dirty="0" err="1">
+                          <a:solidFill>
+                            <a:srgbClr val="000000"/>
+                          </a:solidFill>
+                          <a:latin typeface="Arial"/>
+                          <a:ea typeface="Times New Roman"/>
+                          <a:cs typeface="Times New Roman"/>
+                        </a:rPr>
+                        <a:t>Admin</a:t>
+                      </a:r>
+                      <a:r>
+                        <a:rPr lang="es-AR" sz="1600" dirty="0">
+                          <a:solidFill>
+                            <a:srgbClr val="000000"/>
+                          </a:solidFill>
+                          <a:latin typeface="Arial"/>
+                          <a:ea typeface="Times New Roman"/>
+                          <a:cs typeface="Times New Roman"/>
+                        </a:rPr>
+                        <a:t>. Crear </a:t>
+                      </a:r>
+                      <a:r>
+                        <a:rPr lang="es-AR" sz="1600" dirty="0" err="1">
+                          <a:solidFill>
+                            <a:srgbClr val="000000"/>
+                          </a:solidFill>
+                          <a:latin typeface="Arial"/>
+                          <a:ea typeface="Times New Roman"/>
+                          <a:cs typeface="Times New Roman"/>
+                        </a:rPr>
+                        <a:t>Funcion</a:t>
+                      </a:r>
+                      <a:endParaRPr lang="es-AR" sz="1600" dirty="0">
+                        <a:latin typeface="Calibri"/>
+                        <a:ea typeface="Calibri"/>
+                        <a:cs typeface="Times New Roman"/>
+                      </a:endParaRPr>
+                    </a:p>
+                  </a:txBody>
+                  <a:tcPr marL="44450" marR="44450" marT="0" marB="0">
+                    <a:lnL w="12700" cap="flat" cmpd="sng" algn="ctr">
+                      <a:solidFill>
+                        <a:srgbClr val="000000"/>
+                      </a:solidFill>
+                      <a:prstDash val="solid"/>
+                      <a:round/>
+                      <a:headEnd type="none" w="med" len="med"/>
+                      <a:tailEnd type="none" w="med" len="med"/>
+                    </a:lnL>
+                    <a:lnR w="12700" cap="flat" cmpd="sng" algn="ctr">
+                      <a:solidFill>
+                        <a:srgbClr val="000000"/>
+                      </a:solidFill>
+                      <a:prstDash val="solid"/>
+                      <a:round/>
+                      <a:headEnd type="none" w="med" len="med"/>
+                      <a:tailEnd type="none" w="med" len="med"/>
+                    </a:lnR>
+                    <a:lnT w="12700" cap="flat" cmpd="sng" algn="ctr">
+                      <a:solidFill>
+                        <a:srgbClr val="000000"/>
+                      </a:solidFill>
+                      <a:prstDash val="solid"/>
+                      <a:round/>
+                      <a:headEnd type="none" w="med" len="med"/>
+                      <a:tailEnd type="none" w="med" len="med"/>
+                    </a:lnT>
+                    <a:lnB w="12700" cap="flat" cmpd="sng" algn="ctr">
+                      <a:solidFill>
+                        <a:srgbClr val="000000"/>
+                      </a:solidFill>
+                      <a:prstDash val="solid"/>
+                      <a:round/>
+                      <a:headEnd type="none" w="med" len="med"/>
+                      <a:tailEnd type="none" w="med" len="med"/>
+                    </a:lnB>
+                  </a:tcPr>
+                </a:tc>
+                <a:tc>
+                  <a:txBody>
+                    <a:bodyPr/>
+                    <a:lstStyle/>
+                    <a:p>
+                      <a:pPr algn="ctr">
+                        <a:spcAft>
+                          <a:spcPts val="0"/>
+                        </a:spcAft>
+                      </a:pPr>
+                      <a:r>
+                        <a:rPr lang="es-AR" sz="1600" dirty="0">
+                          <a:solidFill>
+                            <a:srgbClr val="000000"/>
+                          </a:solidFill>
+                          <a:latin typeface="Calibri"/>
+                          <a:ea typeface="Times New Roman"/>
+                          <a:cs typeface="Times New Roman"/>
+                        </a:rPr>
+                        <a:t>10</a:t>
+                      </a:r>
+                      <a:endParaRPr lang="es-AR" sz="1600" dirty="0">
+                        <a:latin typeface="Calibri"/>
+                        <a:ea typeface="Calibri"/>
+                        <a:cs typeface="Times New Roman"/>
+                      </a:endParaRPr>
+                    </a:p>
+                  </a:txBody>
+                  <a:tcPr marL="44450" marR="44450" marT="0" marB="0" anchor="b">
+                    <a:lnL w="12700" cap="flat" cmpd="sng" algn="ctr">
+                      <a:solidFill>
+                        <a:srgbClr val="000000"/>
+                      </a:solidFill>
+                      <a:prstDash val="solid"/>
+                      <a:round/>
+                      <a:headEnd type="none" w="med" len="med"/>
+                      <a:tailEnd type="none" w="med" len="med"/>
+                    </a:lnL>
+                    <a:lnR w="12700" cap="flat" cmpd="sng" algn="ctr">
+                      <a:solidFill>
+                        <a:srgbClr val="000000"/>
+                      </a:solidFill>
+                      <a:prstDash val="solid"/>
+                      <a:round/>
+                      <a:headEnd type="none" w="med" len="med"/>
+                      <a:tailEnd type="none" w="med" len="med"/>
+                    </a:lnR>
+                    <a:lnT w="12700" cap="flat" cmpd="sng" algn="ctr">
+                      <a:solidFill>
+                        <a:srgbClr val="000000"/>
+                      </a:solidFill>
+                      <a:prstDash val="solid"/>
+                      <a:round/>
+                      <a:headEnd type="none" w="med" len="med"/>
+                      <a:tailEnd type="none" w="med" len="med"/>
+                    </a:lnT>
+                    <a:lnB w="12700" cap="flat" cmpd="sng" algn="ctr">
+                      <a:solidFill>
+                        <a:srgbClr val="000000"/>
+                      </a:solidFill>
+                      <a:prstDash val="solid"/>
+                      <a:round/>
+                      <a:headEnd type="none" w="med" len="med"/>
+                      <a:tailEnd type="none" w="med" len="med"/>
+                    </a:lnB>
+                  </a:tcPr>
+                </a:tc>
+                <a:tc>
+                  <a:txBody>
+                    <a:bodyPr/>
+                    <a:lstStyle/>
+                    <a:p>
+                      <a:pPr algn="ctr">
+                        <a:spcAft>
+                          <a:spcPts val="0"/>
+                        </a:spcAft>
+                      </a:pPr>
+                      <a:r>
+                        <a:rPr lang="es-AR" sz="1600" dirty="0">
+                          <a:solidFill>
+                            <a:srgbClr val="000000"/>
+                          </a:solidFill>
+                          <a:latin typeface="Calibri"/>
+                          <a:ea typeface="Times New Roman"/>
+                          <a:cs typeface="Times New Roman"/>
+                        </a:rPr>
+                        <a:t>10</a:t>
+                      </a:r>
+                      <a:endParaRPr lang="es-AR" sz="1600" dirty="0">
+                        <a:latin typeface="Calibri"/>
+                        <a:ea typeface="Calibri"/>
+                        <a:cs typeface="Times New Roman"/>
+                      </a:endParaRPr>
+                    </a:p>
+                  </a:txBody>
+                  <a:tcPr marL="44450" marR="44450" marT="0" marB="0" anchor="b">
+                    <a:lnL w="12700" cap="flat" cmpd="sng" algn="ctr">
+                      <a:solidFill>
+                        <a:srgbClr val="000000"/>
+                      </a:solidFill>
+                      <a:prstDash val="solid"/>
+                      <a:round/>
+                      <a:headEnd type="none" w="med" len="med"/>
+                      <a:tailEnd type="none" w="med" len="med"/>
+                    </a:lnL>
+                    <a:lnR w="12700" cap="flat" cmpd="sng" algn="ctr">
+                      <a:solidFill>
+                        <a:srgbClr val="000000"/>
+                      </a:solidFill>
+                      <a:prstDash val="solid"/>
+                      <a:round/>
+                      <a:headEnd type="none" w="med" len="med"/>
+                      <a:tailEnd type="none" w="med" len="med"/>
+                    </a:lnR>
+                    <a:lnT w="12700" cap="flat" cmpd="sng" algn="ctr">
+                      <a:solidFill>
+                        <a:srgbClr val="000000"/>
+                      </a:solidFill>
+                      <a:prstDash val="solid"/>
+                      <a:round/>
+                      <a:headEnd type="none" w="med" len="med"/>
+                      <a:tailEnd type="none" w="med" len="med"/>
+                    </a:lnT>
+                    <a:lnB w="12700" cap="flat" cmpd="sng" algn="ctr">
+                      <a:solidFill>
+                        <a:srgbClr val="000000"/>
+                      </a:solidFill>
+                      <a:prstDash val="solid"/>
+                      <a:round/>
+                      <a:headEnd type="none" w="med" len="med"/>
+                      <a:tailEnd type="none" w="med" len="med"/>
+                    </a:lnB>
+                  </a:tcPr>
+                </a:tc>
+                <a:tc>
+                  <a:txBody>
+                    <a:bodyPr/>
+                    <a:lstStyle/>
+                    <a:p>
+                      <a:pPr algn="ctr">
+                        <a:spcAft>
+                          <a:spcPts val="0"/>
+                        </a:spcAft>
+                      </a:pPr>
+                      <a:r>
+                        <a:rPr lang="es-AR" sz="1600" dirty="0">
+                          <a:solidFill>
+                            <a:srgbClr val="000000"/>
+                          </a:solidFill>
+                          <a:latin typeface="Calibri"/>
+                          <a:ea typeface="Times New Roman"/>
+                          <a:cs typeface="Times New Roman"/>
+                        </a:rPr>
+                        <a:t>19</a:t>
+                      </a:r>
+                      <a:endParaRPr lang="es-AR" sz="1600" dirty="0">
+                        <a:latin typeface="Calibri"/>
+                        <a:ea typeface="Calibri"/>
+                        <a:cs typeface="Times New Roman"/>
+                      </a:endParaRPr>
+                    </a:p>
+                  </a:txBody>
+                  <a:tcPr marL="44450" marR="44450" marT="0" marB="0" anchor="b">
+                    <a:lnL w="12700" cap="flat" cmpd="sng" algn="ctr">
+                      <a:solidFill>
+                        <a:srgbClr val="000000"/>
+                      </a:solidFill>
+                      <a:prstDash val="solid"/>
+                      <a:round/>
+                      <a:headEnd type="none" w="med" len="med"/>
+                      <a:tailEnd type="none" w="med" len="med"/>
+                    </a:lnL>
+                    <a:lnR w="12700" cap="flat" cmpd="sng" algn="ctr">
+                      <a:solidFill>
+                        <a:srgbClr val="000000"/>
+                      </a:solidFill>
+                      <a:prstDash val="solid"/>
+                      <a:round/>
+                      <a:headEnd type="none" w="med" len="med"/>
+                      <a:tailEnd type="none" w="med" len="med"/>
+                    </a:lnR>
+                    <a:lnT w="12700" cap="flat" cmpd="sng" algn="ctr">
+                      <a:solidFill>
+                        <a:srgbClr val="000000"/>
+                      </a:solidFill>
+                      <a:prstDash val="solid"/>
+                      <a:round/>
+                      <a:headEnd type="none" w="med" len="med"/>
+                      <a:tailEnd type="none" w="med" len="med"/>
+                    </a:lnT>
+                    <a:lnB w="12700" cap="flat" cmpd="sng" algn="ctr">
+                      <a:solidFill>
+                        <a:srgbClr val="000000"/>
+                      </a:solidFill>
+                      <a:prstDash val="solid"/>
+                      <a:round/>
+                      <a:headEnd type="none" w="med" len="med"/>
+                      <a:tailEnd type="none" w="med" len="med"/>
+                    </a:lnB>
+                  </a:tcPr>
+                </a:tc>
+                <a:tc>
+                  <a:txBody>
+                    <a:bodyPr/>
+                    <a:lstStyle/>
+                    <a:p>
+                      <a:pPr algn="ctr">
+                        <a:spcAft>
+                          <a:spcPts val="0"/>
+                        </a:spcAft>
+                      </a:pPr>
+                      <a:r>
+                        <a:rPr lang="es-AR" sz="1600" b="1" dirty="0">
+                          <a:solidFill>
+                            <a:srgbClr val="000000"/>
+                          </a:solidFill>
+                          <a:latin typeface="Calibri"/>
+                          <a:ea typeface="Times New Roman"/>
+                          <a:cs typeface="Times New Roman"/>
+                        </a:rPr>
+                        <a:t>190%</a:t>
+                      </a:r>
+                      <a:endParaRPr lang="es-AR" sz="1600" dirty="0">
+                        <a:latin typeface="Calibri"/>
+                        <a:ea typeface="Calibri"/>
+                        <a:cs typeface="Times New Roman"/>
+                      </a:endParaRPr>
+                    </a:p>
+                  </a:txBody>
+                  <a:tcPr marL="44450" marR="44450" marT="0" marB="0" anchor="b">
+                    <a:lnL w="12700" cap="flat" cmpd="sng" algn="ctr">
+                      <a:solidFill>
+                        <a:srgbClr val="000000"/>
+                      </a:solidFill>
+                      <a:prstDash val="solid"/>
+                      <a:round/>
+                      <a:headEnd type="none" w="med" len="med"/>
+                      <a:tailEnd type="none" w="med" len="med"/>
+                    </a:lnL>
+                    <a:lnR w="12700" cap="flat" cmpd="sng" algn="ctr">
+                      <a:solidFill>
+                        <a:srgbClr val="000000"/>
+                      </a:solidFill>
+                      <a:prstDash val="solid"/>
+                      <a:round/>
+                      <a:headEnd type="none" w="med" len="med"/>
+                      <a:tailEnd type="none" w="med" len="med"/>
+                    </a:lnR>
+                    <a:lnT w="12700" cap="flat" cmpd="sng" algn="ctr">
+                      <a:solidFill>
+                        <a:srgbClr val="000000"/>
+                      </a:solidFill>
+                      <a:prstDash val="solid"/>
+                      <a:round/>
+                      <a:headEnd type="none" w="med" len="med"/>
+                      <a:tailEnd type="none" w="med" len="med"/>
+                    </a:lnT>
+                    <a:lnB w="12700" cap="flat" cmpd="sng" algn="ctr">
+                      <a:solidFill>
+                        <a:srgbClr val="000000"/>
+                      </a:solidFill>
+                      <a:prstDash val="solid"/>
+                      <a:round/>
+                      <a:headEnd type="none" w="med" len="med"/>
+                      <a:tailEnd type="none" w="med" len="med"/>
+                    </a:lnB>
+                  </a:tcPr>
+                </a:tc>
+              </a:tr>
+              <a:tr h="332792">
+                <a:tc>
+                  <a:txBody>
+                    <a:bodyPr/>
+                    <a:lstStyle/>
+                    <a:p>
+                      <a:pPr algn="ctr">
+                        <a:spcAft>
+                          <a:spcPts val="0"/>
+                        </a:spcAft>
+                      </a:pPr>
+                      <a:r>
+                        <a:rPr lang="es-AR" sz="1600">
+                          <a:solidFill>
+                            <a:srgbClr val="000000"/>
+                          </a:solidFill>
+                          <a:latin typeface="Arial"/>
+                          <a:ea typeface="Times New Roman"/>
+                          <a:cs typeface="Times New Roman"/>
+                        </a:rPr>
+                        <a:t>Backend</a:t>
+                      </a:r>
+                      <a:endParaRPr lang="es-AR" sz="1600">
+                        <a:latin typeface="Calibri"/>
+                        <a:ea typeface="Calibri"/>
+                        <a:cs typeface="Times New Roman"/>
+                      </a:endParaRPr>
+                    </a:p>
+                  </a:txBody>
+                  <a:tcPr marL="44450" marR="44450" marT="0" marB="0" anchor="b">
+                    <a:lnL w="12700" cap="flat" cmpd="sng" algn="ctr">
+                      <a:solidFill>
+                        <a:srgbClr val="000000"/>
+                      </a:solidFill>
+                      <a:prstDash val="solid"/>
+                      <a:round/>
+                      <a:headEnd type="none" w="med" len="med"/>
+                      <a:tailEnd type="none" w="med" len="med"/>
+                    </a:lnL>
+                    <a:lnR w="12700" cap="flat" cmpd="sng" algn="ctr">
+                      <a:solidFill>
+                        <a:srgbClr val="000000"/>
+                      </a:solidFill>
+                      <a:prstDash val="solid"/>
+                      <a:round/>
+                      <a:headEnd type="none" w="med" len="med"/>
+                      <a:tailEnd type="none" w="med" len="med"/>
+                    </a:lnR>
+                    <a:lnT w="12700" cap="flat" cmpd="sng" algn="ctr">
+                      <a:solidFill>
+                        <a:srgbClr val="000000"/>
+                      </a:solidFill>
+                      <a:prstDash val="solid"/>
+                      <a:round/>
+                      <a:headEnd type="none" w="med" len="med"/>
+                      <a:tailEnd type="none" w="med" len="med"/>
+                    </a:lnT>
+                    <a:lnB w="12700" cap="flat" cmpd="sng" algn="ctr">
+                      <a:solidFill>
+                        <a:srgbClr val="000000"/>
+                      </a:solidFill>
+                      <a:prstDash val="solid"/>
+                      <a:round/>
+                      <a:headEnd type="none" w="med" len="med"/>
+                      <a:tailEnd type="none" w="med" len="med"/>
+                    </a:lnB>
+                    <a:solidFill>
+                      <a:srgbClr val="CFE2F3"/>
+                    </a:solidFill>
+                  </a:tcPr>
+                </a:tc>
+                <a:tc>
+                  <a:txBody>
+                    <a:bodyPr/>
+                    <a:lstStyle/>
+                    <a:p>
+                      <a:pPr>
+                        <a:spcAft>
+                          <a:spcPts val="0"/>
+                        </a:spcAft>
+                      </a:pPr>
+                      <a:r>
+                        <a:rPr lang="es-AR" sz="1600">
+                          <a:solidFill>
+                            <a:srgbClr val="000000"/>
+                          </a:solidFill>
+                          <a:latin typeface="Arial"/>
+                          <a:ea typeface="Times New Roman"/>
+                          <a:cs typeface="Times New Roman"/>
+                        </a:rPr>
+                        <a:t>Admin. Crear Sala</a:t>
+                      </a:r>
+                      <a:endParaRPr lang="es-AR" sz="1600">
+                        <a:latin typeface="Calibri"/>
+                        <a:ea typeface="Calibri"/>
+                        <a:cs typeface="Times New Roman"/>
+                      </a:endParaRPr>
+                    </a:p>
+                  </a:txBody>
+                  <a:tcPr marL="44450" marR="44450" marT="0" marB="0" anchor="b">
+                    <a:lnL w="12700" cap="flat" cmpd="sng" algn="ctr">
+                      <a:solidFill>
+                        <a:srgbClr val="000000"/>
+                      </a:solidFill>
+                      <a:prstDash val="solid"/>
+                      <a:round/>
+                      <a:headEnd type="none" w="med" len="med"/>
+                      <a:tailEnd type="none" w="med" len="med"/>
+                    </a:lnL>
+                    <a:lnR w="12700" cap="flat" cmpd="sng" algn="ctr">
+                      <a:solidFill>
+                        <a:srgbClr val="000000"/>
+                      </a:solidFill>
+                      <a:prstDash val="solid"/>
+                      <a:round/>
+                      <a:headEnd type="none" w="med" len="med"/>
+                      <a:tailEnd type="none" w="med" len="med"/>
+                    </a:lnR>
+                    <a:lnT w="12700" cap="flat" cmpd="sng" algn="ctr">
+                      <a:solidFill>
+                        <a:srgbClr val="000000"/>
+                      </a:solidFill>
+                      <a:prstDash val="solid"/>
+                      <a:round/>
+                      <a:headEnd type="none" w="med" len="med"/>
+                      <a:tailEnd type="none" w="med" len="med"/>
+                    </a:lnT>
+                    <a:lnB w="12700" cap="flat" cmpd="sng" algn="ctr">
+                      <a:solidFill>
+                        <a:srgbClr val="000000"/>
+                      </a:solidFill>
+                      <a:prstDash val="solid"/>
+                      <a:round/>
+                      <a:headEnd type="none" w="med" len="med"/>
+                      <a:tailEnd type="none" w="med" len="med"/>
+                    </a:lnB>
+                  </a:tcPr>
+                </a:tc>
+                <a:tc>
+                  <a:txBody>
+                    <a:bodyPr/>
+                    <a:lstStyle/>
+                    <a:p>
+                      <a:pPr algn="ctr">
+                        <a:spcAft>
+                          <a:spcPts val="0"/>
+                        </a:spcAft>
+                      </a:pPr>
+                      <a:r>
+                        <a:rPr lang="es-AR" sz="1600">
+                          <a:solidFill>
+                            <a:srgbClr val="000000"/>
+                          </a:solidFill>
+                          <a:latin typeface="Calibri"/>
+                          <a:ea typeface="Times New Roman"/>
+                          <a:cs typeface="Times New Roman"/>
+                        </a:rPr>
+                        <a:t>6</a:t>
+                      </a:r>
+                      <a:endParaRPr lang="es-AR" sz="1600">
+                        <a:latin typeface="Calibri"/>
+                        <a:ea typeface="Calibri"/>
+                        <a:cs typeface="Times New Roman"/>
+                      </a:endParaRPr>
+                    </a:p>
+                  </a:txBody>
+                  <a:tcPr marL="44450" marR="44450" marT="0" marB="0" anchor="b">
+                    <a:lnL w="12700" cap="flat" cmpd="sng" algn="ctr">
+                      <a:solidFill>
+                        <a:srgbClr val="000000"/>
+                      </a:solidFill>
+                      <a:prstDash val="solid"/>
+                      <a:round/>
+                      <a:headEnd type="none" w="med" len="med"/>
+                      <a:tailEnd type="none" w="med" len="med"/>
+                    </a:lnL>
+                    <a:lnR w="12700" cap="flat" cmpd="sng" algn="ctr">
+                      <a:solidFill>
+                        <a:srgbClr val="000000"/>
+                      </a:solidFill>
+                      <a:prstDash val="solid"/>
+                      <a:round/>
+                      <a:headEnd type="none" w="med" len="med"/>
+                      <a:tailEnd type="none" w="med" len="med"/>
+                    </a:lnR>
+                    <a:lnT w="12700" cap="flat" cmpd="sng" algn="ctr">
+                      <a:solidFill>
+                        <a:srgbClr val="000000"/>
+                      </a:solidFill>
+                      <a:prstDash val="solid"/>
+                      <a:round/>
+                      <a:headEnd type="none" w="med" len="med"/>
+                      <a:tailEnd type="none" w="med" len="med"/>
+                    </a:lnT>
+                    <a:lnB w="12700" cap="flat" cmpd="sng" algn="ctr">
+                      <a:solidFill>
+                        <a:srgbClr val="000000"/>
+                      </a:solidFill>
+                      <a:prstDash val="solid"/>
+                      <a:round/>
+                      <a:headEnd type="none" w="med" len="med"/>
+                      <a:tailEnd type="none" w="med" len="med"/>
+                    </a:lnB>
+                  </a:tcPr>
+                </a:tc>
+                <a:tc>
+                  <a:txBody>
+                    <a:bodyPr/>
+                    <a:lstStyle/>
+                    <a:p>
+                      <a:pPr algn="ctr">
+                        <a:spcAft>
+                          <a:spcPts val="0"/>
+                        </a:spcAft>
+                      </a:pPr>
+                      <a:r>
+                        <a:rPr lang="es-AR" sz="1600">
+                          <a:solidFill>
+                            <a:srgbClr val="000000"/>
+                          </a:solidFill>
+                          <a:latin typeface="Calibri"/>
+                          <a:ea typeface="Times New Roman"/>
+                          <a:cs typeface="Times New Roman"/>
+                        </a:rPr>
+                        <a:t>6</a:t>
+                      </a:r>
+                      <a:endParaRPr lang="es-AR" sz="1600">
+                        <a:latin typeface="Calibri"/>
+                        <a:ea typeface="Calibri"/>
+                        <a:cs typeface="Times New Roman"/>
+                      </a:endParaRPr>
+                    </a:p>
+                  </a:txBody>
+                  <a:tcPr marL="44450" marR="44450" marT="0" marB="0" anchor="b">
+                    <a:lnL w="12700" cap="flat" cmpd="sng" algn="ctr">
+                      <a:solidFill>
+                        <a:srgbClr val="000000"/>
+                      </a:solidFill>
+                      <a:prstDash val="solid"/>
+                      <a:round/>
+                      <a:headEnd type="none" w="med" len="med"/>
+                      <a:tailEnd type="none" w="med" len="med"/>
+                    </a:lnL>
+                    <a:lnR w="12700" cap="flat" cmpd="sng" algn="ctr">
+                      <a:solidFill>
+                        <a:srgbClr val="000000"/>
+                      </a:solidFill>
+                      <a:prstDash val="solid"/>
+                      <a:round/>
+                      <a:headEnd type="none" w="med" len="med"/>
+                      <a:tailEnd type="none" w="med" len="med"/>
+                    </a:lnR>
+                    <a:lnT w="12700" cap="flat" cmpd="sng" algn="ctr">
+                      <a:solidFill>
+                        <a:srgbClr val="000000"/>
+                      </a:solidFill>
+                      <a:prstDash val="solid"/>
+                      <a:round/>
+                      <a:headEnd type="none" w="med" len="med"/>
+                      <a:tailEnd type="none" w="med" len="med"/>
+                    </a:lnT>
+                    <a:lnB w="12700" cap="flat" cmpd="sng" algn="ctr">
+                      <a:solidFill>
+                        <a:srgbClr val="000000"/>
+                      </a:solidFill>
+                      <a:prstDash val="solid"/>
+                      <a:round/>
+                      <a:headEnd type="none" w="med" len="med"/>
+                      <a:tailEnd type="none" w="med" len="med"/>
+                    </a:lnB>
+                  </a:tcPr>
+                </a:tc>
+                <a:tc>
+                  <a:txBody>
+                    <a:bodyPr/>
+                    <a:lstStyle/>
+                    <a:p>
+                      <a:pPr algn="ctr">
+                        <a:spcAft>
+                          <a:spcPts val="0"/>
+                        </a:spcAft>
+                      </a:pPr>
+                      <a:r>
+                        <a:rPr lang="es-AR" sz="1600">
+                          <a:solidFill>
+                            <a:srgbClr val="000000"/>
+                          </a:solidFill>
+                          <a:latin typeface="Calibri"/>
+                          <a:ea typeface="Times New Roman"/>
+                          <a:cs typeface="Times New Roman"/>
+                        </a:rPr>
+                        <a:t>5,5</a:t>
+                      </a:r>
+                      <a:endParaRPr lang="es-AR" sz="1600">
+                        <a:latin typeface="Calibri"/>
+                        <a:ea typeface="Calibri"/>
+                        <a:cs typeface="Times New Roman"/>
+                      </a:endParaRPr>
+                    </a:p>
+                  </a:txBody>
+                  <a:tcPr marL="44450" marR="44450" marT="0" marB="0" anchor="b">
+                    <a:lnL w="12700" cap="flat" cmpd="sng" algn="ctr">
+                      <a:solidFill>
+                        <a:srgbClr val="000000"/>
+                      </a:solidFill>
+                      <a:prstDash val="solid"/>
+                      <a:round/>
+                      <a:headEnd type="none" w="med" len="med"/>
+                      <a:tailEnd type="none" w="med" len="med"/>
+                    </a:lnL>
+                    <a:lnR w="12700" cap="flat" cmpd="sng" algn="ctr">
+                      <a:solidFill>
+                        <a:srgbClr val="000000"/>
+                      </a:solidFill>
+                      <a:prstDash val="solid"/>
+                      <a:round/>
+                      <a:headEnd type="none" w="med" len="med"/>
+                      <a:tailEnd type="none" w="med" len="med"/>
+                    </a:lnR>
+                    <a:lnT w="12700" cap="flat" cmpd="sng" algn="ctr">
+                      <a:solidFill>
+                        <a:srgbClr val="000000"/>
+                      </a:solidFill>
+                      <a:prstDash val="solid"/>
+                      <a:round/>
+                      <a:headEnd type="none" w="med" len="med"/>
+                      <a:tailEnd type="none" w="med" len="med"/>
+                    </a:lnT>
+                    <a:lnB w="12700" cap="flat" cmpd="sng" algn="ctr">
+                      <a:solidFill>
+                        <a:srgbClr val="000000"/>
+                      </a:solidFill>
+                      <a:prstDash val="solid"/>
+                      <a:round/>
+                      <a:headEnd type="none" w="med" len="med"/>
+                      <a:tailEnd type="none" w="med" len="med"/>
+                    </a:lnB>
+                  </a:tcPr>
+                </a:tc>
+                <a:tc>
+                  <a:txBody>
+                    <a:bodyPr/>
+                    <a:lstStyle/>
+                    <a:p>
+                      <a:pPr algn="ctr">
+                        <a:spcAft>
+                          <a:spcPts val="0"/>
+                        </a:spcAft>
+                      </a:pPr>
+                      <a:r>
+                        <a:rPr lang="es-AR" sz="1600" b="1">
+                          <a:solidFill>
+                            <a:srgbClr val="000000"/>
+                          </a:solidFill>
+                          <a:latin typeface="Calibri"/>
+                          <a:ea typeface="Times New Roman"/>
+                          <a:cs typeface="Times New Roman"/>
+                        </a:rPr>
+                        <a:t>92%</a:t>
+                      </a:r>
+                      <a:endParaRPr lang="es-AR" sz="1600">
+                        <a:latin typeface="Calibri"/>
+                        <a:ea typeface="Calibri"/>
+                        <a:cs typeface="Times New Roman"/>
+                      </a:endParaRPr>
+                    </a:p>
+                  </a:txBody>
+                  <a:tcPr marL="44450" marR="44450" marT="0" marB="0" anchor="b">
+                    <a:lnL w="12700" cap="flat" cmpd="sng" algn="ctr">
+                      <a:solidFill>
+                        <a:srgbClr val="000000"/>
+                      </a:solidFill>
+                      <a:prstDash val="solid"/>
+                      <a:round/>
+                      <a:headEnd type="none" w="med" len="med"/>
+                      <a:tailEnd type="none" w="med" len="med"/>
+                    </a:lnL>
+                    <a:lnR w="12700" cap="flat" cmpd="sng" algn="ctr">
+                      <a:solidFill>
+                        <a:srgbClr val="000000"/>
+                      </a:solidFill>
+                      <a:prstDash val="solid"/>
+                      <a:round/>
+                      <a:headEnd type="none" w="med" len="med"/>
+                      <a:tailEnd type="none" w="med" len="med"/>
+                    </a:lnR>
+                    <a:lnT w="12700" cap="flat" cmpd="sng" algn="ctr">
+                      <a:solidFill>
+                        <a:srgbClr val="000000"/>
+                      </a:solidFill>
+                      <a:prstDash val="solid"/>
+                      <a:round/>
+                      <a:headEnd type="none" w="med" len="med"/>
+                      <a:tailEnd type="none" w="med" len="med"/>
+                    </a:lnT>
+                    <a:lnB w="12700" cap="flat" cmpd="sng" algn="ctr">
+                      <a:solidFill>
+                        <a:srgbClr val="000000"/>
+                      </a:solidFill>
+                      <a:prstDash val="solid"/>
+                      <a:round/>
+                      <a:headEnd type="none" w="med" len="med"/>
+                      <a:tailEnd type="none" w="med" len="med"/>
+                    </a:lnB>
+                  </a:tcPr>
+                </a:tc>
+              </a:tr>
+              <a:tr h="332792">
+                <a:tc>
+                  <a:txBody>
+                    <a:bodyPr/>
+                    <a:lstStyle/>
+                    <a:p>
+                      <a:pPr algn="ctr">
+                        <a:spcAft>
+                          <a:spcPts val="0"/>
+                        </a:spcAft>
+                      </a:pPr>
+                      <a:r>
+                        <a:rPr lang="es-AR" sz="1600" dirty="0" err="1">
+                          <a:solidFill>
+                            <a:srgbClr val="000000"/>
+                          </a:solidFill>
+                          <a:latin typeface="Arial"/>
+                          <a:ea typeface="Times New Roman"/>
+                          <a:cs typeface="Times New Roman"/>
+                        </a:rPr>
+                        <a:t>Backend</a:t>
+                      </a:r>
+                      <a:endParaRPr lang="es-AR" sz="1600" dirty="0">
+                        <a:latin typeface="Calibri"/>
+                        <a:ea typeface="Calibri"/>
+                        <a:cs typeface="Times New Roman"/>
+                      </a:endParaRPr>
+                    </a:p>
+                  </a:txBody>
+                  <a:tcPr marL="44450" marR="44450" marT="0" marB="0" anchor="b">
+                    <a:lnL w="12700" cap="flat" cmpd="sng" algn="ctr">
+                      <a:solidFill>
+                        <a:srgbClr val="000000"/>
+                      </a:solidFill>
+                      <a:prstDash val="solid"/>
+                      <a:round/>
+                      <a:headEnd type="none" w="med" len="med"/>
+                      <a:tailEnd type="none" w="med" len="med"/>
+                    </a:lnL>
+                    <a:lnR w="12700" cap="flat" cmpd="sng" algn="ctr">
+                      <a:solidFill>
+                        <a:srgbClr val="000000"/>
+                      </a:solidFill>
+                      <a:prstDash val="solid"/>
+                      <a:round/>
+                      <a:headEnd type="none" w="med" len="med"/>
+                      <a:tailEnd type="none" w="med" len="med"/>
+                    </a:lnR>
+                    <a:lnT w="12700" cap="flat" cmpd="sng" algn="ctr">
+                      <a:solidFill>
+                        <a:srgbClr val="000000"/>
+                      </a:solidFill>
+                      <a:prstDash val="solid"/>
+                      <a:round/>
+                      <a:headEnd type="none" w="med" len="med"/>
+                      <a:tailEnd type="none" w="med" len="med"/>
+                    </a:lnT>
+                    <a:lnB w="12700" cap="flat" cmpd="sng" algn="ctr">
+                      <a:solidFill>
+                        <a:srgbClr val="000000"/>
+                      </a:solidFill>
+                      <a:prstDash val="solid"/>
+                      <a:round/>
+                      <a:headEnd type="none" w="med" len="med"/>
+                      <a:tailEnd type="none" w="med" len="med"/>
+                    </a:lnB>
+                    <a:solidFill>
+                      <a:srgbClr val="CFE2F3"/>
+                    </a:solidFill>
+                  </a:tcPr>
+                </a:tc>
+                <a:tc>
+                  <a:txBody>
+                    <a:bodyPr/>
+                    <a:lstStyle/>
+                    <a:p>
+                      <a:pPr>
+                        <a:spcAft>
+                          <a:spcPts val="0"/>
+                        </a:spcAft>
+                      </a:pPr>
+                      <a:r>
+                        <a:rPr lang="es-AR" sz="1600" dirty="0" err="1">
+                          <a:solidFill>
+                            <a:srgbClr val="000000"/>
+                          </a:solidFill>
+                          <a:latin typeface="Arial"/>
+                          <a:ea typeface="Times New Roman"/>
+                          <a:cs typeface="Times New Roman"/>
+                        </a:rPr>
+                        <a:t>Admin</a:t>
+                      </a:r>
+                      <a:r>
+                        <a:rPr lang="es-AR" sz="1600" dirty="0">
+                          <a:solidFill>
+                            <a:srgbClr val="000000"/>
+                          </a:solidFill>
+                          <a:latin typeface="Arial"/>
+                          <a:ea typeface="Times New Roman"/>
+                          <a:cs typeface="Times New Roman"/>
+                        </a:rPr>
+                        <a:t>. Editar </a:t>
+                      </a:r>
+                      <a:r>
+                        <a:rPr lang="es-AR" sz="1600" dirty="0" err="1">
+                          <a:solidFill>
+                            <a:srgbClr val="000000"/>
+                          </a:solidFill>
+                          <a:latin typeface="Arial"/>
+                          <a:ea typeface="Times New Roman"/>
+                          <a:cs typeface="Times New Roman"/>
+                        </a:rPr>
+                        <a:t>Funcion</a:t>
+                      </a:r>
+                      <a:endParaRPr lang="es-AR" sz="1600" dirty="0">
+                        <a:latin typeface="Calibri"/>
+                        <a:ea typeface="Calibri"/>
+                        <a:cs typeface="Times New Roman"/>
+                      </a:endParaRPr>
+                    </a:p>
+                  </a:txBody>
+                  <a:tcPr marL="44450" marR="44450" marT="0" marB="0" anchor="b">
+                    <a:lnL w="12700" cap="flat" cmpd="sng" algn="ctr">
+                      <a:solidFill>
+                        <a:srgbClr val="000000"/>
+                      </a:solidFill>
+                      <a:prstDash val="solid"/>
+                      <a:round/>
+                      <a:headEnd type="none" w="med" len="med"/>
+                      <a:tailEnd type="none" w="med" len="med"/>
+                    </a:lnL>
+                    <a:lnR w="12700" cap="flat" cmpd="sng" algn="ctr">
+                      <a:solidFill>
+                        <a:srgbClr val="000000"/>
+                      </a:solidFill>
+                      <a:prstDash val="solid"/>
+                      <a:round/>
+                      <a:headEnd type="none" w="med" len="med"/>
+                      <a:tailEnd type="none" w="med" len="med"/>
+                    </a:lnR>
+                    <a:lnT w="12700" cap="flat" cmpd="sng" algn="ctr">
+                      <a:solidFill>
+                        <a:srgbClr val="000000"/>
+                      </a:solidFill>
+                      <a:prstDash val="solid"/>
+                      <a:round/>
+                      <a:headEnd type="none" w="med" len="med"/>
+                      <a:tailEnd type="none" w="med" len="med"/>
+                    </a:lnT>
+                    <a:lnB w="12700" cap="flat" cmpd="sng" algn="ctr">
+                      <a:solidFill>
+                        <a:srgbClr val="000000"/>
+                      </a:solidFill>
+                      <a:prstDash val="solid"/>
+                      <a:round/>
+                      <a:headEnd type="none" w="med" len="med"/>
+                      <a:tailEnd type="none" w="med" len="med"/>
+                    </a:lnB>
+                  </a:tcPr>
+                </a:tc>
+                <a:tc>
+                  <a:txBody>
+                    <a:bodyPr/>
+                    <a:lstStyle/>
+                    <a:p>
+                      <a:pPr algn="ctr">
+                        <a:spcAft>
+                          <a:spcPts val="0"/>
+                        </a:spcAft>
+                      </a:pPr>
+                      <a:r>
+                        <a:rPr lang="es-AR" sz="1600">
+                          <a:solidFill>
+                            <a:srgbClr val="000000"/>
+                          </a:solidFill>
+                          <a:latin typeface="Calibri"/>
+                          <a:ea typeface="Times New Roman"/>
+                          <a:cs typeface="Times New Roman"/>
+                        </a:rPr>
+                        <a:t>6</a:t>
+                      </a:r>
+                      <a:endParaRPr lang="es-AR" sz="1600">
+                        <a:latin typeface="Calibri"/>
+                        <a:ea typeface="Calibri"/>
+                        <a:cs typeface="Times New Roman"/>
+                      </a:endParaRPr>
+                    </a:p>
+                  </a:txBody>
+                  <a:tcPr marL="44450" marR="44450" marT="0" marB="0" anchor="b">
+                    <a:lnL w="12700" cap="flat" cmpd="sng" algn="ctr">
+                      <a:solidFill>
+                        <a:srgbClr val="000000"/>
+                      </a:solidFill>
+                      <a:prstDash val="solid"/>
+                      <a:round/>
+                      <a:headEnd type="none" w="med" len="med"/>
+                      <a:tailEnd type="none" w="med" len="med"/>
+                    </a:lnL>
+                    <a:lnR w="12700" cap="flat" cmpd="sng" algn="ctr">
+                      <a:solidFill>
+                        <a:srgbClr val="000000"/>
+                      </a:solidFill>
+                      <a:prstDash val="solid"/>
+                      <a:round/>
+                      <a:headEnd type="none" w="med" len="med"/>
+                      <a:tailEnd type="none" w="med" len="med"/>
+                    </a:lnR>
+                    <a:lnT w="12700" cap="flat" cmpd="sng" algn="ctr">
+                      <a:solidFill>
+                        <a:srgbClr val="000000"/>
+                      </a:solidFill>
+                      <a:prstDash val="solid"/>
+                      <a:round/>
+                      <a:headEnd type="none" w="med" len="med"/>
+                      <a:tailEnd type="none" w="med" len="med"/>
+                    </a:lnT>
+                    <a:lnB w="12700" cap="flat" cmpd="sng" algn="ctr">
+                      <a:solidFill>
+                        <a:srgbClr val="000000"/>
+                      </a:solidFill>
+                      <a:prstDash val="solid"/>
+                      <a:round/>
+                      <a:headEnd type="none" w="med" len="med"/>
+                      <a:tailEnd type="none" w="med" len="med"/>
+                    </a:lnB>
+                  </a:tcPr>
+                </a:tc>
+                <a:tc>
+                  <a:txBody>
+                    <a:bodyPr/>
+                    <a:lstStyle/>
+                    <a:p>
+                      <a:pPr algn="ctr">
+                        <a:spcAft>
+                          <a:spcPts val="0"/>
+                        </a:spcAft>
+                      </a:pPr>
+                      <a:r>
+                        <a:rPr lang="es-AR" sz="1600">
+                          <a:solidFill>
+                            <a:srgbClr val="000000"/>
+                          </a:solidFill>
+                          <a:latin typeface="Calibri"/>
+                          <a:ea typeface="Times New Roman"/>
+                          <a:cs typeface="Times New Roman"/>
+                        </a:rPr>
+                        <a:t>6</a:t>
+                      </a:r>
+                      <a:endParaRPr lang="es-AR" sz="1600">
+                        <a:latin typeface="Calibri"/>
+                        <a:ea typeface="Calibri"/>
+                        <a:cs typeface="Times New Roman"/>
+                      </a:endParaRPr>
+                    </a:p>
+                  </a:txBody>
+                  <a:tcPr marL="44450" marR="44450" marT="0" marB="0" anchor="b">
+                    <a:lnL w="12700" cap="flat" cmpd="sng" algn="ctr">
+                      <a:solidFill>
+                        <a:srgbClr val="000000"/>
+                      </a:solidFill>
+                      <a:prstDash val="solid"/>
+                      <a:round/>
+                      <a:headEnd type="none" w="med" len="med"/>
+                      <a:tailEnd type="none" w="med" len="med"/>
+                    </a:lnL>
+                    <a:lnR w="12700" cap="flat" cmpd="sng" algn="ctr">
+                      <a:solidFill>
+                        <a:srgbClr val="000000"/>
+                      </a:solidFill>
+                      <a:prstDash val="solid"/>
+                      <a:round/>
+                      <a:headEnd type="none" w="med" len="med"/>
+                      <a:tailEnd type="none" w="med" len="med"/>
+                    </a:lnR>
+                    <a:lnT w="12700" cap="flat" cmpd="sng" algn="ctr">
+                      <a:solidFill>
+                        <a:srgbClr val="000000"/>
+                      </a:solidFill>
+                      <a:prstDash val="solid"/>
+                      <a:round/>
+                      <a:headEnd type="none" w="med" len="med"/>
+                      <a:tailEnd type="none" w="med" len="med"/>
+                    </a:lnT>
+                    <a:lnB w="12700" cap="flat" cmpd="sng" algn="ctr">
+                      <a:solidFill>
+                        <a:srgbClr val="000000"/>
+                      </a:solidFill>
+                      <a:prstDash val="solid"/>
+                      <a:round/>
+                      <a:headEnd type="none" w="med" len="med"/>
+                      <a:tailEnd type="none" w="med" len="med"/>
+                    </a:lnB>
+                  </a:tcPr>
+                </a:tc>
+                <a:tc>
+                  <a:txBody>
+                    <a:bodyPr/>
+                    <a:lstStyle/>
+                    <a:p>
+                      <a:pPr algn="ctr">
+                        <a:spcAft>
+                          <a:spcPts val="0"/>
+                        </a:spcAft>
+                      </a:pPr>
+                      <a:r>
+                        <a:rPr lang="es-AR" sz="1600">
+                          <a:solidFill>
+                            <a:srgbClr val="000000"/>
+                          </a:solidFill>
+                          <a:latin typeface="Calibri"/>
+                          <a:ea typeface="Times New Roman"/>
+                          <a:cs typeface="Times New Roman"/>
+                        </a:rPr>
+                        <a:t>5,25</a:t>
+                      </a:r>
+                      <a:endParaRPr lang="es-AR" sz="1600">
+                        <a:latin typeface="Calibri"/>
+                        <a:ea typeface="Calibri"/>
+                        <a:cs typeface="Times New Roman"/>
+                      </a:endParaRPr>
+                    </a:p>
+                  </a:txBody>
+                  <a:tcPr marL="44450" marR="44450" marT="0" marB="0" anchor="b">
+                    <a:lnL w="12700" cap="flat" cmpd="sng" algn="ctr">
+                      <a:solidFill>
+                        <a:srgbClr val="000000"/>
+                      </a:solidFill>
+                      <a:prstDash val="solid"/>
+                      <a:round/>
+                      <a:headEnd type="none" w="med" len="med"/>
+                      <a:tailEnd type="none" w="med" len="med"/>
+                    </a:lnL>
+                    <a:lnR w="12700" cap="flat" cmpd="sng" algn="ctr">
+                      <a:solidFill>
+                        <a:srgbClr val="000000"/>
+                      </a:solidFill>
+                      <a:prstDash val="solid"/>
+                      <a:round/>
+                      <a:headEnd type="none" w="med" len="med"/>
+                      <a:tailEnd type="none" w="med" len="med"/>
+                    </a:lnR>
+                    <a:lnT w="12700" cap="flat" cmpd="sng" algn="ctr">
+                      <a:solidFill>
+                        <a:srgbClr val="000000"/>
+                      </a:solidFill>
+                      <a:prstDash val="solid"/>
+                      <a:round/>
+                      <a:headEnd type="none" w="med" len="med"/>
+                      <a:tailEnd type="none" w="med" len="med"/>
+                    </a:lnT>
+                    <a:lnB w="12700" cap="flat" cmpd="sng" algn="ctr">
+                      <a:solidFill>
+                        <a:srgbClr val="000000"/>
+                      </a:solidFill>
+                      <a:prstDash val="solid"/>
+                      <a:round/>
+                      <a:headEnd type="none" w="med" len="med"/>
+                      <a:tailEnd type="none" w="med" len="med"/>
+                    </a:lnB>
+                  </a:tcPr>
+                </a:tc>
+                <a:tc>
+                  <a:txBody>
+                    <a:bodyPr/>
+                    <a:lstStyle/>
+                    <a:p>
+                      <a:pPr algn="ctr">
+                        <a:spcAft>
+                          <a:spcPts val="0"/>
+                        </a:spcAft>
+                      </a:pPr>
+                      <a:r>
+                        <a:rPr lang="es-AR" sz="1600" b="1">
+                          <a:solidFill>
+                            <a:srgbClr val="000000"/>
+                          </a:solidFill>
+                          <a:latin typeface="Calibri"/>
+                          <a:ea typeface="Times New Roman"/>
+                          <a:cs typeface="Times New Roman"/>
+                        </a:rPr>
+                        <a:t>88%</a:t>
+                      </a:r>
+                      <a:endParaRPr lang="es-AR" sz="1600">
+                        <a:latin typeface="Calibri"/>
+                        <a:ea typeface="Calibri"/>
+                        <a:cs typeface="Times New Roman"/>
+                      </a:endParaRPr>
+                    </a:p>
+                  </a:txBody>
+                  <a:tcPr marL="44450" marR="44450" marT="0" marB="0" anchor="b">
+                    <a:lnL w="12700" cap="flat" cmpd="sng" algn="ctr">
+                      <a:solidFill>
+                        <a:srgbClr val="000000"/>
+                      </a:solidFill>
+                      <a:prstDash val="solid"/>
+                      <a:round/>
+                      <a:headEnd type="none" w="med" len="med"/>
+                      <a:tailEnd type="none" w="med" len="med"/>
+                    </a:lnL>
+                    <a:lnR w="12700" cap="flat" cmpd="sng" algn="ctr">
+                      <a:solidFill>
+                        <a:srgbClr val="000000"/>
+                      </a:solidFill>
+                      <a:prstDash val="solid"/>
+                      <a:round/>
+                      <a:headEnd type="none" w="med" len="med"/>
+                      <a:tailEnd type="none" w="med" len="med"/>
+                    </a:lnR>
+                    <a:lnT w="12700" cap="flat" cmpd="sng" algn="ctr">
+                      <a:solidFill>
+                        <a:srgbClr val="000000"/>
+                      </a:solidFill>
+                      <a:prstDash val="solid"/>
+                      <a:round/>
+                      <a:headEnd type="none" w="med" len="med"/>
+                      <a:tailEnd type="none" w="med" len="med"/>
+                    </a:lnT>
+                    <a:lnB w="12700" cap="flat" cmpd="sng" algn="ctr">
+                      <a:solidFill>
+                        <a:srgbClr val="000000"/>
+                      </a:solidFill>
+                      <a:prstDash val="solid"/>
+                      <a:round/>
+                      <a:headEnd type="none" w="med" len="med"/>
+                      <a:tailEnd type="none" w="med" len="med"/>
+                    </a:lnB>
+                  </a:tcPr>
+                </a:tc>
+              </a:tr>
+              <a:tr h="332792">
+                <a:tc>
+                  <a:txBody>
+                    <a:bodyPr/>
+                    <a:lstStyle/>
+                    <a:p>
+                      <a:pPr algn="ctr">
+                        <a:spcAft>
+                          <a:spcPts val="0"/>
+                        </a:spcAft>
+                      </a:pPr>
+                      <a:r>
+                        <a:rPr lang="es-AR" sz="1600">
+                          <a:solidFill>
+                            <a:srgbClr val="000000"/>
+                          </a:solidFill>
+                          <a:latin typeface="Arial"/>
+                          <a:ea typeface="Times New Roman"/>
+                          <a:cs typeface="Times New Roman"/>
+                        </a:rPr>
+                        <a:t>Backend</a:t>
+                      </a:r>
+                      <a:endParaRPr lang="es-AR" sz="1600">
+                        <a:latin typeface="Calibri"/>
+                        <a:ea typeface="Calibri"/>
+                        <a:cs typeface="Times New Roman"/>
+                      </a:endParaRPr>
+                    </a:p>
+                  </a:txBody>
+                  <a:tcPr marL="44450" marR="44450" marT="0" marB="0" anchor="b">
+                    <a:lnL w="12700" cap="flat" cmpd="sng" algn="ctr">
+                      <a:solidFill>
+                        <a:srgbClr val="000000"/>
+                      </a:solidFill>
+                      <a:prstDash val="solid"/>
+                      <a:round/>
+                      <a:headEnd type="none" w="med" len="med"/>
+                      <a:tailEnd type="none" w="med" len="med"/>
+                    </a:lnL>
+                    <a:lnR w="12700" cap="flat" cmpd="sng" algn="ctr">
+                      <a:solidFill>
+                        <a:srgbClr val="000000"/>
+                      </a:solidFill>
+                      <a:prstDash val="solid"/>
+                      <a:round/>
+                      <a:headEnd type="none" w="med" len="med"/>
+                      <a:tailEnd type="none" w="med" len="med"/>
+                    </a:lnR>
+                    <a:lnT w="12700" cap="flat" cmpd="sng" algn="ctr">
+                      <a:solidFill>
+                        <a:srgbClr val="000000"/>
+                      </a:solidFill>
+                      <a:prstDash val="solid"/>
+                      <a:round/>
+                      <a:headEnd type="none" w="med" len="med"/>
+                      <a:tailEnd type="none" w="med" len="med"/>
+                    </a:lnT>
+                    <a:lnB w="12700" cap="flat" cmpd="sng" algn="ctr">
+                      <a:solidFill>
+                        <a:srgbClr val="000000"/>
+                      </a:solidFill>
+                      <a:prstDash val="solid"/>
+                      <a:round/>
+                      <a:headEnd type="none" w="med" len="med"/>
+                      <a:tailEnd type="none" w="med" len="med"/>
+                    </a:lnB>
+                    <a:solidFill>
+                      <a:srgbClr val="CFE2F3"/>
+                    </a:solidFill>
+                  </a:tcPr>
+                </a:tc>
+                <a:tc>
+                  <a:txBody>
+                    <a:bodyPr/>
+                    <a:lstStyle/>
+                    <a:p>
+                      <a:pPr>
+                        <a:spcAft>
+                          <a:spcPts val="0"/>
+                        </a:spcAft>
+                      </a:pPr>
+                      <a:r>
+                        <a:rPr lang="es-AR" sz="1600" dirty="0" err="1">
+                          <a:solidFill>
+                            <a:srgbClr val="000000"/>
+                          </a:solidFill>
+                          <a:latin typeface="Arial"/>
+                          <a:ea typeface="Times New Roman"/>
+                          <a:cs typeface="Times New Roman"/>
+                        </a:rPr>
+                        <a:t>Admin</a:t>
+                      </a:r>
+                      <a:r>
+                        <a:rPr lang="es-AR" sz="1600" dirty="0">
+                          <a:solidFill>
+                            <a:srgbClr val="000000"/>
+                          </a:solidFill>
+                          <a:latin typeface="Arial"/>
+                          <a:ea typeface="Times New Roman"/>
+                          <a:cs typeface="Times New Roman"/>
+                        </a:rPr>
+                        <a:t>. Editar Sala</a:t>
+                      </a:r>
+                      <a:endParaRPr lang="es-AR" sz="1600" dirty="0">
+                        <a:latin typeface="Calibri"/>
+                        <a:ea typeface="Calibri"/>
+                        <a:cs typeface="Times New Roman"/>
+                      </a:endParaRPr>
+                    </a:p>
+                  </a:txBody>
+                  <a:tcPr marL="44450" marR="44450" marT="0" marB="0" anchor="b">
+                    <a:lnL w="12700" cap="flat" cmpd="sng" algn="ctr">
+                      <a:solidFill>
+                        <a:srgbClr val="000000"/>
+                      </a:solidFill>
+                      <a:prstDash val="solid"/>
+                      <a:round/>
+                      <a:headEnd type="none" w="med" len="med"/>
+                      <a:tailEnd type="none" w="med" len="med"/>
+                    </a:lnL>
+                    <a:lnR w="12700" cap="flat" cmpd="sng" algn="ctr">
+                      <a:solidFill>
+                        <a:srgbClr val="000000"/>
+                      </a:solidFill>
+                      <a:prstDash val="solid"/>
+                      <a:round/>
+                      <a:headEnd type="none" w="med" len="med"/>
+                      <a:tailEnd type="none" w="med" len="med"/>
+                    </a:lnR>
+                    <a:lnT w="12700" cap="flat" cmpd="sng" algn="ctr">
+                      <a:solidFill>
+                        <a:srgbClr val="000000"/>
+                      </a:solidFill>
+                      <a:prstDash val="solid"/>
+                      <a:round/>
+                      <a:headEnd type="none" w="med" len="med"/>
+                      <a:tailEnd type="none" w="med" len="med"/>
+                    </a:lnT>
+                    <a:lnB w="12700" cap="flat" cmpd="sng" algn="ctr">
+                      <a:solidFill>
+                        <a:srgbClr val="000000"/>
+                      </a:solidFill>
+                      <a:prstDash val="solid"/>
+                      <a:round/>
+                      <a:headEnd type="none" w="med" len="med"/>
+                      <a:tailEnd type="none" w="med" len="med"/>
+                    </a:lnB>
+                  </a:tcPr>
+                </a:tc>
+                <a:tc>
+                  <a:txBody>
+                    <a:bodyPr/>
+                    <a:lstStyle/>
+                    <a:p>
+                      <a:pPr algn="ctr">
+                        <a:spcAft>
+                          <a:spcPts val="0"/>
+                        </a:spcAft>
+                      </a:pPr>
+                      <a:r>
+                        <a:rPr lang="es-AR" sz="1600">
+                          <a:solidFill>
+                            <a:srgbClr val="000000"/>
+                          </a:solidFill>
+                          <a:latin typeface="Calibri"/>
+                          <a:ea typeface="Times New Roman"/>
+                          <a:cs typeface="Times New Roman"/>
+                        </a:rPr>
+                        <a:t>5</a:t>
+                      </a:r>
+                      <a:endParaRPr lang="es-AR" sz="1600">
+                        <a:latin typeface="Calibri"/>
+                        <a:ea typeface="Calibri"/>
+                        <a:cs typeface="Times New Roman"/>
+                      </a:endParaRPr>
+                    </a:p>
+                  </a:txBody>
+                  <a:tcPr marL="44450" marR="44450" marT="0" marB="0" anchor="b">
+                    <a:lnL w="12700" cap="flat" cmpd="sng" algn="ctr">
+                      <a:solidFill>
+                        <a:srgbClr val="000000"/>
+                      </a:solidFill>
+                      <a:prstDash val="solid"/>
+                      <a:round/>
+                      <a:headEnd type="none" w="med" len="med"/>
+                      <a:tailEnd type="none" w="med" len="med"/>
+                    </a:lnL>
+                    <a:lnR w="12700" cap="flat" cmpd="sng" algn="ctr">
+                      <a:solidFill>
+                        <a:srgbClr val="000000"/>
+                      </a:solidFill>
+                      <a:prstDash val="solid"/>
+                      <a:round/>
+                      <a:headEnd type="none" w="med" len="med"/>
+                      <a:tailEnd type="none" w="med" len="med"/>
+                    </a:lnR>
+                    <a:lnT w="12700" cap="flat" cmpd="sng" algn="ctr">
+                      <a:solidFill>
+                        <a:srgbClr val="000000"/>
+                      </a:solidFill>
+                      <a:prstDash val="solid"/>
+                      <a:round/>
+                      <a:headEnd type="none" w="med" len="med"/>
+                      <a:tailEnd type="none" w="med" len="med"/>
+                    </a:lnT>
+                    <a:lnB w="12700" cap="flat" cmpd="sng" algn="ctr">
+                      <a:solidFill>
+                        <a:srgbClr val="000000"/>
+                      </a:solidFill>
+                      <a:prstDash val="solid"/>
+                      <a:round/>
+                      <a:headEnd type="none" w="med" len="med"/>
+                      <a:tailEnd type="none" w="med" len="med"/>
+                    </a:lnB>
+                  </a:tcPr>
+                </a:tc>
+                <a:tc>
+                  <a:txBody>
+                    <a:bodyPr/>
+                    <a:lstStyle/>
+                    <a:p>
+                      <a:pPr algn="ctr">
+                        <a:spcAft>
+                          <a:spcPts val="0"/>
+                        </a:spcAft>
+                      </a:pPr>
+                      <a:r>
+                        <a:rPr lang="es-AR" sz="1600">
+                          <a:solidFill>
+                            <a:srgbClr val="000000"/>
+                          </a:solidFill>
+                          <a:latin typeface="Calibri"/>
+                          <a:ea typeface="Times New Roman"/>
+                          <a:cs typeface="Times New Roman"/>
+                        </a:rPr>
+                        <a:t>5</a:t>
+                      </a:r>
+                      <a:endParaRPr lang="es-AR" sz="1600">
+                        <a:latin typeface="Calibri"/>
+                        <a:ea typeface="Calibri"/>
+                        <a:cs typeface="Times New Roman"/>
+                      </a:endParaRPr>
+                    </a:p>
+                  </a:txBody>
+                  <a:tcPr marL="44450" marR="44450" marT="0" marB="0" anchor="b">
+                    <a:lnL w="12700" cap="flat" cmpd="sng" algn="ctr">
+                      <a:solidFill>
+                        <a:srgbClr val="000000"/>
+                      </a:solidFill>
+                      <a:prstDash val="solid"/>
+                      <a:round/>
+                      <a:headEnd type="none" w="med" len="med"/>
+                      <a:tailEnd type="none" w="med" len="med"/>
+                    </a:lnL>
+                    <a:lnR w="12700" cap="flat" cmpd="sng" algn="ctr">
+                      <a:solidFill>
+                        <a:srgbClr val="000000"/>
+                      </a:solidFill>
+                      <a:prstDash val="solid"/>
+                      <a:round/>
+                      <a:headEnd type="none" w="med" len="med"/>
+                      <a:tailEnd type="none" w="med" len="med"/>
+                    </a:lnR>
+                    <a:lnT w="12700" cap="flat" cmpd="sng" algn="ctr">
+                      <a:solidFill>
+                        <a:srgbClr val="000000"/>
+                      </a:solidFill>
+                      <a:prstDash val="solid"/>
+                      <a:round/>
+                      <a:headEnd type="none" w="med" len="med"/>
+                      <a:tailEnd type="none" w="med" len="med"/>
+                    </a:lnT>
+                    <a:lnB w="12700" cap="flat" cmpd="sng" algn="ctr">
+                      <a:solidFill>
+                        <a:srgbClr val="000000"/>
+                      </a:solidFill>
+                      <a:prstDash val="solid"/>
+                      <a:round/>
+                      <a:headEnd type="none" w="med" len="med"/>
+                      <a:tailEnd type="none" w="med" len="med"/>
+                    </a:lnB>
+                  </a:tcPr>
+                </a:tc>
+                <a:tc>
+                  <a:txBody>
+                    <a:bodyPr/>
+                    <a:lstStyle/>
+                    <a:p>
+                      <a:pPr algn="ctr">
+                        <a:spcAft>
+                          <a:spcPts val="0"/>
+                        </a:spcAft>
+                      </a:pPr>
+                      <a:r>
+                        <a:rPr lang="es-AR" sz="1600">
+                          <a:solidFill>
+                            <a:srgbClr val="000000"/>
+                          </a:solidFill>
+                          <a:latin typeface="Calibri"/>
+                          <a:ea typeface="Times New Roman"/>
+                          <a:cs typeface="Times New Roman"/>
+                        </a:rPr>
+                        <a:t>3,5</a:t>
+                      </a:r>
+                      <a:endParaRPr lang="es-AR" sz="1600">
+                        <a:latin typeface="Calibri"/>
+                        <a:ea typeface="Calibri"/>
+                        <a:cs typeface="Times New Roman"/>
+                      </a:endParaRPr>
+                    </a:p>
+                  </a:txBody>
+                  <a:tcPr marL="44450" marR="44450" marT="0" marB="0" anchor="b">
+                    <a:lnL w="12700" cap="flat" cmpd="sng" algn="ctr">
+                      <a:solidFill>
+                        <a:srgbClr val="000000"/>
+                      </a:solidFill>
+                      <a:prstDash val="solid"/>
+                      <a:round/>
+                      <a:headEnd type="none" w="med" len="med"/>
+                      <a:tailEnd type="none" w="med" len="med"/>
+                    </a:lnL>
+                    <a:lnR w="12700" cap="flat" cmpd="sng" algn="ctr">
+                      <a:solidFill>
+                        <a:srgbClr val="000000"/>
+                      </a:solidFill>
+                      <a:prstDash val="solid"/>
+                      <a:round/>
+                      <a:headEnd type="none" w="med" len="med"/>
+                      <a:tailEnd type="none" w="med" len="med"/>
+                    </a:lnR>
+                    <a:lnT w="12700" cap="flat" cmpd="sng" algn="ctr">
+                      <a:solidFill>
+                        <a:srgbClr val="000000"/>
+                      </a:solidFill>
+                      <a:prstDash val="solid"/>
+                      <a:round/>
+                      <a:headEnd type="none" w="med" len="med"/>
+                      <a:tailEnd type="none" w="med" len="med"/>
+                    </a:lnT>
+                    <a:lnB w="12700" cap="flat" cmpd="sng" algn="ctr">
+                      <a:solidFill>
+                        <a:srgbClr val="000000"/>
+                      </a:solidFill>
+                      <a:prstDash val="solid"/>
+                      <a:round/>
+                      <a:headEnd type="none" w="med" len="med"/>
+                      <a:tailEnd type="none" w="med" len="med"/>
+                    </a:lnB>
+                  </a:tcPr>
+                </a:tc>
+                <a:tc>
+                  <a:txBody>
+                    <a:bodyPr/>
+                    <a:lstStyle/>
+                    <a:p>
+                      <a:pPr algn="ctr">
+                        <a:spcAft>
+                          <a:spcPts val="0"/>
+                        </a:spcAft>
+                      </a:pPr>
+                      <a:r>
+                        <a:rPr lang="es-AR" sz="1600" b="1">
+                          <a:solidFill>
+                            <a:srgbClr val="000000"/>
+                          </a:solidFill>
+                          <a:latin typeface="Calibri"/>
+                          <a:ea typeface="Times New Roman"/>
+                          <a:cs typeface="Times New Roman"/>
+                        </a:rPr>
+                        <a:t>70%</a:t>
+                      </a:r>
+                      <a:endParaRPr lang="es-AR" sz="1600">
+                        <a:latin typeface="Calibri"/>
+                        <a:ea typeface="Calibri"/>
+                        <a:cs typeface="Times New Roman"/>
+                      </a:endParaRPr>
+                    </a:p>
+                  </a:txBody>
+                  <a:tcPr marL="44450" marR="44450" marT="0" marB="0" anchor="b">
+                    <a:lnL w="12700" cap="flat" cmpd="sng" algn="ctr">
+                      <a:solidFill>
+                        <a:srgbClr val="000000"/>
+                      </a:solidFill>
+                      <a:prstDash val="solid"/>
+                      <a:round/>
+                      <a:headEnd type="none" w="med" len="med"/>
+                      <a:tailEnd type="none" w="med" len="med"/>
+                    </a:lnL>
+                    <a:lnR w="12700" cap="flat" cmpd="sng" algn="ctr">
+                      <a:solidFill>
+                        <a:srgbClr val="000000"/>
+                      </a:solidFill>
+                      <a:prstDash val="solid"/>
+                      <a:round/>
+                      <a:headEnd type="none" w="med" len="med"/>
+                      <a:tailEnd type="none" w="med" len="med"/>
+                    </a:lnR>
+                    <a:lnT w="12700" cap="flat" cmpd="sng" algn="ctr">
+                      <a:solidFill>
+                        <a:srgbClr val="000000"/>
+                      </a:solidFill>
+                      <a:prstDash val="solid"/>
+                      <a:round/>
+                      <a:headEnd type="none" w="med" len="med"/>
+                      <a:tailEnd type="none" w="med" len="med"/>
+                    </a:lnT>
+                    <a:lnB w="12700" cap="flat" cmpd="sng" algn="ctr">
+                      <a:solidFill>
+                        <a:srgbClr val="000000"/>
+                      </a:solidFill>
+                      <a:prstDash val="solid"/>
+                      <a:round/>
+                      <a:headEnd type="none" w="med" len="med"/>
+                      <a:tailEnd type="none" w="med" len="med"/>
+                    </a:lnB>
+                  </a:tcPr>
+                </a:tc>
+              </a:tr>
+              <a:tr h="332792">
+                <a:tc>
+                  <a:txBody>
+                    <a:bodyPr/>
+                    <a:lstStyle/>
+                    <a:p>
+                      <a:pPr algn="ctr">
+                        <a:spcAft>
+                          <a:spcPts val="0"/>
+                        </a:spcAft>
+                      </a:pPr>
+                      <a:r>
+                        <a:rPr lang="es-AR" sz="1600">
+                          <a:solidFill>
+                            <a:srgbClr val="000000"/>
+                          </a:solidFill>
+                          <a:latin typeface="Arial"/>
+                          <a:ea typeface="Times New Roman"/>
+                          <a:cs typeface="Times New Roman"/>
+                        </a:rPr>
+                        <a:t>Backend</a:t>
+                      </a:r>
+                      <a:endParaRPr lang="es-AR" sz="1600">
+                        <a:latin typeface="Calibri"/>
+                        <a:ea typeface="Calibri"/>
+                        <a:cs typeface="Times New Roman"/>
+                      </a:endParaRPr>
+                    </a:p>
+                  </a:txBody>
+                  <a:tcPr marL="44450" marR="44450" marT="0" marB="0" anchor="b">
+                    <a:lnL w="12700" cap="flat" cmpd="sng" algn="ctr">
+                      <a:solidFill>
+                        <a:srgbClr val="000000"/>
+                      </a:solidFill>
+                      <a:prstDash val="solid"/>
+                      <a:round/>
+                      <a:headEnd type="none" w="med" len="med"/>
+                      <a:tailEnd type="none" w="med" len="med"/>
+                    </a:lnL>
+                    <a:lnR w="12700" cap="flat" cmpd="sng" algn="ctr">
+                      <a:solidFill>
+                        <a:srgbClr val="000000"/>
+                      </a:solidFill>
+                      <a:prstDash val="solid"/>
+                      <a:round/>
+                      <a:headEnd type="none" w="med" len="med"/>
+                      <a:tailEnd type="none" w="med" len="med"/>
+                    </a:lnR>
+                    <a:lnT w="12700" cap="flat" cmpd="sng" algn="ctr">
+                      <a:solidFill>
+                        <a:srgbClr val="000000"/>
+                      </a:solidFill>
+                      <a:prstDash val="solid"/>
+                      <a:round/>
+                      <a:headEnd type="none" w="med" len="med"/>
+                      <a:tailEnd type="none" w="med" len="med"/>
+                    </a:lnT>
+                    <a:lnB w="12700" cap="flat" cmpd="sng" algn="ctr">
+                      <a:solidFill>
+                        <a:srgbClr val="000000"/>
+                      </a:solidFill>
+                      <a:prstDash val="solid"/>
+                      <a:round/>
+                      <a:headEnd type="none" w="med" len="med"/>
+                      <a:tailEnd type="none" w="med" len="med"/>
+                    </a:lnB>
+                    <a:solidFill>
+                      <a:srgbClr val="CFE2F3"/>
+                    </a:solidFill>
+                  </a:tcPr>
+                </a:tc>
+                <a:tc>
+                  <a:txBody>
+                    <a:bodyPr/>
+                    <a:lstStyle/>
+                    <a:p>
+                      <a:pPr>
+                        <a:spcAft>
+                          <a:spcPts val="0"/>
+                        </a:spcAft>
+                      </a:pPr>
+                      <a:r>
+                        <a:rPr lang="es-AR" sz="1600" dirty="0" err="1">
+                          <a:solidFill>
+                            <a:srgbClr val="000000"/>
+                          </a:solidFill>
+                          <a:latin typeface="Arial"/>
+                          <a:ea typeface="Times New Roman"/>
+                          <a:cs typeface="Times New Roman"/>
+                        </a:rPr>
+                        <a:t>Admin</a:t>
+                      </a:r>
+                      <a:r>
+                        <a:rPr lang="es-AR" sz="1600" dirty="0">
+                          <a:solidFill>
+                            <a:srgbClr val="000000"/>
+                          </a:solidFill>
+                          <a:latin typeface="Arial"/>
+                          <a:ea typeface="Times New Roman"/>
+                          <a:cs typeface="Times New Roman"/>
+                        </a:rPr>
+                        <a:t>. Listar funciones</a:t>
+                      </a:r>
+                      <a:endParaRPr lang="es-AR" sz="1600" dirty="0">
+                        <a:latin typeface="Calibri"/>
+                        <a:ea typeface="Calibri"/>
+                        <a:cs typeface="Times New Roman"/>
+                      </a:endParaRPr>
+                    </a:p>
+                  </a:txBody>
+                  <a:tcPr marL="44450" marR="44450" marT="0" marB="0" anchor="b">
+                    <a:lnL w="12700" cap="flat" cmpd="sng" algn="ctr">
+                      <a:solidFill>
+                        <a:srgbClr val="000000"/>
+                      </a:solidFill>
+                      <a:prstDash val="solid"/>
+                      <a:round/>
+                      <a:headEnd type="none" w="med" len="med"/>
+                      <a:tailEnd type="none" w="med" len="med"/>
+                    </a:lnL>
+                    <a:lnR w="12700" cap="flat" cmpd="sng" algn="ctr">
+                      <a:solidFill>
+                        <a:srgbClr val="000000"/>
+                      </a:solidFill>
+                      <a:prstDash val="solid"/>
+                      <a:round/>
+                      <a:headEnd type="none" w="med" len="med"/>
+                      <a:tailEnd type="none" w="med" len="med"/>
+                    </a:lnR>
+                    <a:lnT w="12700" cap="flat" cmpd="sng" algn="ctr">
+                      <a:solidFill>
+                        <a:srgbClr val="000000"/>
+                      </a:solidFill>
+                      <a:prstDash val="solid"/>
+                      <a:round/>
+                      <a:headEnd type="none" w="med" len="med"/>
+                      <a:tailEnd type="none" w="med" len="med"/>
+                    </a:lnT>
+                    <a:lnB w="12700" cap="flat" cmpd="sng" algn="ctr">
+                      <a:solidFill>
+                        <a:srgbClr val="000000"/>
+                      </a:solidFill>
+                      <a:prstDash val="solid"/>
+                      <a:round/>
+                      <a:headEnd type="none" w="med" len="med"/>
+                      <a:tailEnd type="none" w="med" len="med"/>
+                    </a:lnB>
+                  </a:tcPr>
+                </a:tc>
+                <a:tc>
+                  <a:txBody>
+                    <a:bodyPr/>
+                    <a:lstStyle/>
+                    <a:p>
+                      <a:pPr algn="ctr">
+                        <a:spcAft>
+                          <a:spcPts val="0"/>
+                        </a:spcAft>
+                      </a:pPr>
+                      <a:r>
+                        <a:rPr lang="es-AR" sz="1600">
+                          <a:solidFill>
+                            <a:srgbClr val="000000"/>
+                          </a:solidFill>
+                          <a:latin typeface="Calibri"/>
+                          <a:ea typeface="Times New Roman"/>
+                          <a:cs typeface="Times New Roman"/>
+                        </a:rPr>
+                        <a:t>8</a:t>
+                      </a:r>
+                      <a:endParaRPr lang="es-AR" sz="1600">
+                        <a:latin typeface="Calibri"/>
+                        <a:ea typeface="Calibri"/>
+                        <a:cs typeface="Times New Roman"/>
+                      </a:endParaRPr>
+                    </a:p>
+                  </a:txBody>
+                  <a:tcPr marL="44450" marR="44450" marT="0" marB="0" anchor="b">
+                    <a:lnL w="12700" cap="flat" cmpd="sng" algn="ctr">
+                      <a:solidFill>
+                        <a:srgbClr val="000000"/>
+                      </a:solidFill>
+                      <a:prstDash val="solid"/>
+                      <a:round/>
+                      <a:headEnd type="none" w="med" len="med"/>
+                      <a:tailEnd type="none" w="med" len="med"/>
+                    </a:lnL>
+                    <a:lnR w="12700" cap="flat" cmpd="sng" algn="ctr">
+                      <a:solidFill>
+                        <a:srgbClr val="000000"/>
+                      </a:solidFill>
+                      <a:prstDash val="solid"/>
+                      <a:round/>
+                      <a:headEnd type="none" w="med" len="med"/>
+                      <a:tailEnd type="none" w="med" len="med"/>
+                    </a:lnR>
+                    <a:lnT w="12700" cap="flat" cmpd="sng" algn="ctr">
+                      <a:solidFill>
+                        <a:srgbClr val="000000"/>
+                      </a:solidFill>
+                      <a:prstDash val="solid"/>
+                      <a:round/>
+                      <a:headEnd type="none" w="med" len="med"/>
+                      <a:tailEnd type="none" w="med" len="med"/>
+                    </a:lnT>
+                    <a:lnB w="12700" cap="flat" cmpd="sng" algn="ctr">
+                      <a:solidFill>
+                        <a:srgbClr val="000000"/>
+                      </a:solidFill>
+                      <a:prstDash val="solid"/>
+                      <a:round/>
+                      <a:headEnd type="none" w="med" len="med"/>
+                      <a:tailEnd type="none" w="med" len="med"/>
+                    </a:lnB>
+                  </a:tcPr>
+                </a:tc>
+                <a:tc>
+                  <a:txBody>
+                    <a:bodyPr/>
+                    <a:lstStyle/>
+                    <a:p>
+                      <a:pPr algn="ctr">
+                        <a:spcAft>
+                          <a:spcPts val="0"/>
+                        </a:spcAft>
+                      </a:pPr>
+                      <a:r>
+                        <a:rPr lang="es-AR" sz="1600">
+                          <a:solidFill>
+                            <a:srgbClr val="000000"/>
+                          </a:solidFill>
+                          <a:latin typeface="Calibri"/>
+                          <a:ea typeface="Times New Roman"/>
+                          <a:cs typeface="Times New Roman"/>
+                        </a:rPr>
+                        <a:t>8</a:t>
+                      </a:r>
+                      <a:endParaRPr lang="es-AR" sz="1600">
+                        <a:latin typeface="Calibri"/>
+                        <a:ea typeface="Calibri"/>
+                        <a:cs typeface="Times New Roman"/>
+                      </a:endParaRPr>
+                    </a:p>
+                  </a:txBody>
+                  <a:tcPr marL="44450" marR="44450" marT="0" marB="0" anchor="b">
+                    <a:lnL w="12700" cap="flat" cmpd="sng" algn="ctr">
+                      <a:solidFill>
+                        <a:srgbClr val="000000"/>
+                      </a:solidFill>
+                      <a:prstDash val="solid"/>
+                      <a:round/>
+                      <a:headEnd type="none" w="med" len="med"/>
+                      <a:tailEnd type="none" w="med" len="med"/>
+                    </a:lnL>
+                    <a:lnR w="12700" cap="flat" cmpd="sng" algn="ctr">
+                      <a:solidFill>
+                        <a:srgbClr val="000000"/>
+                      </a:solidFill>
+                      <a:prstDash val="solid"/>
+                      <a:round/>
+                      <a:headEnd type="none" w="med" len="med"/>
+                      <a:tailEnd type="none" w="med" len="med"/>
+                    </a:lnR>
+                    <a:lnT w="12700" cap="flat" cmpd="sng" algn="ctr">
+                      <a:solidFill>
+                        <a:srgbClr val="000000"/>
+                      </a:solidFill>
+                      <a:prstDash val="solid"/>
+                      <a:round/>
+                      <a:headEnd type="none" w="med" len="med"/>
+                      <a:tailEnd type="none" w="med" len="med"/>
+                    </a:lnT>
+                    <a:lnB w="12700" cap="flat" cmpd="sng" algn="ctr">
+                      <a:solidFill>
+                        <a:srgbClr val="000000"/>
+                      </a:solidFill>
+                      <a:prstDash val="solid"/>
+                      <a:round/>
+                      <a:headEnd type="none" w="med" len="med"/>
+                      <a:tailEnd type="none" w="med" len="med"/>
+                    </a:lnB>
+                  </a:tcPr>
+                </a:tc>
+                <a:tc>
+                  <a:txBody>
+                    <a:bodyPr/>
+                    <a:lstStyle/>
+                    <a:p>
+                      <a:pPr algn="ctr">
+                        <a:spcAft>
+                          <a:spcPts val="0"/>
+                        </a:spcAft>
+                      </a:pPr>
+                      <a:r>
+                        <a:rPr lang="es-AR" sz="1600">
+                          <a:solidFill>
+                            <a:srgbClr val="000000"/>
+                          </a:solidFill>
+                          <a:latin typeface="Calibri"/>
+                          <a:ea typeface="Times New Roman"/>
+                          <a:cs typeface="Times New Roman"/>
+                        </a:rPr>
+                        <a:t>8,5</a:t>
+                      </a:r>
+                      <a:endParaRPr lang="es-AR" sz="1600">
+                        <a:latin typeface="Calibri"/>
+                        <a:ea typeface="Calibri"/>
+                        <a:cs typeface="Times New Roman"/>
+                      </a:endParaRPr>
+                    </a:p>
+                  </a:txBody>
+                  <a:tcPr marL="44450" marR="44450" marT="0" marB="0" anchor="b">
+                    <a:lnL w="12700" cap="flat" cmpd="sng" algn="ctr">
+                      <a:solidFill>
+                        <a:srgbClr val="000000"/>
+                      </a:solidFill>
+                      <a:prstDash val="solid"/>
+                      <a:round/>
+                      <a:headEnd type="none" w="med" len="med"/>
+                      <a:tailEnd type="none" w="med" len="med"/>
+                    </a:lnL>
+                    <a:lnR w="12700" cap="flat" cmpd="sng" algn="ctr">
+                      <a:solidFill>
+                        <a:srgbClr val="000000"/>
+                      </a:solidFill>
+                      <a:prstDash val="solid"/>
+                      <a:round/>
+                      <a:headEnd type="none" w="med" len="med"/>
+                      <a:tailEnd type="none" w="med" len="med"/>
+                    </a:lnR>
+                    <a:lnT w="12700" cap="flat" cmpd="sng" algn="ctr">
+                      <a:solidFill>
+                        <a:srgbClr val="000000"/>
+                      </a:solidFill>
+                      <a:prstDash val="solid"/>
+                      <a:round/>
+                      <a:headEnd type="none" w="med" len="med"/>
+                      <a:tailEnd type="none" w="med" len="med"/>
+                    </a:lnT>
+                    <a:lnB w="12700" cap="flat" cmpd="sng" algn="ctr">
+                      <a:solidFill>
+                        <a:srgbClr val="000000"/>
+                      </a:solidFill>
+                      <a:prstDash val="solid"/>
+                      <a:round/>
+                      <a:headEnd type="none" w="med" len="med"/>
+                      <a:tailEnd type="none" w="med" len="med"/>
+                    </a:lnB>
+                  </a:tcPr>
+                </a:tc>
+                <a:tc>
+                  <a:txBody>
+                    <a:bodyPr/>
+                    <a:lstStyle/>
+                    <a:p>
+                      <a:pPr algn="ctr">
+                        <a:spcAft>
+                          <a:spcPts val="0"/>
+                        </a:spcAft>
+                      </a:pPr>
+                      <a:r>
+                        <a:rPr lang="es-AR" sz="1600" b="1">
+                          <a:solidFill>
+                            <a:srgbClr val="000000"/>
+                          </a:solidFill>
+                          <a:latin typeface="Calibri"/>
+                          <a:ea typeface="Times New Roman"/>
+                          <a:cs typeface="Times New Roman"/>
+                        </a:rPr>
+                        <a:t>106%</a:t>
+                      </a:r>
+                      <a:endParaRPr lang="es-AR" sz="1600">
+                        <a:latin typeface="Calibri"/>
+                        <a:ea typeface="Calibri"/>
+                        <a:cs typeface="Times New Roman"/>
+                      </a:endParaRPr>
+                    </a:p>
+                  </a:txBody>
+                  <a:tcPr marL="44450" marR="44450" marT="0" marB="0" anchor="b">
+                    <a:lnL w="12700" cap="flat" cmpd="sng" algn="ctr">
+                      <a:solidFill>
+                        <a:srgbClr val="000000"/>
+                      </a:solidFill>
+                      <a:prstDash val="solid"/>
+                      <a:round/>
+                      <a:headEnd type="none" w="med" len="med"/>
+                      <a:tailEnd type="none" w="med" len="med"/>
+                    </a:lnL>
+                    <a:lnR w="12700" cap="flat" cmpd="sng" algn="ctr">
+                      <a:solidFill>
+                        <a:srgbClr val="000000"/>
+                      </a:solidFill>
+                      <a:prstDash val="solid"/>
+                      <a:round/>
+                      <a:headEnd type="none" w="med" len="med"/>
+                      <a:tailEnd type="none" w="med" len="med"/>
+                    </a:lnR>
+                    <a:lnT w="12700" cap="flat" cmpd="sng" algn="ctr">
+                      <a:solidFill>
+                        <a:srgbClr val="000000"/>
+                      </a:solidFill>
+                      <a:prstDash val="solid"/>
+                      <a:round/>
+                      <a:headEnd type="none" w="med" len="med"/>
+                      <a:tailEnd type="none" w="med" len="med"/>
+                    </a:lnT>
+                    <a:lnB w="12700" cap="flat" cmpd="sng" algn="ctr">
+                      <a:solidFill>
+                        <a:srgbClr val="000000"/>
+                      </a:solidFill>
+                      <a:prstDash val="solid"/>
+                      <a:round/>
+                      <a:headEnd type="none" w="med" len="med"/>
+                      <a:tailEnd type="none" w="med" len="med"/>
+                    </a:lnB>
+                  </a:tcPr>
+                </a:tc>
+              </a:tr>
+              <a:tr h="332792">
+                <a:tc>
+                  <a:txBody>
+                    <a:bodyPr/>
+                    <a:lstStyle/>
+                    <a:p>
+                      <a:pPr algn="ctr">
+                        <a:spcAft>
+                          <a:spcPts val="0"/>
+                        </a:spcAft>
+                      </a:pPr>
+                      <a:r>
+                        <a:rPr lang="es-AR" sz="1600">
+                          <a:solidFill>
+                            <a:srgbClr val="000000"/>
+                          </a:solidFill>
+                          <a:latin typeface="Arial"/>
+                          <a:ea typeface="Times New Roman"/>
+                          <a:cs typeface="Times New Roman"/>
+                        </a:rPr>
+                        <a:t>Backend</a:t>
+                      </a:r>
+                      <a:endParaRPr lang="es-AR" sz="1600">
+                        <a:latin typeface="Calibri"/>
+                        <a:ea typeface="Calibri"/>
+                        <a:cs typeface="Times New Roman"/>
+                      </a:endParaRPr>
+                    </a:p>
+                  </a:txBody>
+                  <a:tcPr marL="44450" marR="44450" marT="0" marB="0" anchor="b">
+                    <a:lnL w="12700" cap="flat" cmpd="sng" algn="ctr">
+                      <a:solidFill>
+                        <a:srgbClr val="000000"/>
+                      </a:solidFill>
+                      <a:prstDash val="solid"/>
+                      <a:round/>
+                      <a:headEnd type="none" w="med" len="med"/>
+                      <a:tailEnd type="none" w="med" len="med"/>
+                    </a:lnL>
+                    <a:lnR w="12700" cap="flat" cmpd="sng" algn="ctr">
+                      <a:solidFill>
+                        <a:srgbClr val="000000"/>
+                      </a:solidFill>
+                      <a:prstDash val="solid"/>
+                      <a:round/>
+                      <a:headEnd type="none" w="med" len="med"/>
+                      <a:tailEnd type="none" w="med" len="med"/>
+                    </a:lnR>
+                    <a:lnT w="12700" cap="flat" cmpd="sng" algn="ctr">
+                      <a:solidFill>
+                        <a:srgbClr val="000000"/>
+                      </a:solidFill>
+                      <a:prstDash val="solid"/>
+                      <a:round/>
+                      <a:headEnd type="none" w="med" len="med"/>
+                      <a:tailEnd type="none" w="med" len="med"/>
+                    </a:lnT>
+                    <a:lnB w="12700" cap="flat" cmpd="sng" algn="ctr">
+                      <a:solidFill>
+                        <a:srgbClr val="000000"/>
+                      </a:solidFill>
+                      <a:prstDash val="solid"/>
+                      <a:round/>
+                      <a:headEnd type="none" w="med" len="med"/>
+                      <a:tailEnd type="none" w="med" len="med"/>
+                    </a:lnB>
+                    <a:solidFill>
+                      <a:srgbClr val="CFE2F3"/>
+                    </a:solidFill>
+                  </a:tcPr>
+                </a:tc>
+                <a:tc>
+                  <a:txBody>
+                    <a:bodyPr/>
+                    <a:lstStyle/>
+                    <a:p>
+                      <a:pPr>
+                        <a:spcAft>
+                          <a:spcPts val="0"/>
+                        </a:spcAft>
+                      </a:pPr>
+                      <a:r>
+                        <a:rPr lang="es-AR" sz="1600" dirty="0" err="1">
+                          <a:solidFill>
+                            <a:srgbClr val="000000"/>
+                          </a:solidFill>
+                          <a:latin typeface="Arial"/>
+                          <a:ea typeface="Times New Roman"/>
+                          <a:cs typeface="Times New Roman"/>
+                        </a:rPr>
+                        <a:t>Admin</a:t>
+                      </a:r>
+                      <a:r>
+                        <a:rPr lang="es-AR" sz="1600" dirty="0">
+                          <a:solidFill>
+                            <a:srgbClr val="000000"/>
+                          </a:solidFill>
+                          <a:latin typeface="Arial"/>
+                          <a:ea typeface="Times New Roman"/>
+                          <a:cs typeface="Times New Roman"/>
+                        </a:rPr>
+                        <a:t>. Listar Películas</a:t>
+                      </a:r>
+                      <a:endParaRPr lang="es-AR" sz="1600" dirty="0">
+                        <a:latin typeface="Calibri"/>
+                        <a:ea typeface="Calibri"/>
+                        <a:cs typeface="Times New Roman"/>
+                      </a:endParaRPr>
+                    </a:p>
+                  </a:txBody>
+                  <a:tcPr marL="44450" marR="44450" marT="0" marB="0" anchor="b">
+                    <a:lnL w="12700" cap="flat" cmpd="sng" algn="ctr">
+                      <a:solidFill>
+                        <a:srgbClr val="000000"/>
+                      </a:solidFill>
+                      <a:prstDash val="solid"/>
+                      <a:round/>
+                      <a:headEnd type="none" w="med" len="med"/>
+                      <a:tailEnd type="none" w="med" len="med"/>
+                    </a:lnL>
+                    <a:lnR w="12700" cap="flat" cmpd="sng" algn="ctr">
+                      <a:solidFill>
+                        <a:srgbClr val="000000"/>
+                      </a:solidFill>
+                      <a:prstDash val="solid"/>
+                      <a:round/>
+                      <a:headEnd type="none" w="med" len="med"/>
+                      <a:tailEnd type="none" w="med" len="med"/>
+                    </a:lnR>
+                    <a:lnT w="12700" cap="flat" cmpd="sng" algn="ctr">
+                      <a:solidFill>
+                        <a:srgbClr val="000000"/>
+                      </a:solidFill>
+                      <a:prstDash val="solid"/>
+                      <a:round/>
+                      <a:headEnd type="none" w="med" len="med"/>
+                      <a:tailEnd type="none" w="med" len="med"/>
+                    </a:lnT>
+                    <a:lnB w="12700" cap="flat" cmpd="sng" algn="ctr">
+                      <a:solidFill>
+                        <a:srgbClr val="000000"/>
+                      </a:solidFill>
+                      <a:prstDash val="solid"/>
+                      <a:round/>
+                      <a:headEnd type="none" w="med" len="med"/>
+                      <a:tailEnd type="none" w="med" len="med"/>
+                    </a:lnB>
+                  </a:tcPr>
+                </a:tc>
+                <a:tc>
+                  <a:txBody>
+                    <a:bodyPr/>
+                    <a:lstStyle/>
+                    <a:p>
+                      <a:pPr algn="ctr">
+                        <a:spcAft>
+                          <a:spcPts val="0"/>
+                        </a:spcAft>
+                      </a:pPr>
+                      <a:r>
+                        <a:rPr lang="es-AR" sz="1600">
+                          <a:solidFill>
+                            <a:srgbClr val="000000"/>
+                          </a:solidFill>
+                          <a:latin typeface="Calibri"/>
+                          <a:ea typeface="Times New Roman"/>
+                          <a:cs typeface="Times New Roman"/>
+                        </a:rPr>
+                        <a:t>2</a:t>
+                      </a:r>
+                      <a:endParaRPr lang="es-AR" sz="1600">
+                        <a:latin typeface="Calibri"/>
+                        <a:ea typeface="Calibri"/>
+                        <a:cs typeface="Times New Roman"/>
+                      </a:endParaRPr>
+                    </a:p>
+                  </a:txBody>
+                  <a:tcPr marL="44450" marR="44450" marT="0" marB="0" anchor="b">
+                    <a:lnL w="12700" cap="flat" cmpd="sng" algn="ctr">
+                      <a:solidFill>
+                        <a:srgbClr val="000000"/>
+                      </a:solidFill>
+                      <a:prstDash val="solid"/>
+                      <a:round/>
+                      <a:headEnd type="none" w="med" len="med"/>
+                      <a:tailEnd type="none" w="med" len="med"/>
+                    </a:lnL>
+                    <a:lnR w="12700" cap="flat" cmpd="sng" algn="ctr">
+                      <a:solidFill>
+                        <a:srgbClr val="000000"/>
+                      </a:solidFill>
+                      <a:prstDash val="solid"/>
+                      <a:round/>
+                      <a:headEnd type="none" w="med" len="med"/>
+                      <a:tailEnd type="none" w="med" len="med"/>
+                    </a:lnR>
+                    <a:lnT w="12700" cap="flat" cmpd="sng" algn="ctr">
+                      <a:solidFill>
+                        <a:srgbClr val="000000"/>
+                      </a:solidFill>
+                      <a:prstDash val="solid"/>
+                      <a:round/>
+                      <a:headEnd type="none" w="med" len="med"/>
+                      <a:tailEnd type="none" w="med" len="med"/>
+                    </a:lnT>
+                    <a:lnB w="12700" cap="flat" cmpd="sng" algn="ctr">
+                      <a:solidFill>
+                        <a:srgbClr val="000000"/>
+                      </a:solidFill>
+                      <a:prstDash val="solid"/>
+                      <a:round/>
+                      <a:headEnd type="none" w="med" len="med"/>
+                      <a:tailEnd type="none" w="med" len="med"/>
+                    </a:lnB>
+                  </a:tcPr>
+                </a:tc>
+                <a:tc>
+                  <a:txBody>
+                    <a:bodyPr/>
+                    <a:lstStyle/>
+                    <a:p>
+                      <a:pPr algn="ctr">
+                        <a:spcAft>
+                          <a:spcPts val="0"/>
+                        </a:spcAft>
+                      </a:pPr>
+                      <a:r>
+                        <a:rPr lang="es-AR" sz="1600">
+                          <a:solidFill>
+                            <a:srgbClr val="000000"/>
+                          </a:solidFill>
+                          <a:latin typeface="Calibri"/>
+                          <a:ea typeface="Times New Roman"/>
+                          <a:cs typeface="Times New Roman"/>
+                        </a:rPr>
+                        <a:t>2</a:t>
+                      </a:r>
+                      <a:endParaRPr lang="es-AR" sz="1600">
+                        <a:latin typeface="Calibri"/>
+                        <a:ea typeface="Calibri"/>
+                        <a:cs typeface="Times New Roman"/>
+                      </a:endParaRPr>
+                    </a:p>
+                  </a:txBody>
+                  <a:tcPr marL="44450" marR="44450" marT="0" marB="0" anchor="b">
+                    <a:lnL w="12700" cap="flat" cmpd="sng" algn="ctr">
+                      <a:solidFill>
+                        <a:srgbClr val="000000"/>
+                      </a:solidFill>
+                      <a:prstDash val="solid"/>
+                      <a:round/>
+                      <a:headEnd type="none" w="med" len="med"/>
+                      <a:tailEnd type="none" w="med" len="med"/>
+                    </a:lnL>
+                    <a:lnR w="12700" cap="flat" cmpd="sng" algn="ctr">
+                      <a:solidFill>
+                        <a:srgbClr val="000000"/>
+                      </a:solidFill>
+                      <a:prstDash val="solid"/>
+                      <a:round/>
+                      <a:headEnd type="none" w="med" len="med"/>
+                      <a:tailEnd type="none" w="med" len="med"/>
+                    </a:lnR>
+                    <a:lnT w="12700" cap="flat" cmpd="sng" algn="ctr">
+                      <a:solidFill>
+                        <a:srgbClr val="000000"/>
+                      </a:solidFill>
+                      <a:prstDash val="solid"/>
+                      <a:round/>
+                      <a:headEnd type="none" w="med" len="med"/>
+                      <a:tailEnd type="none" w="med" len="med"/>
+                    </a:lnT>
+                    <a:lnB w="12700" cap="flat" cmpd="sng" algn="ctr">
+                      <a:solidFill>
+                        <a:srgbClr val="000000"/>
+                      </a:solidFill>
+                      <a:prstDash val="solid"/>
+                      <a:round/>
+                      <a:headEnd type="none" w="med" len="med"/>
+                      <a:tailEnd type="none" w="med" len="med"/>
+                    </a:lnB>
+                  </a:tcPr>
+                </a:tc>
+                <a:tc>
+                  <a:txBody>
+                    <a:bodyPr/>
+                    <a:lstStyle/>
+                    <a:p>
+                      <a:pPr algn="ctr">
+                        <a:spcAft>
+                          <a:spcPts val="0"/>
+                        </a:spcAft>
+                      </a:pPr>
+                      <a:r>
+                        <a:rPr lang="es-AR" sz="1600">
+                          <a:solidFill>
+                            <a:srgbClr val="000000"/>
+                          </a:solidFill>
+                          <a:latin typeface="Calibri"/>
+                          <a:ea typeface="Times New Roman"/>
+                          <a:cs typeface="Times New Roman"/>
+                        </a:rPr>
+                        <a:t>1</a:t>
+                      </a:r>
+                      <a:endParaRPr lang="es-AR" sz="1600">
+                        <a:latin typeface="Calibri"/>
+                        <a:ea typeface="Calibri"/>
+                        <a:cs typeface="Times New Roman"/>
+                      </a:endParaRPr>
+                    </a:p>
+                  </a:txBody>
+                  <a:tcPr marL="44450" marR="44450" marT="0" marB="0" anchor="b">
+                    <a:lnL w="12700" cap="flat" cmpd="sng" algn="ctr">
+                      <a:solidFill>
+                        <a:srgbClr val="000000"/>
+                      </a:solidFill>
+                      <a:prstDash val="solid"/>
+                      <a:round/>
+                      <a:headEnd type="none" w="med" len="med"/>
+                      <a:tailEnd type="none" w="med" len="med"/>
+                    </a:lnL>
+                    <a:lnR w="12700" cap="flat" cmpd="sng" algn="ctr">
+                      <a:solidFill>
+                        <a:srgbClr val="000000"/>
+                      </a:solidFill>
+                      <a:prstDash val="solid"/>
+                      <a:round/>
+                      <a:headEnd type="none" w="med" len="med"/>
+                      <a:tailEnd type="none" w="med" len="med"/>
+                    </a:lnR>
+                    <a:lnT w="12700" cap="flat" cmpd="sng" algn="ctr">
+                      <a:solidFill>
+                        <a:srgbClr val="000000"/>
+                      </a:solidFill>
+                      <a:prstDash val="solid"/>
+                      <a:round/>
+                      <a:headEnd type="none" w="med" len="med"/>
+                      <a:tailEnd type="none" w="med" len="med"/>
+                    </a:lnT>
+                    <a:lnB w="12700" cap="flat" cmpd="sng" algn="ctr">
+                      <a:solidFill>
+                        <a:srgbClr val="000000"/>
+                      </a:solidFill>
+                      <a:prstDash val="solid"/>
+                      <a:round/>
+                      <a:headEnd type="none" w="med" len="med"/>
+                      <a:tailEnd type="none" w="med" len="med"/>
+                    </a:lnB>
+                  </a:tcPr>
+                </a:tc>
+                <a:tc>
+                  <a:txBody>
+                    <a:bodyPr/>
+                    <a:lstStyle/>
+                    <a:p>
+                      <a:pPr algn="ctr">
+                        <a:spcAft>
+                          <a:spcPts val="0"/>
+                        </a:spcAft>
+                      </a:pPr>
+                      <a:r>
+                        <a:rPr lang="es-AR" sz="1600" b="1">
+                          <a:solidFill>
+                            <a:srgbClr val="000000"/>
+                          </a:solidFill>
+                          <a:latin typeface="Calibri"/>
+                          <a:ea typeface="Times New Roman"/>
+                          <a:cs typeface="Times New Roman"/>
+                        </a:rPr>
+                        <a:t>50%</a:t>
+                      </a:r>
+                      <a:endParaRPr lang="es-AR" sz="1600">
+                        <a:latin typeface="Calibri"/>
+                        <a:ea typeface="Calibri"/>
+                        <a:cs typeface="Times New Roman"/>
+                      </a:endParaRPr>
+                    </a:p>
+                  </a:txBody>
+                  <a:tcPr marL="44450" marR="44450" marT="0" marB="0" anchor="b">
+                    <a:lnL w="12700" cap="flat" cmpd="sng" algn="ctr">
+                      <a:solidFill>
+                        <a:srgbClr val="000000"/>
+                      </a:solidFill>
+                      <a:prstDash val="solid"/>
+                      <a:round/>
+                      <a:headEnd type="none" w="med" len="med"/>
+                      <a:tailEnd type="none" w="med" len="med"/>
+                    </a:lnL>
+                    <a:lnR w="12700" cap="flat" cmpd="sng" algn="ctr">
+                      <a:solidFill>
+                        <a:srgbClr val="000000"/>
+                      </a:solidFill>
+                      <a:prstDash val="solid"/>
+                      <a:round/>
+                      <a:headEnd type="none" w="med" len="med"/>
+                      <a:tailEnd type="none" w="med" len="med"/>
+                    </a:lnR>
+                    <a:lnT w="12700" cap="flat" cmpd="sng" algn="ctr">
+                      <a:solidFill>
+                        <a:srgbClr val="000000"/>
+                      </a:solidFill>
+                      <a:prstDash val="solid"/>
+                      <a:round/>
+                      <a:headEnd type="none" w="med" len="med"/>
+                      <a:tailEnd type="none" w="med" len="med"/>
+                    </a:lnT>
+                    <a:lnB w="12700" cap="flat" cmpd="sng" algn="ctr">
+                      <a:solidFill>
+                        <a:srgbClr val="000000"/>
+                      </a:solidFill>
+                      <a:prstDash val="solid"/>
+                      <a:round/>
+                      <a:headEnd type="none" w="med" len="med"/>
+                      <a:tailEnd type="none" w="med" len="med"/>
+                    </a:lnB>
+                  </a:tcPr>
+                </a:tc>
+              </a:tr>
+              <a:tr h="332792">
+                <a:tc>
+                  <a:txBody>
+                    <a:bodyPr/>
+                    <a:lstStyle/>
+                    <a:p>
+                      <a:pPr algn="ctr">
+                        <a:spcAft>
+                          <a:spcPts val="0"/>
+                        </a:spcAft>
+                      </a:pPr>
+                      <a:r>
+                        <a:rPr lang="es-AR" sz="1600">
+                          <a:solidFill>
+                            <a:srgbClr val="000000"/>
+                          </a:solidFill>
+                          <a:latin typeface="Arial"/>
+                          <a:ea typeface="Times New Roman"/>
+                          <a:cs typeface="Times New Roman"/>
+                        </a:rPr>
+                        <a:t>Backend</a:t>
+                      </a:r>
+                      <a:endParaRPr lang="es-AR" sz="1600">
+                        <a:latin typeface="Calibri"/>
+                        <a:ea typeface="Calibri"/>
+                        <a:cs typeface="Times New Roman"/>
+                      </a:endParaRPr>
+                    </a:p>
+                  </a:txBody>
+                  <a:tcPr marL="44450" marR="44450" marT="0" marB="0" anchor="b">
+                    <a:lnL w="12700" cap="flat" cmpd="sng" algn="ctr">
+                      <a:solidFill>
+                        <a:srgbClr val="000000"/>
+                      </a:solidFill>
+                      <a:prstDash val="solid"/>
+                      <a:round/>
+                      <a:headEnd type="none" w="med" len="med"/>
+                      <a:tailEnd type="none" w="med" len="med"/>
+                    </a:lnL>
+                    <a:lnR w="12700" cap="flat" cmpd="sng" algn="ctr">
+                      <a:solidFill>
+                        <a:srgbClr val="000000"/>
+                      </a:solidFill>
+                      <a:prstDash val="solid"/>
+                      <a:round/>
+                      <a:headEnd type="none" w="med" len="med"/>
+                      <a:tailEnd type="none" w="med" len="med"/>
+                    </a:lnR>
+                    <a:lnT w="12700" cap="flat" cmpd="sng" algn="ctr">
+                      <a:solidFill>
+                        <a:srgbClr val="000000"/>
+                      </a:solidFill>
+                      <a:prstDash val="solid"/>
+                      <a:round/>
+                      <a:headEnd type="none" w="med" len="med"/>
+                      <a:tailEnd type="none" w="med" len="med"/>
+                    </a:lnT>
+                    <a:lnB w="12700" cap="flat" cmpd="sng" algn="ctr">
+                      <a:solidFill>
+                        <a:srgbClr val="000000"/>
+                      </a:solidFill>
+                      <a:prstDash val="solid"/>
+                      <a:round/>
+                      <a:headEnd type="none" w="med" len="med"/>
+                      <a:tailEnd type="none" w="med" len="med"/>
+                    </a:lnB>
+                    <a:solidFill>
+                      <a:srgbClr val="CFE2F3"/>
+                    </a:solidFill>
+                  </a:tcPr>
+                </a:tc>
+                <a:tc>
+                  <a:txBody>
+                    <a:bodyPr/>
+                    <a:lstStyle/>
+                    <a:p>
+                      <a:pPr>
+                        <a:spcAft>
+                          <a:spcPts val="0"/>
+                        </a:spcAft>
+                      </a:pPr>
+                      <a:r>
+                        <a:rPr lang="es-AR" sz="1600" dirty="0" err="1">
+                          <a:solidFill>
+                            <a:srgbClr val="000000"/>
+                          </a:solidFill>
+                          <a:latin typeface="Arial"/>
+                          <a:ea typeface="Times New Roman"/>
+                          <a:cs typeface="Times New Roman"/>
+                        </a:rPr>
+                        <a:t>Admin</a:t>
+                      </a:r>
+                      <a:r>
+                        <a:rPr lang="es-AR" sz="1600" dirty="0">
+                          <a:solidFill>
+                            <a:srgbClr val="000000"/>
+                          </a:solidFill>
+                          <a:latin typeface="Arial"/>
+                          <a:ea typeface="Times New Roman"/>
+                          <a:cs typeface="Times New Roman"/>
+                        </a:rPr>
+                        <a:t>. Listar Salas</a:t>
+                      </a:r>
+                      <a:endParaRPr lang="es-AR" sz="1600" dirty="0">
+                        <a:latin typeface="Calibri"/>
+                        <a:ea typeface="Calibri"/>
+                        <a:cs typeface="Times New Roman"/>
+                      </a:endParaRPr>
+                    </a:p>
+                  </a:txBody>
+                  <a:tcPr marL="44450" marR="44450" marT="0" marB="0" anchor="b">
+                    <a:lnL w="12700" cap="flat" cmpd="sng" algn="ctr">
+                      <a:solidFill>
+                        <a:srgbClr val="000000"/>
+                      </a:solidFill>
+                      <a:prstDash val="solid"/>
+                      <a:round/>
+                      <a:headEnd type="none" w="med" len="med"/>
+                      <a:tailEnd type="none" w="med" len="med"/>
+                    </a:lnL>
+                    <a:lnR w="12700" cap="flat" cmpd="sng" algn="ctr">
+                      <a:solidFill>
+                        <a:srgbClr val="000000"/>
+                      </a:solidFill>
+                      <a:prstDash val="solid"/>
+                      <a:round/>
+                      <a:headEnd type="none" w="med" len="med"/>
+                      <a:tailEnd type="none" w="med" len="med"/>
+                    </a:lnR>
+                    <a:lnT w="12700" cap="flat" cmpd="sng" algn="ctr">
+                      <a:solidFill>
+                        <a:srgbClr val="000000"/>
+                      </a:solidFill>
+                      <a:prstDash val="solid"/>
+                      <a:round/>
+                      <a:headEnd type="none" w="med" len="med"/>
+                      <a:tailEnd type="none" w="med" len="med"/>
+                    </a:lnT>
+                    <a:lnB w="12700" cap="flat" cmpd="sng" algn="ctr">
+                      <a:solidFill>
+                        <a:srgbClr val="000000"/>
+                      </a:solidFill>
+                      <a:prstDash val="solid"/>
+                      <a:round/>
+                      <a:headEnd type="none" w="med" len="med"/>
+                      <a:tailEnd type="none" w="med" len="med"/>
+                    </a:lnB>
+                  </a:tcPr>
+                </a:tc>
+                <a:tc>
+                  <a:txBody>
+                    <a:bodyPr/>
+                    <a:lstStyle/>
+                    <a:p>
+                      <a:pPr algn="ctr">
+                        <a:spcAft>
+                          <a:spcPts val="0"/>
+                        </a:spcAft>
+                      </a:pPr>
+                      <a:r>
+                        <a:rPr lang="es-AR" sz="1600">
+                          <a:solidFill>
+                            <a:srgbClr val="000000"/>
+                          </a:solidFill>
+                          <a:latin typeface="Calibri"/>
+                          <a:ea typeface="Times New Roman"/>
+                          <a:cs typeface="Times New Roman"/>
+                        </a:rPr>
+                        <a:t>7</a:t>
+                      </a:r>
+                      <a:endParaRPr lang="es-AR" sz="1600">
+                        <a:latin typeface="Calibri"/>
+                        <a:ea typeface="Calibri"/>
+                        <a:cs typeface="Times New Roman"/>
+                      </a:endParaRPr>
+                    </a:p>
+                  </a:txBody>
+                  <a:tcPr marL="44450" marR="44450" marT="0" marB="0" anchor="b">
+                    <a:lnL w="12700" cap="flat" cmpd="sng" algn="ctr">
+                      <a:solidFill>
+                        <a:srgbClr val="000000"/>
+                      </a:solidFill>
+                      <a:prstDash val="solid"/>
+                      <a:round/>
+                      <a:headEnd type="none" w="med" len="med"/>
+                      <a:tailEnd type="none" w="med" len="med"/>
+                    </a:lnL>
+                    <a:lnR w="12700" cap="flat" cmpd="sng" algn="ctr">
+                      <a:solidFill>
+                        <a:srgbClr val="000000"/>
+                      </a:solidFill>
+                      <a:prstDash val="solid"/>
+                      <a:round/>
+                      <a:headEnd type="none" w="med" len="med"/>
+                      <a:tailEnd type="none" w="med" len="med"/>
+                    </a:lnR>
+                    <a:lnT w="12700" cap="flat" cmpd="sng" algn="ctr">
+                      <a:solidFill>
+                        <a:srgbClr val="000000"/>
+                      </a:solidFill>
+                      <a:prstDash val="solid"/>
+                      <a:round/>
+                      <a:headEnd type="none" w="med" len="med"/>
+                      <a:tailEnd type="none" w="med" len="med"/>
+                    </a:lnT>
+                    <a:lnB w="12700" cap="flat" cmpd="sng" algn="ctr">
+                      <a:solidFill>
+                        <a:srgbClr val="000000"/>
+                      </a:solidFill>
+                      <a:prstDash val="solid"/>
+                      <a:round/>
+                      <a:headEnd type="none" w="med" len="med"/>
+                      <a:tailEnd type="none" w="med" len="med"/>
+                    </a:lnB>
+                  </a:tcPr>
+                </a:tc>
+                <a:tc>
+                  <a:txBody>
+                    <a:bodyPr/>
+                    <a:lstStyle/>
+                    <a:p>
+                      <a:pPr algn="ctr">
+                        <a:spcAft>
+                          <a:spcPts val="0"/>
+                        </a:spcAft>
+                      </a:pPr>
+                      <a:r>
+                        <a:rPr lang="es-AR" sz="1600">
+                          <a:solidFill>
+                            <a:srgbClr val="000000"/>
+                          </a:solidFill>
+                          <a:latin typeface="Calibri"/>
+                          <a:ea typeface="Times New Roman"/>
+                          <a:cs typeface="Times New Roman"/>
+                        </a:rPr>
+                        <a:t>7</a:t>
+                      </a:r>
+                      <a:endParaRPr lang="es-AR" sz="1600">
+                        <a:latin typeface="Calibri"/>
+                        <a:ea typeface="Calibri"/>
+                        <a:cs typeface="Times New Roman"/>
+                      </a:endParaRPr>
+                    </a:p>
+                  </a:txBody>
+                  <a:tcPr marL="44450" marR="44450" marT="0" marB="0" anchor="b">
+                    <a:lnL w="12700" cap="flat" cmpd="sng" algn="ctr">
+                      <a:solidFill>
+                        <a:srgbClr val="000000"/>
+                      </a:solidFill>
+                      <a:prstDash val="solid"/>
+                      <a:round/>
+                      <a:headEnd type="none" w="med" len="med"/>
+                      <a:tailEnd type="none" w="med" len="med"/>
+                    </a:lnL>
+                    <a:lnR w="12700" cap="flat" cmpd="sng" algn="ctr">
+                      <a:solidFill>
+                        <a:srgbClr val="000000"/>
+                      </a:solidFill>
+                      <a:prstDash val="solid"/>
+                      <a:round/>
+                      <a:headEnd type="none" w="med" len="med"/>
+                      <a:tailEnd type="none" w="med" len="med"/>
+                    </a:lnR>
+                    <a:lnT w="12700" cap="flat" cmpd="sng" algn="ctr">
+                      <a:solidFill>
+                        <a:srgbClr val="000000"/>
+                      </a:solidFill>
+                      <a:prstDash val="solid"/>
+                      <a:round/>
+                      <a:headEnd type="none" w="med" len="med"/>
+                      <a:tailEnd type="none" w="med" len="med"/>
+                    </a:lnT>
+                    <a:lnB w="12700" cap="flat" cmpd="sng" algn="ctr">
+                      <a:solidFill>
+                        <a:srgbClr val="000000"/>
+                      </a:solidFill>
+                      <a:prstDash val="solid"/>
+                      <a:round/>
+                      <a:headEnd type="none" w="med" len="med"/>
+                      <a:tailEnd type="none" w="med" len="med"/>
+                    </a:lnB>
+                  </a:tcPr>
+                </a:tc>
+                <a:tc>
+                  <a:txBody>
+                    <a:bodyPr/>
+                    <a:lstStyle/>
+                    <a:p>
+                      <a:pPr algn="ctr">
+                        <a:spcAft>
+                          <a:spcPts val="0"/>
+                        </a:spcAft>
+                      </a:pPr>
+                      <a:r>
+                        <a:rPr lang="es-AR" sz="1600">
+                          <a:solidFill>
+                            <a:srgbClr val="000000"/>
+                          </a:solidFill>
+                          <a:latin typeface="Calibri"/>
+                          <a:ea typeface="Times New Roman"/>
+                          <a:cs typeface="Times New Roman"/>
+                        </a:rPr>
+                        <a:t>6,5</a:t>
+                      </a:r>
+                      <a:endParaRPr lang="es-AR" sz="1600">
+                        <a:latin typeface="Calibri"/>
+                        <a:ea typeface="Calibri"/>
+                        <a:cs typeface="Times New Roman"/>
+                      </a:endParaRPr>
+                    </a:p>
+                  </a:txBody>
+                  <a:tcPr marL="44450" marR="44450" marT="0" marB="0" anchor="b">
+                    <a:lnL w="12700" cap="flat" cmpd="sng" algn="ctr">
+                      <a:solidFill>
+                        <a:srgbClr val="000000"/>
+                      </a:solidFill>
+                      <a:prstDash val="solid"/>
+                      <a:round/>
+                      <a:headEnd type="none" w="med" len="med"/>
+                      <a:tailEnd type="none" w="med" len="med"/>
+                    </a:lnL>
+                    <a:lnR w="12700" cap="flat" cmpd="sng" algn="ctr">
+                      <a:solidFill>
+                        <a:srgbClr val="000000"/>
+                      </a:solidFill>
+                      <a:prstDash val="solid"/>
+                      <a:round/>
+                      <a:headEnd type="none" w="med" len="med"/>
+                      <a:tailEnd type="none" w="med" len="med"/>
+                    </a:lnR>
+                    <a:lnT w="12700" cap="flat" cmpd="sng" algn="ctr">
+                      <a:solidFill>
+                        <a:srgbClr val="000000"/>
+                      </a:solidFill>
+                      <a:prstDash val="solid"/>
+                      <a:round/>
+                      <a:headEnd type="none" w="med" len="med"/>
+                      <a:tailEnd type="none" w="med" len="med"/>
+                    </a:lnT>
+                    <a:lnB w="12700" cap="flat" cmpd="sng" algn="ctr">
+                      <a:solidFill>
+                        <a:srgbClr val="000000"/>
+                      </a:solidFill>
+                      <a:prstDash val="solid"/>
+                      <a:round/>
+                      <a:headEnd type="none" w="med" len="med"/>
+                      <a:tailEnd type="none" w="med" len="med"/>
+                    </a:lnB>
+                  </a:tcPr>
+                </a:tc>
+                <a:tc>
+                  <a:txBody>
+                    <a:bodyPr/>
+                    <a:lstStyle/>
+                    <a:p>
+                      <a:pPr algn="ctr">
+                        <a:spcAft>
+                          <a:spcPts val="0"/>
+                        </a:spcAft>
+                      </a:pPr>
+                      <a:r>
+                        <a:rPr lang="es-AR" sz="1600" b="1">
+                          <a:solidFill>
+                            <a:srgbClr val="000000"/>
+                          </a:solidFill>
+                          <a:latin typeface="Calibri"/>
+                          <a:ea typeface="Times New Roman"/>
+                          <a:cs typeface="Times New Roman"/>
+                        </a:rPr>
+                        <a:t>93%</a:t>
+                      </a:r>
+                      <a:endParaRPr lang="es-AR" sz="1600">
+                        <a:latin typeface="Calibri"/>
+                        <a:ea typeface="Calibri"/>
+                        <a:cs typeface="Times New Roman"/>
+                      </a:endParaRPr>
+                    </a:p>
+                  </a:txBody>
+                  <a:tcPr marL="44450" marR="44450" marT="0" marB="0" anchor="b">
+                    <a:lnL w="12700" cap="flat" cmpd="sng" algn="ctr">
+                      <a:solidFill>
+                        <a:srgbClr val="000000"/>
+                      </a:solidFill>
+                      <a:prstDash val="solid"/>
+                      <a:round/>
+                      <a:headEnd type="none" w="med" len="med"/>
+                      <a:tailEnd type="none" w="med" len="med"/>
+                    </a:lnL>
+                    <a:lnR w="12700" cap="flat" cmpd="sng" algn="ctr">
+                      <a:solidFill>
+                        <a:srgbClr val="000000"/>
+                      </a:solidFill>
+                      <a:prstDash val="solid"/>
+                      <a:round/>
+                      <a:headEnd type="none" w="med" len="med"/>
+                      <a:tailEnd type="none" w="med" len="med"/>
+                    </a:lnR>
+                    <a:lnT w="12700" cap="flat" cmpd="sng" algn="ctr">
+                      <a:solidFill>
+                        <a:srgbClr val="000000"/>
+                      </a:solidFill>
+                      <a:prstDash val="solid"/>
+                      <a:round/>
+                      <a:headEnd type="none" w="med" len="med"/>
+                      <a:tailEnd type="none" w="med" len="med"/>
+                    </a:lnT>
+                    <a:lnB w="12700" cap="flat" cmpd="sng" algn="ctr">
+                      <a:solidFill>
+                        <a:srgbClr val="000000"/>
+                      </a:solidFill>
+                      <a:prstDash val="solid"/>
+                      <a:round/>
+                      <a:headEnd type="none" w="med" len="med"/>
+                      <a:tailEnd type="none" w="med" len="med"/>
+                    </a:lnB>
+                  </a:tcPr>
+                </a:tc>
+              </a:tr>
+              <a:tr h="332792">
+                <a:tc>
+                  <a:txBody>
+                    <a:bodyPr/>
+                    <a:lstStyle/>
+                    <a:p>
+                      <a:pPr algn="ctr">
+                        <a:spcAft>
+                          <a:spcPts val="0"/>
+                        </a:spcAft>
+                      </a:pPr>
+                      <a:r>
+                        <a:rPr lang="es-AR" sz="1600">
+                          <a:solidFill>
+                            <a:srgbClr val="000000"/>
+                          </a:solidFill>
+                          <a:latin typeface="Arial"/>
+                          <a:ea typeface="Times New Roman"/>
+                          <a:cs typeface="Times New Roman"/>
+                        </a:rPr>
+                        <a:t>Backend</a:t>
+                      </a:r>
+                      <a:endParaRPr lang="es-AR" sz="1600">
+                        <a:latin typeface="Calibri"/>
+                        <a:ea typeface="Calibri"/>
+                        <a:cs typeface="Times New Roman"/>
+                      </a:endParaRPr>
+                    </a:p>
+                  </a:txBody>
+                  <a:tcPr marL="44450" marR="44450" marT="0" marB="0" anchor="b">
+                    <a:lnL w="12700" cap="flat" cmpd="sng" algn="ctr">
+                      <a:solidFill>
+                        <a:srgbClr val="000000"/>
+                      </a:solidFill>
+                      <a:prstDash val="solid"/>
+                      <a:round/>
+                      <a:headEnd type="none" w="med" len="med"/>
+                      <a:tailEnd type="none" w="med" len="med"/>
+                    </a:lnL>
+                    <a:lnR w="12700" cap="flat" cmpd="sng" algn="ctr">
+                      <a:solidFill>
+                        <a:srgbClr val="000000"/>
+                      </a:solidFill>
+                      <a:prstDash val="solid"/>
+                      <a:round/>
+                      <a:headEnd type="none" w="med" len="med"/>
+                      <a:tailEnd type="none" w="med" len="med"/>
+                    </a:lnR>
+                    <a:lnT w="12700" cap="flat" cmpd="sng" algn="ctr">
+                      <a:solidFill>
+                        <a:srgbClr val="000000"/>
+                      </a:solidFill>
+                      <a:prstDash val="solid"/>
+                      <a:round/>
+                      <a:headEnd type="none" w="med" len="med"/>
+                      <a:tailEnd type="none" w="med" len="med"/>
+                    </a:lnT>
+                    <a:lnB w="12700" cap="flat" cmpd="sng" algn="ctr">
+                      <a:solidFill>
+                        <a:srgbClr val="000000"/>
+                      </a:solidFill>
+                      <a:prstDash val="solid"/>
+                      <a:round/>
+                      <a:headEnd type="none" w="med" len="med"/>
+                      <a:tailEnd type="none" w="med" len="med"/>
+                    </a:lnB>
+                    <a:solidFill>
+                      <a:srgbClr val="CFE2F3"/>
+                    </a:solidFill>
+                  </a:tcPr>
+                </a:tc>
+                <a:tc>
+                  <a:txBody>
+                    <a:bodyPr/>
+                    <a:lstStyle/>
+                    <a:p>
+                      <a:pPr>
+                        <a:spcAft>
+                          <a:spcPts val="0"/>
+                        </a:spcAft>
+                      </a:pPr>
+                      <a:r>
+                        <a:rPr lang="es-AR" sz="1600">
+                          <a:solidFill>
+                            <a:srgbClr val="000000"/>
+                          </a:solidFill>
+                          <a:latin typeface="Arial"/>
+                          <a:ea typeface="Times New Roman"/>
+                          <a:cs typeface="Times New Roman"/>
+                        </a:rPr>
+                        <a:t>Complejos</a:t>
+                      </a:r>
+                      <a:endParaRPr lang="es-AR" sz="1600">
+                        <a:latin typeface="Calibri"/>
+                        <a:ea typeface="Calibri"/>
+                        <a:cs typeface="Times New Roman"/>
+                      </a:endParaRPr>
+                    </a:p>
+                  </a:txBody>
+                  <a:tcPr marL="44450" marR="44450" marT="0" marB="0" anchor="b">
+                    <a:lnL w="12700" cap="flat" cmpd="sng" algn="ctr">
+                      <a:solidFill>
+                        <a:srgbClr val="000000"/>
+                      </a:solidFill>
+                      <a:prstDash val="solid"/>
+                      <a:round/>
+                      <a:headEnd type="none" w="med" len="med"/>
+                      <a:tailEnd type="none" w="med" len="med"/>
+                    </a:lnL>
+                    <a:lnR w="12700" cap="flat" cmpd="sng" algn="ctr">
+                      <a:solidFill>
+                        <a:srgbClr val="000000"/>
+                      </a:solidFill>
+                      <a:prstDash val="solid"/>
+                      <a:round/>
+                      <a:headEnd type="none" w="med" len="med"/>
+                      <a:tailEnd type="none" w="med" len="med"/>
+                    </a:lnR>
+                    <a:lnT w="12700" cap="flat" cmpd="sng" algn="ctr">
+                      <a:solidFill>
+                        <a:srgbClr val="000000"/>
+                      </a:solidFill>
+                      <a:prstDash val="solid"/>
+                      <a:round/>
+                      <a:headEnd type="none" w="med" len="med"/>
+                      <a:tailEnd type="none" w="med" len="med"/>
+                    </a:lnT>
+                    <a:lnB w="12700" cap="flat" cmpd="sng" algn="ctr">
+                      <a:solidFill>
+                        <a:srgbClr val="000000"/>
+                      </a:solidFill>
+                      <a:prstDash val="solid"/>
+                      <a:round/>
+                      <a:headEnd type="none" w="med" len="med"/>
+                      <a:tailEnd type="none" w="med" len="med"/>
+                    </a:lnB>
+                  </a:tcPr>
+                </a:tc>
+                <a:tc>
+                  <a:txBody>
+                    <a:bodyPr/>
+                    <a:lstStyle/>
+                    <a:p>
+                      <a:pPr algn="ctr">
+                        <a:spcAft>
+                          <a:spcPts val="0"/>
+                        </a:spcAft>
+                      </a:pPr>
+                      <a:r>
+                        <a:rPr lang="es-AR" sz="1600">
+                          <a:solidFill>
+                            <a:srgbClr val="000000"/>
+                          </a:solidFill>
+                          <a:latin typeface="Calibri"/>
+                          <a:ea typeface="Times New Roman"/>
+                          <a:cs typeface="Times New Roman"/>
+                        </a:rPr>
+                        <a:t>2</a:t>
+                      </a:r>
+                      <a:endParaRPr lang="es-AR" sz="1600">
+                        <a:latin typeface="Calibri"/>
+                        <a:ea typeface="Calibri"/>
+                        <a:cs typeface="Times New Roman"/>
+                      </a:endParaRPr>
+                    </a:p>
+                  </a:txBody>
+                  <a:tcPr marL="44450" marR="44450" marT="0" marB="0" anchor="b">
+                    <a:lnL w="12700" cap="flat" cmpd="sng" algn="ctr">
+                      <a:solidFill>
+                        <a:srgbClr val="000000"/>
+                      </a:solidFill>
+                      <a:prstDash val="solid"/>
+                      <a:round/>
+                      <a:headEnd type="none" w="med" len="med"/>
+                      <a:tailEnd type="none" w="med" len="med"/>
+                    </a:lnL>
+                    <a:lnR w="12700" cap="flat" cmpd="sng" algn="ctr">
+                      <a:solidFill>
+                        <a:srgbClr val="000000"/>
+                      </a:solidFill>
+                      <a:prstDash val="solid"/>
+                      <a:round/>
+                      <a:headEnd type="none" w="med" len="med"/>
+                      <a:tailEnd type="none" w="med" len="med"/>
+                    </a:lnR>
+                    <a:lnT w="12700" cap="flat" cmpd="sng" algn="ctr">
+                      <a:solidFill>
+                        <a:srgbClr val="000000"/>
+                      </a:solidFill>
+                      <a:prstDash val="solid"/>
+                      <a:round/>
+                      <a:headEnd type="none" w="med" len="med"/>
+                      <a:tailEnd type="none" w="med" len="med"/>
+                    </a:lnT>
+                    <a:lnB w="12700" cap="flat" cmpd="sng" algn="ctr">
+                      <a:solidFill>
+                        <a:srgbClr val="000000"/>
+                      </a:solidFill>
+                      <a:prstDash val="solid"/>
+                      <a:round/>
+                      <a:headEnd type="none" w="med" len="med"/>
+                      <a:tailEnd type="none" w="med" len="med"/>
+                    </a:lnB>
+                  </a:tcPr>
+                </a:tc>
+                <a:tc>
+                  <a:txBody>
+                    <a:bodyPr/>
+                    <a:lstStyle/>
+                    <a:p>
+                      <a:pPr algn="ctr">
+                        <a:spcAft>
+                          <a:spcPts val="0"/>
+                        </a:spcAft>
+                      </a:pPr>
+                      <a:r>
+                        <a:rPr lang="es-AR" sz="1600">
+                          <a:solidFill>
+                            <a:srgbClr val="000000"/>
+                          </a:solidFill>
+                          <a:latin typeface="Calibri"/>
+                          <a:ea typeface="Times New Roman"/>
+                          <a:cs typeface="Times New Roman"/>
+                        </a:rPr>
+                        <a:t>2</a:t>
+                      </a:r>
+                      <a:endParaRPr lang="es-AR" sz="1600">
+                        <a:latin typeface="Calibri"/>
+                        <a:ea typeface="Calibri"/>
+                        <a:cs typeface="Times New Roman"/>
+                      </a:endParaRPr>
+                    </a:p>
+                  </a:txBody>
+                  <a:tcPr marL="44450" marR="44450" marT="0" marB="0" anchor="b">
+                    <a:lnL w="12700" cap="flat" cmpd="sng" algn="ctr">
+                      <a:solidFill>
+                        <a:srgbClr val="000000"/>
+                      </a:solidFill>
+                      <a:prstDash val="solid"/>
+                      <a:round/>
+                      <a:headEnd type="none" w="med" len="med"/>
+                      <a:tailEnd type="none" w="med" len="med"/>
+                    </a:lnL>
+                    <a:lnR w="12700" cap="flat" cmpd="sng" algn="ctr">
+                      <a:solidFill>
+                        <a:srgbClr val="000000"/>
+                      </a:solidFill>
+                      <a:prstDash val="solid"/>
+                      <a:round/>
+                      <a:headEnd type="none" w="med" len="med"/>
+                      <a:tailEnd type="none" w="med" len="med"/>
+                    </a:lnR>
+                    <a:lnT w="12700" cap="flat" cmpd="sng" algn="ctr">
+                      <a:solidFill>
+                        <a:srgbClr val="000000"/>
+                      </a:solidFill>
+                      <a:prstDash val="solid"/>
+                      <a:round/>
+                      <a:headEnd type="none" w="med" len="med"/>
+                      <a:tailEnd type="none" w="med" len="med"/>
+                    </a:lnT>
+                    <a:lnB w="12700" cap="flat" cmpd="sng" algn="ctr">
+                      <a:solidFill>
+                        <a:srgbClr val="000000"/>
+                      </a:solidFill>
+                      <a:prstDash val="solid"/>
+                      <a:round/>
+                      <a:headEnd type="none" w="med" len="med"/>
+                      <a:tailEnd type="none" w="med" len="med"/>
+                    </a:lnB>
+                  </a:tcPr>
+                </a:tc>
+                <a:tc>
+                  <a:txBody>
+                    <a:bodyPr/>
+                    <a:lstStyle/>
+                    <a:p>
+                      <a:pPr algn="ctr">
+                        <a:spcAft>
+                          <a:spcPts val="0"/>
+                        </a:spcAft>
+                      </a:pPr>
+                      <a:r>
+                        <a:rPr lang="es-AR" sz="1600">
+                          <a:solidFill>
+                            <a:srgbClr val="000000"/>
+                          </a:solidFill>
+                          <a:latin typeface="Calibri"/>
+                          <a:ea typeface="Times New Roman"/>
+                          <a:cs typeface="Times New Roman"/>
+                        </a:rPr>
+                        <a:t>1,5</a:t>
+                      </a:r>
+                      <a:endParaRPr lang="es-AR" sz="1600">
+                        <a:latin typeface="Calibri"/>
+                        <a:ea typeface="Calibri"/>
+                        <a:cs typeface="Times New Roman"/>
+                      </a:endParaRPr>
+                    </a:p>
+                  </a:txBody>
+                  <a:tcPr marL="44450" marR="44450" marT="0" marB="0" anchor="b">
+                    <a:lnL w="12700" cap="flat" cmpd="sng" algn="ctr">
+                      <a:solidFill>
+                        <a:srgbClr val="000000"/>
+                      </a:solidFill>
+                      <a:prstDash val="solid"/>
+                      <a:round/>
+                      <a:headEnd type="none" w="med" len="med"/>
+                      <a:tailEnd type="none" w="med" len="med"/>
+                    </a:lnL>
+                    <a:lnR w="12700" cap="flat" cmpd="sng" algn="ctr">
+                      <a:solidFill>
+                        <a:srgbClr val="000000"/>
+                      </a:solidFill>
+                      <a:prstDash val="solid"/>
+                      <a:round/>
+                      <a:headEnd type="none" w="med" len="med"/>
+                      <a:tailEnd type="none" w="med" len="med"/>
+                    </a:lnR>
+                    <a:lnT w="12700" cap="flat" cmpd="sng" algn="ctr">
+                      <a:solidFill>
+                        <a:srgbClr val="000000"/>
+                      </a:solidFill>
+                      <a:prstDash val="solid"/>
+                      <a:round/>
+                      <a:headEnd type="none" w="med" len="med"/>
+                      <a:tailEnd type="none" w="med" len="med"/>
+                    </a:lnT>
+                    <a:lnB w="12700" cap="flat" cmpd="sng" algn="ctr">
+                      <a:solidFill>
+                        <a:srgbClr val="000000"/>
+                      </a:solidFill>
+                      <a:prstDash val="solid"/>
+                      <a:round/>
+                      <a:headEnd type="none" w="med" len="med"/>
+                      <a:tailEnd type="none" w="med" len="med"/>
+                    </a:lnB>
+                  </a:tcPr>
+                </a:tc>
+                <a:tc>
+                  <a:txBody>
+                    <a:bodyPr/>
+                    <a:lstStyle/>
+                    <a:p>
+                      <a:pPr algn="ctr">
+                        <a:spcAft>
+                          <a:spcPts val="0"/>
+                        </a:spcAft>
+                      </a:pPr>
+                      <a:r>
+                        <a:rPr lang="es-AR" sz="1600" b="1">
+                          <a:solidFill>
+                            <a:srgbClr val="000000"/>
+                          </a:solidFill>
+                          <a:latin typeface="Calibri"/>
+                          <a:ea typeface="Times New Roman"/>
+                          <a:cs typeface="Times New Roman"/>
+                        </a:rPr>
+                        <a:t>75%</a:t>
+                      </a:r>
+                      <a:endParaRPr lang="es-AR" sz="1600">
+                        <a:latin typeface="Calibri"/>
+                        <a:ea typeface="Calibri"/>
+                        <a:cs typeface="Times New Roman"/>
+                      </a:endParaRPr>
+                    </a:p>
+                  </a:txBody>
+                  <a:tcPr marL="44450" marR="44450" marT="0" marB="0" anchor="b">
+                    <a:lnL w="12700" cap="flat" cmpd="sng" algn="ctr">
+                      <a:solidFill>
+                        <a:srgbClr val="000000"/>
+                      </a:solidFill>
+                      <a:prstDash val="solid"/>
+                      <a:round/>
+                      <a:headEnd type="none" w="med" len="med"/>
+                      <a:tailEnd type="none" w="med" len="med"/>
+                    </a:lnL>
+                    <a:lnR w="12700" cap="flat" cmpd="sng" algn="ctr">
+                      <a:solidFill>
+                        <a:srgbClr val="000000"/>
+                      </a:solidFill>
+                      <a:prstDash val="solid"/>
+                      <a:round/>
+                      <a:headEnd type="none" w="med" len="med"/>
+                      <a:tailEnd type="none" w="med" len="med"/>
+                    </a:lnR>
+                    <a:lnT w="12700" cap="flat" cmpd="sng" algn="ctr">
+                      <a:solidFill>
+                        <a:srgbClr val="000000"/>
+                      </a:solidFill>
+                      <a:prstDash val="solid"/>
+                      <a:round/>
+                      <a:headEnd type="none" w="med" len="med"/>
+                      <a:tailEnd type="none" w="med" len="med"/>
+                    </a:lnT>
+                    <a:lnB w="12700" cap="flat" cmpd="sng" algn="ctr">
+                      <a:solidFill>
+                        <a:srgbClr val="000000"/>
+                      </a:solidFill>
+                      <a:prstDash val="solid"/>
+                      <a:round/>
+                      <a:headEnd type="none" w="med" len="med"/>
+                      <a:tailEnd type="none" w="med" len="med"/>
+                    </a:lnB>
+                  </a:tcPr>
+                </a:tc>
+              </a:tr>
+              <a:tr h="332792">
+                <a:tc>
+                  <a:txBody>
+                    <a:bodyPr/>
+                    <a:lstStyle/>
+                    <a:p>
+                      <a:pPr algn="ctr">
+                        <a:spcAft>
+                          <a:spcPts val="0"/>
+                        </a:spcAft>
+                      </a:pPr>
+                      <a:r>
+                        <a:rPr lang="es-AR" sz="1600">
+                          <a:solidFill>
+                            <a:srgbClr val="000000"/>
+                          </a:solidFill>
+                          <a:latin typeface="Arial"/>
+                          <a:ea typeface="Times New Roman"/>
+                          <a:cs typeface="Times New Roman"/>
+                        </a:rPr>
+                        <a:t>Android</a:t>
+                      </a:r>
+                      <a:endParaRPr lang="es-AR" sz="1600">
+                        <a:latin typeface="Calibri"/>
+                        <a:ea typeface="Calibri"/>
+                        <a:cs typeface="Times New Roman"/>
+                      </a:endParaRPr>
+                    </a:p>
+                  </a:txBody>
+                  <a:tcPr marL="44450" marR="44450" marT="0" marB="0" anchor="b">
+                    <a:lnL w="12700" cap="flat" cmpd="sng" algn="ctr">
+                      <a:solidFill>
+                        <a:srgbClr val="000000"/>
+                      </a:solidFill>
+                      <a:prstDash val="solid"/>
+                      <a:round/>
+                      <a:headEnd type="none" w="med" len="med"/>
+                      <a:tailEnd type="none" w="med" len="med"/>
+                    </a:lnL>
+                    <a:lnR w="12700" cap="flat" cmpd="sng" algn="ctr">
+                      <a:solidFill>
+                        <a:srgbClr val="000000"/>
+                      </a:solidFill>
+                      <a:prstDash val="solid"/>
+                      <a:round/>
+                      <a:headEnd type="none" w="med" len="med"/>
+                      <a:tailEnd type="none" w="med" len="med"/>
+                    </a:lnR>
+                    <a:lnT w="12700" cap="flat" cmpd="sng" algn="ctr">
+                      <a:solidFill>
+                        <a:srgbClr val="000000"/>
+                      </a:solidFill>
+                      <a:prstDash val="solid"/>
+                      <a:round/>
+                      <a:headEnd type="none" w="med" len="med"/>
+                      <a:tailEnd type="none" w="med" len="med"/>
+                    </a:lnT>
+                    <a:lnB w="12700" cap="flat" cmpd="sng" algn="ctr">
+                      <a:solidFill>
+                        <a:srgbClr val="000000"/>
+                      </a:solidFill>
+                      <a:prstDash val="solid"/>
+                      <a:round/>
+                      <a:headEnd type="none" w="med" len="med"/>
+                      <a:tailEnd type="none" w="med" len="med"/>
+                    </a:lnB>
+                    <a:solidFill>
+                      <a:srgbClr val="FFF2CC"/>
+                    </a:solidFill>
+                  </a:tcPr>
+                </a:tc>
+                <a:tc>
+                  <a:txBody>
+                    <a:bodyPr/>
+                    <a:lstStyle/>
+                    <a:p>
+                      <a:pPr>
+                        <a:spcAft>
+                          <a:spcPts val="0"/>
+                        </a:spcAft>
+                      </a:pPr>
+                      <a:r>
+                        <a:rPr lang="es-AR" sz="1600">
+                          <a:solidFill>
+                            <a:srgbClr val="000000"/>
+                          </a:solidFill>
+                          <a:latin typeface="Arial"/>
+                          <a:ea typeface="Times New Roman"/>
+                          <a:cs typeface="Times New Roman"/>
+                        </a:rPr>
+                        <a:t>Ver complejo</a:t>
+                      </a:r>
+                      <a:endParaRPr lang="es-AR" sz="1600">
+                        <a:latin typeface="Calibri"/>
+                        <a:ea typeface="Calibri"/>
+                        <a:cs typeface="Times New Roman"/>
+                      </a:endParaRPr>
+                    </a:p>
+                  </a:txBody>
+                  <a:tcPr marL="44450" marR="44450" marT="0" marB="0" anchor="b">
+                    <a:lnL w="12700" cap="flat" cmpd="sng" algn="ctr">
+                      <a:solidFill>
+                        <a:srgbClr val="000000"/>
+                      </a:solidFill>
+                      <a:prstDash val="solid"/>
+                      <a:round/>
+                      <a:headEnd type="none" w="med" len="med"/>
+                      <a:tailEnd type="none" w="med" len="med"/>
+                    </a:lnL>
+                    <a:lnR w="12700" cap="flat" cmpd="sng" algn="ctr">
+                      <a:solidFill>
+                        <a:srgbClr val="000000"/>
+                      </a:solidFill>
+                      <a:prstDash val="solid"/>
+                      <a:round/>
+                      <a:headEnd type="none" w="med" len="med"/>
+                      <a:tailEnd type="none" w="med" len="med"/>
+                    </a:lnR>
+                    <a:lnT w="12700" cap="flat" cmpd="sng" algn="ctr">
+                      <a:solidFill>
+                        <a:srgbClr val="000000"/>
+                      </a:solidFill>
+                      <a:prstDash val="solid"/>
+                      <a:round/>
+                      <a:headEnd type="none" w="med" len="med"/>
+                      <a:tailEnd type="none" w="med" len="med"/>
+                    </a:lnT>
+                    <a:lnB w="12700" cap="flat" cmpd="sng" algn="ctr">
+                      <a:solidFill>
+                        <a:srgbClr val="000000"/>
+                      </a:solidFill>
+                      <a:prstDash val="solid"/>
+                      <a:round/>
+                      <a:headEnd type="none" w="med" len="med"/>
+                      <a:tailEnd type="none" w="med" len="med"/>
+                    </a:lnB>
+                  </a:tcPr>
+                </a:tc>
+                <a:tc>
+                  <a:txBody>
+                    <a:bodyPr/>
+                    <a:lstStyle/>
+                    <a:p>
+                      <a:pPr algn="ctr">
+                        <a:spcAft>
+                          <a:spcPts val="0"/>
+                        </a:spcAft>
+                      </a:pPr>
+                      <a:r>
+                        <a:rPr lang="es-AR" sz="1600">
+                          <a:solidFill>
+                            <a:srgbClr val="000000"/>
+                          </a:solidFill>
+                          <a:latin typeface="Calibri"/>
+                          <a:ea typeface="Times New Roman"/>
+                          <a:cs typeface="Times New Roman"/>
+                        </a:rPr>
+                        <a:t>11</a:t>
+                      </a:r>
+                      <a:endParaRPr lang="es-AR" sz="1600">
+                        <a:latin typeface="Calibri"/>
+                        <a:ea typeface="Calibri"/>
+                        <a:cs typeface="Times New Roman"/>
+                      </a:endParaRPr>
+                    </a:p>
+                  </a:txBody>
+                  <a:tcPr marL="44450" marR="44450" marT="0" marB="0" anchor="b">
+                    <a:lnL w="12700" cap="flat" cmpd="sng" algn="ctr">
+                      <a:solidFill>
+                        <a:srgbClr val="000000"/>
+                      </a:solidFill>
+                      <a:prstDash val="solid"/>
+                      <a:round/>
+                      <a:headEnd type="none" w="med" len="med"/>
+                      <a:tailEnd type="none" w="med" len="med"/>
+                    </a:lnL>
+                    <a:lnR w="12700" cap="flat" cmpd="sng" algn="ctr">
+                      <a:solidFill>
+                        <a:srgbClr val="000000"/>
+                      </a:solidFill>
+                      <a:prstDash val="solid"/>
+                      <a:round/>
+                      <a:headEnd type="none" w="med" len="med"/>
+                      <a:tailEnd type="none" w="med" len="med"/>
+                    </a:lnR>
+                    <a:lnT w="12700" cap="flat" cmpd="sng" algn="ctr">
+                      <a:solidFill>
+                        <a:srgbClr val="000000"/>
+                      </a:solidFill>
+                      <a:prstDash val="solid"/>
+                      <a:round/>
+                      <a:headEnd type="none" w="med" len="med"/>
+                      <a:tailEnd type="none" w="med" len="med"/>
+                    </a:lnT>
+                    <a:lnB w="12700" cap="flat" cmpd="sng" algn="ctr">
+                      <a:solidFill>
+                        <a:srgbClr val="000000"/>
+                      </a:solidFill>
+                      <a:prstDash val="solid"/>
+                      <a:round/>
+                      <a:headEnd type="none" w="med" len="med"/>
+                      <a:tailEnd type="none" w="med" len="med"/>
+                    </a:lnB>
+                  </a:tcPr>
+                </a:tc>
+                <a:tc>
+                  <a:txBody>
+                    <a:bodyPr/>
+                    <a:lstStyle/>
+                    <a:p>
+                      <a:pPr algn="ctr">
+                        <a:spcAft>
+                          <a:spcPts val="0"/>
+                        </a:spcAft>
+                      </a:pPr>
+                      <a:r>
+                        <a:rPr lang="es-AR" sz="1600" dirty="0">
+                          <a:solidFill>
+                            <a:srgbClr val="000000"/>
+                          </a:solidFill>
+                          <a:latin typeface="Calibri"/>
+                          <a:ea typeface="Times New Roman"/>
+                          <a:cs typeface="Times New Roman"/>
+                        </a:rPr>
+                        <a:t>11</a:t>
+                      </a:r>
+                      <a:endParaRPr lang="es-AR" sz="1600" dirty="0">
+                        <a:latin typeface="Calibri"/>
+                        <a:ea typeface="Calibri"/>
+                        <a:cs typeface="Times New Roman"/>
+                      </a:endParaRPr>
+                    </a:p>
+                  </a:txBody>
+                  <a:tcPr marL="44450" marR="44450" marT="0" marB="0" anchor="b">
+                    <a:lnL w="12700" cap="flat" cmpd="sng" algn="ctr">
+                      <a:solidFill>
+                        <a:srgbClr val="000000"/>
+                      </a:solidFill>
+                      <a:prstDash val="solid"/>
+                      <a:round/>
+                      <a:headEnd type="none" w="med" len="med"/>
+                      <a:tailEnd type="none" w="med" len="med"/>
+                    </a:lnL>
+                    <a:lnR w="12700" cap="flat" cmpd="sng" algn="ctr">
+                      <a:solidFill>
+                        <a:srgbClr val="000000"/>
+                      </a:solidFill>
+                      <a:prstDash val="solid"/>
+                      <a:round/>
+                      <a:headEnd type="none" w="med" len="med"/>
+                      <a:tailEnd type="none" w="med" len="med"/>
+                    </a:lnR>
+                    <a:lnT w="12700" cap="flat" cmpd="sng" algn="ctr">
+                      <a:solidFill>
+                        <a:srgbClr val="000000"/>
+                      </a:solidFill>
+                      <a:prstDash val="solid"/>
+                      <a:round/>
+                      <a:headEnd type="none" w="med" len="med"/>
+                      <a:tailEnd type="none" w="med" len="med"/>
+                    </a:lnT>
+                    <a:lnB w="12700" cap="flat" cmpd="sng" algn="ctr">
+                      <a:solidFill>
+                        <a:srgbClr val="000000"/>
+                      </a:solidFill>
+                      <a:prstDash val="solid"/>
+                      <a:round/>
+                      <a:headEnd type="none" w="med" len="med"/>
+                      <a:tailEnd type="none" w="med" len="med"/>
+                    </a:lnB>
+                  </a:tcPr>
+                </a:tc>
+                <a:tc>
+                  <a:txBody>
+                    <a:bodyPr/>
+                    <a:lstStyle/>
+                    <a:p>
+                      <a:pPr algn="ctr">
+                        <a:spcAft>
+                          <a:spcPts val="0"/>
+                        </a:spcAft>
+                      </a:pPr>
+                      <a:r>
+                        <a:rPr lang="es-AR" sz="1600">
+                          <a:solidFill>
+                            <a:srgbClr val="000000"/>
+                          </a:solidFill>
+                          <a:latin typeface="Calibri"/>
+                          <a:ea typeface="Times New Roman"/>
+                          <a:cs typeface="Times New Roman"/>
+                        </a:rPr>
+                        <a:t>7,25</a:t>
+                      </a:r>
+                      <a:endParaRPr lang="es-AR" sz="1600">
+                        <a:latin typeface="Calibri"/>
+                        <a:ea typeface="Calibri"/>
+                        <a:cs typeface="Times New Roman"/>
+                      </a:endParaRPr>
+                    </a:p>
+                  </a:txBody>
+                  <a:tcPr marL="44450" marR="44450" marT="0" marB="0" anchor="b">
+                    <a:lnL w="12700" cap="flat" cmpd="sng" algn="ctr">
+                      <a:solidFill>
+                        <a:srgbClr val="000000"/>
+                      </a:solidFill>
+                      <a:prstDash val="solid"/>
+                      <a:round/>
+                      <a:headEnd type="none" w="med" len="med"/>
+                      <a:tailEnd type="none" w="med" len="med"/>
+                    </a:lnL>
+                    <a:lnR w="12700" cap="flat" cmpd="sng" algn="ctr">
+                      <a:solidFill>
+                        <a:srgbClr val="000000"/>
+                      </a:solidFill>
+                      <a:prstDash val="solid"/>
+                      <a:round/>
+                      <a:headEnd type="none" w="med" len="med"/>
+                      <a:tailEnd type="none" w="med" len="med"/>
+                    </a:lnR>
+                    <a:lnT w="12700" cap="flat" cmpd="sng" algn="ctr">
+                      <a:solidFill>
+                        <a:srgbClr val="000000"/>
+                      </a:solidFill>
+                      <a:prstDash val="solid"/>
+                      <a:round/>
+                      <a:headEnd type="none" w="med" len="med"/>
+                      <a:tailEnd type="none" w="med" len="med"/>
+                    </a:lnT>
+                    <a:lnB w="12700" cap="flat" cmpd="sng" algn="ctr">
+                      <a:solidFill>
+                        <a:srgbClr val="000000"/>
+                      </a:solidFill>
+                      <a:prstDash val="solid"/>
+                      <a:round/>
+                      <a:headEnd type="none" w="med" len="med"/>
+                      <a:tailEnd type="none" w="med" len="med"/>
+                    </a:lnB>
+                  </a:tcPr>
+                </a:tc>
+                <a:tc>
+                  <a:txBody>
+                    <a:bodyPr/>
+                    <a:lstStyle/>
+                    <a:p>
+                      <a:pPr algn="ctr">
+                        <a:spcAft>
+                          <a:spcPts val="0"/>
+                        </a:spcAft>
+                      </a:pPr>
+                      <a:r>
+                        <a:rPr lang="es-AR" sz="1600" b="1">
+                          <a:solidFill>
+                            <a:srgbClr val="000000"/>
+                          </a:solidFill>
+                          <a:latin typeface="Calibri"/>
+                          <a:ea typeface="Times New Roman"/>
+                          <a:cs typeface="Times New Roman"/>
+                        </a:rPr>
+                        <a:t>66%</a:t>
+                      </a:r>
+                      <a:endParaRPr lang="es-AR" sz="1600">
+                        <a:latin typeface="Calibri"/>
+                        <a:ea typeface="Calibri"/>
+                        <a:cs typeface="Times New Roman"/>
+                      </a:endParaRPr>
+                    </a:p>
+                  </a:txBody>
+                  <a:tcPr marL="44450" marR="44450" marT="0" marB="0" anchor="b">
+                    <a:lnL w="12700" cap="flat" cmpd="sng" algn="ctr">
+                      <a:solidFill>
+                        <a:srgbClr val="000000"/>
+                      </a:solidFill>
+                      <a:prstDash val="solid"/>
+                      <a:round/>
+                      <a:headEnd type="none" w="med" len="med"/>
+                      <a:tailEnd type="none" w="med" len="med"/>
+                    </a:lnL>
+                    <a:lnR w="12700" cap="flat" cmpd="sng" algn="ctr">
+                      <a:solidFill>
+                        <a:srgbClr val="000000"/>
+                      </a:solidFill>
+                      <a:prstDash val="solid"/>
+                      <a:round/>
+                      <a:headEnd type="none" w="med" len="med"/>
+                      <a:tailEnd type="none" w="med" len="med"/>
+                    </a:lnR>
+                    <a:lnT w="12700" cap="flat" cmpd="sng" algn="ctr">
+                      <a:solidFill>
+                        <a:srgbClr val="000000"/>
+                      </a:solidFill>
+                      <a:prstDash val="solid"/>
+                      <a:round/>
+                      <a:headEnd type="none" w="med" len="med"/>
+                      <a:tailEnd type="none" w="med" len="med"/>
+                    </a:lnT>
+                    <a:lnB w="12700" cap="flat" cmpd="sng" algn="ctr">
+                      <a:solidFill>
+                        <a:srgbClr val="000000"/>
+                      </a:solidFill>
+                      <a:prstDash val="solid"/>
+                      <a:round/>
+                      <a:headEnd type="none" w="med" len="med"/>
+                      <a:tailEnd type="none" w="med" len="med"/>
+                    </a:lnB>
+                  </a:tcPr>
+                </a:tc>
+              </a:tr>
+              <a:tr h="332792">
+                <a:tc>
+                  <a:txBody>
+                    <a:bodyPr/>
+                    <a:lstStyle/>
+                    <a:p>
+                      <a:pPr algn="ctr">
+                        <a:spcAft>
+                          <a:spcPts val="0"/>
+                        </a:spcAft>
+                      </a:pPr>
+                      <a:r>
+                        <a:rPr lang="es-AR" sz="1600">
+                          <a:solidFill>
+                            <a:srgbClr val="000000"/>
+                          </a:solidFill>
+                          <a:latin typeface="Arial"/>
+                          <a:ea typeface="Times New Roman"/>
+                          <a:cs typeface="Times New Roman"/>
+                        </a:rPr>
+                        <a:t>Android</a:t>
+                      </a:r>
+                      <a:endParaRPr lang="es-AR" sz="1600">
+                        <a:latin typeface="Calibri"/>
+                        <a:ea typeface="Calibri"/>
+                        <a:cs typeface="Times New Roman"/>
+                      </a:endParaRPr>
+                    </a:p>
+                  </a:txBody>
+                  <a:tcPr marL="44450" marR="44450" marT="0" marB="0" anchor="b">
+                    <a:lnL w="12700" cap="flat" cmpd="sng" algn="ctr">
+                      <a:solidFill>
+                        <a:srgbClr val="000000"/>
+                      </a:solidFill>
+                      <a:prstDash val="solid"/>
+                      <a:round/>
+                      <a:headEnd type="none" w="med" len="med"/>
+                      <a:tailEnd type="none" w="med" len="med"/>
+                    </a:lnL>
+                    <a:lnR w="12700" cap="flat" cmpd="sng" algn="ctr">
+                      <a:solidFill>
+                        <a:srgbClr val="000000"/>
+                      </a:solidFill>
+                      <a:prstDash val="solid"/>
+                      <a:round/>
+                      <a:headEnd type="none" w="med" len="med"/>
+                      <a:tailEnd type="none" w="med" len="med"/>
+                    </a:lnR>
+                    <a:lnT w="12700" cap="flat" cmpd="sng" algn="ctr">
+                      <a:solidFill>
+                        <a:srgbClr val="000000"/>
+                      </a:solidFill>
+                      <a:prstDash val="solid"/>
+                      <a:round/>
+                      <a:headEnd type="none" w="med" len="med"/>
+                      <a:tailEnd type="none" w="med" len="med"/>
+                    </a:lnT>
+                    <a:lnB w="12700" cap="flat" cmpd="sng" algn="ctr">
+                      <a:solidFill>
+                        <a:srgbClr val="000000"/>
+                      </a:solidFill>
+                      <a:prstDash val="solid"/>
+                      <a:round/>
+                      <a:headEnd type="none" w="med" len="med"/>
+                      <a:tailEnd type="none" w="med" len="med"/>
+                    </a:lnB>
+                    <a:solidFill>
+                      <a:srgbClr val="FFF2CC"/>
+                    </a:solidFill>
+                  </a:tcPr>
+                </a:tc>
+                <a:tc>
+                  <a:txBody>
+                    <a:bodyPr/>
+                    <a:lstStyle/>
+                    <a:p>
+                      <a:pPr>
+                        <a:spcAft>
+                          <a:spcPts val="0"/>
+                        </a:spcAft>
+                      </a:pPr>
+                      <a:r>
+                        <a:rPr lang="es-AR" sz="1600">
+                          <a:solidFill>
+                            <a:srgbClr val="000000"/>
+                          </a:solidFill>
+                          <a:latin typeface="Arial"/>
+                          <a:ea typeface="Times New Roman"/>
+                          <a:cs typeface="Times New Roman"/>
+                        </a:rPr>
+                        <a:t>Ver funciones</a:t>
+                      </a:r>
+                      <a:endParaRPr lang="es-AR" sz="1600">
+                        <a:latin typeface="Calibri"/>
+                        <a:ea typeface="Calibri"/>
+                        <a:cs typeface="Times New Roman"/>
+                      </a:endParaRPr>
+                    </a:p>
+                  </a:txBody>
+                  <a:tcPr marL="44450" marR="44450" marT="0" marB="0">
+                    <a:lnL w="12700" cap="flat" cmpd="sng" algn="ctr">
+                      <a:solidFill>
+                        <a:srgbClr val="000000"/>
+                      </a:solidFill>
+                      <a:prstDash val="solid"/>
+                      <a:round/>
+                      <a:headEnd type="none" w="med" len="med"/>
+                      <a:tailEnd type="none" w="med" len="med"/>
+                    </a:lnL>
+                    <a:lnR w="12700" cap="flat" cmpd="sng" algn="ctr">
+                      <a:solidFill>
+                        <a:srgbClr val="000000"/>
+                      </a:solidFill>
+                      <a:prstDash val="solid"/>
+                      <a:round/>
+                      <a:headEnd type="none" w="med" len="med"/>
+                      <a:tailEnd type="none" w="med" len="med"/>
+                    </a:lnR>
+                    <a:lnT w="12700" cap="flat" cmpd="sng" algn="ctr">
+                      <a:solidFill>
+                        <a:srgbClr val="000000"/>
+                      </a:solidFill>
+                      <a:prstDash val="solid"/>
+                      <a:round/>
+                      <a:headEnd type="none" w="med" len="med"/>
+                      <a:tailEnd type="none" w="med" len="med"/>
+                    </a:lnT>
+                    <a:lnB w="12700" cap="flat" cmpd="sng" algn="ctr">
+                      <a:solidFill>
+                        <a:srgbClr val="000000"/>
+                      </a:solidFill>
+                      <a:prstDash val="solid"/>
+                      <a:round/>
+                      <a:headEnd type="none" w="med" len="med"/>
+                      <a:tailEnd type="none" w="med" len="med"/>
+                    </a:lnB>
+                  </a:tcPr>
+                </a:tc>
+                <a:tc>
+                  <a:txBody>
+                    <a:bodyPr/>
+                    <a:lstStyle/>
+                    <a:p>
+                      <a:pPr algn="ctr">
+                        <a:spcAft>
+                          <a:spcPts val="0"/>
+                        </a:spcAft>
+                      </a:pPr>
+                      <a:r>
+                        <a:rPr lang="es-AR" sz="1600">
+                          <a:solidFill>
+                            <a:srgbClr val="000000"/>
+                          </a:solidFill>
+                          <a:latin typeface="Calibri"/>
+                          <a:ea typeface="Times New Roman"/>
+                          <a:cs typeface="Times New Roman"/>
+                        </a:rPr>
+                        <a:t>10</a:t>
+                      </a:r>
+                      <a:endParaRPr lang="es-AR" sz="1600">
+                        <a:latin typeface="Calibri"/>
+                        <a:ea typeface="Calibri"/>
+                        <a:cs typeface="Times New Roman"/>
+                      </a:endParaRPr>
+                    </a:p>
+                  </a:txBody>
+                  <a:tcPr marL="44450" marR="44450" marT="0" marB="0" anchor="b">
+                    <a:lnL w="12700" cap="flat" cmpd="sng" algn="ctr">
+                      <a:solidFill>
+                        <a:srgbClr val="000000"/>
+                      </a:solidFill>
+                      <a:prstDash val="solid"/>
+                      <a:round/>
+                      <a:headEnd type="none" w="med" len="med"/>
+                      <a:tailEnd type="none" w="med" len="med"/>
+                    </a:lnL>
+                    <a:lnR w="12700" cap="flat" cmpd="sng" algn="ctr">
+                      <a:solidFill>
+                        <a:srgbClr val="000000"/>
+                      </a:solidFill>
+                      <a:prstDash val="solid"/>
+                      <a:round/>
+                      <a:headEnd type="none" w="med" len="med"/>
+                      <a:tailEnd type="none" w="med" len="med"/>
+                    </a:lnR>
+                    <a:lnT w="12700" cap="flat" cmpd="sng" algn="ctr">
+                      <a:solidFill>
+                        <a:srgbClr val="000000"/>
+                      </a:solidFill>
+                      <a:prstDash val="solid"/>
+                      <a:round/>
+                      <a:headEnd type="none" w="med" len="med"/>
+                      <a:tailEnd type="none" w="med" len="med"/>
+                    </a:lnT>
+                    <a:lnB w="12700" cap="flat" cmpd="sng" algn="ctr">
+                      <a:solidFill>
+                        <a:srgbClr val="000000"/>
+                      </a:solidFill>
+                      <a:prstDash val="solid"/>
+                      <a:round/>
+                      <a:headEnd type="none" w="med" len="med"/>
+                      <a:tailEnd type="none" w="med" len="med"/>
+                    </a:lnB>
+                  </a:tcPr>
+                </a:tc>
+                <a:tc>
+                  <a:txBody>
+                    <a:bodyPr/>
+                    <a:lstStyle/>
+                    <a:p>
+                      <a:pPr algn="ctr">
+                        <a:spcAft>
+                          <a:spcPts val="0"/>
+                        </a:spcAft>
+                      </a:pPr>
+                      <a:r>
+                        <a:rPr lang="es-AR" sz="1600" dirty="0">
+                          <a:solidFill>
+                            <a:srgbClr val="000000"/>
+                          </a:solidFill>
+                          <a:latin typeface="Calibri"/>
+                          <a:ea typeface="Times New Roman"/>
+                          <a:cs typeface="Times New Roman"/>
+                        </a:rPr>
+                        <a:t>10</a:t>
+                      </a:r>
+                      <a:endParaRPr lang="es-AR" sz="1600" dirty="0">
+                        <a:latin typeface="Calibri"/>
+                        <a:ea typeface="Calibri"/>
+                        <a:cs typeface="Times New Roman"/>
+                      </a:endParaRPr>
+                    </a:p>
+                  </a:txBody>
+                  <a:tcPr marL="44450" marR="44450" marT="0" marB="0" anchor="b">
+                    <a:lnL w="12700" cap="flat" cmpd="sng" algn="ctr">
+                      <a:solidFill>
+                        <a:srgbClr val="000000"/>
+                      </a:solidFill>
+                      <a:prstDash val="solid"/>
+                      <a:round/>
+                      <a:headEnd type="none" w="med" len="med"/>
+                      <a:tailEnd type="none" w="med" len="med"/>
+                    </a:lnL>
+                    <a:lnR w="12700" cap="flat" cmpd="sng" algn="ctr">
+                      <a:solidFill>
+                        <a:srgbClr val="000000"/>
+                      </a:solidFill>
+                      <a:prstDash val="solid"/>
+                      <a:round/>
+                      <a:headEnd type="none" w="med" len="med"/>
+                      <a:tailEnd type="none" w="med" len="med"/>
+                    </a:lnR>
+                    <a:lnT w="12700" cap="flat" cmpd="sng" algn="ctr">
+                      <a:solidFill>
+                        <a:srgbClr val="000000"/>
+                      </a:solidFill>
+                      <a:prstDash val="solid"/>
+                      <a:round/>
+                      <a:headEnd type="none" w="med" len="med"/>
+                      <a:tailEnd type="none" w="med" len="med"/>
+                    </a:lnT>
+                    <a:lnB w="12700" cap="flat" cmpd="sng" algn="ctr">
+                      <a:solidFill>
+                        <a:srgbClr val="000000"/>
+                      </a:solidFill>
+                      <a:prstDash val="solid"/>
+                      <a:round/>
+                      <a:headEnd type="none" w="med" len="med"/>
+                      <a:tailEnd type="none" w="med" len="med"/>
+                    </a:lnB>
+                  </a:tcPr>
+                </a:tc>
+                <a:tc>
+                  <a:txBody>
+                    <a:bodyPr/>
+                    <a:lstStyle/>
+                    <a:p>
+                      <a:pPr algn="ctr">
+                        <a:spcAft>
+                          <a:spcPts val="0"/>
+                        </a:spcAft>
+                      </a:pPr>
+                      <a:r>
+                        <a:rPr lang="es-AR" sz="1600">
+                          <a:solidFill>
+                            <a:srgbClr val="000000"/>
+                          </a:solidFill>
+                          <a:latin typeface="Calibri"/>
+                          <a:ea typeface="Times New Roman"/>
+                          <a:cs typeface="Times New Roman"/>
+                        </a:rPr>
+                        <a:t>20,25</a:t>
+                      </a:r>
+                      <a:endParaRPr lang="es-AR" sz="1600">
+                        <a:latin typeface="Calibri"/>
+                        <a:ea typeface="Calibri"/>
+                        <a:cs typeface="Times New Roman"/>
+                      </a:endParaRPr>
+                    </a:p>
+                  </a:txBody>
+                  <a:tcPr marL="44450" marR="44450" marT="0" marB="0" anchor="b">
+                    <a:lnL w="12700" cap="flat" cmpd="sng" algn="ctr">
+                      <a:solidFill>
+                        <a:srgbClr val="000000"/>
+                      </a:solidFill>
+                      <a:prstDash val="solid"/>
+                      <a:round/>
+                      <a:headEnd type="none" w="med" len="med"/>
+                      <a:tailEnd type="none" w="med" len="med"/>
+                    </a:lnL>
+                    <a:lnR w="12700" cap="flat" cmpd="sng" algn="ctr">
+                      <a:solidFill>
+                        <a:srgbClr val="000000"/>
+                      </a:solidFill>
+                      <a:prstDash val="solid"/>
+                      <a:round/>
+                      <a:headEnd type="none" w="med" len="med"/>
+                      <a:tailEnd type="none" w="med" len="med"/>
+                    </a:lnR>
+                    <a:lnT w="12700" cap="flat" cmpd="sng" algn="ctr">
+                      <a:solidFill>
+                        <a:srgbClr val="000000"/>
+                      </a:solidFill>
+                      <a:prstDash val="solid"/>
+                      <a:round/>
+                      <a:headEnd type="none" w="med" len="med"/>
+                      <a:tailEnd type="none" w="med" len="med"/>
+                    </a:lnT>
+                    <a:lnB w="12700" cap="flat" cmpd="sng" algn="ctr">
+                      <a:solidFill>
+                        <a:srgbClr val="000000"/>
+                      </a:solidFill>
+                      <a:prstDash val="solid"/>
+                      <a:round/>
+                      <a:headEnd type="none" w="med" len="med"/>
+                      <a:tailEnd type="none" w="med" len="med"/>
+                    </a:lnB>
+                  </a:tcPr>
+                </a:tc>
+                <a:tc>
+                  <a:txBody>
+                    <a:bodyPr/>
+                    <a:lstStyle/>
+                    <a:p>
+                      <a:pPr algn="ctr">
+                        <a:spcAft>
+                          <a:spcPts val="0"/>
+                        </a:spcAft>
+                      </a:pPr>
+                      <a:r>
+                        <a:rPr lang="es-AR" sz="1600" b="1">
+                          <a:solidFill>
+                            <a:srgbClr val="000000"/>
+                          </a:solidFill>
+                          <a:latin typeface="Calibri"/>
+                          <a:ea typeface="Times New Roman"/>
+                          <a:cs typeface="Times New Roman"/>
+                        </a:rPr>
+                        <a:t>203%</a:t>
+                      </a:r>
+                      <a:endParaRPr lang="es-AR" sz="1600">
+                        <a:latin typeface="Calibri"/>
+                        <a:ea typeface="Calibri"/>
+                        <a:cs typeface="Times New Roman"/>
+                      </a:endParaRPr>
+                    </a:p>
+                  </a:txBody>
+                  <a:tcPr marL="44450" marR="44450" marT="0" marB="0" anchor="b">
+                    <a:lnL w="12700" cap="flat" cmpd="sng" algn="ctr">
+                      <a:solidFill>
+                        <a:srgbClr val="000000"/>
+                      </a:solidFill>
+                      <a:prstDash val="solid"/>
+                      <a:round/>
+                      <a:headEnd type="none" w="med" len="med"/>
+                      <a:tailEnd type="none" w="med" len="med"/>
+                    </a:lnL>
+                    <a:lnR w="12700" cap="flat" cmpd="sng" algn="ctr">
+                      <a:solidFill>
+                        <a:srgbClr val="000000"/>
+                      </a:solidFill>
+                      <a:prstDash val="solid"/>
+                      <a:round/>
+                      <a:headEnd type="none" w="med" len="med"/>
+                      <a:tailEnd type="none" w="med" len="med"/>
+                    </a:lnR>
+                    <a:lnT w="12700" cap="flat" cmpd="sng" algn="ctr">
+                      <a:solidFill>
+                        <a:srgbClr val="000000"/>
+                      </a:solidFill>
+                      <a:prstDash val="solid"/>
+                      <a:round/>
+                      <a:headEnd type="none" w="med" len="med"/>
+                      <a:tailEnd type="none" w="med" len="med"/>
+                    </a:lnT>
+                    <a:lnB w="12700" cap="flat" cmpd="sng" algn="ctr">
+                      <a:solidFill>
+                        <a:srgbClr val="000000"/>
+                      </a:solidFill>
+                      <a:prstDash val="solid"/>
+                      <a:round/>
+                      <a:headEnd type="none" w="med" len="med"/>
+                      <a:tailEnd type="none" w="med" len="med"/>
+                    </a:lnB>
+                  </a:tcPr>
+                </a:tc>
+              </a:tr>
+              <a:tr h="332792">
+                <a:tc>
+                  <a:txBody>
+                    <a:bodyPr/>
+                    <a:lstStyle/>
+                    <a:p>
+                      <a:pPr algn="ctr">
+                        <a:spcAft>
+                          <a:spcPts val="0"/>
+                        </a:spcAft>
+                      </a:pPr>
+                      <a:r>
+                        <a:rPr lang="es-AR" sz="1600">
+                          <a:solidFill>
+                            <a:srgbClr val="000000"/>
+                          </a:solidFill>
+                          <a:latin typeface="Arial"/>
+                          <a:ea typeface="Times New Roman"/>
+                          <a:cs typeface="Times New Roman"/>
+                        </a:rPr>
+                        <a:t>Android</a:t>
+                      </a:r>
+                      <a:endParaRPr lang="es-AR" sz="1600">
+                        <a:latin typeface="Calibri"/>
+                        <a:ea typeface="Calibri"/>
+                        <a:cs typeface="Times New Roman"/>
+                      </a:endParaRPr>
+                    </a:p>
+                  </a:txBody>
+                  <a:tcPr marL="44450" marR="44450" marT="0" marB="0" anchor="b">
+                    <a:lnL w="12700" cap="flat" cmpd="sng" algn="ctr">
+                      <a:solidFill>
+                        <a:srgbClr val="000000"/>
+                      </a:solidFill>
+                      <a:prstDash val="solid"/>
+                      <a:round/>
+                      <a:headEnd type="none" w="med" len="med"/>
+                      <a:tailEnd type="none" w="med" len="med"/>
+                    </a:lnL>
+                    <a:lnR w="12700" cap="flat" cmpd="sng" algn="ctr">
+                      <a:solidFill>
+                        <a:srgbClr val="000000"/>
+                      </a:solidFill>
+                      <a:prstDash val="solid"/>
+                      <a:round/>
+                      <a:headEnd type="none" w="med" len="med"/>
+                      <a:tailEnd type="none" w="med" len="med"/>
+                    </a:lnR>
+                    <a:lnT w="12700" cap="flat" cmpd="sng" algn="ctr">
+                      <a:solidFill>
+                        <a:srgbClr val="000000"/>
+                      </a:solidFill>
+                      <a:prstDash val="solid"/>
+                      <a:round/>
+                      <a:headEnd type="none" w="med" len="med"/>
+                      <a:tailEnd type="none" w="med" len="med"/>
+                    </a:lnT>
+                    <a:lnB w="12700" cap="flat" cmpd="sng" algn="ctr">
+                      <a:solidFill>
+                        <a:srgbClr val="000000"/>
+                      </a:solidFill>
+                      <a:prstDash val="solid"/>
+                      <a:round/>
+                      <a:headEnd type="none" w="med" len="med"/>
+                      <a:tailEnd type="none" w="med" len="med"/>
+                    </a:lnB>
+                    <a:solidFill>
+                      <a:srgbClr val="FFF2CC"/>
+                    </a:solidFill>
+                  </a:tcPr>
+                </a:tc>
+                <a:tc>
+                  <a:txBody>
+                    <a:bodyPr/>
+                    <a:lstStyle/>
+                    <a:p>
+                      <a:pPr>
+                        <a:spcAft>
+                          <a:spcPts val="0"/>
+                        </a:spcAft>
+                      </a:pPr>
+                      <a:r>
+                        <a:rPr lang="es-AR" sz="1600">
+                          <a:solidFill>
+                            <a:srgbClr val="000000"/>
+                          </a:solidFill>
+                          <a:latin typeface="Arial"/>
+                          <a:ea typeface="Times New Roman"/>
+                          <a:cs typeface="Times New Roman"/>
+                        </a:rPr>
+                        <a:t>Ver lista de complejos</a:t>
+                      </a:r>
+                      <a:endParaRPr lang="es-AR" sz="1600">
+                        <a:latin typeface="Calibri"/>
+                        <a:ea typeface="Calibri"/>
+                        <a:cs typeface="Times New Roman"/>
+                      </a:endParaRPr>
+                    </a:p>
+                  </a:txBody>
+                  <a:tcPr marL="44450" marR="44450" marT="0" marB="0" anchor="b">
+                    <a:lnL w="12700" cap="flat" cmpd="sng" algn="ctr">
+                      <a:solidFill>
+                        <a:srgbClr val="000000"/>
+                      </a:solidFill>
+                      <a:prstDash val="solid"/>
+                      <a:round/>
+                      <a:headEnd type="none" w="med" len="med"/>
+                      <a:tailEnd type="none" w="med" len="med"/>
+                    </a:lnL>
+                    <a:lnR w="12700" cap="flat" cmpd="sng" algn="ctr">
+                      <a:solidFill>
+                        <a:srgbClr val="000000"/>
+                      </a:solidFill>
+                      <a:prstDash val="solid"/>
+                      <a:round/>
+                      <a:headEnd type="none" w="med" len="med"/>
+                      <a:tailEnd type="none" w="med" len="med"/>
+                    </a:lnR>
+                    <a:lnT w="12700" cap="flat" cmpd="sng" algn="ctr">
+                      <a:solidFill>
+                        <a:srgbClr val="000000"/>
+                      </a:solidFill>
+                      <a:prstDash val="solid"/>
+                      <a:round/>
+                      <a:headEnd type="none" w="med" len="med"/>
+                      <a:tailEnd type="none" w="med" len="med"/>
+                    </a:lnT>
+                    <a:lnB w="12700" cap="flat" cmpd="sng" algn="ctr">
+                      <a:solidFill>
+                        <a:srgbClr val="000000"/>
+                      </a:solidFill>
+                      <a:prstDash val="solid"/>
+                      <a:round/>
+                      <a:headEnd type="none" w="med" len="med"/>
+                      <a:tailEnd type="none" w="med" len="med"/>
+                    </a:lnB>
+                  </a:tcPr>
+                </a:tc>
+                <a:tc>
+                  <a:txBody>
+                    <a:bodyPr/>
+                    <a:lstStyle/>
+                    <a:p>
+                      <a:pPr algn="ctr">
+                        <a:spcAft>
+                          <a:spcPts val="0"/>
+                        </a:spcAft>
+                      </a:pPr>
+                      <a:r>
+                        <a:rPr lang="es-AR" sz="1600">
+                          <a:solidFill>
+                            <a:srgbClr val="000000"/>
+                          </a:solidFill>
+                          <a:latin typeface="Calibri"/>
+                          <a:ea typeface="Times New Roman"/>
+                          <a:cs typeface="Times New Roman"/>
+                        </a:rPr>
+                        <a:t>5</a:t>
+                      </a:r>
+                      <a:endParaRPr lang="es-AR" sz="1600">
+                        <a:latin typeface="Calibri"/>
+                        <a:ea typeface="Calibri"/>
+                        <a:cs typeface="Times New Roman"/>
+                      </a:endParaRPr>
+                    </a:p>
+                  </a:txBody>
+                  <a:tcPr marL="44450" marR="44450" marT="0" marB="0" anchor="b">
+                    <a:lnL w="12700" cap="flat" cmpd="sng" algn="ctr">
+                      <a:solidFill>
+                        <a:srgbClr val="000000"/>
+                      </a:solidFill>
+                      <a:prstDash val="solid"/>
+                      <a:round/>
+                      <a:headEnd type="none" w="med" len="med"/>
+                      <a:tailEnd type="none" w="med" len="med"/>
+                    </a:lnL>
+                    <a:lnR w="12700" cap="flat" cmpd="sng" algn="ctr">
+                      <a:solidFill>
+                        <a:srgbClr val="000000"/>
+                      </a:solidFill>
+                      <a:prstDash val="solid"/>
+                      <a:round/>
+                      <a:headEnd type="none" w="med" len="med"/>
+                      <a:tailEnd type="none" w="med" len="med"/>
+                    </a:lnR>
+                    <a:lnT w="12700" cap="flat" cmpd="sng" algn="ctr">
+                      <a:solidFill>
+                        <a:srgbClr val="000000"/>
+                      </a:solidFill>
+                      <a:prstDash val="solid"/>
+                      <a:round/>
+                      <a:headEnd type="none" w="med" len="med"/>
+                      <a:tailEnd type="none" w="med" len="med"/>
+                    </a:lnT>
+                    <a:lnB w="12700" cap="flat" cmpd="sng" algn="ctr">
+                      <a:solidFill>
+                        <a:srgbClr val="000000"/>
+                      </a:solidFill>
+                      <a:prstDash val="solid"/>
+                      <a:round/>
+                      <a:headEnd type="none" w="med" len="med"/>
+                      <a:tailEnd type="none" w="med" len="med"/>
+                    </a:lnB>
+                  </a:tcPr>
+                </a:tc>
+                <a:tc>
+                  <a:txBody>
+                    <a:bodyPr/>
+                    <a:lstStyle/>
+                    <a:p>
+                      <a:pPr algn="ctr">
+                        <a:spcAft>
+                          <a:spcPts val="0"/>
+                        </a:spcAft>
+                      </a:pPr>
+                      <a:r>
+                        <a:rPr lang="es-AR" sz="1600" dirty="0">
+                          <a:solidFill>
+                            <a:srgbClr val="000000"/>
+                          </a:solidFill>
+                          <a:latin typeface="Calibri"/>
+                          <a:ea typeface="Times New Roman"/>
+                          <a:cs typeface="Times New Roman"/>
+                        </a:rPr>
+                        <a:t>5</a:t>
+                      </a:r>
+                      <a:endParaRPr lang="es-AR" sz="1600" dirty="0">
+                        <a:latin typeface="Calibri"/>
+                        <a:ea typeface="Calibri"/>
+                        <a:cs typeface="Times New Roman"/>
+                      </a:endParaRPr>
+                    </a:p>
+                  </a:txBody>
+                  <a:tcPr marL="44450" marR="44450" marT="0" marB="0" anchor="b">
+                    <a:lnL w="12700" cap="flat" cmpd="sng" algn="ctr">
+                      <a:solidFill>
+                        <a:srgbClr val="000000"/>
+                      </a:solidFill>
+                      <a:prstDash val="solid"/>
+                      <a:round/>
+                      <a:headEnd type="none" w="med" len="med"/>
+                      <a:tailEnd type="none" w="med" len="med"/>
+                    </a:lnL>
+                    <a:lnR w="12700" cap="flat" cmpd="sng" algn="ctr">
+                      <a:solidFill>
+                        <a:srgbClr val="000000"/>
+                      </a:solidFill>
+                      <a:prstDash val="solid"/>
+                      <a:round/>
+                      <a:headEnd type="none" w="med" len="med"/>
+                      <a:tailEnd type="none" w="med" len="med"/>
+                    </a:lnR>
+                    <a:lnT w="12700" cap="flat" cmpd="sng" algn="ctr">
+                      <a:solidFill>
+                        <a:srgbClr val="000000"/>
+                      </a:solidFill>
+                      <a:prstDash val="solid"/>
+                      <a:round/>
+                      <a:headEnd type="none" w="med" len="med"/>
+                      <a:tailEnd type="none" w="med" len="med"/>
+                    </a:lnT>
+                    <a:lnB w="12700" cap="flat" cmpd="sng" algn="ctr">
+                      <a:solidFill>
+                        <a:srgbClr val="000000"/>
+                      </a:solidFill>
+                      <a:prstDash val="solid"/>
+                      <a:round/>
+                      <a:headEnd type="none" w="med" len="med"/>
+                      <a:tailEnd type="none" w="med" len="med"/>
+                    </a:lnB>
+                  </a:tcPr>
+                </a:tc>
+                <a:tc>
+                  <a:txBody>
+                    <a:bodyPr/>
+                    <a:lstStyle/>
+                    <a:p>
+                      <a:pPr algn="ctr">
+                        <a:spcAft>
+                          <a:spcPts val="0"/>
+                        </a:spcAft>
+                      </a:pPr>
+                      <a:r>
+                        <a:rPr lang="es-AR" sz="1600">
+                          <a:solidFill>
+                            <a:srgbClr val="000000"/>
+                          </a:solidFill>
+                          <a:latin typeface="Calibri"/>
+                          <a:ea typeface="Times New Roman"/>
+                          <a:cs typeface="Times New Roman"/>
+                        </a:rPr>
+                        <a:t>4</a:t>
+                      </a:r>
+                      <a:endParaRPr lang="es-AR" sz="1600">
+                        <a:latin typeface="Calibri"/>
+                        <a:ea typeface="Calibri"/>
+                        <a:cs typeface="Times New Roman"/>
+                      </a:endParaRPr>
+                    </a:p>
+                  </a:txBody>
+                  <a:tcPr marL="44450" marR="44450" marT="0" marB="0" anchor="b">
+                    <a:lnL w="12700" cap="flat" cmpd="sng" algn="ctr">
+                      <a:solidFill>
+                        <a:srgbClr val="000000"/>
+                      </a:solidFill>
+                      <a:prstDash val="solid"/>
+                      <a:round/>
+                      <a:headEnd type="none" w="med" len="med"/>
+                      <a:tailEnd type="none" w="med" len="med"/>
+                    </a:lnL>
+                    <a:lnR w="12700" cap="flat" cmpd="sng" algn="ctr">
+                      <a:solidFill>
+                        <a:srgbClr val="000000"/>
+                      </a:solidFill>
+                      <a:prstDash val="solid"/>
+                      <a:round/>
+                      <a:headEnd type="none" w="med" len="med"/>
+                      <a:tailEnd type="none" w="med" len="med"/>
+                    </a:lnR>
+                    <a:lnT w="12700" cap="flat" cmpd="sng" algn="ctr">
+                      <a:solidFill>
+                        <a:srgbClr val="000000"/>
+                      </a:solidFill>
+                      <a:prstDash val="solid"/>
+                      <a:round/>
+                      <a:headEnd type="none" w="med" len="med"/>
+                      <a:tailEnd type="none" w="med" len="med"/>
+                    </a:lnT>
+                    <a:lnB w="12700" cap="flat" cmpd="sng" algn="ctr">
+                      <a:solidFill>
+                        <a:srgbClr val="000000"/>
+                      </a:solidFill>
+                      <a:prstDash val="solid"/>
+                      <a:round/>
+                      <a:headEnd type="none" w="med" len="med"/>
+                      <a:tailEnd type="none" w="med" len="med"/>
+                    </a:lnB>
+                  </a:tcPr>
+                </a:tc>
+                <a:tc>
+                  <a:txBody>
+                    <a:bodyPr/>
+                    <a:lstStyle/>
+                    <a:p>
+                      <a:pPr algn="ctr">
+                        <a:spcAft>
+                          <a:spcPts val="0"/>
+                        </a:spcAft>
+                      </a:pPr>
+                      <a:r>
+                        <a:rPr lang="es-AR" sz="1600" b="1">
+                          <a:solidFill>
+                            <a:srgbClr val="000000"/>
+                          </a:solidFill>
+                          <a:latin typeface="Calibri"/>
+                          <a:ea typeface="Times New Roman"/>
+                          <a:cs typeface="Times New Roman"/>
+                        </a:rPr>
+                        <a:t>80%</a:t>
+                      </a:r>
+                      <a:endParaRPr lang="es-AR" sz="1600">
+                        <a:latin typeface="Calibri"/>
+                        <a:ea typeface="Calibri"/>
+                        <a:cs typeface="Times New Roman"/>
+                      </a:endParaRPr>
+                    </a:p>
+                  </a:txBody>
+                  <a:tcPr marL="44450" marR="44450" marT="0" marB="0" anchor="b">
+                    <a:lnL w="12700" cap="flat" cmpd="sng" algn="ctr">
+                      <a:solidFill>
+                        <a:srgbClr val="000000"/>
+                      </a:solidFill>
+                      <a:prstDash val="solid"/>
+                      <a:round/>
+                      <a:headEnd type="none" w="med" len="med"/>
+                      <a:tailEnd type="none" w="med" len="med"/>
+                    </a:lnL>
+                    <a:lnR w="12700" cap="flat" cmpd="sng" algn="ctr">
+                      <a:solidFill>
+                        <a:srgbClr val="000000"/>
+                      </a:solidFill>
+                      <a:prstDash val="solid"/>
+                      <a:round/>
+                      <a:headEnd type="none" w="med" len="med"/>
+                      <a:tailEnd type="none" w="med" len="med"/>
+                    </a:lnR>
+                    <a:lnT w="12700" cap="flat" cmpd="sng" algn="ctr">
+                      <a:solidFill>
+                        <a:srgbClr val="000000"/>
+                      </a:solidFill>
+                      <a:prstDash val="solid"/>
+                      <a:round/>
+                      <a:headEnd type="none" w="med" len="med"/>
+                      <a:tailEnd type="none" w="med" len="med"/>
+                    </a:lnT>
+                    <a:lnB w="12700" cap="flat" cmpd="sng" algn="ctr">
+                      <a:solidFill>
+                        <a:srgbClr val="000000"/>
+                      </a:solidFill>
+                      <a:prstDash val="solid"/>
+                      <a:round/>
+                      <a:headEnd type="none" w="med" len="med"/>
+                      <a:tailEnd type="none" w="med" len="med"/>
+                    </a:lnB>
+                  </a:tcPr>
+                </a:tc>
+              </a:tr>
+              <a:tr h="332792">
+                <a:tc>
+                  <a:txBody>
+                    <a:bodyPr/>
+                    <a:lstStyle/>
+                    <a:p>
+                      <a:pPr algn="ctr">
+                        <a:spcAft>
+                          <a:spcPts val="0"/>
+                        </a:spcAft>
+                      </a:pPr>
+                      <a:r>
+                        <a:rPr lang="es-AR" sz="1600">
+                          <a:solidFill>
+                            <a:srgbClr val="000000"/>
+                          </a:solidFill>
+                          <a:latin typeface="Arial"/>
+                          <a:ea typeface="Times New Roman"/>
+                          <a:cs typeface="Times New Roman"/>
+                        </a:rPr>
+                        <a:t>Android</a:t>
+                      </a:r>
+                      <a:endParaRPr lang="es-AR" sz="1600">
+                        <a:latin typeface="Calibri"/>
+                        <a:ea typeface="Calibri"/>
+                        <a:cs typeface="Times New Roman"/>
+                      </a:endParaRPr>
+                    </a:p>
+                  </a:txBody>
+                  <a:tcPr marL="44450" marR="44450" marT="0" marB="0" anchor="b">
+                    <a:lnL w="12700" cap="flat" cmpd="sng" algn="ctr">
+                      <a:solidFill>
+                        <a:srgbClr val="000000"/>
+                      </a:solidFill>
+                      <a:prstDash val="solid"/>
+                      <a:round/>
+                      <a:headEnd type="none" w="med" len="med"/>
+                      <a:tailEnd type="none" w="med" len="med"/>
+                    </a:lnL>
+                    <a:lnR w="12700" cap="flat" cmpd="sng" algn="ctr">
+                      <a:solidFill>
+                        <a:srgbClr val="000000"/>
+                      </a:solidFill>
+                      <a:prstDash val="solid"/>
+                      <a:round/>
+                      <a:headEnd type="none" w="med" len="med"/>
+                      <a:tailEnd type="none" w="med" len="med"/>
+                    </a:lnR>
+                    <a:lnT w="12700" cap="flat" cmpd="sng" algn="ctr">
+                      <a:solidFill>
+                        <a:srgbClr val="000000"/>
+                      </a:solidFill>
+                      <a:prstDash val="solid"/>
+                      <a:round/>
+                      <a:headEnd type="none" w="med" len="med"/>
+                      <a:tailEnd type="none" w="med" len="med"/>
+                    </a:lnT>
+                    <a:lnB w="12700" cap="flat" cmpd="sng" algn="ctr">
+                      <a:solidFill>
+                        <a:srgbClr val="000000"/>
+                      </a:solidFill>
+                      <a:prstDash val="solid"/>
+                      <a:round/>
+                      <a:headEnd type="none" w="med" len="med"/>
+                      <a:tailEnd type="none" w="med" len="med"/>
+                    </a:lnB>
+                    <a:solidFill>
+                      <a:srgbClr val="FFF2CC"/>
+                    </a:solidFill>
+                  </a:tcPr>
+                </a:tc>
+                <a:tc>
+                  <a:txBody>
+                    <a:bodyPr/>
+                    <a:lstStyle/>
+                    <a:p>
+                      <a:pPr>
+                        <a:spcAft>
+                          <a:spcPts val="0"/>
+                        </a:spcAft>
+                      </a:pPr>
+                      <a:r>
+                        <a:rPr lang="es-AR" sz="1600">
+                          <a:solidFill>
+                            <a:srgbClr val="000000"/>
+                          </a:solidFill>
+                          <a:latin typeface="Arial"/>
+                          <a:ea typeface="Times New Roman"/>
+                          <a:cs typeface="Times New Roman"/>
+                        </a:rPr>
+                        <a:t>Ver peliculas</a:t>
+                      </a:r>
+                      <a:endParaRPr lang="es-AR" sz="1600">
+                        <a:latin typeface="Calibri"/>
+                        <a:ea typeface="Calibri"/>
+                        <a:cs typeface="Times New Roman"/>
+                      </a:endParaRPr>
+                    </a:p>
+                  </a:txBody>
+                  <a:tcPr marL="44450" marR="44450" marT="0" marB="0" anchor="b">
+                    <a:lnL w="12700" cap="flat" cmpd="sng" algn="ctr">
+                      <a:solidFill>
+                        <a:srgbClr val="000000"/>
+                      </a:solidFill>
+                      <a:prstDash val="solid"/>
+                      <a:round/>
+                      <a:headEnd type="none" w="med" len="med"/>
+                      <a:tailEnd type="none" w="med" len="med"/>
+                    </a:lnL>
+                    <a:lnR w="12700" cap="flat" cmpd="sng" algn="ctr">
+                      <a:solidFill>
+                        <a:srgbClr val="000000"/>
+                      </a:solidFill>
+                      <a:prstDash val="solid"/>
+                      <a:round/>
+                      <a:headEnd type="none" w="med" len="med"/>
+                      <a:tailEnd type="none" w="med" len="med"/>
+                    </a:lnR>
+                    <a:lnT w="12700" cap="flat" cmpd="sng" algn="ctr">
+                      <a:solidFill>
+                        <a:srgbClr val="000000"/>
+                      </a:solidFill>
+                      <a:prstDash val="solid"/>
+                      <a:round/>
+                      <a:headEnd type="none" w="med" len="med"/>
+                      <a:tailEnd type="none" w="med" len="med"/>
+                    </a:lnT>
+                    <a:lnB w="12700" cap="flat" cmpd="sng" algn="ctr">
+                      <a:solidFill>
+                        <a:srgbClr val="000000"/>
+                      </a:solidFill>
+                      <a:prstDash val="solid"/>
+                      <a:round/>
+                      <a:headEnd type="none" w="med" len="med"/>
+                      <a:tailEnd type="none" w="med" len="med"/>
+                    </a:lnB>
+                  </a:tcPr>
+                </a:tc>
+                <a:tc>
+                  <a:txBody>
+                    <a:bodyPr/>
+                    <a:lstStyle/>
+                    <a:p>
+                      <a:pPr algn="ctr">
+                        <a:spcAft>
+                          <a:spcPts val="0"/>
+                        </a:spcAft>
+                      </a:pPr>
+                      <a:r>
+                        <a:rPr lang="es-AR" sz="1600">
+                          <a:solidFill>
+                            <a:srgbClr val="000000"/>
+                          </a:solidFill>
+                          <a:latin typeface="Calibri"/>
+                          <a:ea typeface="Times New Roman"/>
+                          <a:cs typeface="Times New Roman"/>
+                        </a:rPr>
+                        <a:t>4</a:t>
+                      </a:r>
+                      <a:endParaRPr lang="es-AR" sz="1600">
+                        <a:latin typeface="Calibri"/>
+                        <a:ea typeface="Calibri"/>
+                        <a:cs typeface="Times New Roman"/>
+                      </a:endParaRPr>
+                    </a:p>
+                  </a:txBody>
+                  <a:tcPr marL="44450" marR="44450" marT="0" marB="0" anchor="b">
+                    <a:lnL w="12700" cap="flat" cmpd="sng" algn="ctr">
+                      <a:solidFill>
+                        <a:srgbClr val="000000"/>
+                      </a:solidFill>
+                      <a:prstDash val="solid"/>
+                      <a:round/>
+                      <a:headEnd type="none" w="med" len="med"/>
+                      <a:tailEnd type="none" w="med" len="med"/>
+                    </a:lnL>
+                    <a:lnR w="12700" cap="flat" cmpd="sng" algn="ctr">
+                      <a:solidFill>
+                        <a:srgbClr val="000000"/>
+                      </a:solidFill>
+                      <a:prstDash val="solid"/>
+                      <a:round/>
+                      <a:headEnd type="none" w="med" len="med"/>
+                      <a:tailEnd type="none" w="med" len="med"/>
+                    </a:lnR>
+                    <a:lnT w="12700" cap="flat" cmpd="sng" algn="ctr">
+                      <a:solidFill>
+                        <a:srgbClr val="000000"/>
+                      </a:solidFill>
+                      <a:prstDash val="solid"/>
+                      <a:round/>
+                      <a:headEnd type="none" w="med" len="med"/>
+                      <a:tailEnd type="none" w="med" len="med"/>
+                    </a:lnT>
+                    <a:lnB w="12700" cap="flat" cmpd="sng" algn="ctr">
+                      <a:solidFill>
+                        <a:srgbClr val="000000"/>
+                      </a:solidFill>
+                      <a:prstDash val="solid"/>
+                      <a:round/>
+                      <a:headEnd type="none" w="med" len="med"/>
+                      <a:tailEnd type="none" w="med" len="med"/>
+                    </a:lnB>
+                  </a:tcPr>
+                </a:tc>
+                <a:tc>
+                  <a:txBody>
+                    <a:bodyPr/>
+                    <a:lstStyle/>
+                    <a:p>
+                      <a:pPr algn="ctr">
+                        <a:spcAft>
+                          <a:spcPts val="0"/>
+                        </a:spcAft>
+                      </a:pPr>
+                      <a:r>
+                        <a:rPr lang="es-AR" sz="1600">
+                          <a:solidFill>
+                            <a:srgbClr val="000000"/>
+                          </a:solidFill>
+                          <a:latin typeface="Calibri"/>
+                          <a:ea typeface="Times New Roman"/>
+                          <a:cs typeface="Times New Roman"/>
+                        </a:rPr>
+                        <a:t>4</a:t>
+                      </a:r>
+                      <a:endParaRPr lang="es-AR" sz="1600">
+                        <a:latin typeface="Calibri"/>
+                        <a:ea typeface="Calibri"/>
+                        <a:cs typeface="Times New Roman"/>
+                      </a:endParaRPr>
+                    </a:p>
+                  </a:txBody>
+                  <a:tcPr marL="44450" marR="44450" marT="0" marB="0" anchor="b">
+                    <a:lnL w="12700" cap="flat" cmpd="sng" algn="ctr">
+                      <a:solidFill>
+                        <a:srgbClr val="000000"/>
+                      </a:solidFill>
+                      <a:prstDash val="solid"/>
+                      <a:round/>
+                      <a:headEnd type="none" w="med" len="med"/>
+                      <a:tailEnd type="none" w="med" len="med"/>
+                    </a:lnL>
+                    <a:lnR w="12700" cap="flat" cmpd="sng" algn="ctr">
+                      <a:solidFill>
+                        <a:srgbClr val="000000"/>
+                      </a:solidFill>
+                      <a:prstDash val="solid"/>
+                      <a:round/>
+                      <a:headEnd type="none" w="med" len="med"/>
+                      <a:tailEnd type="none" w="med" len="med"/>
+                    </a:lnR>
+                    <a:lnT w="12700" cap="flat" cmpd="sng" algn="ctr">
+                      <a:solidFill>
+                        <a:srgbClr val="000000"/>
+                      </a:solidFill>
+                      <a:prstDash val="solid"/>
+                      <a:round/>
+                      <a:headEnd type="none" w="med" len="med"/>
+                      <a:tailEnd type="none" w="med" len="med"/>
+                    </a:lnT>
+                    <a:lnB w="12700" cap="flat" cmpd="sng" algn="ctr">
+                      <a:solidFill>
+                        <a:srgbClr val="000000"/>
+                      </a:solidFill>
+                      <a:prstDash val="solid"/>
+                      <a:round/>
+                      <a:headEnd type="none" w="med" len="med"/>
+                      <a:tailEnd type="none" w="med" len="med"/>
+                    </a:lnB>
+                  </a:tcPr>
+                </a:tc>
+                <a:tc>
+                  <a:txBody>
+                    <a:bodyPr/>
+                    <a:lstStyle/>
+                    <a:p>
+                      <a:pPr algn="ctr">
+                        <a:spcAft>
+                          <a:spcPts val="0"/>
+                        </a:spcAft>
+                      </a:pPr>
+                      <a:r>
+                        <a:rPr lang="es-AR" sz="1600" dirty="0">
+                          <a:solidFill>
+                            <a:srgbClr val="000000"/>
+                          </a:solidFill>
+                          <a:latin typeface="Calibri"/>
+                          <a:ea typeface="Times New Roman"/>
+                          <a:cs typeface="Times New Roman"/>
+                        </a:rPr>
+                        <a:t>4,25</a:t>
+                      </a:r>
+                      <a:endParaRPr lang="es-AR" sz="1600" dirty="0">
+                        <a:latin typeface="Calibri"/>
+                        <a:ea typeface="Calibri"/>
+                        <a:cs typeface="Times New Roman"/>
+                      </a:endParaRPr>
+                    </a:p>
+                  </a:txBody>
+                  <a:tcPr marL="44450" marR="44450" marT="0" marB="0" anchor="b">
+                    <a:lnL w="12700" cap="flat" cmpd="sng" algn="ctr">
+                      <a:solidFill>
+                        <a:srgbClr val="000000"/>
+                      </a:solidFill>
+                      <a:prstDash val="solid"/>
+                      <a:round/>
+                      <a:headEnd type="none" w="med" len="med"/>
+                      <a:tailEnd type="none" w="med" len="med"/>
+                    </a:lnL>
+                    <a:lnR w="12700" cap="flat" cmpd="sng" algn="ctr">
+                      <a:solidFill>
+                        <a:srgbClr val="000000"/>
+                      </a:solidFill>
+                      <a:prstDash val="solid"/>
+                      <a:round/>
+                      <a:headEnd type="none" w="med" len="med"/>
+                      <a:tailEnd type="none" w="med" len="med"/>
+                    </a:lnR>
+                    <a:lnT w="12700" cap="flat" cmpd="sng" algn="ctr">
+                      <a:solidFill>
+                        <a:srgbClr val="000000"/>
+                      </a:solidFill>
+                      <a:prstDash val="solid"/>
+                      <a:round/>
+                      <a:headEnd type="none" w="med" len="med"/>
+                      <a:tailEnd type="none" w="med" len="med"/>
+                    </a:lnT>
+                    <a:lnB w="12700" cap="flat" cmpd="sng" algn="ctr">
+                      <a:solidFill>
+                        <a:srgbClr val="000000"/>
+                      </a:solidFill>
+                      <a:prstDash val="solid"/>
+                      <a:round/>
+                      <a:headEnd type="none" w="med" len="med"/>
+                      <a:tailEnd type="none" w="med" len="med"/>
+                    </a:lnB>
+                  </a:tcPr>
+                </a:tc>
+                <a:tc>
+                  <a:txBody>
+                    <a:bodyPr/>
+                    <a:lstStyle/>
+                    <a:p>
+                      <a:pPr algn="ctr">
+                        <a:spcAft>
+                          <a:spcPts val="0"/>
+                        </a:spcAft>
+                      </a:pPr>
+                      <a:r>
+                        <a:rPr lang="es-AR" sz="1600" b="1">
+                          <a:solidFill>
+                            <a:srgbClr val="000000"/>
+                          </a:solidFill>
+                          <a:latin typeface="Calibri"/>
+                          <a:ea typeface="Times New Roman"/>
+                          <a:cs typeface="Times New Roman"/>
+                        </a:rPr>
+                        <a:t>106%</a:t>
+                      </a:r>
+                      <a:endParaRPr lang="es-AR" sz="1600">
+                        <a:latin typeface="Calibri"/>
+                        <a:ea typeface="Calibri"/>
+                        <a:cs typeface="Times New Roman"/>
+                      </a:endParaRPr>
+                    </a:p>
+                  </a:txBody>
+                  <a:tcPr marL="44450" marR="44450" marT="0" marB="0" anchor="b">
+                    <a:lnL w="12700" cap="flat" cmpd="sng" algn="ctr">
+                      <a:solidFill>
+                        <a:srgbClr val="000000"/>
+                      </a:solidFill>
+                      <a:prstDash val="solid"/>
+                      <a:round/>
+                      <a:headEnd type="none" w="med" len="med"/>
+                      <a:tailEnd type="none" w="med" len="med"/>
+                    </a:lnL>
+                    <a:lnR w="12700" cap="flat" cmpd="sng" algn="ctr">
+                      <a:solidFill>
+                        <a:srgbClr val="000000"/>
+                      </a:solidFill>
+                      <a:prstDash val="solid"/>
+                      <a:round/>
+                      <a:headEnd type="none" w="med" len="med"/>
+                      <a:tailEnd type="none" w="med" len="med"/>
+                    </a:lnR>
+                    <a:lnT w="12700" cap="flat" cmpd="sng" algn="ctr">
+                      <a:solidFill>
+                        <a:srgbClr val="000000"/>
+                      </a:solidFill>
+                      <a:prstDash val="solid"/>
+                      <a:round/>
+                      <a:headEnd type="none" w="med" len="med"/>
+                      <a:tailEnd type="none" w="med" len="med"/>
+                    </a:lnT>
+                    <a:lnB w="12700" cap="flat" cmpd="sng" algn="ctr">
+                      <a:solidFill>
+                        <a:srgbClr val="000000"/>
+                      </a:solidFill>
+                      <a:prstDash val="solid"/>
+                      <a:round/>
+                      <a:headEnd type="none" w="med" len="med"/>
+                      <a:tailEnd type="none" w="med" len="med"/>
+                    </a:lnB>
+                  </a:tcPr>
+                </a:tc>
+              </a:tr>
+              <a:tr h="332792">
+                <a:tc gridSpan="2">
+                  <a:txBody>
+                    <a:bodyPr/>
+                    <a:lstStyle/>
+                    <a:p>
+                      <a:pPr algn="ctr">
+                        <a:spcAft>
+                          <a:spcPts val="0"/>
+                        </a:spcAft>
+                      </a:pPr>
+                      <a:r>
+                        <a:rPr lang="es-AR" sz="1600" b="1">
+                          <a:solidFill>
+                            <a:srgbClr val="000000"/>
+                          </a:solidFill>
+                          <a:latin typeface="Calibri"/>
+                          <a:ea typeface="Times New Roman"/>
+                          <a:cs typeface="Times New Roman"/>
+                        </a:rPr>
+                        <a:t>Total</a:t>
+                      </a:r>
+                      <a:endParaRPr lang="es-AR" sz="1600">
+                        <a:latin typeface="Calibri"/>
+                        <a:ea typeface="Calibri"/>
+                        <a:cs typeface="Times New Roman"/>
+                      </a:endParaRPr>
+                    </a:p>
+                  </a:txBody>
+                  <a:tcPr marL="44450" marR="44450" marT="0" marB="0" anchor="b">
+                    <a:lnL w="12700" cap="flat" cmpd="sng" algn="ctr">
+                      <a:solidFill>
+                        <a:srgbClr val="000000"/>
+                      </a:solidFill>
+                      <a:prstDash val="solid"/>
+                      <a:round/>
+                      <a:headEnd type="none" w="med" len="med"/>
+                      <a:tailEnd type="none" w="med" len="med"/>
+                    </a:lnL>
+                    <a:lnR w="12700" cap="flat" cmpd="sng" algn="ctr">
+                      <a:solidFill>
+                        <a:srgbClr val="000000"/>
+                      </a:solidFill>
+                      <a:prstDash val="solid"/>
+                      <a:round/>
+                      <a:headEnd type="none" w="med" len="med"/>
+                      <a:tailEnd type="none" w="med" len="med"/>
+                    </a:lnR>
+                    <a:lnT w="12700" cap="flat" cmpd="sng" algn="ctr">
+                      <a:solidFill>
+                        <a:srgbClr val="000000"/>
+                      </a:solidFill>
+                      <a:prstDash val="solid"/>
+                      <a:round/>
+                      <a:headEnd type="none" w="med" len="med"/>
+                      <a:tailEnd type="none" w="med" len="med"/>
+                    </a:lnT>
+                    <a:lnB w="12700" cap="flat" cmpd="sng" algn="ctr">
+                      <a:solidFill>
+                        <a:srgbClr val="000000"/>
+                      </a:solidFill>
+                      <a:prstDash val="solid"/>
+                      <a:round/>
+                      <a:headEnd type="none" w="med" len="med"/>
+                      <a:tailEnd type="none" w="med" len="med"/>
+                    </a:lnB>
+                    <a:solidFill>
+                      <a:srgbClr val="538ED5"/>
+                    </a:solidFill>
+                  </a:tcPr>
+                </a:tc>
+                <a:tc hMerge="1">
+                  <a:txBody>
+                    <a:bodyPr/>
+                    <a:lstStyle/>
+                    <a:p>
+                      <a:endParaRPr lang="es-AR"/>
+                    </a:p>
+                  </a:txBody>
+                  <a:tcPr/>
+                </a:tc>
+                <a:tc>
+                  <a:txBody>
+                    <a:bodyPr/>
+                    <a:lstStyle/>
+                    <a:p>
+                      <a:pPr algn="ctr">
+                        <a:spcAft>
+                          <a:spcPts val="0"/>
+                        </a:spcAft>
+                      </a:pPr>
+                      <a:r>
+                        <a:rPr lang="es-AR" sz="1600" b="1">
+                          <a:solidFill>
+                            <a:srgbClr val="000000"/>
+                          </a:solidFill>
+                          <a:latin typeface="Calibri"/>
+                          <a:ea typeface="Times New Roman"/>
+                          <a:cs typeface="Times New Roman"/>
+                        </a:rPr>
+                        <a:t>76</a:t>
+                      </a:r>
+                      <a:endParaRPr lang="es-AR" sz="1600">
+                        <a:latin typeface="Calibri"/>
+                        <a:ea typeface="Calibri"/>
+                        <a:cs typeface="Times New Roman"/>
+                      </a:endParaRPr>
+                    </a:p>
+                  </a:txBody>
+                  <a:tcPr marL="44450" marR="44450" marT="0" marB="0" anchor="b">
+                    <a:lnL w="12700" cap="flat" cmpd="sng" algn="ctr">
+                      <a:solidFill>
+                        <a:srgbClr val="000000"/>
+                      </a:solidFill>
+                      <a:prstDash val="solid"/>
+                      <a:round/>
+                      <a:headEnd type="none" w="med" len="med"/>
+                      <a:tailEnd type="none" w="med" len="med"/>
+                    </a:lnL>
+                    <a:lnR w="12700" cap="flat" cmpd="sng" algn="ctr">
+                      <a:solidFill>
+                        <a:srgbClr val="000000"/>
+                      </a:solidFill>
+                      <a:prstDash val="solid"/>
+                      <a:round/>
+                      <a:headEnd type="none" w="med" len="med"/>
+                      <a:tailEnd type="none" w="med" len="med"/>
+                    </a:lnR>
+                    <a:lnT w="12700" cap="flat" cmpd="sng" algn="ctr">
+                      <a:solidFill>
+                        <a:srgbClr val="000000"/>
+                      </a:solidFill>
+                      <a:prstDash val="solid"/>
+                      <a:round/>
+                      <a:headEnd type="none" w="med" len="med"/>
+                      <a:tailEnd type="none" w="med" len="med"/>
+                    </a:lnT>
+                    <a:lnB w="12700" cap="flat" cmpd="sng" algn="ctr">
+                      <a:solidFill>
+                        <a:srgbClr val="000000"/>
+                      </a:solidFill>
+                      <a:prstDash val="solid"/>
+                      <a:round/>
+                      <a:headEnd type="none" w="med" len="med"/>
+                      <a:tailEnd type="none" w="med" len="med"/>
+                    </a:lnB>
+                    <a:solidFill>
+                      <a:srgbClr val="538ED5"/>
+                    </a:solidFill>
+                  </a:tcPr>
+                </a:tc>
+                <a:tc>
+                  <a:txBody>
+                    <a:bodyPr/>
+                    <a:lstStyle/>
+                    <a:p>
+                      <a:pPr algn="ctr">
+                        <a:spcAft>
+                          <a:spcPts val="0"/>
+                        </a:spcAft>
+                      </a:pPr>
+                      <a:r>
+                        <a:rPr lang="es-AR" sz="1600" b="1">
+                          <a:solidFill>
+                            <a:srgbClr val="000000"/>
+                          </a:solidFill>
+                          <a:latin typeface="Calibri"/>
+                          <a:ea typeface="Times New Roman"/>
+                          <a:cs typeface="Times New Roman"/>
+                        </a:rPr>
+                        <a:t>76</a:t>
+                      </a:r>
+                      <a:endParaRPr lang="es-AR" sz="1600">
+                        <a:latin typeface="Calibri"/>
+                        <a:ea typeface="Calibri"/>
+                        <a:cs typeface="Times New Roman"/>
+                      </a:endParaRPr>
+                    </a:p>
+                  </a:txBody>
+                  <a:tcPr marL="44450" marR="44450" marT="0" marB="0" anchor="b">
+                    <a:lnL w="12700" cap="flat" cmpd="sng" algn="ctr">
+                      <a:solidFill>
+                        <a:srgbClr val="000000"/>
+                      </a:solidFill>
+                      <a:prstDash val="solid"/>
+                      <a:round/>
+                      <a:headEnd type="none" w="med" len="med"/>
+                      <a:tailEnd type="none" w="med" len="med"/>
+                    </a:lnL>
+                    <a:lnR w="12700" cap="flat" cmpd="sng" algn="ctr">
+                      <a:solidFill>
+                        <a:srgbClr val="000000"/>
+                      </a:solidFill>
+                      <a:prstDash val="solid"/>
+                      <a:round/>
+                      <a:headEnd type="none" w="med" len="med"/>
+                      <a:tailEnd type="none" w="med" len="med"/>
+                    </a:lnR>
+                    <a:lnT w="12700" cap="flat" cmpd="sng" algn="ctr">
+                      <a:solidFill>
+                        <a:srgbClr val="000000"/>
+                      </a:solidFill>
+                      <a:prstDash val="solid"/>
+                      <a:round/>
+                      <a:headEnd type="none" w="med" len="med"/>
+                      <a:tailEnd type="none" w="med" len="med"/>
+                    </a:lnT>
+                    <a:lnB w="12700" cap="flat" cmpd="sng" algn="ctr">
+                      <a:solidFill>
+                        <a:srgbClr val="000000"/>
+                      </a:solidFill>
+                      <a:prstDash val="solid"/>
+                      <a:round/>
+                      <a:headEnd type="none" w="med" len="med"/>
+                      <a:tailEnd type="none" w="med" len="med"/>
+                    </a:lnB>
+                    <a:solidFill>
+                      <a:srgbClr val="538ED5"/>
+                    </a:solidFill>
+                  </a:tcPr>
+                </a:tc>
+                <a:tc>
+                  <a:txBody>
+                    <a:bodyPr/>
+                    <a:lstStyle/>
+                    <a:p>
+                      <a:pPr algn="ctr">
+                        <a:spcAft>
+                          <a:spcPts val="0"/>
+                        </a:spcAft>
+                      </a:pPr>
+                      <a:r>
+                        <a:rPr lang="es-AR" sz="1600" b="1" dirty="0">
+                          <a:solidFill>
+                            <a:srgbClr val="000000"/>
+                          </a:solidFill>
+                          <a:latin typeface="Calibri"/>
+                          <a:ea typeface="Times New Roman"/>
+                          <a:cs typeface="Times New Roman"/>
+                        </a:rPr>
+                        <a:t>86,5</a:t>
+                      </a:r>
+                      <a:endParaRPr lang="es-AR" sz="1600" dirty="0">
+                        <a:latin typeface="Calibri"/>
+                        <a:ea typeface="Calibri"/>
+                        <a:cs typeface="Times New Roman"/>
+                      </a:endParaRPr>
+                    </a:p>
+                  </a:txBody>
+                  <a:tcPr marL="44450" marR="44450" marT="0" marB="0" anchor="b">
+                    <a:lnL w="12700" cap="flat" cmpd="sng" algn="ctr">
+                      <a:solidFill>
+                        <a:srgbClr val="000000"/>
+                      </a:solidFill>
+                      <a:prstDash val="solid"/>
+                      <a:round/>
+                      <a:headEnd type="none" w="med" len="med"/>
+                      <a:tailEnd type="none" w="med" len="med"/>
+                    </a:lnL>
+                    <a:lnR w="12700" cap="flat" cmpd="sng" algn="ctr">
+                      <a:solidFill>
+                        <a:srgbClr val="000000"/>
+                      </a:solidFill>
+                      <a:prstDash val="solid"/>
+                      <a:round/>
+                      <a:headEnd type="none" w="med" len="med"/>
+                      <a:tailEnd type="none" w="med" len="med"/>
+                    </a:lnR>
+                    <a:lnT w="12700" cap="flat" cmpd="sng" algn="ctr">
+                      <a:solidFill>
+                        <a:srgbClr val="000000"/>
+                      </a:solidFill>
+                      <a:prstDash val="solid"/>
+                      <a:round/>
+                      <a:headEnd type="none" w="med" len="med"/>
+                      <a:tailEnd type="none" w="med" len="med"/>
+                    </a:lnT>
+                    <a:lnB w="12700" cap="flat" cmpd="sng" algn="ctr">
+                      <a:solidFill>
+                        <a:srgbClr val="000000"/>
+                      </a:solidFill>
+                      <a:prstDash val="solid"/>
+                      <a:round/>
+                      <a:headEnd type="none" w="med" len="med"/>
+                      <a:tailEnd type="none" w="med" len="med"/>
+                    </a:lnB>
+                    <a:solidFill>
+                      <a:srgbClr val="538ED5"/>
+                    </a:solidFill>
+                  </a:tcPr>
+                </a:tc>
+                <a:tc>
+                  <a:txBody>
+                    <a:bodyPr/>
+                    <a:lstStyle/>
+                    <a:p>
+                      <a:pPr algn="ctr">
+                        <a:spcAft>
+                          <a:spcPts val="0"/>
+                        </a:spcAft>
+                      </a:pPr>
+                      <a:r>
+                        <a:rPr lang="es-AR" sz="1600" b="1" dirty="0">
+                          <a:solidFill>
+                            <a:srgbClr val="000000"/>
+                          </a:solidFill>
+                          <a:latin typeface="Calibri"/>
+                          <a:ea typeface="Times New Roman"/>
+                          <a:cs typeface="Times New Roman"/>
+                        </a:rPr>
+                        <a:t>114%</a:t>
+                      </a:r>
+                      <a:endParaRPr lang="es-AR" sz="1600" dirty="0">
+                        <a:latin typeface="Calibri"/>
+                        <a:ea typeface="Calibri"/>
+                        <a:cs typeface="Times New Roman"/>
+                      </a:endParaRPr>
+                    </a:p>
+                  </a:txBody>
+                  <a:tcPr marL="44450" marR="44450" marT="0" marB="0" anchor="b">
+                    <a:lnL w="12700" cap="flat" cmpd="sng" algn="ctr">
+                      <a:solidFill>
+                        <a:srgbClr val="000000"/>
+                      </a:solidFill>
+                      <a:prstDash val="solid"/>
+                      <a:round/>
+                      <a:headEnd type="none" w="med" len="med"/>
+                      <a:tailEnd type="none" w="med" len="med"/>
+                    </a:lnL>
+                    <a:lnR w="12700" cap="flat" cmpd="sng" algn="ctr">
+                      <a:solidFill>
+                        <a:srgbClr val="000000"/>
+                      </a:solidFill>
+                      <a:prstDash val="solid"/>
+                      <a:round/>
+                      <a:headEnd type="none" w="med" len="med"/>
+                      <a:tailEnd type="none" w="med" len="med"/>
+                    </a:lnR>
+                    <a:lnT w="12700" cap="flat" cmpd="sng" algn="ctr">
+                      <a:solidFill>
+                        <a:srgbClr val="000000"/>
+                      </a:solidFill>
+                      <a:prstDash val="solid"/>
+                      <a:round/>
+                      <a:headEnd type="none" w="med" len="med"/>
+                      <a:tailEnd type="none" w="med" len="med"/>
+                    </a:lnT>
+                    <a:lnB w="12700" cap="flat" cmpd="sng" algn="ctr">
+                      <a:solidFill>
+                        <a:srgbClr val="000000"/>
+                      </a:solidFill>
+                      <a:prstDash val="solid"/>
+                      <a:round/>
+                      <a:headEnd type="none" w="med" len="med"/>
+                      <a:tailEnd type="none" w="med" len="med"/>
+                    </a:lnB>
+                    <a:solidFill>
+                      <a:srgbClr val="548DD4"/>
+                    </a:solidFill>
+                  </a:tcPr>
+                </a:tc>
+              </a:tr>
+            </a:tbl>
+          </a:graphicData>
+        </a:graphic>
+      </p:graphicFrame>
     </p:spTree>
     <p:extLst>
       <p:ext uri="{BB962C8B-B14F-4D97-AF65-F5344CB8AC3E}">
-        <p14:creationId xmlns:p14="http://schemas.microsoft.com/office/powerpoint/2010/main" val="1441697277"/>
+        <p14:creationId xmlns:p14="http://schemas.microsoft.com/office/powerpoint/2010/main" xmlns="" val="1441697277"/>
       </p:ext>
     </p:extLst>
   </p:cSld>
@@ -5727,7 +11921,7 @@
           <p:nvPr/>
         </p:nvPicPr>
         <p:blipFill>
-          <a:blip r:embed="rId2"/>
+          <a:blip r:embed="rId2" cstate="print"/>
           <a:srcRect/>
           <a:stretch>
             <a:fillRect/>
@@ -5747,7 +11941,7 @@
     </p:spTree>
     <p:extLst>
       <p:ext uri="{BB962C8B-B14F-4D97-AF65-F5344CB8AC3E}">
-        <p14:creationId xmlns:p14="http://schemas.microsoft.com/office/powerpoint/2010/main" val="3071354459"/>
+        <p14:creationId xmlns:p14="http://schemas.microsoft.com/office/powerpoint/2010/main" xmlns="" val="3071354459"/>
       </p:ext>
     </p:extLst>
   </p:cSld>
@@ -5805,8 +11999,12 @@
           <a:p>
             <a:pPr algn="ctr"/>
             <a:r>
+              <a:rPr lang="en-US" dirty="0" smtClean="0"/>
+              <a:t>Menu </a:t>
+            </a:r>
+            <a:r>
               <a:rPr lang="en-US" dirty="0" err="1" smtClean="0"/>
-              <a:t>Funciones</a:t>
+              <a:t>Películas</a:t>
             </a:r>
             <a:endParaRPr lang="es-AR" sz="3600" i="1" dirty="0"/>
           </a:p>
@@ -5820,8 +12018,8 @@
         </p:nvSpPr>
         <p:spPr>
           <a:xfrm>
-            <a:off x="7014754" y="1245324"/>
-            <a:ext cx="4754880" cy="3539430"/>
+            <a:off x="6966857" y="1245324"/>
+            <a:ext cx="4822372" cy="3970318"/>
           </a:xfrm>
           <a:prstGeom prst="rect">
             <a:avLst/>
@@ -5836,39 +12034,31 @@
           <a:p>
             <a:r>
               <a:rPr lang="es-AR" sz="2800" dirty="0" smtClean="0"/>
-              <a:t>En esta pantalla, en relación a la semana pasada, aparece el botón de compartir en </a:t>
-            </a:r>
-            <a:r>
-              <a:rPr lang="es-AR" sz="2800" dirty="0" err="1" smtClean="0"/>
-              <a:t>Twitter</a:t>
-            </a:r>
+              <a:t>El menú de películas muestra como ventana principal una lista de dos columnas con los posters de las películas.</a:t>
+            </a:r>
+          </a:p>
+          <a:p>
+            <a:endParaRPr lang="es-AR" sz="2800" dirty="0" smtClean="0"/>
+          </a:p>
+          <a:p>
             <a:r>
               <a:rPr lang="es-AR" sz="2800" dirty="0" smtClean="0"/>
-              <a:t>.</a:t>
-            </a:r>
-          </a:p>
-          <a:p>
+              <a:t>Al tocar un poster podremos ver el detalle de la película con sus funciones y los botones de compartir en las redes sociales.</a:t>
+            </a:r>
             <a:endParaRPr lang="es-AR" sz="2800" dirty="0" smtClean="0"/>
-          </a:p>
-          <a:p>
-            <a:r>
-              <a:rPr lang="es-AR" sz="2800" dirty="0" smtClean="0"/>
-              <a:t>Como se hablo con el cliente, el mismo aparece en la barra de acción a la derecha de la misma.</a:t>
-            </a:r>
-            <a:endParaRPr lang="es-AR" sz="2800" dirty="0"/>
           </a:p>
         </p:txBody>
       </p:sp>
       <p:pic>
         <p:nvPicPr>
-          <p:cNvPr id="1026" name="Picture 2" descr="C:\Users\MATIAS\Desktop\Nueva carpeta (2)\Screenshot_2013-10-14-18-41-40.png"/>
+          <p:cNvPr id="31746" name="Picture 2"/>
           <p:cNvPicPr>
             <a:picLocks noChangeAspect="1" noChangeArrowheads="1"/>
           </p:cNvPicPr>
           <p:nvPr/>
         </p:nvPicPr>
         <p:blipFill>
-          <a:blip r:embed="rId2"/>
+          <a:blip r:embed="rId2" cstate="print"/>
           <a:srcRect/>
           <a:stretch>
             <a:fillRect/>
@@ -5876,25 +12066,31 @@
         </p:blipFill>
         <p:spPr bwMode="auto">
           <a:xfrm>
-            <a:off x="250371" y="1197429"/>
-            <a:ext cx="3104468" cy="5519056"/>
+            <a:off x="370118" y="1224643"/>
+            <a:ext cx="3048000" cy="5410200"/>
           </a:xfrm>
           <a:prstGeom prst="rect">
             <a:avLst/>
           </a:prstGeom>
           <a:noFill/>
+          <a:ln w="9525">
+            <a:noFill/>
+            <a:miter lim="800000"/>
+            <a:headEnd/>
+            <a:tailEnd/>
+          </a:ln>
         </p:spPr>
       </p:pic>
       <p:pic>
         <p:nvPicPr>
-          <p:cNvPr id="1027" name="Picture 3" descr="C:\Users\MATIAS\Desktop\Nueva carpeta (2)\Screenshot_2013-10-14-18-41-57.png"/>
+          <p:cNvPr id="31747" name="Picture 3"/>
           <p:cNvPicPr>
             <a:picLocks noChangeAspect="1" noChangeArrowheads="1"/>
           </p:cNvPicPr>
           <p:nvPr/>
         </p:nvPicPr>
         <p:blipFill>
-          <a:blip r:embed="rId3"/>
+          <a:blip r:embed="rId3" cstate="print"/>
           <a:srcRect/>
           <a:stretch>
             <a:fillRect/>
@@ -5902,19 +12098,25 @@
         </p:blipFill>
         <p:spPr bwMode="auto">
           <a:xfrm>
-            <a:off x="3635149" y="1197429"/>
-            <a:ext cx="3104469" cy="5519057"/>
+            <a:off x="3592286" y="1224642"/>
+            <a:ext cx="3048000" cy="5410200"/>
           </a:xfrm>
           <a:prstGeom prst="rect">
             <a:avLst/>
           </a:prstGeom>
           <a:noFill/>
+          <a:ln w="9525">
+            <a:noFill/>
+            <a:miter lim="800000"/>
+            <a:headEnd/>
+            <a:tailEnd/>
+          </a:ln>
         </p:spPr>
       </p:pic>
     </p:spTree>
     <p:extLst>
       <p:ext uri="{BB962C8B-B14F-4D97-AF65-F5344CB8AC3E}">
-        <p14:creationId xmlns:p14="http://schemas.microsoft.com/office/powerpoint/2010/main" val="2120827400"/>
+        <p14:creationId xmlns:p14="http://schemas.microsoft.com/office/powerpoint/2010/main" xmlns="" val="3071354459"/>
       </p:ext>
     </p:extLst>
   </p:cSld>
@@ -5973,7 +12175,7 @@
             <a:pPr algn="ctr"/>
             <a:r>
               <a:rPr lang="en-US" dirty="0" err="1" smtClean="0"/>
-              <a:t>Complejos</a:t>
+              <a:t>Funciones</a:t>
             </a:r>
             <a:endParaRPr lang="es-AR" sz="3600" i="1" dirty="0"/>
           </a:p>
@@ -5987,8 +12189,8 @@
         </p:nvSpPr>
         <p:spPr>
           <a:xfrm>
-            <a:off x="7014754" y="1245324"/>
-            <a:ext cx="3598817" cy="2246769"/>
+            <a:off x="6966857" y="1245324"/>
+            <a:ext cx="4822372" cy="5262979"/>
           </a:xfrm>
           <a:prstGeom prst="rect">
             <a:avLst/>
@@ -6003,30 +12205,57 @@
           <a:p>
             <a:r>
               <a:rPr lang="es-AR" sz="2800" dirty="0" smtClean="0"/>
-              <a:t>En estas pantallas, solo aparece el Botón de compartir en </a:t>
+              <a:t>Las funciones se ven en un menú desplegable.</a:t>
+            </a:r>
+          </a:p>
+          <a:p>
+            <a:endParaRPr lang="es-AR" sz="2800" dirty="0" smtClean="0"/>
+          </a:p>
+          <a:p>
+            <a:r>
+              <a:rPr lang="es-AR" sz="2800" dirty="0" smtClean="0"/>
+              <a:t>Este menú muestra las funciones contraídas por complejo y para cada complejo, las funciones de la semana.</a:t>
+            </a:r>
+          </a:p>
+          <a:p>
+            <a:endParaRPr lang="es-AR" sz="2800" dirty="0" smtClean="0"/>
+          </a:p>
+          <a:p>
+            <a:r>
+              <a:rPr lang="es-AR" sz="2800" dirty="0" smtClean="0"/>
+              <a:t>El botón “&gt;” es un enlace al detalle del complejo.</a:t>
+            </a:r>
+          </a:p>
+          <a:p>
+            <a:endParaRPr lang="es-AR" sz="2800" dirty="0" smtClean="0"/>
+          </a:p>
+          <a:p>
+            <a:r>
+              <a:rPr lang="es-AR" sz="2800" dirty="0" smtClean="0"/>
+              <a:t>Los horarios serán </a:t>
             </a:r>
             <a:r>
               <a:rPr lang="es-AR" sz="2800" dirty="0" err="1" smtClean="0"/>
-              <a:t>twitter</a:t>
+              <a:t>clickeables</a:t>
             </a:r>
             <a:r>
               <a:rPr lang="es-AR" sz="2800" dirty="0" smtClean="0"/>
-              <a:t> en el ventana del detalle del complejo.</a:t>
-            </a:r>
-            <a:endParaRPr lang="es-AR" sz="2800" dirty="0"/>
+              <a:t>.</a:t>
+            </a:r>
+            <a:endParaRPr lang="es-AR" sz="2800" dirty="0" smtClean="0"/>
           </a:p>
         </p:txBody>
       </p:sp>
       <p:pic>
         <p:nvPicPr>
-          <p:cNvPr id="3074" name="Picture 2" descr="C:\Users\MATIAS\Desktop\Screenshot_2013-10-09-20-50-36.png"/>
+          <p:cNvPr id="31747" name="Picture 3"/>
           <p:cNvPicPr>
             <a:picLocks noChangeAspect="1" noChangeArrowheads="1"/>
           </p:cNvPicPr>
           <p:nvPr/>
         </p:nvPicPr>
         <p:blipFill>
-          <a:blip r:embed="rId2"/>
+          <a:blip r:embed="rId2" cstate="print"/>
           <a:srcRect/>
           <a:stretch>
             <a:fillRect/>
@@ -6034,25 +12263,31 @@
         </p:blipFill>
         <p:spPr bwMode="auto">
           <a:xfrm>
-            <a:off x="468085" y="1233713"/>
-            <a:ext cx="3080657" cy="5476724"/>
+            <a:off x="413656" y="1235528"/>
+            <a:ext cx="3048000" cy="5410200"/>
           </a:xfrm>
           <a:prstGeom prst="rect">
             <a:avLst/>
           </a:prstGeom>
           <a:noFill/>
+          <a:ln w="9525">
+            <a:noFill/>
+            <a:miter lim="800000"/>
+            <a:headEnd/>
+            <a:tailEnd/>
+          </a:ln>
         </p:spPr>
       </p:pic>
       <p:pic>
         <p:nvPicPr>
-          <p:cNvPr id="2050" name="Picture 2" descr="C:\Users\MATIAS\Desktop\Nueva carpeta (2)\Screenshot_2013-10-14-18-40-51.png"/>
+          <p:cNvPr id="32770" name="Picture 2"/>
           <p:cNvPicPr>
             <a:picLocks noChangeAspect="1" noChangeArrowheads="1"/>
           </p:cNvPicPr>
           <p:nvPr/>
         </p:nvPicPr>
         <p:blipFill>
-          <a:blip r:embed="rId3"/>
+          <a:blip r:embed="rId3" cstate="print"/>
           <a:srcRect/>
           <a:stretch>
             <a:fillRect/>
@@ -6060,19 +12295,25 @@
         </p:blipFill>
         <p:spPr bwMode="auto">
           <a:xfrm>
-            <a:off x="3765026" y="1219200"/>
-            <a:ext cx="3079976" cy="5475514"/>
+            <a:off x="3679371" y="1213758"/>
+            <a:ext cx="3048000" cy="5410200"/>
           </a:xfrm>
           <a:prstGeom prst="rect">
             <a:avLst/>
           </a:prstGeom>
           <a:noFill/>
+          <a:ln w="9525">
+            <a:noFill/>
+            <a:miter lim="800000"/>
+            <a:headEnd/>
+            <a:tailEnd/>
+          </a:ln>
         </p:spPr>
       </p:pic>
     </p:spTree>
     <p:extLst>
       <p:ext uri="{BB962C8B-B14F-4D97-AF65-F5344CB8AC3E}">
-        <p14:creationId xmlns:p14="http://schemas.microsoft.com/office/powerpoint/2010/main" val="2057420481"/>
+        <p14:creationId xmlns:p14="http://schemas.microsoft.com/office/powerpoint/2010/main" xmlns="" val="3071354459"/>
       </p:ext>
     </p:extLst>
   </p:cSld>
@@ -6131,11 +12372,7 @@
             <a:pPr algn="ctr"/>
             <a:r>
               <a:rPr lang="en-US" dirty="0" err="1" smtClean="0"/>
-              <a:t>Compartir</a:t>
-            </a:r>
-            <a:r>
-              <a:rPr lang="en-US" dirty="0" smtClean="0"/>
-              <a:t> en Twitter</a:t>
+              <a:t>Complejos</a:t>
             </a:r>
             <a:endParaRPr lang="es-AR" sz="3600" i="1" dirty="0"/>
           </a:p>
@@ -6149,8 +12386,8 @@
         </p:nvSpPr>
         <p:spPr>
           <a:xfrm>
-            <a:off x="7014754" y="1245324"/>
-            <a:ext cx="4754880" cy="5262979"/>
+            <a:off x="6966857" y="1245324"/>
+            <a:ext cx="4822372" cy="5262979"/>
           </a:xfrm>
           <a:prstGeom prst="rect">
             <a:avLst/>
@@ -6165,47 +12402,39 @@
           <a:p>
             <a:r>
               <a:rPr lang="es-AR" sz="2800" dirty="0" smtClean="0"/>
-              <a:t>Como podemos ver, estas son las pantallas que se lanzan al compartir por </a:t>
-            </a:r>
-            <a:r>
-              <a:rPr lang="es-AR" sz="2800" dirty="0" err="1" smtClean="0"/>
-              <a:t>Twitter</a:t>
-            </a:r>
+              <a:t>El menú de complejo muestra una lista con todos los complejos (nombre y dirección).</a:t>
+            </a:r>
+          </a:p>
+          <a:p>
+            <a:endParaRPr lang="es-AR" sz="2800" dirty="0" smtClean="0"/>
+          </a:p>
+          <a:p>
             <a:r>
               <a:rPr lang="es-AR" sz="2800" dirty="0" smtClean="0"/>
-              <a:t> si el usuario tiene la aplicación de </a:t>
-            </a:r>
-            <a:r>
-              <a:rPr lang="es-AR" sz="2800" dirty="0" err="1" smtClean="0"/>
-              <a:t>Twitter</a:t>
-            </a:r>
+              <a:t>En este momento el detalle del complejo muestra el nombre, dirección y un botón para ver la posición geográfica en una aplicación externa.</a:t>
+            </a:r>
+          </a:p>
+          <a:p>
+            <a:endParaRPr lang="es-AR" sz="2800" dirty="0" smtClean="0"/>
+          </a:p>
+          <a:p>
             <a:r>
               <a:rPr lang="es-AR" sz="2800" dirty="0" smtClean="0"/>
-              <a:t> instalada en su dispositivo. En caso contrario se compartirá a través del explorador.</a:t>
-            </a:r>
-          </a:p>
-          <a:p>
-            <a:endParaRPr lang="es-AR" sz="2800" dirty="0" smtClean="0"/>
-          </a:p>
-          <a:p>
-            <a:r>
-              <a:rPr lang="es-AR" sz="2800" dirty="0" smtClean="0"/>
-              <a:t>Los mensajes son de prueba ya que no fueron establecidos por el cliente.</a:t>
-            </a:r>
-            <a:endParaRPr lang="es-AR" sz="2800" dirty="0"/>
+              <a:t>Además se ven los botones de compartir en redes sociales.</a:t>
+            </a:r>
           </a:p>
         </p:txBody>
       </p:sp>
       <p:pic>
         <p:nvPicPr>
-          <p:cNvPr id="3075" name="Picture 3" descr="C:\Users\MATIAS\Desktop\Nueva carpeta (2)\Screenshot_2013-10-14-18-41-47.png"/>
+          <p:cNvPr id="33794" name="Picture 2"/>
           <p:cNvPicPr>
             <a:picLocks noChangeAspect="1" noChangeArrowheads="1"/>
           </p:cNvPicPr>
           <p:nvPr/>
         </p:nvPicPr>
         <p:blipFill>
-          <a:blip r:embed="rId2"/>
+          <a:blip r:embed="rId2" cstate="print"/>
           <a:srcRect/>
           <a:stretch>
             <a:fillRect/>
@@ -6213,25 +12442,31 @@
         </p:blipFill>
         <p:spPr bwMode="auto">
           <a:xfrm>
-            <a:off x="455158" y="1175658"/>
-            <a:ext cx="3104469" cy="5519055"/>
+            <a:off x="402773" y="1235528"/>
+            <a:ext cx="3048000" cy="5410200"/>
           </a:xfrm>
           <a:prstGeom prst="rect">
             <a:avLst/>
           </a:prstGeom>
           <a:noFill/>
+          <a:ln w="9525">
+            <a:noFill/>
+            <a:miter lim="800000"/>
+            <a:headEnd/>
+            <a:tailEnd/>
+          </a:ln>
         </p:spPr>
       </p:pic>
       <p:pic>
         <p:nvPicPr>
-          <p:cNvPr id="3076" name="Picture 4" descr="C:\Users\MATIAS\Desktop\Nueva carpeta (2)\Screenshot_2013-10-14-18-40-56.png"/>
+          <p:cNvPr id="33795" name="Picture 3"/>
           <p:cNvPicPr>
             <a:picLocks noChangeAspect="1" noChangeArrowheads="1"/>
           </p:cNvPicPr>
           <p:nvPr/>
         </p:nvPicPr>
         <p:blipFill>
-          <a:blip r:embed="rId3"/>
+          <a:blip r:embed="rId3" cstate="print"/>
           <a:srcRect/>
           <a:stretch>
             <a:fillRect/>
@@ -6239,19 +12474,25 @@
         </p:blipFill>
         <p:spPr bwMode="auto">
           <a:xfrm>
-            <a:off x="3745139" y="1175657"/>
-            <a:ext cx="3098346" cy="5508172"/>
+            <a:off x="3712028" y="1213758"/>
+            <a:ext cx="3048000" cy="5410200"/>
           </a:xfrm>
           <a:prstGeom prst="rect">
             <a:avLst/>
           </a:prstGeom>
           <a:noFill/>
+          <a:ln w="9525">
+            <a:noFill/>
+            <a:miter lim="800000"/>
+            <a:headEnd/>
+            <a:tailEnd/>
+          </a:ln>
         </p:spPr>
       </p:pic>
     </p:spTree>
     <p:extLst>
       <p:ext uri="{BB962C8B-B14F-4D97-AF65-F5344CB8AC3E}">
-        <p14:creationId xmlns:p14="http://schemas.microsoft.com/office/powerpoint/2010/main" val="667557497"/>
+        <p14:creationId xmlns:p14="http://schemas.microsoft.com/office/powerpoint/2010/main" xmlns="" val="3071354459"/>
       </p:ext>
     </p:extLst>
   </p:cSld>
@@ -6311,7 +12552,7 @@
     </a:clrScheme>
     <a:fontScheme name="Metropolitan">
       <a:majorFont>
-        <a:latin typeface="Calibri Light" panose="020F0302020204030204"/>
+        <a:latin typeface="Calibri Light"/>
         <a:ea typeface=""/>
         <a:cs typeface=""/>
         <a:font script="Jpan" typeface="ＭＳ Ｐゴシック"/>
@@ -6346,7 +12587,7 @@
         <a:font script="Geor" typeface="Sylfaen"/>
       </a:majorFont>
       <a:minorFont>
-        <a:latin typeface="Calibri Light" panose="020F0302020204030204"/>
+        <a:latin typeface="Calibri Light"/>
         <a:ea typeface=""/>
         <a:cs typeface=""/>
         <a:font script="Jpan" typeface="ＭＳ Ｐゴシック"/>
@@ -6499,7 +12740,7 @@
   <a:extraClrSchemeLst/>
   <a:extLst>
     <a:ext uri="{05A4C25C-085E-4340-85A3-A5531E510DB2}">
-      <thm15:themeFamily xmlns:thm15="http://schemas.microsoft.com/office/thememl/2012/main" name="Metropolitan" id="{4C5440D6-04D2-4954-96CF-F251137069B2}" vid="{79CFCA13-9412-4290-BB4B-85112F88857B}"/>
+      <thm15:themeFamily xmlns:thm15="http://schemas.microsoft.com/office/thememl/2012/main" xmlns="" name="Metropolitan" id="{4C5440D6-04D2-4954-96CF-F251137069B2}" vid="{79CFCA13-9412-4290-BB4B-85112F88857B}"/>
     </a:ext>
   </a:extLst>
 </a:theme>

--- a/docs/Reuniones/Sprint 3/Reunion Formal 20131021/Reunion Formal.pptx
+++ b/docs/Reuniones/Sprint 3/Reunion Formal 20131021/Reunion Formal.pptx
@@ -125,7 +125,18 @@
   </p:defaultTextStyle>
   <p:extLst>
     <p:ext uri="{EFAFB233-063F-42B5-8137-9DF3F51BA10A}">
-      <p15:sldGuideLst xmlns:p15="http://schemas.microsoft.com/office/powerpoint/2012/main" xmlns=""/>
+      <p15:sldGuideLst xmlns:p15="http://schemas.microsoft.com/office/powerpoint/2012/main">
+        <p15:guide id="1" orient="horz" pos="2160">
+          <p15:clr>
+            <a:srgbClr val="A4A3A4"/>
+          </p15:clr>
+        </p15:guide>
+        <p15:guide id="2" pos="3840">
+          <p15:clr>
+            <a:srgbClr val="A4A3A4"/>
+          </p15:clr>
+        </p15:guide>
+      </p15:sldGuideLst>
     </p:ext>
   </p:extLst>
 </p:presentation>
@@ -332,7 +343,7 @@
             <a:fld id="{A3B91EB6-4160-46A1-BFEE-CCE548EA35CA}" type="datetimeFigureOut">
               <a:rPr lang="es-AR" smtClean="0"/>
               <a:pPr/>
-              <a:t>20/10/2013</a:t>
+              <a:t>21/10/2013</a:t>
             </a:fld>
             <a:endParaRPr lang="es-AR"/>
           </a:p>
@@ -395,7 +406,7 @@
             <a:fld id="{146C01B7-3F94-48E0-9801-4B4D2FF8F9CB}" type="slidenum">
               <a:rPr lang="es-AR" smtClean="0"/>
               <a:pPr/>
-              <a:t>‹Nº›</a:t>
+              <a:t>‹#›</a:t>
             </a:fld>
             <a:endParaRPr lang="es-AR"/>
           </a:p>
@@ -404,7 +415,7 @@
     </p:spTree>
     <p:extLst>
       <p:ext uri="{BB962C8B-B14F-4D97-AF65-F5344CB8AC3E}">
-        <p14:creationId xmlns:p14="http://schemas.microsoft.com/office/powerpoint/2010/main" xmlns="" val="783670883"/>
+        <p14:creationId xmlns:p14="http://schemas.microsoft.com/office/powerpoint/2010/main" val="783670883"/>
       </p:ext>
     </p:extLst>
   </p:cSld>
@@ -524,7 +535,7 @@
             <a:fld id="{A3B91EB6-4160-46A1-BFEE-CCE548EA35CA}" type="datetimeFigureOut">
               <a:rPr lang="es-AR" smtClean="0"/>
               <a:pPr/>
-              <a:t>20/10/2013</a:t>
+              <a:t>21/10/2013</a:t>
             </a:fld>
             <a:endParaRPr lang="es-AR"/>
           </a:p>
@@ -567,7 +578,7 @@
             <a:fld id="{146C01B7-3F94-48E0-9801-4B4D2FF8F9CB}" type="slidenum">
               <a:rPr lang="es-AR" smtClean="0"/>
               <a:pPr/>
-              <a:t>‹Nº›</a:t>
+              <a:t>‹#›</a:t>
             </a:fld>
             <a:endParaRPr lang="es-AR"/>
           </a:p>
@@ -576,7 +587,7 @@
     </p:spTree>
     <p:extLst>
       <p:ext uri="{BB962C8B-B14F-4D97-AF65-F5344CB8AC3E}">
-        <p14:creationId xmlns:p14="http://schemas.microsoft.com/office/powerpoint/2010/main" xmlns="" val="3362801827"/>
+        <p14:creationId xmlns:p14="http://schemas.microsoft.com/office/powerpoint/2010/main" val="3362801827"/>
       </p:ext>
     </p:extLst>
   </p:cSld>
@@ -706,7 +717,7 @@
             <a:fld id="{A3B91EB6-4160-46A1-BFEE-CCE548EA35CA}" type="datetimeFigureOut">
               <a:rPr lang="es-AR" smtClean="0"/>
               <a:pPr/>
-              <a:t>20/10/2013</a:t>
+              <a:t>21/10/2013</a:t>
             </a:fld>
             <a:endParaRPr lang="es-AR"/>
           </a:p>
@@ -749,7 +760,7 @@
             <a:fld id="{146C01B7-3F94-48E0-9801-4B4D2FF8F9CB}" type="slidenum">
               <a:rPr lang="es-AR" smtClean="0"/>
               <a:pPr/>
-              <a:t>‹Nº›</a:t>
+              <a:t>‹#›</a:t>
             </a:fld>
             <a:endParaRPr lang="es-AR"/>
           </a:p>
@@ -758,7 +769,7 @@
     </p:spTree>
     <p:extLst>
       <p:ext uri="{BB962C8B-B14F-4D97-AF65-F5344CB8AC3E}">
-        <p14:creationId xmlns:p14="http://schemas.microsoft.com/office/powerpoint/2010/main" xmlns="" val="1559089465"/>
+        <p14:creationId xmlns:p14="http://schemas.microsoft.com/office/powerpoint/2010/main" val="1559089465"/>
       </p:ext>
     </p:extLst>
   </p:cSld>
@@ -878,7 +889,7 @@
             <a:fld id="{A3B91EB6-4160-46A1-BFEE-CCE548EA35CA}" type="datetimeFigureOut">
               <a:rPr lang="es-AR" smtClean="0"/>
               <a:pPr/>
-              <a:t>20/10/2013</a:t>
+              <a:t>21/10/2013</a:t>
             </a:fld>
             <a:endParaRPr lang="es-AR"/>
           </a:p>
@@ -921,7 +932,7 @@
             <a:fld id="{146C01B7-3F94-48E0-9801-4B4D2FF8F9CB}" type="slidenum">
               <a:rPr lang="es-AR" smtClean="0"/>
               <a:pPr/>
-              <a:t>‹Nº›</a:t>
+              <a:t>‹#›</a:t>
             </a:fld>
             <a:endParaRPr lang="es-AR"/>
           </a:p>
@@ -930,7 +941,7 @@
     </p:spTree>
     <p:extLst>
       <p:ext uri="{BB962C8B-B14F-4D97-AF65-F5344CB8AC3E}">
-        <p14:creationId xmlns:p14="http://schemas.microsoft.com/office/powerpoint/2010/main" xmlns="" val="4250054912"/>
+        <p14:creationId xmlns:p14="http://schemas.microsoft.com/office/powerpoint/2010/main" val="4250054912"/>
       </p:ext>
     </p:extLst>
   </p:cSld>
@@ -1136,7 +1147,7 @@
             <a:fld id="{A3B91EB6-4160-46A1-BFEE-CCE548EA35CA}" type="datetimeFigureOut">
               <a:rPr lang="es-AR" smtClean="0"/>
               <a:pPr/>
-              <a:t>20/10/2013</a:t>
+              <a:t>21/10/2013</a:t>
             </a:fld>
             <a:endParaRPr lang="es-AR"/>
           </a:p>
@@ -1179,7 +1190,7 @@
             <a:fld id="{146C01B7-3F94-48E0-9801-4B4D2FF8F9CB}" type="slidenum">
               <a:rPr lang="es-AR" smtClean="0"/>
               <a:pPr/>
-              <a:t>‹Nº›</a:t>
+              <a:t>‹#›</a:t>
             </a:fld>
             <a:endParaRPr lang="es-AR"/>
           </a:p>
@@ -1188,7 +1199,7 @@
     </p:spTree>
     <p:extLst>
       <p:ext uri="{BB962C8B-B14F-4D97-AF65-F5344CB8AC3E}">
-        <p14:creationId xmlns:p14="http://schemas.microsoft.com/office/powerpoint/2010/main" xmlns="" val="2105287886"/>
+        <p14:creationId xmlns:p14="http://schemas.microsoft.com/office/powerpoint/2010/main" val="2105287886"/>
       </p:ext>
     </p:extLst>
   </p:cSld>
@@ -1426,7 +1437,7 @@
             <a:fld id="{A3B91EB6-4160-46A1-BFEE-CCE548EA35CA}" type="datetimeFigureOut">
               <a:rPr lang="es-AR" smtClean="0"/>
               <a:pPr/>
-              <a:t>20/10/2013</a:t>
+              <a:t>21/10/2013</a:t>
             </a:fld>
             <a:endParaRPr lang="es-AR"/>
           </a:p>
@@ -1469,7 +1480,7 @@
             <a:fld id="{146C01B7-3F94-48E0-9801-4B4D2FF8F9CB}" type="slidenum">
               <a:rPr lang="es-AR" smtClean="0"/>
               <a:pPr/>
-              <a:t>‹Nº›</a:t>
+              <a:t>‹#›</a:t>
             </a:fld>
             <a:endParaRPr lang="es-AR"/>
           </a:p>
@@ -1478,7 +1489,7 @@
     </p:spTree>
     <p:extLst>
       <p:ext uri="{BB962C8B-B14F-4D97-AF65-F5344CB8AC3E}">
-        <p14:creationId xmlns:p14="http://schemas.microsoft.com/office/powerpoint/2010/main" xmlns="" val="2999552341"/>
+        <p14:creationId xmlns:p14="http://schemas.microsoft.com/office/powerpoint/2010/main" val="2999552341"/>
       </p:ext>
     </p:extLst>
   </p:cSld>
@@ -1866,7 +1877,7 @@
             <a:fld id="{A3B91EB6-4160-46A1-BFEE-CCE548EA35CA}" type="datetimeFigureOut">
               <a:rPr lang="es-AR" smtClean="0"/>
               <a:pPr/>
-              <a:t>20/10/2013</a:t>
+              <a:t>21/10/2013</a:t>
             </a:fld>
             <a:endParaRPr lang="es-AR"/>
           </a:p>
@@ -1909,7 +1920,7 @@
             <a:fld id="{146C01B7-3F94-48E0-9801-4B4D2FF8F9CB}" type="slidenum">
               <a:rPr lang="es-AR" smtClean="0"/>
               <a:pPr/>
-              <a:t>‹Nº›</a:t>
+              <a:t>‹#›</a:t>
             </a:fld>
             <a:endParaRPr lang="es-AR"/>
           </a:p>
@@ -1918,7 +1929,7 @@
     </p:spTree>
     <p:extLst>
       <p:ext uri="{BB962C8B-B14F-4D97-AF65-F5344CB8AC3E}">
-        <p14:creationId xmlns:p14="http://schemas.microsoft.com/office/powerpoint/2010/main" xmlns="" val="375881571"/>
+        <p14:creationId xmlns:p14="http://schemas.microsoft.com/office/powerpoint/2010/main" val="375881571"/>
       </p:ext>
     </p:extLst>
   </p:cSld>
@@ -1986,7 +1997,7 @@
             <a:fld id="{A3B91EB6-4160-46A1-BFEE-CCE548EA35CA}" type="datetimeFigureOut">
               <a:rPr lang="es-AR" smtClean="0"/>
               <a:pPr/>
-              <a:t>20/10/2013</a:t>
+              <a:t>21/10/2013</a:t>
             </a:fld>
             <a:endParaRPr lang="es-AR"/>
           </a:p>
@@ -2029,7 +2040,7 @@
             <a:fld id="{146C01B7-3F94-48E0-9801-4B4D2FF8F9CB}" type="slidenum">
               <a:rPr lang="es-AR" smtClean="0"/>
               <a:pPr/>
-              <a:t>‹Nº›</a:t>
+              <a:t>‹#›</a:t>
             </a:fld>
             <a:endParaRPr lang="es-AR"/>
           </a:p>
@@ -2038,7 +2049,7 @@
     </p:spTree>
     <p:extLst>
       <p:ext uri="{BB962C8B-B14F-4D97-AF65-F5344CB8AC3E}">
-        <p14:creationId xmlns:p14="http://schemas.microsoft.com/office/powerpoint/2010/main" xmlns="" val="1095840064"/>
+        <p14:creationId xmlns:p14="http://schemas.microsoft.com/office/powerpoint/2010/main" val="1095840064"/>
       </p:ext>
     </p:extLst>
   </p:cSld>
@@ -2083,7 +2094,7 @@
             <a:fld id="{A3B91EB6-4160-46A1-BFEE-CCE548EA35CA}" type="datetimeFigureOut">
               <a:rPr lang="es-AR" smtClean="0"/>
               <a:pPr/>
-              <a:t>20/10/2013</a:t>
+              <a:t>21/10/2013</a:t>
             </a:fld>
             <a:endParaRPr lang="es-AR"/>
           </a:p>
@@ -2126,7 +2137,7 @@
             <a:fld id="{146C01B7-3F94-48E0-9801-4B4D2FF8F9CB}" type="slidenum">
               <a:rPr lang="es-AR" smtClean="0"/>
               <a:pPr/>
-              <a:t>‹Nº›</a:t>
+              <a:t>‹#›</a:t>
             </a:fld>
             <a:endParaRPr lang="es-AR"/>
           </a:p>
@@ -2135,7 +2146,7 @@
     </p:spTree>
     <p:extLst>
       <p:ext uri="{BB962C8B-B14F-4D97-AF65-F5344CB8AC3E}">
-        <p14:creationId xmlns:p14="http://schemas.microsoft.com/office/powerpoint/2010/main" xmlns="" val="1121564704"/>
+        <p14:creationId xmlns:p14="http://schemas.microsoft.com/office/powerpoint/2010/main" val="1121564704"/>
       </p:ext>
     </p:extLst>
   </p:cSld>
@@ -2441,7 +2452,7 @@
             <a:fld id="{A3B91EB6-4160-46A1-BFEE-CCE548EA35CA}" type="datetimeFigureOut">
               <a:rPr lang="es-AR" smtClean="0"/>
               <a:pPr/>
-              <a:t>20/10/2013</a:t>
+              <a:t>21/10/2013</a:t>
             </a:fld>
             <a:endParaRPr lang="es-AR"/>
           </a:p>
@@ -2494,7 +2505,7 @@
             <a:fld id="{146C01B7-3F94-48E0-9801-4B4D2FF8F9CB}" type="slidenum">
               <a:rPr lang="es-AR" smtClean="0"/>
               <a:pPr/>
-              <a:t>‹Nº›</a:t>
+              <a:t>‹#›</a:t>
             </a:fld>
             <a:endParaRPr lang="es-AR"/>
           </a:p>
@@ -2503,7 +2514,7 @@
     </p:spTree>
     <p:extLst>
       <p:ext uri="{BB962C8B-B14F-4D97-AF65-F5344CB8AC3E}">
-        <p14:creationId xmlns:p14="http://schemas.microsoft.com/office/powerpoint/2010/main" xmlns="" val="3858346437"/>
+        <p14:creationId xmlns:p14="http://schemas.microsoft.com/office/powerpoint/2010/main" val="3858346437"/>
       </p:ext>
     </p:extLst>
   </p:cSld>
@@ -2759,7 +2770,7 @@
             <a:fld id="{A3B91EB6-4160-46A1-BFEE-CCE548EA35CA}" type="datetimeFigureOut">
               <a:rPr lang="es-AR" smtClean="0"/>
               <a:pPr/>
-              <a:t>20/10/2013</a:t>
+              <a:t>21/10/2013</a:t>
             </a:fld>
             <a:endParaRPr lang="es-AR"/>
           </a:p>
@@ -2822,7 +2833,7 @@
             <a:fld id="{146C01B7-3F94-48E0-9801-4B4D2FF8F9CB}" type="slidenum">
               <a:rPr lang="es-AR" smtClean="0"/>
               <a:pPr/>
-              <a:t>‹Nº›</a:t>
+              <a:t>‹#›</a:t>
             </a:fld>
             <a:endParaRPr lang="es-AR"/>
           </a:p>
@@ -2831,7 +2842,7 @@
     </p:spTree>
     <p:extLst>
       <p:ext uri="{BB962C8B-B14F-4D97-AF65-F5344CB8AC3E}">
-        <p14:creationId xmlns:p14="http://schemas.microsoft.com/office/powerpoint/2010/main" xmlns="" val="1103777031"/>
+        <p14:creationId xmlns:p14="http://schemas.microsoft.com/office/powerpoint/2010/main" val="1103777031"/>
       </p:ext>
     </p:extLst>
   </p:cSld>
@@ -2994,7 +3005,7 @@
             <a:fld id="{A3B91EB6-4160-46A1-BFEE-CCE548EA35CA}" type="datetimeFigureOut">
               <a:rPr lang="es-AR" smtClean="0"/>
               <a:pPr/>
-              <a:t>20/10/2013</a:t>
+              <a:t>21/10/2013</a:t>
             </a:fld>
             <a:endParaRPr lang="es-AR"/>
           </a:p>
@@ -3077,7 +3088,7 @@
             <a:fld id="{146C01B7-3F94-48E0-9801-4B4D2FF8F9CB}" type="slidenum">
               <a:rPr lang="es-AR" smtClean="0"/>
               <a:pPr/>
-              <a:t>‹Nº›</a:t>
+              <a:t>‹#›</a:t>
             </a:fld>
             <a:endParaRPr lang="es-AR"/>
           </a:p>
@@ -3086,7 +3097,7 @@
     </p:spTree>
     <p:extLst>
       <p:ext uri="{BB962C8B-B14F-4D97-AF65-F5344CB8AC3E}">
-        <p14:creationId xmlns:p14="http://schemas.microsoft.com/office/powerpoint/2010/main" xmlns="" val="1785626056"/>
+        <p14:creationId xmlns:p14="http://schemas.microsoft.com/office/powerpoint/2010/main" val="1785626056"/>
       </p:ext>
     </p:extLst>
   </p:cSld>
@@ -3601,7 +3612,7 @@
     </p:spTree>
     <p:extLst>
       <p:ext uri="{BB962C8B-B14F-4D97-AF65-F5344CB8AC3E}">
-        <p14:creationId xmlns:p14="http://schemas.microsoft.com/office/powerpoint/2010/main" xmlns="" val="4103899004"/>
+        <p14:creationId xmlns:p14="http://schemas.microsoft.com/office/powerpoint/2010/main" val="4103899004"/>
       </p:ext>
     </p:extLst>
   </p:cSld>
@@ -3780,7 +3791,7 @@
     </p:spTree>
     <p:extLst>
       <p:ext uri="{BB962C8B-B14F-4D97-AF65-F5344CB8AC3E}">
-        <p14:creationId xmlns:p14="http://schemas.microsoft.com/office/powerpoint/2010/main" xmlns="" val="667557497"/>
+        <p14:creationId xmlns:p14="http://schemas.microsoft.com/office/powerpoint/2010/main" val="667557497"/>
       </p:ext>
     </p:extLst>
   </p:cSld>
@@ -3944,7 +3955,7 @@
     </p:spTree>
     <p:extLst>
       <p:ext uri="{BB962C8B-B14F-4D97-AF65-F5344CB8AC3E}">
-        <p14:creationId xmlns:p14="http://schemas.microsoft.com/office/powerpoint/2010/main" xmlns="" val="667557497"/>
+        <p14:creationId xmlns:p14="http://schemas.microsoft.com/office/powerpoint/2010/main" val="667557497"/>
       </p:ext>
     </p:extLst>
   </p:cSld>
@@ -4044,7 +4055,7 @@
     </p:spTree>
     <p:extLst>
       <p:ext uri="{BB962C8B-B14F-4D97-AF65-F5344CB8AC3E}">
-        <p14:creationId xmlns:p14="http://schemas.microsoft.com/office/powerpoint/2010/main" xmlns="" val="3351953625"/>
+        <p14:creationId xmlns:p14="http://schemas.microsoft.com/office/powerpoint/2010/main" val="3351953625"/>
       </p:ext>
     </p:extLst>
   </p:cSld>
@@ -4358,7 +4369,7 @@
     </p:spTree>
     <p:extLst>
       <p:ext uri="{BB962C8B-B14F-4D97-AF65-F5344CB8AC3E}">
-        <p14:creationId xmlns:p14="http://schemas.microsoft.com/office/powerpoint/2010/main" xmlns="" val="3033424343"/>
+        <p14:creationId xmlns:p14="http://schemas.microsoft.com/office/powerpoint/2010/main" val="3033424343"/>
       </p:ext>
     </p:extLst>
   </p:cSld>
@@ -4443,7 +4454,7 @@
           <a:blip r:embed="rId2" cstate="print">
             <a:extLst>
               <a:ext uri="{28A0092B-C50C-407E-A947-70E740481C1C}">
-                <a14:useLocalDpi xmlns:a14="http://schemas.microsoft.com/office/drawing/2010/main" xmlns="" val="0"/>
+                <a14:useLocalDpi xmlns:a14="http://schemas.microsoft.com/office/drawing/2010/main" val="0"/>
               </a:ext>
             </a:extLst>
           </a:blip>
@@ -4464,7 +4475,7 @@
     </p:spTree>
     <p:extLst>
       <p:ext uri="{BB962C8B-B14F-4D97-AF65-F5344CB8AC3E}">
-        <p14:creationId xmlns:p14="http://schemas.microsoft.com/office/powerpoint/2010/main" xmlns="" val="706905558"/>
+        <p14:creationId xmlns:p14="http://schemas.microsoft.com/office/powerpoint/2010/main" val="706905558"/>
       </p:ext>
     </p:extLst>
   </p:cSld>
@@ -4572,7 +4583,7 @@
     </p:spTree>
     <p:extLst>
       <p:ext uri="{BB962C8B-B14F-4D97-AF65-F5344CB8AC3E}">
-        <p14:creationId xmlns:p14="http://schemas.microsoft.com/office/powerpoint/2010/main" xmlns="" val="1294714415"/>
+        <p14:creationId xmlns:p14="http://schemas.microsoft.com/office/powerpoint/2010/main" val="1294714415"/>
       </p:ext>
     </p:extLst>
   </p:cSld>
@@ -4659,7 +4670,7 @@
           <a:blip r:embed="rId2" cstate="print">
             <a:extLst>
               <a:ext uri="{28A0092B-C50C-407E-A947-70E740481C1C}">
-                <a14:useLocalDpi xmlns:a14="http://schemas.microsoft.com/office/drawing/2010/main" xmlns="" val="0"/>
+                <a14:useLocalDpi xmlns:a14="http://schemas.microsoft.com/office/drawing/2010/main" val="0"/>
               </a:ext>
             </a:extLst>
           </a:blip>
@@ -4677,7 +4688,7 @@
     </p:spTree>
     <p:extLst>
       <p:ext uri="{BB962C8B-B14F-4D97-AF65-F5344CB8AC3E}">
-        <p14:creationId xmlns:p14="http://schemas.microsoft.com/office/powerpoint/2010/main" xmlns="" val="3003939649"/>
+        <p14:creationId xmlns:p14="http://schemas.microsoft.com/office/powerpoint/2010/main" val="3003939649"/>
       </p:ext>
     </p:extLst>
   </p:cSld>
@@ -4777,7 +4788,7 @@
     </p:spTree>
     <p:extLst>
       <p:ext uri="{BB962C8B-B14F-4D97-AF65-F5344CB8AC3E}">
-        <p14:creationId xmlns:p14="http://schemas.microsoft.com/office/powerpoint/2010/main" xmlns="" val="265357153"/>
+        <p14:creationId xmlns:p14="http://schemas.microsoft.com/office/powerpoint/2010/main" val="265357153"/>
       </p:ext>
     </p:extLst>
   </p:cSld>
@@ -4898,7 +4909,7 @@
           <a:blip r:embed="rId2" cstate="print">
             <a:extLst>
               <a:ext uri="{28A0092B-C50C-407E-A947-70E740481C1C}">
-                <a14:useLocalDpi xmlns:a14="http://schemas.microsoft.com/office/drawing/2010/main" xmlns="" val="0"/>
+                <a14:useLocalDpi xmlns:a14="http://schemas.microsoft.com/office/drawing/2010/main" val="0"/>
               </a:ext>
             </a:extLst>
           </a:blip>
@@ -4928,7 +4939,7 @@
           <a:blip r:embed="rId3" cstate="print">
             <a:extLst>
               <a:ext uri="{28A0092B-C50C-407E-A947-70E740481C1C}">
-                <a14:useLocalDpi xmlns:a14="http://schemas.microsoft.com/office/drawing/2010/main" xmlns="" val="0"/>
+                <a14:useLocalDpi xmlns:a14="http://schemas.microsoft.com/office/drawing/2010/main" val="0"/>
               </a:ext>
             </a:extLst>
           </a:blip>
@@ -4958,7 +4969,7 @@
           <a:blip r:embed="rId4" cstate="print">
             <a:extLst>
               <a:ext uri="{28A0092B-C50C-407E-A947-70E740481C1C}">
-                <a14:useLocalDpi xmlns:a14="http://schemas.microsoft.com/office/drawing/2010/main" xmlns="" val="0"/>
+                <a14:useLocalDpi xmlns:a14="http://schemas.microsoft.com/office/drawing/2010/main" val="0"/>
               </a:ext>
             </a:extLst>
           </a:blip>
@@ -4988,7 +4999,7 @@
           <a:blip r:embed="rId5" cstate="print">
             <a:extLst>
               <a:ext uri="{28A0092B-C50C-407E-A947-70E740481C1C}">
-                <a14:useLocalDpi xmlns:a14="http://schemas.microsoft.com/office/drawing/2010/main" xmlns="" val="0"/>
+                <a14:useLocalDpi xmlns:a14="http://schemas.microsoft.com/office/drawing/2010/main" val="0"/>
               </a:ext>
             </a:extLst>
           </a:blip>
@@ -5009,7 +5020,7 @@
     </p:spTree>
     <p:extLst>
       <p:ext uri="{BB962C8B-B14F-4D97-AF65-F5344CB8AC3E}">
-        <p14:creationId xmlns:p14="http://schemas.microsoft.com/office/powerpoint/2010/main" xmlns="" val="1053114781"/>
+        <p14:creationId xmlns:p14="http://schemas.microsoft.com/office/powerpoint/2010/main" val="1053114781"/>
       </p:ext>
     </p:extLst>
   </p:cSld>
@@ -5130,7 +5141,7 @@
           <a:blip r:embed="rId2" cstate="print">
             <a:extLst>
               <a:ext uri="{28A0092B-C50C-407E-A947-70E740481C1C}">
-                <a14:useLocalDpi xmlns:a14="http://schemas.microsoft.com/office/drawing/2010/main" xmlns="" val="0"/>
+                <a14:useLocalDpi xmlns:a14="http://schemas.microsoft.com/office/drawing/2010/main" val="0"/>
               </a:ext>
             </a:extLst>
           </a:blip>
@@ -5160,7 +5171,7 @@
           <a:blip r:embed="rId3" cstate="print">
             <a:extLst>
               <a:ext uri="{28A0092B-C50C-407E-A947-70E740481C1C}">
-                <a14:useLocalDpi xmlns:a14="http://schemas.microsoft.com/office/drawing/2010/main" xmlns="" val="0"/>
+                <a14:useLocalDpi xmlns:a14="http://schemas.microsoft.com/office/drawing/2010/main" val="0"/>
               </a:ext>
             </a:extLst>
           </a:blip>
@@ -5190,7 +5201,7 @@
           <a:blip r:embed="rId4" cstate="print">
             <a:extLst>
               <a:ext uri="{28A0092B-C50C-407E-A947-70E740481C1C}">
-                <a14:useLocalDpi xmlns:a14="http://schemas.microsoft.com/office/drawing/2010/main" xmlns="" val="0"/>
+                <a14:useLocalDpi xmlns:a14="http://schemas.microsoft.com/office/drawing/2010/main" val="0"/>
               </a:ext>
             </a:extLst>
           </a:blip>
@@ -5295,7 +5306,7 @@
     </p:spTree>
     <p:extLst>
       <p:ext uri="{BB962C8B-B14F-4D97-AF65-F5344CB8AC3E}">
-        <p14:creationId xmlns:p14="http://schemas.microsoft.com/office/powerpoint/2010/main" xmlns="" val="2579423854"/>
+        <p14:creationId xmlns:p14="http://schemas.microsoft.com/office/powerpoint/2010/main" val="2579423854"/>
       </p:ext>
     </p:extLst>
   </p:cSld>
@@ -5463,7 +5474,7 @@
     </p:spTree>
     <p:extLst>
       <p:ext uri="{BB962C8B-B14F-4D97-AF65-F5344CB8AC3E}">
-        <p14:creationId xmlns:p14="http://schemas.microsoft.com/office/powerpoint/2010/main" xmlns="" val="3019863904"/>
+        <p14:creationId xmlns:p14="http://schemas.microsoft.com/office/powerpoint/2010/main" val="3019863904"/>
       </p:ext>
     </p:extLst>
   </p:cSld>
@@ -5567,8 +5578,13 @@
             </a:pPr>
             <a:r>
               <a:rPr lang="es-AR" sz="3200" dirty="0" smtClean="0"/>
-              <a:t>Realizar estimaciones con SP == 1 Hora.</a:t>
-            </a:r>
+              <a:t>Realizar estimaciones con SP == 1 </a:t>
+            </a:r>
+            <a:r>
+              <a:rPr lang="es-AR" sz="3200" dirty="0" smtClean="0"/>
+              <a:t>Hora o pasar a usar HH para poder usar estimaciones con números no enteros.</a:t>
+            </a:r>
+            <a:endParaRPr lang="es-AR" sz="3200" dirty="0" smtClean="0"/>
           </a:p>
           <a:p>
             <a:pPr marL="0" indent="0">
@@ -5590,17 +5606,16 @@
             </a:pPr>
             <a:r>
               <a:rPr lang="es-AR" sz="3200" dirty="0" smtClean="0"/>
-              <a:t>Reestimar las tareas si vemos que hay una gran diferencia en el esfuerzo consumido y la estimación e informarlo al cliente, tanto para quitar alguna tarea con menos prioridad como para agregar mas tareas dependiendo del caso.</a:t>
-            </a:r>
-          </a:p>
-          <a:p>
-            <a:pPr marL="0" indent="0">
-              <a:buClr>
-                <a:srgbClr val="00B050"/>
-              </a:buClr>
-              <a:buNone/>
-            </a:pPr>
-            <a:endParaRPr lang="es-AR" sz="3200" dirty="0" smtClean="0"/>
+              <a:t>Crear </a:t>
+            </a:r>
+            <a:r>
+              <a:rPr lang="es-AR" sz="3200" dirty="0" err="1" smtClean="0"/>
+              <a:t>templates</a:t>
+            </a:r>
+            <a:r>
+              <a:rPr lang="es-AR" sz="3200" dirty="0" smtClean="0"/>
+              <a:t> para los documentos de pruebas funcionales.</a:t>
+            </a:r>
           </a:p>
           <a:p>
             <a:pPr marL="0" indent="0">
@@ -5610,17 +5625,143 @@
               <a:buFont typeface="Wingdings" pitchFamily="2" charset="2"/>
               <a:buChar char="Ø"/>
             </a:pPr>
-            <a:r>
-              <a:rPr lang="es-AR" sz="3200" dirty="0" smtClean="0"/>
-              <a:t>Establecer criterios globales para cada tipo de documento y asignar la responsabilidad de revisar los mismos antes de enviarlos al cliente.</a:t>
-            </a:r>
+            <a:endParaRPr lang="en-US" sz="3200" dirty="0"/>
+          </a:p>
+          <a:p>
+            <a:pPr marL="0" indent="0">
+              <a:buClr>
+                <a:srgbClr val="00B050"/>
+              </a:buClr>
+              <a:buFont typeface="Wingdings" pitchFamily="2" charset="2"/>
+              <a:buChar char="Ø"/>
+            </a:pPr>
+            <a:r>
+              <a:rPr lang="en-US" sz="3200" dirty="0" smtClean="0"/>
+              <a:t>Responder </a:t>
+            </a:r>
+            <a:r>
+              <a:rPr lang="en-US" sz="3200" dirty="0" err="1" smtClean="0"/>
+              <a:t>más</a:t>
+            </a:r>
+            <a:r>
+              <a:rPr lang="en-US" sz="3200" dirty="0" smtClean="0"/>
+              <a:t> </a:t>
+            </a:r>
+            <a:r>
+              <a:rPr lang="en-US" sz="3200" dirty="0" err="1" smtClean="0"/>
+              <a:t>rápido</a:t>
+            </a:r>
+            <a:r>
+              <a:rPr lang="en-US" sz="3200" dirty="0" smtClean="0"/>
+              <a:t> a los e-mails del </a:t>
+            </a:r>
+            <a:r>
+              <a:rPr lang="en-US" sz="3200" dirty="0" err="1" smtClean="0"/>
+              <a:t>cliente</a:t>
+            </a:r>
+            <a:r>
+              <a:rPr lang="en-US" sz="3200" dirty="0" smtClean="0"/>
+              <a:t>.</a:t>
+            </a:r>
+          </a:p>
+          <a:p>
+            <a:pPr marL="0" indent="0">
+              <a:buClr>
+                <a:srgbClr val="00B050"/>
+              </a:buClr>
+              <a:buFont typeface="Wingdings" pitchFamily="2" charset="2"/>
+              <a:buChar char="Ø"/>
+            </a:pPr>
+            <a:endParaRPr lang="en-US" sz="3200" dirty="0"/>
+          </a:p>
+          <a:p>
+            <a:pPr marL="0" indent="0">
+              <a:buClr>
+                <a:srgbClr val="00B050"/>
+              </a:buClr>
+              <a:buFont typeface="Wingdings" pitchFamily="2" charset="2"/>
+              <a:buChar char="Ø"/>
+            </a:pPr>
+            <a:r>
+              <a:rPr lang="en-US" sz="3200" dirty="0" err="1" smtClean="0"/>
+              <a:t>Detallar</a:t>
+            </a:r>
+            <a:r>
+              <a:rPr lang="en-US" sz="3200" dirty="0" smtClean="0"/>
+              <a:t> </a:t>
+            </a:r>
+            <a:r>
+              <a:rPr lang="en-US" sz="3200" dirty="0" err="1" smtClean="0"/>
+              <a:t>pruebas</a:t>
+            </a:r>
+            <a:r>
+              <a:rPr lang="en-US" sz="3200" dirty="0" smtClean="0"/>
+              <a:t> </a:t>
+            </a:r>
+            <a:r>
+              <a:rPr lang="en-US" sz="3200" dirty="0" err="1" smtClean="0"/>
+              <a:t>funcionales</a:t>
+            </a:r>
+            <a:r>
+              <a:rPr lang="en-US" sz="3200" dirty="0" smtClean="0"/>
+              <a:t> </a:t>
+            </a:r>
+            <a:r>
+              <a:rPr lang="en-US" sz="3200" dirty="0" err="1" smtClean="0"/>
+              <a:t>más</a:t>
+            </a:r>
+            <a:r>
+              <a:rPr lang="en-US" sz="3200" dirty="0" smtClean="0"/>
+              <a:t> </a:t>
+            </a:r>
+            <a:r>
+              <a:rPr lang="en-US" sz="3200" dirty="0" err="1" smtClean="0"/>
+              <a:t>exhaustivas</a:t>
+            </a:r>
+            <a:r>
+              <a:rPr lang="en-US" sz="3200" dirty="0" smtClean="0"/>
+              <a:t> y </a:t>
+            </a:r>
+            <a:r>
+              <a:rPr lang="en-US" sz="3200" dirty="0" err="1" smtClean="0"/>
+              <a:t>hacer</a:t>
+            </a:r>
+            <a:r>
+              <a:rPr lang="en-US" sz="3200" dirty="0" smtClean="0"/>
+              <a:t> </a:t>
+            </a:r>
+            <a:r>
+              <a:rPr lang="en-US" sz="3200" dirty="0" err="1" smtClean="0"/>
+              <a:t>pruebas</a:t>
+            </a:r>
+            <a:r>
+              <a:rPr lang="en-US" sz="3200" dirty="0" smtClean="0"/>
+              <a:t> </a:t>
+            </a:r>
+            <a:r>
+              <a:rPr lang="en-US" sz="3200" dirty="0" err="1" smtClean="0"/>
+              <a:t>exploratorias</a:t>
+            </a:r>
+            <a:r>
+              <a:rPr lang="en-US" sz="3200" dirty="0" smtClean="0"/>
+              <a:t> lo antes </a:t>
+            </a:r>
+            <a:r>
+              <a:rPr lang="en-US" sz="3200" dirty="0" err="1" smtClean="0"/>
+              <a:t>posible</a:t>
+            </a:r>
+            <a:r>
+              <a:rPr lang="en-US" sz="3200" dirty="0" smtClean="0"/>
+              <a:t>.</a:t>
+            </a:r>
+            <a:endParaRPr lang="es-AR" sz="3200" dirty="0" smtClean="0"/>
           </a:p>
         </p:txBody>
       </p:sp>
     </p:spTree>
     <p:extLst>
       <p:ext uri="{BB962C8B-B14F-4D97-AF65-F5344CB8AC3E}">
-        <p14:creationId xmlns:p14="http://schemas.microsoft.com/office/powerpoint/2010/main" xmlns="" val="1461487824"/>
+        <p14:creationId xmlns:p14="http://schemas.microsoft.com/office/powerpoint/2010/main" val="1461487824"/>
       </p:ext>
     </p:extLst>
   </p:cSld>
@@ -5808,7 +5949,7 @@
     </p:spTree>
     <p:extLst>
       <p:ext uri="{BB962C8B-B14F-4D97-AF65-F5344CB8AC3E}">
-        <p14:creationId xmlns:p14="http://schemas.microsoft.com/office/powerpoint/2010/main" xmlns="" val="4068815418"/>
+        <p14:creationId xmlns:p14="http://schemas.microsoft.com/office/powerpoint/2010/main" val="4068815418"/>
       </p:ext>
     </p:extLst>
   </p:cSld>
@@ -5917,7 +6058,7 @@
           <a:blip r:embed="rId2" cstate="print">
             <a:extLst>
               <a:ext uri="{28A0092B-C50C-407E-A947-70E740481C1C}">
-                <a14:useLocalDpi xmlns:a14="http://schemas.microsoft.com/office/drawing/2010/main" xmlns="" val="0"/>
+                <a14:useLocalDpi xmlns:a14="http://schemas.microsoft.com/office/drawing/2010/main" val="0"/>
               </a:ext>
             </a:extLst>
           </a:blip>
@@ -5938,7 +6079,7 @@
     </p:spTree>
     <p:extLst>
       <p:ext uri="{BB962C8B-B14F-4D97-AF65-F5344CB8AC3E}">
-        <p14:creationId xmlns:p14="http://schemas.microsoft.com/office/powerpoint/2010/main" xmlns="" val="3167588023"/>
+        <p14:creationId xmlns:p14="http://schemas.microsoft.com/office/powerpoint/2010/main" val="3167588023"/>
       </p:ext>
     </p:extLst>
   </p:cSld>
@@ -11814,7 +11955,7 @@
     </p:spTree>
     <p:extLst>
       <p:ext uri="{BB962C8B-B14F-4D97-AF65-F5344CB8AC3E}">
-        <p14:creationId xmlns:p14="http://schemas.microsoft.com/office/powerpoint/2010/main" xmlns="" val="1441697277"/>
+        <p14:creationId xmlns:p14="http://schemas.microsoft.com/office/powerpoint/2010/main" val="1441697277"/>
       </p:ext>
     </p:extLst>
   </p:cSld>
@@ -11941,7 +12082,7 @@
     </p:spTree>
     <p:extLst>
       <p:ext uri="{BB962C8B-B14F-4D97-AF65-F5344CB8AC3E}">
-        <p14:creationId xmlns:p14="http://schemas.microsoft.com/office/powerpoint/2010/main" xmlns="" val="3071354459"/>
+        <p14:creationId xmlns:p14="http://schemas.microsoft.com/office/powerpoint/2010/main" val="3071354459"/>
       </p:ext>
     </p:extLst>
   </p:cSld>
@@ -12045,7 +12186,6 @@
               <a:rPr lang="es-AR" sz="2800" dirty="0" smtClean="0"/>
               <a:t>Al tocar un poster podremos ver el detalle de la película con sus funciones y los botones de compartir en las redes sociales.</a:t>
             </a:r>
-            <a:endParaRPr lang="es-AR" sz="2800" dirty="0" smtClean="0"/>
           </a:p>
         </p:txBody>
       </p:sp>
@@ -12116,7 +12256,7 @@
     </p:spTree>
     <p:extLst>
       <p:ext uri="{BB962C8B-B14F-4D97-AF65-F5344CB8AC3E}">
-        <p14:creationId xmlns:p14="http://schemas.microsoft.com/office/powerpoint/2010/main" xmlns="" val="3071354459"/>
+        <p14:creationId xmlns:p14="http://schemas.microsoft.com/office/powerpoint/2010/main" val="3071354459"/>
       </p:ext>
     </p:extLst>
   </p:cSld>
@@ -12242,7 +12382,6 @@
               <a:rPr lang="es-AR" sz="2800" dirty="0" smtClean="0"/>
               <a:t>.</a:t>
             </a:r>
-            <a:endParaRPr lang="es-AR" sz="2800" dirty="0" smtClean="0"/>
           </a:p>
         </p:txBody>
       </p:sp>
@@ -12313,7 +12452,7 @@
     </p:spTree>
     <p:extLst>
       <p:ext uri="{BB962C8B-B14F-4D97-AF65-F5344CB8AC3E}">
-        <p14:creationId xmlns:p14="http://schemas.microsoft.com/office/powerpoint/2010/main" xmlns="" val="3071354459"/>
+        <p14:creationId xmlns:p14="http://schemas.microsoft.com/office/powerpoint/2010/main" val="3071354459"/>
       </p:ext>
     </p:extLst>
   </p:cSld>
@@ -12492,7 +12631,7 @@
     </p:spTree>
     <p:extLst>
       <p:ext uri="{BB962C8B-B14F-4D97-AF65-F5344CB8AC3E}">
-        <p14:creationId xmlns:p14="http://schemas.microsoft.com/office/powerpoint/2010/main" xmlns="" val="3071354459"/>
+        <p14:creationId xmlns:p14="http://schemas.microsoft.com/office/powerpoint/2010/main" val="3071354459"/>
       </p:ext>
     </p:extLst>
   </p:cSld>
@@ -12740,7 +12879,7 @@
   <a:extraClrSchemeLst/>
   <a:extLst>
     <a:ext uri="{05A4C25C-085E-4340-85A3-A5531E510DB2}">
-      <thm15:themeFamily xmlns:thm15="http://schemas.microsoft.com/office/thememl/2012/main" xmlns="" name="Metropolitan" id="{4C5440D6-04D2-4954-96CF-F251137069B2}" vid="{79CFCA13-9412-4290-BB4B-85112F88857B}"/>
+      <thm15:themeFamily xmlns:thm15="http://schemas.microsoft.com/office/thememl/2012/main" name="Metropolitan" id="{4C5440D6-04D2-4954-96CF-F251137069B2}" vid="{79CFCA13-9412-4290-BB4B-85112F88857B}"/>
     </a:ext>
   </a:extLst>
 </a:theme>

--- a/docs/Reuniones/Sprint 3/Reunion Formal 20131021/Reunion Formal.pptx
+++ b/docs/Reuniones/Sprint 3/Reunion Formal 20131021/Reunion Formal.pptx
@@ -5578,13 +5578,8 @@
             </a:pPr>
             <a:r>
               <a:rPr lang="es-AR" sz="3200" dirty="0" smtClean="0"/>
-              <a:t>Realizar estimaciones con SP == 1 </a:t>
-            </a:r>
-            <a:r>
-              <a:rPr lang="es-AR" sz="3200" dirty="0" smtClean="0"/>
-              <a:t>Hora o pasar a usar HH para poder usar estimaciones con números no enteros.</a:t>
-            </a:r>
-            <a:endParaRPr lang="es-AR" sz="3200" dirty="0" smtClean="0"/>
+              <a:t>Realizar estimaciones con SP == 1 Hora o pasar a usar HH para poder usar estimaciones con números no enteros.</a:t>
+            </a:r>
           </a:p>
           <a:p>
             <a:pPr marL="0" indent="0">
@@ -5594,7 +5589,18 @@
               <a:buFont typeface="Wingdings" pitchFamily="2" charset="2"/>
               <a:buChar char="Ø"/>
             </a:pPr>
-            <a:endParaRPr lang="es-AR" sz="3200" dirty="0" smtClean="0"/>
+            <a:r>
+              <a:rPr lang="es-AR" sz="3200" dirty="0" smtClean="0"/>
+              <a:t>Crear </a:t>
+            </a:r>
+            <a:r>
+              <a:rPr lang="es-AR" sz="3200" dirty="0" err="1" smtClean="0"/>
+              <a:t>templates</a:t>
+            </a:r>
+            <a:r>
+              <a:rPr lang="es-AR" sz="3200" dirty="0" smtClean="0"/>
+              <a:t> para los documentos de pruebas funcionales.</a:t>
+            </a:r>
           </a:p>
           <a:p>
             <a:pPr marL="0" indent="0">
@@ -5605,16 +5611,32 @@
               <a:buChar char="Ø"/>
             </a:pPr>
             <a:r>
-              <a:rPr lang="es-AR" sz="3200" dirty="0" smtClean="0"/>
-              <a:t>Crear </a:t>
-            </a:r>
-            <a:r>
-              <a:rPr lang="es-AR" sz="3200" dirty="0" err="1" smtClean="0"/>
-              <a:t>templates</a:t>
-            </a:r>
-            <a:r>
-              <a:rPr lang="es-AR" sz="3200" dirty="0" smtClean="0"/>
-              <a:t> para los documentos de pruebas funcionales.</a:t>
+              <a:rPr lang="en-US" sz="3200" dirty="0" smtClean="0"/>
+              <a:t>Responder </a:t>
+            </a:r>
+            <a:r>
+              <a:rPr lang="en-US" sz="3200" dirty="0" err="1" smtClean="0"/>
+              <a:t>más</a:t>
+            </a:r>
+            <a:r>
+              <a:rPr lang="en-US" sz="3200" dirty="0" smtClean="0"/>
+              <a:t> </a:t>
+            </a:r>
+            <a:r>
+              <a:rPr lang="en-US" sz="3200" dirty="0" err="1" smtClean="0"/>
+              <a:t>rápido</a:t>
+            </a:r>
+            <a:r>
+              <a:rPr lang="en-US" sz="3200" dirty="0" smtClean="0"/>
+              <a:t> a los e-mails del </a:t>
+            </a:r>
+            <a:r>
+              <a:rPr lang="en-US" sz="3200" dirty="0" err="1" smtClean="0"/>
+              <a:t>cliente</a:t>
+            </a:r>
+            <a:r>
+              <a:rPr lang="en-US" sz="3200" dirty="0" smtClean="0"/>
+              <a:t>.</a:t>
             </a:r>
           </a:p>
           <a:p>
@@ -5625,7 +5647,78 @@
               <a:buFont typeface="Wingdings" pitchFamily="2" charset="2"/>
               <a:buChar char="Ø"/>
             </a:pPr>
-            <a:endParaRPr lang="en-US" sz="3200" dirty="0"/>
+            <a:r>
+              <a:rPr lang="en-US" sz="3200" dirty="0" err="1" smtClean="0"/>
+              <a:t>Detallar</a:t>
+            </a:r>
+            <a:r>
+              <a:rPr lang="en-US" sz="3200" dirty="0" smtClean="0"/>
+              <a:t> </a:t>
+            </a:r>
+            <a:r>
+              <a:rPr lang="en-US" sz="3200" dirty="0" err="1" smtClean="0"/>
+              <a:t>pruebas</a:t>
+            </a:r>
+            <a:r>
+              <a:rPr lang="en-US" sz="3200" dirty="0" smtClean="0"/>
+              <a:t> </a:t>
+            </a:r>
+            <a:r>
+              <a:rPr lang="en-US" sz="3200" dirty="0" err="1" smtClean="0"/>
+              <a:t>funcionales</a:t>
+            </a:r>
+            <a:r>
+              <a:rPr lang="en-US" sz="3200" dirty="0" smtClean="0"/>
+              <a:t> </a:t>
+            </a:r>
+            <a:r>
+              <a:rPr lang="en-US" sz="3200" dirty="0" err="1" smtClean="0"/>
+              <a:t>más</a:t>
+            </a:r>
+            <a:r>
+              <a:rPr lang="en-US" sz="3200" dirty="0" smtClean="0"/>
+              <a:t> </a:t>
+            </a:r>
+            <a:r>
+              <a:rPr lang="en-US" sz="3200" dirty="0" err="1" smtClean="0"/>
+              <a:t>exhaustivas</a:t>
+            </a:r>
+            <a:r>
+              <a:rPr lang="en-US" sz="3200" dirty="0" smtClean="0"/>
+              <a:t> y </a:t>
+            </a:r>
+            <a:r>
+              <a:rPr lang="en-US" sz="3200" dirty="0" err="1" smtClean="0"/>
+              <a:t>hacer</a:t>
+            </a:r>
+            <a:r>
+              <a:rPr lang="en-US" sz="3200" dirty="0" smtClean="0"/>
+              <a:t> </a:t>
+            </a:r>
+            <a:r>
+              <a:rPr lang="en-US" sz="3200" dirty="0" err="1" smtClean="0"/>
+              <a:t>pruebas</a:t>
+            </a:r>
+            <a:r>
+              <a:rPr lang="en-US" sz="3200" dirty="0" smtClean="0"/>
+              <a:t> </a:t>
+            </a:r>
+            <a:r>
+              <a:rPr lang="en-US" sz="3200" dirty="0" err="1" smtClean="0"/>
+              <a:t>exploratorias</a:t>
+            </a:r>
+            <a:r>
+              <a:rPr lang="en-US" sz="3200" dirty="0" smtClean="0"/>
+              <a:t> lo antes </a:t>
+            </a:r>
+            <a:r>
+              <a:rPr lang="en-US" sz="3200" dirty="0" err="1" smtClean="0"/>
+              <a:t>posible</a:t>
+            </a:r>
+            <a:r>
+              <a:rPr lang="en-US" sz="3200" dirty="0" smtClean="0"/>
+              <a:t>.</a:t>
+            </a:r>
           </a:p>
           <a:p>
             <a:pPr marL="0" indent="0">
@@ -5636,12 +5729,8 @@
               <a:buChar char="Ø"/>
             </a:pPr>
             <a:r>
-              <a:rPr lang="en-US" sz="3200" dirty="0" smtClean="0"/>
-              <a:t>Responder </a:t>
-            </a:r>
-            <a:r>
               <a:rPr lang="en-US" sz="3200" dirty="0" err="1" smtClean="0"/>
-              <a:t>más</a:t>
+              <a:t>Agregar</a:t>
             </a:r>
             <a:r>
               <a:rPr lang="en-US" sz="3200" dirty="0" smtClean="0"/>
@@ -5649,42 +5738,7 @@
             </a:r>
             <a:r>
               <a:rPr lang="en-US" sz="3200" dirty="0" err="1" smtClean="0"/>
-              <a:t>rápido</a:t>
-            </a:r>
-            <a:r>
-              <a:rPr lang="en-US" sz="3200" dirty="0" smtClean="0"/>
-              <a:t> a los e-mails del </a:t>
-            </a:r>
-            <a:r>
-              <a:rPr lang="en-US" sz="3200" dirty="0" err="1" smtClean="0"/>
-              <a:t>cliente</a:t>
-            </a:r>
-            <a:r>
-              <a:rPr lang="en-US" sz="3200" dirty="0" smtClean="0"/>
-              <a:t>.</a:t>
-            </a:r>
-          </a:p>
-          <a:p>
-            <a:pPr marL="0" indent="0">
-              <a:buClr>
-                <a:srgbClr val="00B050"/>
-              </a:buClr>
-              <a:buFont typeface="Wingdings" pitchFamily="2" charset="2"/>
-              <a:buChar char="Ø"/>
-            </a:pPr>
-            <a:endParaRPr lang="en-US" sz="3200" dirty="0"/>
-          </a:p>
-          <a:p>
-            <a:pPr marL="0" indent="0">
-              <a:buClr>
-                <a:srgbClr val="00B050"/>
-              </a:buClr>
-              <a:buFont typeface="Wingdings" pitchFamily="2" charset="2"/>
-              <a:buChar char="Ø"/>
-            </a:pPr>
-            <a:r>
-              <a:rPr lang="en-US" sz="3200" dirty="0" err="1" smtClean="0"/>
-              <a:t>Detallar</a:t>
+              <a:t>tareas</a:t>
             </a:r>
             <a:r>
               <a:rPr lang="en-US" sz="3200" dirty="0" smtClean="0"/>
@@ -5692,7 +5746,7 @@
             </a:r>
             <a:r>
               <a:rPr lang="en-US" sz="3200" dirty="0" err="1" smtClean="0"/>
-              <a:t>pruebas</a:t>
+              <a:t>las</a:t>
             </a:r>
             <a:r>
               <a:rPr lang="en-US" sz="3200" dirty="0" smtClean="0"/>
@@ -5700,59 +5754,55 @@
             </a:r>
             <a:r>
               <a:rPr lang="en-US" sz="3200" dirty="0" err="1" smtClean="0"/>
-              <a:t>funcionales</a:t>
+              <a:t>tareas</a:t>
             </a:r>
             <a:r>
               <a:rPr lang="en-US" sz="3200" dirty="0" smtClean="0"/>
+              <a:t> de </a:t>
+            </a:r>
+            <a:r>
+              <a:rPr lang="en-US" sz="3200" dirty="0" err="1" smtClean="0"/>
+              <a:t>crear</a:t>
+            </a:r>
+            <a:r>
+              <a:rPr lang="en-US" sz="3200" dirty="0" smtClean="0"/>
+              <a:t> el </a:t>
+            </a:r>
+            <a:r>
+              <a:rPr lang="en-US" sz="3200" dirty="0" err="1" smtClean="0"/>
+              <a:t>análisis</a:t>
+            </a:r>
+            <a:r>
+              <a:rPr lang="en-US" sz="3200" dirty="0" smtClean="0"/>
+              <a:t> de </a:t>
+            </a:r>
+            <a:r>
+              <a:rPr lang="en-US" sz="3200" dirty="0" err="1" smtClean="0"/>
+              <a:t>métricas</a:t>
+            </a:r>
+            <a:r>
+              <a:rPr lang="en-US" sz="3200" dirty="0" smtClean="0"/>
+              <a:t> y los </a:t>
+            </a:r>
+            <a:r>
+              <a:rPr lang="en-US" sz="3200" dirty="0" err="1" smtClean="0"/>
+              <a:t>informes</a:t>
+            </a:r>
+            <a:r>
+              <a:rPr lang="en-US" sz="3200" dirty="0" smtClean="0"/>
+              <a:t> de </a:t>
+            </a:r>
+            <a:r>
+              <a:rPr lang="en-US" sz="3200" dirty="0" err="1" smtClean="0"/>
+              <a:t>avance</a:t>
+            </a:r>
+            <a:r>
+              <a:rPr lang="en-US" sz="3200" dirty="0"/>
               <a:t> </a:t>
             </a:r>
             <a:r>
-              <a:rPr lang="en-US" sz="3200" dirty="0" err="1" smtClean="0"/>
-              <a:t>más</a:t>
-            </a:r>
-            <a:r>
               <a:rPr lang="en-US" sz="3200" dirty="0" smtClean="0"/>
-              <a:t> </a:t>
-            </a:r>
-            <a:r>
-              <a:rPr lang="en-US" sz="3200" dirty="0" err="1" smtClean="0"/>
-              <a:t>exhaustivas</a:t>
-            </a:r>
-            <a:r>
-              <a:rPr lang="en-US" sz="3200" dirty="0" smtClean="0"/>
-              <a:t> y </a:t>
-            </a:r>
-            <a:r>
-              <a:rPr lang="en-US" sz="3200" dirty="0" err="1" smtClean="0"/>
-              <a:t>hacer</a:t>
-            </a:r>
-            <a:r>
-              <a:rPr lang="en-US" sz="3200" dirty="0" smtClean="0"/>
-              <a:t> </a:t>
-            </a:r>
-            <a:r>
-              <a:rPr lang="en-US" sz="3200" dirty="0" err="1" smtClean="0"/>
-              <a:t>pruebas</a:t>
-            </a:r>
-            <a:r>
-              <a:rPr lang="en-US" sz="3200" dirty="0" smtClean="0"/>
-              <a:t> </a:t>
-            </a:r>
-            <a:r>
-              <a:rPr lang="en-US" sz="3200" dirty="0" err="1" smtClean="0"/>
-              <a:t>exploratorias</a:t>
-            </a:r>
-            <a:r>
-              <a:rPr lang="en-US" sz="3200" dirty="0" smtClean="0"/>
-              <a:t> lo antes </a:t>
-            </a:r>
-            <a:r>
-              <a:rPr lang="en-US" sz="3200" dirty="0" err="1" smtClean="0"/>
-              <a:t>posible</a:t>
-            </a:r>
-            <a:r>
-              <a:rPr lang="en-US" sz="3200" dirty="0" smtClean="0"/>
-              <a:t>.</a:t>
+              <a:t>al backlog.</a:t>
             </a:r>
             <a:endParaRPr lang="es-AR" sz="3200" dirty="0" smtClean="0"/>
           </a:p>
